--- a/presentation/Presentation - Group 5.pptx
+++ b/presentation/Presentation - Group 5.pptx
@@ -1,32 +1,39 @@
 
 <file path=ppt/presentation.xml><?xml version="1.0" encoding="utf-8"?>
-<p:presentation xmlns:a="http://schemas.openxmlformats.org/drawingml/2006/main" xmlns:r="http://schemas.openxmlformats.org/officeDocument/2006/relationships" xmlns:mc="http://schemas.openxmlformats.org/markup-compatibility/2006" xmlns:mv="urn:schemas-microsoft-com:mac:vml" xmlns:p="http://schemas.openxmlformats.org/presentationml/2006/main" xmlns:c="http://schemas.openxmlformats.org/drawingml/2006/chart" xmlns:dgm="http://schemas.openxmlformats.org/drawingml/2006/diagram" xmlns:o="urn:schemas-microsoft-com:office:office" xmlns:v="urn:schemas-microsoft-com:vml" xmlns:pvml="urn:schemas-microsoft-com:office:powerpoint" xmlns:com="http://schemas.openxmlformats.org/drawingml/2006/compatibility" xmlns:p14="http://schemas.microsoft.com/office/powerpoint/2010/main" xmlns:p15="http://schemas.microsoft.com/office/powerpoint/2012/main" xmlns:ahyp="http://schemas.microsoft.com/office/drawing/2018/hyperlinkcolor" autoCompressPictures="0" embedTrueTypeFonts="1" strictFirstAndLastChars="0" saveSubsetFonts="1">
+<p:presentation xmlns:a="http://schemas.openxmlformats.org/drawingml/2006/main" xmlns:r="http://schemas.openxmlformats.org/officeDocument/2006/relationships" xmlns:p="http://schemas.openxmlformats.org/presentationml/2006/main" strictFirstAndLastChars="0" embedTrueTypeFonts="1" saveSubsetFonts="1" autoCompressPictures="0">
   <p:sldMasterIdLst>
-    <p:sldMasterId id="2147483659" r:id="rId5"/>
+    <p:sldMasterId id="2147483659" r:id="rId1"/>
   </p:sldMasterIdLst>
   <p:notesMasterIdLst>
-    <p:notesMasterId r:id="rId6"/>
+    <p:notesMasterId r:id="rId15"/>
   </p:notesMasterIdLst>
   <p:sldIdLst>
-    <p:sldId id="256" r:id="rId7"/>
-    <p:sldId id="257" r:id="rId8"/>
-    <p:sldId id="258" r:id="rId9"/>
-    <p:sldId id="259" r:id="rId10"/>
-    <p:sldId id="260" r:id="rId11"/>
-    <p:sldId id="261" r:id="rId12"/>
-    <p:sldId id="262" r:id="rId13"/>
-    <p:sldId id="263" r:id="rId14"/>
-    <p:sldId id="264" r:id="rId15"/>
-    <p:sldId id="265" r:id="rId16"/>
-    <p:sldId id="266" r:id="rId17"/>
-    <p:sldId id="267" r:id="rId18"/>
-    <p:sldId id="268" r:id="rId19"/>
+    <p:sldId id="256" r:id="rId2"/>
+    <p:sldId id="257" r:id="rId3"/>
+    <p:sldId id="258" r:id="rId4"/>
+    <p:sldId id="259" r:id="rId5"/>
+    <p:sldId id="260" r:id="rId6"/>
+    <p:sldId id="261" r:id="rId7"/>
+    <p:sldId id="262" r:id="rId8"/>
+    <p:sldId id="263" r:id="rId9"/>
+    <p:sldId id="264" r:id="rId10"/>
+    <p:sldId id="265" r:id="rId11"/>
+    <p:sldId id="266" r:id="rId12"/>
+    <p:sldId id="267" r:id="rId13"/>
+    <p:sldId id="268" r:id="rId14"/>
   </p:sldIdLst>
-  <p:sldSz cy="5143500" cx="9144000"/>
+  <p:sldSz cx="9144000" cy="5143500" type="screen16x9"/>
   <p:notesSz cx="6858000" cy="9144000"/>
   <p:embeddedFontLst>
     <p:embeddedFont>
-      <p:font typeface="Nunito"/>
+      <p:font typeface="Calibri" panose="020F0502020204030204" pitchFamily="34" charset="0"/>
+      <p:regular r:id="rId16"/>
+      <p:bold r:id="rId17"/>
+      <p:italic r:id="rId18"/>
+      <p:boldItalic r:id="rId19"/>
+    </p:embeddedFont>
+    <p:embeddedFont>
+      <p:font typeface="Nunito" pitchFamily="2" charset="77"/>
       <p:regular r:id="rId20"/>
       <p:bold r:id="rId21"/>
       <p:italic r:id="rId22"/>
@@ -34,7 +41,7 @@
     </p:embeddedFont>
   </p:embeddedFontLst>
   <p:defaultTextStyle>
-    <a:defPPr lvl="0" marR="0" rtl="0" algn="l">
+    <a:defPPr marR="0" lvl="0" algn="l" rtl="0">
       <a:lnSpc>
         <a:spcPct val="100000"/>
       </a:lnSpc>
@@ -45,7 +52,7 @@
         <a:spcPts val="0"/>
       </a:spcAft>
     </a:defPPr>
-    <a:lvl1pPr lvl="0" marR="0" rtl="0" algn="l">
+    <a:lvl1pPr marR="0" lvl="0" algn="l" rtl="0">
       <a:lnSpc>
         <a:spcPct val="100000"/>
       </a:lnSpc>
@@ -59,7 +66,7 @@
         <a:srgbClr val="000000"/>
       </a:buClr>
       <a:buFont typeface="Arial"/>
-      <a:defRPr b="0" i="0" sz="1400" u="none" cap="none" strike="noStrike">
+      <a:defRPr sz="1400" b="0" i="0" u="none" strike="noStrike" cap="none">
         <a:solidFill>
           <a:srgbClr val="000000"/>
         </a:solidFill>
@@ -69,7 +76,7 @@
         <a:sym typeface="Arial"/>
       </a:defRPr>
     </a:lvl1pPr>
-    <a:lvl2pPr lvl="1" marR="0" rtl="0" algn="l">
+    <a:lvl2pPr marR="0" lvl="1" algn="l" rtl="0">
       <a:lnSpc>
         <a:spcPct val="100000"/>
       </a:lnSpc>
@@ -83,7 +90,7 @@
         <a:srgbClr val="000000"/>
       </a:buClr>
       <a:buFont typeface="Arial"/>
-      <a:defRPr b="0" i="0" sz="1400" u="none" cap="none" strike="noStrike">
+      <a:defRPr sz="1400" b="0" i="0" u="none" strike="noStrike" cap="none">
         <a:solidFill>
           <a:srgbClr val="000000"/>
         </a:solidFill>
@@ -93,7 +100,7 @@
         <a:sym typeface="Arial"/>
       </a:defRPr>
     </a:lvl2pPr>
-    <a:lvl3pPr lvl="2" marR="0" rtl="0" algn="l">
+    <a:lvl3pPr marR="0" lvl="2" algn="l" rtl="0">
       <a:lnSpc>
         <a:spcPct val="100000"/>
       </a:lnSpc>
@@ -107,7 +114,7 @@
         <a:srgbClr val="000000"/>
       </a:buClr>
       <a:buFont typeface="Arial"/>
-      <a:defRPr b="0" i="0" sz="1400" u="none" cap="none" strike="noStrike">
+      <a:defRPr sz="1400" b="0" i="0" u="none" strike="noStrike" cap="none">
         <a:solidFill>
           <a:srgbClr val="000000"/>
         </a:solidFill>
@@ -117,7 +124,7 @@
         <a:sym typeface="Arial"/>
       </a:defRPr>
     </a:lvl3pPr>
-    <a:lvl4pPr lvl="3" marR="0" rtl="0" algn="l">
+    <a:lvl4pPr marR="0" lvl="3" algn="l" rtl="0">
       <a:lnSpc>
         <a:spcPct val="100000"/>
       </a:lnSpc>
@@ -131,7 +138,7 @@
         <a:srgbClr val="000000"/>
       </a:buClr>
       <a:buFont typeface="Arial"/>
-      <a:defRPr b="0" i="0" sz="1400" u="none" cap="none" strike="noStrike">
+      <a:defRPr sz="1400" b="0" i="0" u="none" strike="noStrike" cap="none">
         <a:solidFill>
           <a:srgbClr val="000000"/>
         </a:solidFill>
@@ -141,7 +148,7 @@
         <a:sym typeface="Arial"/>
       </a:defRPr>
     </a:lvl4pPr>
-    <a:lvl5pPr lvl="4" marR="0" rtl="0" algn="l">
+    <a:lvl5pPr marR="0" lvl="4" algn="l" rtl="0">
       <a:lnSpc>
         <a:spcPct val="100000"/>
       </a:lnSpc>
@@ -155,7 +162,7 @@
         <a:srgbClr val="000000"/>
       </a:buClr>
       <a:buFont typeface="Arial"/>
-      <a:defRPr b="0" i="0" sz="1400" u="none" cap="none" strike="noStrike">
+      <a:defRPr sz="1400" b="0" i="0" u="none" strike="noStrike" cap="none">
         <a:solidFill>
           <a:srgbClr val="000000"/>
         </a:solidFill>
@@ -165,7 +172,7 @@
         <a:sym typeface="Arial"/>
       </a:defRPr>
     </a:lvl5pPr>
-    <a:lvl6pPr lvl="5" marR="0" rtl="0" algn="l">
+    <a:lvl6pPr marR="0" lvl="5" algn="l" rtl="0">
       <a:lnSpc>
         <a:spcPct val="100000"/>
       </a:lnSpc>
@@ -179,7 +186,7 @@
         <a:srgbClr val="000000"/>
       </a:buClr>
       <a:buFont typeface="Arial"/>
-      <a:defRPr b="0" i="0" sz="1400" u="none" cap="none" strike="noStrike">
+      <a:defRPr sz="1400" b="0" i="0" u="none" strike="noStrike" cap="none">
         <a:solidFill>
           <a:srgbClr val="000000"/>
         </a:solidFill>
@@ -189,7 +196,7 @@
         <a:sym typeface="Arial"/>
       </a:defRPr>
     </a:lvl6pPr>
-    <a:lvl7pPr lvl="6" marR="0" rtl="0" algn="l">
+    <a:lvl7pPr marR="0" lvl="6" algn="l" rtl="0">
       <a:lnSpc>
         <a:spcPct val="100000"/>
       </a:lnSpc>
@@ -203,7 +210,7 @@
         <a:srgbClr val="000000"/>
       </a:buClr>
       <a:buFont typeface="Arial"/>
-      <a:defRPr b="0" i="0" sz="1400" u="none" cap="none" strike="noStrike">
+      <a:defRPr sz="1400" b="0" i="0" u="none" strike="noStrike" cap="none">
         <a:solidFill>
           <a:srgbClr val="000000"/>
         </a:solidFill>
@@ -213,7 +220,7 @@
         <a:sym typeface="Arial"/>
       </a:defRPr>
     </a:lvl7pPr>
-    <a:lvl8pPr lvl="7" marR="0" rtl="0" algn="l">
+    <a:lvl8pPr marR="0" lvl="7" algn="l" rtl="0">
       <a:lnSpc>
         <a:spcPct val="100000"/>
       </a:lnSpc>
@@ -227,7 +234,7 @@
         <a:srgbClr val="000000"/>
       </a:buClr>
       <a:buFont typeface="Arial"/>
-      <a:defRPr b="0" i="0" sz="1400" u="none" cap="none" strike="noStrike">
+      <a:defRPr sz="1400" b="0" i="0" u="none" strike="noStrike" cap="none">
         <a:solidFill>
           <a:srgbClr val="000000"/>
         </a:solidFill>
@@ -237,7 +244,7 @@
         <a:sym typeface="Arial"/>
       </a:defRPr>
     </a:lvl8pPr>
-    <a:lvl9pPr lvl="8" marR="0" rtl="0" algn="l">
+    <a:lvl9pPr marR="0" lvl="8" algn="l" rtl="0">
       <a:lnSpc>
         <a:spcPct val="100000"/>
       </a:lnSpc>
@@ -251,7 +258,7 @@
         <a:srgbClr val="000000"/>
       </a:buClr>
       <a:buFont typeface="Arial"/>
-      <a:defRPr b="0" i="0" sz="1400" u="none" cap="none" strike="noStrike">
+      <a:defRPr sz="1400" b="0" i="0" u="none" strike="noStrike" cap="none">
         <a:solidFill>
           <a:srgbClr val="000000"/>
         </a:solidFill>
@@ -264,7 +271,7 @@
   </p:defaultTextStyle>
   <p:extLst>
     <p:ext uri="{EFAFB233-063F-42B5-8137-9DF3F51BA10A}">
-      <p15:sldGuideLst>
+      <p15:sldGuideLst xmlns:p15="http://schemas.microsoft.com/office/powerpoint/2012/main">
         <p15:guide id="1" orient="horz" pos="1620">
           <p15:clr>
             <a:srgbClr val="A4A3A4"/>
@@ -282,11 +289,16 @@
 </file>
 
 <file path=ppt/notesMasters/notesMaster1.xml><?xml version="1.0" encoding="utf-8"?>
-<p:notesMaster xmlns:a="http://schemas.openxmlformats.org/drawingml/2006/main" xmlns:r="http://schemas.openxmlformats.org/officeDocument/2006/relationships" xmlns:mc="http://schemas.openxmlformats.org/markup-compatibility/2006" xmlns:mv="urn:schemas-microsoft-com:mac:vml" xmlns:p="http://schemas.openxmlformats.org/presentationml/2006/main" xmlns:c="http://schemas.openxmlformats.org/drawingml/2006/chart" xmlns:dgm="http://schemas.openxmlformats.org/drawingml/2006/diagram" xmlns:o="urn:schemas-microsoft-com:office:office" xmlns:v="urn:schemas-microsoft-com:vml" xmlns:pvml="urn:schemas-microsoft-com:office:powerpoint" xmlns:com="http://schemas.openxmlformats.org/drawingml/2006/compatibility" xmlns:p14="http://schemas.microsoft.com/office/powerpoint/2010/main" xmlns:p15="http://schemas.microsoft.com/office/powerpoint/2012/main" xmlns:ahyp="http://schemas.microsoft.com/office/drawing/2018/hyperlinkcolor">
+<p:notesMaster xmlns:a="http://schemas.openxmlformats.org/drawingml/2006/main" xmlns:r="http://schemas.openxmlformats.org/officeDocument/2006/relationships" xmlns:p="http://schemas.openxmlformats.org/presentationml/2006/main">
   <p:cSld>
+    <p:bg>
+      <p:bgRef idx="1001">
+        <a:schemeClr val="bg1"/>
+      </p:bgRef>
+    </p:bg>
     <p:spTree>
       <p:nvGrpSpPr>
-        <p:cNvPr id="2" name="Shape 2"/>
+        <p:cNvPr id="1" name="Shape 2"/>
         <p:cNvGrpSpPr/>
         <p:nvPr/>
       </p:nvGrpSpPr>
@@ -301,9 +313,11 @@
       <p:sp>
         <p:nvSpPr>
           <p:cNvPr id="3" name="Google Shape;3;n"/>
-          <p:cNvSpPr/>
+          <p:cNvSpPr>
+            <a:spLocks noGrp="1" noRot="1" noChangeAspect="1"/>
+          </p:cNvSpPr>
           <p:nvPr>
-            <p:ph idx="2" type="sldImg"/>
+            <p:ph type="sldImg" idx="2"/>
           </p:nvPr>
         </p:nvSpPr>
         <p:spPr>
@@ -312,9 +326,13 @@
             <a:ext cx="6096075" cy="3429000"/>
           </a:xfrm>
           <a:custGeom>
-            <a:rect b="b" l="l" r="r" t="t"/>
+            <a:avLst/>
+            <a:gdLst/>
+            <a:ahLst/>
+            <a:cxnLst/>
+            <a:rect l="l" t="t" r="r" b="b"/>
             <a:pathLst>
-              <a:path extrusionOk="0" h="120000" w="120000">
+              <a:path w="120000" h="120000" extrusionOk="0">
                 <a:moveTo>
                   <a:pt x="0" y="0"/>
                 </a:moveTo>
@@ -332,23 +350,25 @@
             </a:pathLst>
           </a:custGeom>
           <a:noFill/>
-          <a:ln cap="flat" cmpd="sng" w="9525">
+          <a:ln w="9525" cap="flat" cmpd="sng">
             <a:solidFill>
               <a:srgbClr val="000000"/>
             </a:solidFill>
             <a:prstDash val="solid"/>
             <a:round/>
-            <a:headEnd len="sm" w="sm" type="none"/>
-            <a:tailEnd len="sm" w="sm" type="none"/>
+            <a:headEnd type="none" w="sm" len="sm"/>
+            <a:tailEnd type="none" w="sm" len="sm"/>
           </a:ln>
         </p:spPr>
       </p:sp>
       <p:sp>
         <p:nvSpPr>
           <p:cNvPr id="4" name="Google Shape;4;n"/>
-          <p:cNvSpPr txBox="1"/>
+          <p:cNvSpPr txBox="1">
+            <a:spLocks noGrp="1"/>
+          </p:cNvSpPr>
           <p:nvPr>
-            <p:ph idx="1" type="body"/>
+            <p:ph type="body" idx="1"/>
           </p:nvPr>
         </p:nvSpPr>
         <p:spPr>
@@ -365,11 +385,11 @@
           </a:ln>
         </p:spPr>
         <p:txBody>
-          <a:bodyPr anchorCtr="0" anchor="t" bIns="91425" lIns="91425" spcFirstLastPara="1" rIns="91425" wrap="square" tIns="91425">
+          <a:bodyPr spcFirstLastPara="1" wrap="square" lIns="91425" tIns="91425" rIns="91425" bIns="91425" anchor="t" anchorCtr="0">
             <a:noAutofit/>
           </a:bodyPr>
           <a:lstStyle>
-            <a:lvl1pPr indent="-298450" lvl="0" marL="457200">
+            <a:lvl1pPr marL="457200" lvl="0" indent="-298450">
               <a:spcBef>
                 <a:spcPts val="0"/>
               </a:spcBef>
@@ -380,7 +400,7 @@
               <a:buChar char="●"/>
               <a:defRPr sz="1100"/>
             </a:lvl1pPr>
-            <a:lvl2pPr indent="-298450" lvl="1" marL="914400">
+            <a:lvl2pPr marL="914400" lvl="1" indent="-298450">
               <a:spcBef>
                 <a:spcPts val="0"/>
               </a:spcBef>
@@ -391,7 +411,7 @@
               <a:buChar char="○"/>
               <a:defRPr sz="1100"/>
             </a:lvl2pPr>
-            <a:lvl3pPr indent="-298450" lvl="2" marL="1371600">
+            <a:lvl3pPr marL="1371600" lvl="2" indent="-298450">
               <a:spcBef>
                 <a:spcPts val="0"/>
               </a:spcBef>
@@ -402,7 +422,7 @@
               <a:buChar char="■"/>
               <a:defRPr sz="1100"/>
             </a:lvl3pPr>
-            <a:lvl4pPr indent="-298450" lvl="3" marL="1828800">
+            <a:lvl4pPr marL="1828800" lvl="3" indent="-298450">
               <a:spcBef>
                 <a:spcPts val="0"/>
               </a:spcBef>
@@ -413,7 +433,7 @@
               <a:buChar char="●"/>
               <a:defRPr sz="1100"/>
             </a:lvl4pPr>
-            <a:lvl5pPr indent="-298450" lvl="4" marL="2286000">
+            <a:lvl5pPr marL="2286000" lvl="4" indent="-298450">
               <a:spcBef>
                 <a:spcPts val="0"/>
               </a:spcBef>
@@ -424,7 +444,7 @@
               <a:buChar char="○"/>
               <a:defRPr sz="1100"/>
             </a:lvl5pPr>
-            <a:lvl6pPr indent="-298450" lvl="5" marL="2743200">
+            <a:lvl6pPr marL="2743200" lvl="5" indent="-298450">
               <a:spcBef>
                 <a:spcPts val="0"/>
               </a:spcBef>
@@ -435,7 +455,7 @@
               <a:buChar char="■"/>
               <a:defRPr sz="1100"/>
             </a:lvl6pPr>
-            <a:lvl7pPr indent="-298450" lvl="6" marL="3200400">
+            <a:lvl7pPr marL="3200400" lvl="6" indent="-298450">
               <a:spcBef>
                 <a:spcPts val="0"/>
               </a:spcBef>
@@ -446,7 +466,7 @@
               <a:buChar char="●"/>
               <a:defRPr sz="1100"/>
             </a:lvl7pPr>
-            <a:lvl8pPr indent="-298450" lvl="7" marL="3657600">
+            <a:lvl8pPr marL="3657600" lvl="7" indent="-298450">
               <a:spcBef>
                 <a:spcPts val="0"/>
               </a:spcBef>
@@ -457,7 +477,7 @@
               <a:buChar char="○"/>
               <a:defRPr sz="1100"/>
             </a:lvl8pPr>
-            <a:lvl9pPr indent="-298450" lvl="8" marL="4114800">
+            <a:lvl9pPr marL="4114800" lvl="8" indent="-298450">
               <a:spcBef>
                 <a:spcPts val="0"/>
               </a:spcBef>
@@ -469,14 +489,16 @@
               <a:defRPr sz="1100"/>
             </a:lvl9pPr>
           </a:lstStyle>
-          <a:p/>
+          <a:p>
+            <a:endParaRPr/>
+          </a:p>
         </p:txBody>
       </p:sp>
     </p:spTree>
   </p:cSld>
-  <p:clrMap accent1="accent1" accent2="accent2" accent3="accent3" accent4="accent4" accent5="accent5" accent6="accent6" bg1="lt1" bg2="dk2" tx1="dk1" tx2="lt2" folHlink="folHlink" hlink="hlink"/>
+  <p:clrMap bg1="lt1" tx1="dk1" bg2="dk2" tx2="lt2" accent1="accent1" accent2="accent2" accent3="accent3" accent4="accent4" accent5="accent5" accent6="accent6" hlink="hlink" folHlink="folHlink"/>
   <p:notesStyle>
-    <a:defPPr lvl="0" marR="0" rtl="0" algn="l">
+    <a:defPPr marR="0" lvl="0" algn="l" rtl="0">
       <a:lnSpc>
         <a:spcPct val="100000"/>
       </a:lnSpc>
@@ -487,7 +509,7 @@
         <a:spcPts val="0"/>
       </a:spcAft>
     </a:defPPr>
-    <a:lvl1pPr lvl="0" marR="0" rtl="0" algn="l">
+    <a:lvl1pPr marR="0" lvl="0" algn="l" rtl="0">
       <a:lnSpc>
         <a:spcPct val="100000"/>
       </a:lnSpc>
@@ -501,7 +523,7 @@
         <a:srgbClr val="000000"/>
       </a:buClr>
       <a:buFont typeface="Arial"/>
-      <a:defRPr b="0" i="0" sz="1400" u="none" cap="none" strike="noStrike">
+      <a:defRPr sz="1400" b="0" i="0" u="none" strike="noStrike" cap="none">
         <a:solidFill>
           <a:srgbClr val="000000"/>
         </a:solidFill>
@@ -511,7 +533,7 @@
         <a:sym typeface="Arial"/>
       </a:defRPr>
     </a:lvl1pPr>
-    <a:lvl2pPr lvl="1" marR="0" rtl="0" algn="l">
+    <a:lvl2pPr marR="0" lvl="1" algn="l" rtl="0">
       <a:lnSpc>
         <a:spcPct val="100000"/>
       </a:lnSpc>
@@ -525,7 +547,7 @@
         <a:srgbClr val="000000"/>
       </a:buClr>
       <a:buFont typeface="Arial"/>
-      <a:defRPr b="0" i="0" sz="1400" u="none" cap="none" strike="noStrike">
+      <a:defRPr sz="1400" b="0" i="0" u="none" strike="noStrike" cap="none">
         <a:solidFill>
           <a:srgbClr val="000000"/>
         </a:solidFill>
@@ -535,7 +557,7 @@
         <a:sym typeface="Arial"/>
       </a:defRPr>
     </a:lvl2pPr>
-    <a:lvl3pPr lvl="2" marR="0" rtl="0" algn="l">
+    <a:lvl3pPr marR="0" lvl="2" algn="l" rtl="0">
       <a:lnSpc>
         <a:spcPct val="100000"/>
       </a:lnSpc>
@@ -549,7 +571,7 @@
         <a:srgbClr val="000000"/>
       </a:buClr>
       <a:buFont typeface="Arial"/>
-      <a:defRPr b="0" i="0" sz="1400" u="none" cap="none" strike="noStrike">
+      <a:defRPr sz="1400" b="0" i="0" u="none" strike="noStrike" cap="none">
         <a:solidFill>
           <a:srgbClr val="000000"/>
         </a:solidFill>
@@ -559,7 +581,7 @@
         <a:sym typeface="Arial"/>
       </a:defRPr>
     </a:lvl3pPr>
-    <a:lvl4pPr lvl="3" marR="0" rtl="0" algn="l">
+    <a:lvl4pPr marR="0" lvl="3" algn="l" rtl="0">
       <a:lnSpc>
         <a:spcPct val="100000"/>
       </a:lnSpc>
@@ -573,7 +595,7 @@
         <a:srgbClr val="000000"/>
       </a:buClr>
       <a:buFont typeface="Arial"/>
-      <a:defRPr b="0" i="0" sz="1400" u="none" cap="none" strike="noStrike">
+      <a:defRPr sz="1400" b="0" i="0" u="none" strike="noStrike" cap="none">
         <a:solidFill>
           <a:srgbClr val="000000"/>
         </a:solidFill>
@@ -583,7 +605,7 @@
         <a:sym typeface="Arial"/>
       </a:defRPr>
     </a:lvl4pPr>
-    <a:lvl5pPr lvl="4" marR="0" rtl="0" algn="l">
+    <a:lvl5pPr marR="0" lvl="4" algn="l" rtl="0">
       <a:lnSpc>
         <a:spcPct val="100000"/>
       </a:lnSpc>
@@ -597,7 +619,7 @@
         <a:srgbClr val="000000"/>
       </a:buClr>
       <a:buFont typeface="Arial"/>
-      <a:defRPr b="0" i="0" sz="1400" u="none" cap="none" strike="noStrike">
+      <a:defRPr sz="1400" b="0" i="0" u="none" strike="noStrike" cap="none">
         <a:solidFill>
           <a:srgbClr val="000000"/>
         </a:solidFill>
@@ -607,7 +629,7 @@
         <a:sym typeface="Arial"/>
       </a:defRPr>
     </a:lvl5pPr>
-    <a:lvl6pPr lvl="5" marR="0" rtl="0" algn="l">
+    <a:lvl6pPr marR="0" lvl="5" algn="l" rtl="0">
       <a:lnSpc>
         <a:spcPct val="100000"/>
       </a:lnSpc>
@@ -621,7 +643,7 @@
         <a:srgbClr val="000000"/>
       </a:buClr>
       <a:buFont typeface="Arial"/>
-      <a:defRPr b="0" i="0" sz="1400" u="none" cap="none" strike="noStrike">
+      <a:defRPr sz="1400" b="0" i="0" u="none" strike="noStrike" cap="none">
         <a:solidFill>
           <a:srgbClr val="000000"/>
         </a:solidFill>
@@ -631,7 +653,7 @@
         <a:sym typeface="Arial"/>
       </a:defRPr>
     </a:lvl6pPr>
-    <a:lvl7pPr lvl="6" marR="0" rtl="0" algn="l">
+    <a:lvl7pPr marR="0" lvl="6" algn="l" rtl="0">
       <a:lnSpc>
         <a:spcPct val="100000"/>
       </a:lnSpc>
@@ -645,7 +667,7 @@
         <a:srgbClr val="000000"/>
       </a:buClr>
       <a:buFont typeface="Arial"/>
-      <a:defRPr b="0" i="0" sz="1400" u="none" cap="none" strike="noStrike">
+      <a:defRPr sz="1400" b="0" i="0" u="none" strike="noStrike" cap="none">
         <a:solidFill>
           <a:srgbClr val="000000"/>
         </a:solidFill>
@@ -655,7 +677,7 @@
         <a:sym typeface="Arial"/>
       </a:defRPr>
     </a:lvl7pPr>
-    <a:lvl8pPr lvl="7" marR="0" rtl="0" algn="l">
+    <a:lvl8pPr marR="0" lvl="7" algn="l" rtl="0">
       <a:lnSpc>
         <a:spcPct val="100000"/>
       </a:lnSpc>
@@ -669,7 +691,7 @@
         <a:srgbClr val="000000"/>
       </a:buClr>
       <a:buFont typeface="Arial"/>
-      <a:defRPr b="0" i="0" sz="1400" u="none" cap="none" strike="noStrike">
+      <a:defRPr sz="1400" b="0" i="0" u="none" strike="noStrike" cap="none">
         <a:solidFill>
           <a:srgbClr val="000000"/>
         </a:solidFill>
@@ -679,7 +701,7 @@
         <a:sym typeface="Arial"/>
       </a:defRPr>
     </a:lvl8pPr>
-    <a:lvl9pPr lvl="8" marR="0" rtl="0" algn="l">
+    <a:lvl9pPr marR="0" lvl="8" algn="l" rtl="0">
       <a:lnSpc>
         <a:spcPct val="100000"/>
       </a:lnSpc>
@@ -693,7 +715,7 @@
         <a:srgbClr val="000000"/>
       </a:buClr>
       <a:buFont typeface="Arial"/>
-      <a:defRPr b="0" i="0" sz="1400" u="none" cap="none" strike="noStrike">
+      <a:defRPr sz="1400" b="0" i="0" u="none" strike="noStrike" cap="none">
         <a:solidFill>
           <a:srgbClr val="000000"/>
         </a:solidFill>
@@ -708,11 +730,11 @@
 </file>
 
 <file path=ppt/notesSlides/notesSlide1.xml><?xml version="1.0" encoding="utf-8"?>
-<p:notes xmlns:a="http://schemas.openxmlformats.org/drawingml/2006/main" xmlns:r="http://schemas.openxmlformats.org/officeDocument/2006/relationships" xmlns:mc="http://schemas.openxmlformats.org/markup-compatibility/2006" xmlns:mv="urn:schemas-microsoft-com:mac:vml" xmlns:p="http://schemas.openxmlformats.org/presentationml/2006/main" xmlns:c="http://schemas.openxmlformats.org/drawingml/2006/chart" xmlns:dgm="http://schemas.openxmlformats.org/drawingml/2006/diagram" xmlns:o="urn:schemas-microsoft-com:office:office" xmlns:v="urn:schemas-microsoft-com:vml" xmlns:pvml="urn:schemas-microsoft-com:office:powerpoint" xmlns:com="http://schemas.openxmlformats.org/drawingml/2006/compatibility" xmlns:p14="http://schemas.microsoft.com/office/powerpoint/2010/main" xmlns:p15="http://schemas.microsoft.com/office/powerpoint/2012/main" xmlns:ahyp="http://schemas.microsoft.com/office/drawing/2018/hyperlinkcolor" showMasterPhAnim="0" showMasterSp="0">
+<p:notes xmlns:a="http://schemas.openxmlformats.org/drawingml/2006/main" xmlns:r="http://schemas.openxmlformats.org/officeDocument/2006/relationships" xmlns:p="http://schemas.openxmlformats.org/presentationml/2006/main" showMasterSp="0" showMasterPhAnim="0">
   <p:cSld>
     <p:spTree>
       <p:nvGrpSpPr>
-        <p:cNvPr id="124" name="Shape 124"/>
+        <p:cNvPr id="1" name="Shape 124"/>
         <p:cNvGrpSpPr/>
         <p:nvPr/>
       </p:nvGrpSpPr>
@@ -727,20 +749,26 @@
       <p:sp>
         <p:nvSpPr>
           <p:cNvPr id="125" name="Google Shape;125;p:notes"/>
-          <p:cNvSpPr/>
+          <p:cNvSpPr>
+            <a:spLocks noGrp="1" noRot="1" noChangeAspect="1"/>
+          </p:cNvSpPr>
           <p:nvPr>
-            <p:ph idx="2" type="sldImg"/>
+            <p:ph type="sldImg" idx="2"/>
           </p:nvPr>
         </p:nvSpPr>
         <p:spPr>
           <a:xfrm>
-            <a:off x="381300" y="685800"/>
-            <a:ext cx="6096075" cy="3429000"/>
+            <a:off x="381000" y="685800"/>
+            <a:ext cx="6096000" cy="3429000"/>
           </a:xfrm>
           <a:custGeom>
-            <a:rect b="b" l="l" r="r" t="t"/>
+            <a:avLst/>
+            <a:gdLst/>
+            <a:ahLst/>
+            <a:cxnLst/>
+            <a:rect l="l" t="t" r="r" b="b"/>
             <a:pathLst>
-              <a:path extrusionOk="0" h="120000" w="120000">
+              <a:path w="120000" h="120000" extrusionOk="0">
                 <a:moveTo>
                   <a:pt x="0" y="0"/>
                 </a:moveTo>
@@ -762,9 +790,11 @@
       <p:sp>
         <p:nvSpPr>
           <p:cNvPr id="126" name="Google Shape;126;p:notes"/>
-          <p:cNvSpPr txBox="1"/>
+          <p:cNvSpPr txBox="1">
+            <a:spLocks noGrp="1"/>
+          </p:cNvSpPr>
           <p:nvPr>
-            <p:ph idx="1" type="body"/>
+            <p:ph type="body" idx="1"/>
           </p:nvPr>
         </p:nvSpPr>
         <p:spPr>
@@ -777,12 +807,12 @@
           </a:prstGeom>
         </p:spPr>
         <p:txBody>
-          <a:bodyPr anchorCtr="0" anchor="t" bIns="91425" lIns="91425" spcFirstLastPara="1" rIns="91425" wrap="square" tIns="91425">
+          <a:bodyPr spcFirstLastPara="1" wrap="square" lIns="91425" tIns="91425" rIns="91425" bIns="91425" anchor="t" anchorCtr="0">
             <a:noAutofit/>
           </a:bodyPr>
           <a:lstStyle/>
           <a:p>
-            <a:pPr indent="0" lvl="0" marL="0" rtl="0" algn="l">
+            <a:pPr marL="0" lvl="0" indent="0" algn="l" rtl="0">
               <a:spcBef>
                 <a:spcPts val="0"/>
               </a:spcBef>
@@ -791,9 +821,6 @@
               </a:spcAft>
               <a:buNone/>
             </a:pPr>
-            <a:r>
-              <a:t/>
-            </a:r>
             <a:endParaRPr/>
           </a:p>
         </p:txBody>
@@ -807,11 +834,11 @@
 </file>
 
 <file path=ppt/notesSlides/notesSlide10.xml><?xml version="1.0" encoding="utf-8"?>
-<p:notes xmlns:a="http://schemas.openxmlformats.org/drawingml/2006/main" xmlns:r="http://schemas.openxmlformats.org/officeDocument/2006/relationships" xmlns:mc="http://schemas.openxmlformats.org/markup-compatibility/2006" xmlns:mv="urn:schemas-microsoft-com:mac:vml" xmlns:p="http://schemas.openxmlformats.org/presentationml/2006/main" xmlns:c="http://schemas.openxmlformats.org/drawingml/2006/chart" xmlns:dgm="http://schemas.openxmlformats.org/drawingml/2006/diagram" xmlns:o="urn:schemas-microsoft-com:office:office" xmlns:v="urn:schemas-microsoft-com:vml" xmlns:pvml="urn:schemas-microsoft-com:office:powerpoint" xmlns:com="http://schemas.openxmlformats.org/drawingml/2006/compatibility" xmlns:p14="http://schemas.microsoft.com/office/powerpoint/2010/main" xmlns:p15="http://schemas.microsoft.com/office/powerpoint/2012/main" xmlns:ahyp="http://schemas.microsoft.com/office/drawing/2018/hyperlinkcolor" showMasterPhAnim="0" showMasterSp="0">
+<p:notes xmlns:a="http://schemas.openxmlformats.org/drawingml/2006/main" xmlns:r="http://schemas.openxmlformats.org/officeDocument/2006/relationships" xmlns:p="http://schemas.openxmlformats.org/presentationml/2006/main" showMasterSp="0" showMasterPhAnim="0">
   <p:cSld>
     <p:spTree>
       <p:nvGrpSpPr>
-        <p:cNvPr id="199" name="Shape 199"/>
+        <p:cNvPr id="1" name="Shape 199"/>
         <p:cNvGrpSpPr/>
         <p:nvPr/>
       </p:nvGrpSpPr>
@@ -826,20 +853,26 @@
       <p:sp>
         <p:nvSpPr>
           <p:cNvPr id="200" name="Google Shape;200;g10b68c84fa6_5_0:notes"/>
-          <p:cNvSpPr/>
+          <p:cNvSpPr>
+            <a:spLocks noGrp="1" noRot="1" noChangeAspect="1"/>
+          </p:cNvSpPr>
           <p:nvPr>
-            <p:ph idx="2" type="sldImg"/>
+            <p:ph type="sldImg" idx="2"/>
           </p:nvPr>
         </p:nvSpPr>
         <p:spPr>
           <a:xfrm>
-            <a:off x="381300" y="685800"/>
+            <a:off x="381000" y="685800"/>
             <a:ext cx="6096000" cy="3429000"/>
           </a:xfrm>
           <a:custGeom>
-            <a:rect b="b" l="l" r="r" t="t"/>
+            <a:avLst/>
+            <a:gdLst/>
+            <a:ahLst/>
+            <a:cxnLst/>
+            <a:rect l="l" t="t" r="r" b="b"/>
             <a:pathLst>
-              <a:path extrusionOk="0" h="120000" w="120000">
+              <a:path w="120000" h="120000" extrusionOk="0">
                 <a:moveTo>
                   <a:pt x="0" y="0"/>
                 </a:moveTo>
@@ -861,9 +894,11 @@
       <p:sp>
         <p:nvSpPr>
           <p:cNvPr id="201" name="Google Shape;201;g10b68c84fa6_5_0:notes"/>
-          <p:cNvSpPr txBox="1"/>
+          <p:cNvSpPr txBox="1">
+            <a:spLocks noGrp="1"/>
+          </p:cNvSpPr>
           <p:nvPr>
-            <p:ph idx="1" type="body"/>
+            <p:ph type="body" idx="1"/>
           </p:nvPr>
         </p:nvSpPr>
         <p:spPr>
@@ -876,12 +911,12 @@
           </a:prstGeom>
         </p:spPr>
         <p:txBody>
-          <a:bodyPr anchorCtr="0" anchor="t" bIns="91425" lIns="91425" spcFirstLastPara="1" rIns="91425" wrap="square" tIns="91425">
+          <a:bodyPr spcFirstLastPara="1" wrap="square" lIns="91425" tIns="91425" rIns="91425" bIns="91425" anchor="t" anchorCtr="0">
             <a:noAutofit/>
           </a:bodyPr>
           <a:lstStyle/>
           <a:p>
-            <a:pPr indent="0" lvl="0" marL="0" rtl="0" algn="l">
+            <a:pPr marL="0" lvl="0" indent="0" algn="l" rtl="0">
               <a:spcBef>
                 <a:spcPts val="0"/>
               </a:spcBef>
@@ -890,9 +925,6 @@
               </a:spcAft>
               <a:buNone/>
             </a:pPr>
-            <a:r>
-              <a:t/>
-            </a:r>
             <a:endParaRPr/>
           </a:p>
         </p:txBody>
@@ -906,11 +938,11 @@
 </file>
 
 <file path=ppt/notesSlides/notesSlide11.xml><?xml version="1.0" encoding="utf-8"?>
-<p:notes xmlns:a="http://schemas.openxmlformats.org/drawingml/2006/main" xmlns:r="http://schemas.openxmlformats.org/officeDocument/2006/relationships" xmlns:mc="http://schemas.openxmlformats.org/markup-compatibility/2006" xmlns:mv="urn:schemas-microsoft-com:mac:vml" xmlns:p="http://schemas.openxmlformats.org/presentationml/2006/main" xmlns:c="http://schemas.openxmlformats.org/drawingml/2006/chart" xmlns:dgm="http://schemas.openxmlformats.org/drawingml/2006/diagram" xmlns:o="urn:schemas-microsoft-com:office:office" xmlns:v="urn:schemas-microsoft-com:vml" xmlns:pvml="urn:schemas-microsoft-com:office:powerpoint" xmlns:com="http://schemas.openxmlformats.org/drawingml/2006/compatibility" xmlns:p14="http://schemas.microsoft.com/office/powerpoint/2010/main" xmlns:p15="http://schemas.microsoft.com/office/powerpoint/2012/main" xmlns:ahyp="http://schemas.microsoft.com/office/drawing/2018/hyperlinkcolor" showMasterPhAnim="0" showMasterSp="0">
+<p:notes xmlns:a="http://schemas.openxmlformats.org/drawingml/2006/main" xmlns:r="http://schemas.openxmlformats.org/officeDocument/2006/relationships" xmlns:p="http://schemas.openxmlformats.org/presentationml/2006/main" showMasterSp="0" showMasterPhAnim="0">
   <p:cSld>
     <p:spTree>
       <p:nvGrpSpPr>
-        <p:cNvPr id="206" name="Shape 206"/>
+        <p:cNvPr id="1" name="Shape 206"/>
         <p:cNvGrpSpPr/>
         <p:nvPr/>
       </p:nvGrpSpPr>
@@ -925,20 +957,26 @@
       <p:sp>
         <p:nvSpPr>
           <p:cNvPr id="207" name="Google Shape;207;g10b68c84fa6_5_8:notes"/>
-          <p:cNvSpPr/>
+          <p:cNvSpPr>
+            <a:spLocks noGrp="1" noRot="1" noChangeAspect="1"/>
+          </p:cNvSpPr>
           <p:nvPr>
-            <p:ph idx="2" type="sldImg"/>
+            <p:ph type="sldImg" idx="2"/>
           </p:nvPr>
         </p:nvSpPr>
         <p:spPr>
           <a:xfrm>
-            <a:off x="381300" y="685800"/>
+            <a:off x="381000" y="685800"/>
             <a:ext cx="6096000" cy="3429000"/>
           </a:xfrm>
           <a:custGeom>
-            <a:rect b="b" l="l" r="r" t="t"/>
+            <a:avLst/>
+            <a:gdLst/>
+            <a:ahLst/>
+            <a:cxnLst/>
+            <a:rect l="l" t="t" r="r" b="b"/>
             <a:pathLst>
-              <a:path extrusionOk="0" h="120000" w="120000">
+              <a:path w="120000" h="120000" extrusionOk="0">
                 <a:moveTo>
                   <a:pt x="0" y="0"/>
                 </a:moveTo>
@@ -960,9 +998,11 @@
       <p:sp>
         <p:nvSpPr>
           <p:cNvPr id="208" name="Google Shape;208;g10b68c84fa6_5_8:notes"/>
-          <p:cNvSpPr txBox="1"/>
+          <p:cNvSpPr txBox="1">
+            <a:spLocks noGrp="1"/>
+          </p:cNvSpPr>
           <p:nvPr>
-            <p:ph idx="1" type="body"/>
+            <p:ph type="body" idx="1"/>
           </p:nvPr>
         </p:nvSpPr>
         <p:spPr>
@@ -975,12 +1015,12 @@
           </a:prstGeom>
         </p:spPr>
         <p:txBody>
-          <a:bodyPr anchorCtr="0" anchor="t" bIns="91425" lIns="91425" spcFirstLastPara="1" rIns="91425" wrap="square" tIns="91425">
+          <a:bodyPr spcFirstLastPara="1" wrap="square" lIns="91425" tIns="91425" rIns="91425" bIns="91425" anchor="t" anchorCtr="0">
             <a:noAutofit/>
           </a:bodyPr>
           <a:lstStyle/>
           <a:p>
-            <a:pPr indent="0" lvl="0" marL="0" rtl="0" algn="l">
+            <a:pPr marL="0" lvl="0" indent="0" algn="l" rtl="0">
               <a:spcBef>
                 <a:spcPts val="0"/>
               </a:spcBef>
@@ -989,9 +1029,6 @@
               </a:spcAft>
               <a:buNone/>
             </a:pPr>
-            <a:r>
-              <a:t/>
-            </a:r>
             <a:endParaRPr/>
           </a:p>
         </p:txBody>
@@ -1005,11 +1042,11 @@
 </file>
 
 <file path=ppt/notesSlides/notesSlide12.xml><?xml version="1.0" encoding="utf-8"?>
-<p:notes xmlns:a="http://schemas.openxmlformats.org/drawingml/2006/main" xmlns:r="http://schemas.openxmlformats.org/officeDocument/2006/relationships" xmlns:mc="http://schemas.openxmlformats.org/markup-compatibility/2006" xmlns:mv="urn:schemas-microsoft-com:mac:vml" xmlns:p="http://schemas.openxmlformats.org/presentationml/2006/main" xmlns:c="http://schemas.openxmlformats.org/drawingml/2006/chart" xmlns:dgm="http://schemas.openxmlformats.org/drawingml/2006/diagram" xmlns:o="urn:schemas-microsoft-com:office:office" xmlns:v="urn:schemas-microsoft-com:vml" xmlns:pvml="urn:schemas-microsoft-com:office:powerpoint" xmlns:com="http://schemas.openxmlformats.org/drawingml/2006/compatibility" xmlns:p14="http://schemas.microsoft.com/office/powerpoint/2010/main" xmlns:p15="http://schemas.microsoft.com/office/powerpoint/2012/main" xmlns:ahyp="http://schemas.microsoft.com/office/drawing/2018/hyperlinkcolor" showMasterPhAnim="0" showMasterSp="0">
+<p:notes xmlns:a="http://schemas.openxmlformats.org/drawingml/2006/main" xmlns:r="http://schemas.openxmlformats.org/officeDocument/2006/relationships" xmlns:p="http://schemas.openxmlformats.org/presentationml/2006/main" showMasterSp="0" showMasterPhAnim="0">
   <p:cSld>
     <p:spTree>
       <p:nvGrpSpPr>
-        <p:cNvPr id="213" name="Shape 213"/>
+        <p:cNvPr id="1" name="Shape 213"/>
         <p:cNvGrpSpPr/>
         <p:nvPr/>
       </p:nvGrpSpPr>
@@ -1024,20 +1061,26 @@
       <p:sp>
         <p:nvSpPr>
           <p:cNvPr id="214" name="Google Shape;214;g10b68c84fa6_2_986:notes"/>
-          <p:cNvSpPr/>
+          <p:cNvSpPr>
+            <a:spLocks noGrp="1" noRot="1" noChangeAspect="1"/>
+          </p:cNvSpPr>
           <p:nvPr>
-            <p:ph idx="2" type="sldImg"/>
+            <p:ph type="sldImg" idx="2"/>
           </p:nvPr>
         </p:nvSpPr>
         <p:spPr>
           <a:xfrm>
-            <a:off x="381300" y="685800"/>
+            <a:off x="381000" y="685800"/>
             <a:ext cx="6096000" cy="3429000"/>
           </a:xfrm>
           <a:custGeom>
-            <a:rect b="b" l="l" r="r" t="t"/>
+            <a:avLst/>
+            <a:gdLst/>
+            <a:ahLst/>
+            <a:cxnLst/>
+            <a:rect l="l" t="t" r="r" b="b"/>
             <a:pathLst>
-              <a:path extrusionOk="0" h="120000" w="120000">
+              <a:path w="120000" h="120000" extrusionOk="0">
                 <a:moveTo>
                   <a:pt x="0" y="0"/>
                 </a:moveTo>
@@ -1059,9 +1102,11 @@
       <p:sp>
         <p:nvSpPr>
           <p:cNvPr id="215" name="Google Shape;215;g10b68c84fa6_2_986:notes"/>
-          <p:cNvSpPr txBox="1"/>
+          <p:cNvSpPr txBox="1">
+            <a:spLocks noGrp="1"/>
+          </p:cNvSpPr>
           <p:nvPr>
-            <p:ph idx="1" type="body"/>
+            <p:ph type="body" idx="1"/>
           </p:nvPr>
         </p:nvSpPr>
         <p:spPr>
@@ -1074,12 +1119,12 @@
           </a:prstGeom>
         </p:spPr>
         <p:txBody>
-          <a:bodyPr anchorCtr="0" anchor="t" bIns="91425" lIns="91425" spcFirstLastPara="1" rIns="91425" wrap="square" tIns="91425">
+          <a:bodyPr spcFirstLastPara="1" wrap="square" lIns="91425" tIns="91425" rIns="91425" bIns="91425" anchor="t" anchorCtr="0">
             <a:noAutofit/>
           </a:bodyPr>
           <a:lstStyle/>
           <a:p>
-            <a:pPr indent="0" lvl="0" marL="0" rtl="0" algn="l">
+            <a:pPr marL="0" lvl="0" indent="0" algn="l" rtl="0">
               <a:spcBef>
                 <a:spcPts val="0"/>
               </a:spcBef>
@@ -1088,9 +1133,6 @@
               </a:spcAft>
               <a:buNone/>
             </a:pPr>
-            <a:r>
-              <a:t/>
-            </a:r>
             <a:endParaRPr/>
           </a:p>
         </p:txBody>
@@ -1104,11 +1146,11 @@
 </file>
 
 <file path=ppt/notesSlides/notesSlide13.xml><?xml version="1.0" encoding="utf-8"?>
-<p:notes xmlns:a="http://schemas.openxmlformats.org/drawingml/2006/main" xmlns:r="http://schemas.openxmlformats.org/officeDocument/2006/relationships" xmlns:mc="http://schemas.openxmlformats.org/markup-compatibility/2006" xmlns:mv="urn:schemas-microsoft-com:mac:vml" xmlns:p="http://schemas.openxmlformats.org/presentationml/2006/main" xmlns:c="http://schemas.openxmlformats.org/drawingml/2006/chart" xmlns:dgm="http://schemas.openxmlformats.org/drawingml/2006/diagram" xmlns:o="urn:schemas-microsoft-com:office:office" xmlns:v="urn:schemas-microsoft-com:vml" xmlns:pvml="urn:schemas-microsoft-com:office:powerpoint" xmlns:com="http://schemas.openxmlformats.org/drawingml/2006/compatibility" xmlns:p14="http://schemas.microsoft.com/office/powerpoint/2010/main" xmlns:p15="http://schemas.microsoft.com/office/powerpoint/2012/main" xmlns:ahyp="http://schemas.microsoft.com/office/drawing/2018/hyperlinkcolor" showMasterPhAnim="0" showMasterSp="0">
+<p:notes xmlns:a="http://schemas.openxmlformats.org/drawingml/2006/main" xmlns:r="http://schemas.openxmlformats.org/officeDocument/2006/relationships" xmlns:p="http://schemas.openxmlformats.org/presentationml/2006/main" showMasterSp="0" showMasterPhAnim="0">
   <p:cSld>
     <p:spTree>
       <p:nvGrpSpPr>
-        <p:cNvPr id="220" name="Shape 220"/>
+        <p:cNvPr id="1" name="Shape 220"/>
         <p:cNvGrpSpPr/>
         <p:nvPr/>
       </p:nvGrpSpPr>
@@ -1123,9 +1165,11 @@
       <p:sp>
         <p:nvSpPr>
           <p:cNvPr id="221" name="Google Shape;221;g10b663f7150_0_5:notes"/>
-          <p:cNvSpPr/>
+          <p:cNvSpPr>
+            <a:spLocks noGrp="1" noRot="1" noChangeAspect="1"/>
+          </p:cNvSpPr>
           <p:nvPr>
-            <p:ph idx="2" type="sldImg"/>
+            <p:ph type="sldImg" idx="2"/>
           </p:nvPr>
         </p:nvSpPr>
         <p:spPr>
@@ -1134,9 +1178,13 @@
             <a:ext cx="6096000" cy="3429000"/>
           </a:xfrm>
           <a:custGeom>
-            <a:rect b="b" l="l" r="r" t="t"/>
+            <a:avLst/>
+            <a:gdLst/>
+            <a:ahLst/>
+            <a:cxnLst/>
+            <a:rect l="l" t="t" r="r" b="b"/>
             <a:pathLst>
-              <a:path extrusionOk="0" h="120000" w="120000">
+              <a:path w="120000" h="120000" extrusionOk="0">
                 <a:moveTo>
                   <a:pt x="0" y="0"/>
                 </a:moveTo>
@@ -1158,9 +1206,11 @@
       <p:sp>
         <p:nvSpPr>
           <p:cNvPr id="222" name="Google Shape;222;g10b663f7150_0_5:notes"/>
-          <p:cNvSpPr txBox="1"/>
+          <p:cNvSpPr txBox="1">
+            <a:spLocks noGrp="1"/>
+          </p:cNvSpPr>
           <p:nvPr>
-            <p:ph idx="1" type="body"/>
+            <p:ph type="body" idx="1"/>
           </p:nvPr>
         </p:nvSpPr>
         <p:spPr>
@@ -1173,12 +1223,12 @@
           </a:prstGeom>
         </p:spPr>
         <p:txBody>
-          <a:bodyPr anchorCtr="0" anchor="t" bIns="91425" lIns="91425" spcFirstLastPara="1" rIns="91425" wrap="square" tIns="91425">
+          <a:bodyPr spcFirstLastPara="1" wrap="square" lIns="91425" tIns="91425" rIns="91425" bIns="91425" anchor="t" anchorCtr="0">
             <a:noAutofit/>
           </a:bodyPr>
           <a:lstStyle/>
           <a:p>
-            <a:pPr indent="0" lvl="0" marL="0" rtl="0" algn="l">
+            <a:pPr marL="0" lvl="0" indent="0" algn="l" rtl="0">
               <a:spcBef>
                 <a:spcPts val="0"/>
               </a:spcBef>
@@ -1187,9 +1237,6 @@
               </a:spcAft>
               <a:buNone/>
             </a:pPr>
-            <a:r>
-              <a:t/>
-            </a:r>
             <a:endParaRPr/>
           </a:p>
         </p:txBody>
@@ -1203,11 +1250,11 @@
 </file>
 
 <file path=ppt/notesSlides/notesSlide2.xml><?xml version="1.0" encoding="utf-8"?>
-<p:notes xmlns:a="http://schemas.openxmlformats.org/drawingml/2006/main" xmlns:r="http://schemas.openxmlformats.org/officeDocument/2006/relationships" xmlns:mc="http://schemas.openxmlformats.org/markup-compatibility/2006" xmlns:mv="urn:schemas-microsoft-com:mac:vml" xmlns:p="http://schemas.openxmlformats.org/presentationml/2006/main" xmlns:c="http://schemas.openxmlformats.org/drawingml/2006/chart" xmlns:dgm="http://schemas.openxmlformats.org/drawingml/2006/diagram" xmlns:o="urn:schemas-microsoft-com:office:office" xmlns:v="urn:schemas-microsoft-com:vml" xmlns:pvml="urn:schemas-microsoft-com:office:powerpoint" xmlns:com="http://schemas.openxmlformats.org/drawingml/2006/compatibility" xmlns:p14="http://schemas.microsoft.com/office/powerpoint/2010/main" xmlns:p15="http://schemas.microsoft.com/office/powerpoint/2012/main" xmlns:ahyp="http://schemas.microsoft.com/office/drawing/2018/hyperlinkcolor" showMasterPhAnim="0" showMasterSp="0">
+<p:notes xmlns:a="http://schemas.openxmlformats.org/drawingml/2006/main" xmlns:r="http://schemas.openxmlformats.org/officeDocument/2006/relationships" xmlns:p="http://schemas.openxmlformats.org/presentationml/2006/main" showMasterSp="0" showMasterPhAnim="0">
   <p:cSld>
     <p:spTree>
       <p:nvGrpSpPr>
-        <p:cNvPr id="130" name="Shape 130"/>
+        <p:cNvPr id="1" name="Shape 130"/>
         <p:cNvGrpSpPr/>
         <p:nvPr/>
       </p:nvGrpSpPr>
@@ -1222,20 +1269,26 @@
       <p:sp>
         <p:nvSpPr>
           <p:cNvPr id="131" name="Google Shape;131;g10b68c84fa6_2_10:notes"/>
-          <p:cNvSpPr/>
+          <p:cNvSpPr>
+            <a:spLocks noGrp="1" noRot="1" noChangeAspect="1"/>
+          </p:cNvSpPr>
           <p:nvPr>
-            <p:ph idx="2" type="sldImg"/>
+            <p:ph type="sldImg" idx="2"/>
           </p:nvPr>
         </p:nvSpPr>
         <p:spPr>
           <a:xfrm>
-            <a:off x="381300" y="685800"/>
+            <a:off x="381000" y="685800"/>
             <a:ext cx="6096000" cy="3429000"/>
           </a:xfrm>
           <a:custGeom>
-            <a:rect b="b" l="l" r="r" t="t"/>
+            <a:avLst/>
+            <a:gdLst/>
+            <a:ahLst/>
+            <a:cxnLst/>
+            <a:rect l="l" t="t" r="r" b="b"/>
             <a:pathLst>
-              <a:path extrusionOk="0" h="120000" w="120000">
+              <a:path w="120000" h="120000" extrusionOk="0">
                 <a:moveTo>
                   <a:pt x="0" y="0"/>
                 </a:moveTo>
@@ -1257,9 +1310,11 @@
       <p:sp>
         <p:nvSpPr>
           <p:cNvPr id="132" name="Google Shape;132;g10b68c84fa6_2_10:notes"/>
-          <p:cNvSpPr txBox="1"/>
+          <p:cNvSpPr txBox="1">
+            <a:spLocks noGrp="1"/>
+          </p:cNvSpPr>
           <p:nvPr>
-            <p:ph idx="1" type="body"/>
+            <p:ph type="body" idx="1"/>
           </p:nvPr>
         </p:nvSpPr>
         <p:spPr>
@@ -1272,12 +1327,12 @@
           </a:prstGeom>
         </p:spPr>
         <p:txBody>
-          <a:bodyPr anchorCtr="0" anchor="t" bIns="91425" lIns="91425" spcFirstLastPara="1" rIns="91425" wrap="square" tIns="91425">
+          <a:bodyPr spcFirstLastPara="1" wrap="square" lIns="91425" tIns="91425" rIns="91425" bIns="91425" anchor="t" anchorCtr="0">
             <a:noAutofit/>
           </a:bodyPr>
           <a:lstStyle/>
           <a:p>
-            <a:pPr indent="0" lvl="0" marL="0" rtl="0" algn="l">
+            <a:pPr marL="0" lvl="0" indent="0" algn="l" rtl="0">
               <a:spcBef>
                 <a:spcPts val="0"/>
               </a:spcBef>
@@ -1286,9 +1341,6 @@
               </a:spcAft>
               <a:buNone/>
             </a:pPr>
-            <a:r>
-              <a:t/>
-            </a:r>
             <a:endParaRPr/>
           </a:p>
         </p:txBody>
@@ -1302,11 +1354,11 @@
 </file>
 
 <file path=ppt/notesSlides/notesSlide3.xml><?xml version="1.0" encoding="utf-8"?>
-<p:notes xmlns:a="http://schemas.openxmlformats.org/drawingml/2006/main" xmlns:r="http://schemas.openxmlformats.org/officeDocument/2006/relationships" xmlns:mc="http://schemas.openxmlformats.org/markup-compatibility/2006" xmlns:mv="urn:schemas-microsoft-com:mac:vml" xmlns:p="http://schemas.openxmlformats.org/presentationml/2006/main" xmlns:c="http://schemas.openxmlformats.org/drawingml/2006/chart" xmlns:dgm="http://schemas.openxmlformats.org/drawingml/2006/diagram" xmlns:o="urn:schemas-microsoft-com:office:office" xmlns:v="urn:schemas-microsoft-com:vml" xmlns:pvml="urn:schemas-microsoft-com:office:powerpoint" xmlns:com="http://schemas.openxmlformats.org/drawingml/2006/compatibility" xmlns:p14="http://schemas.microsoft.com/office/powerpoint/2010/main" xmlns:p15="http://schemas.microsoft.com/office/powerpoint/2012/main" xmlns:ahyp="http://schemas.microsoft.com/office/drawing/2018/hyperlinkcolor" showMasterPhAnim="0" showMasterSp="0">
+<p:notes xmlns:a="http://schemas.openxmlformats.org/drawingml/2006/main" xmlns:r="http://schemas.openxmlformats.org/officeDocument/2006/relationships" xmlns:p="http://schemas.openxmlformats.org/presentationml/2006/main" showMasterSp="0" showMasterPhAnim="0">
   <p:cSld>
     <p:spTree>
       <p:nvGrpSpPr>
-        <p:cNvPr id="137" name="Shape 137"/>
+        <p:cNvPr id="1" name="Shape 137"/>
         <p:cNvGrpSpPr/>
         <p:nvPr/>
       </p:nvGrpSpPr>
@@ -1321,9 +1373,11 @@
       <p:sp>
         <p:nvSpPr>
           <p:cNvPr id="138" name="Google Shape;138;g10b663f7150_6_2:notes"/>
-          <p:cNvSpPr/>
+          <p:cNvSpPr>
+            <a:spLocks noGrp="1" noRot="1" noChangeAspect="1"/>
+          </p:cNvSpPr>
           <p:nvPr>
-            <p:ph idx="2" type="sldImg"/>
+            <p:ph type="sldImg" idx="2"/>
           </p:nvPr>
         </p:nvSpPr>
         <p:spPr>
@@ -1332,9 +1386,13 @@
             <a:ext cx="6096000" cy="3429000"/>
           </a:xfrm>
           <a:custGeom>
-            <a:rect b="b" l="l" r="r" t="t"/>
+            <a:avLst/>
+            <a:gdLst/>
+            <a:ahLst/>
+            <a:cxnLst/>
+            <a:rect l="l" t="t" r="r" b="b"/>
             <a:pathLst>
-              <a:path extrusionOk="0" h="120000" w="120000">
+              <a:path w="120000" h="120000" extrusionOk="0">
                 <a:moveTo>
                   <a:pt x="0" y="0"/>
                 </a:moveTo>
@@ -1356,9 +1414,11 @@
       <p:sp>
         <p:nvSpPr>
           <p:cNvPr id="139" name="Google Shape;139;g10b663f7150_6_2:notes"/>
-          <p:cNvSpPr txBox="1"/>
+          <p:cNvSpPr txBox="1">
+            <a:spLocks noGrp="1"/>
+          </p:cNvSpPr>
           <p:nvPr>
-            <p:ph idx="1" type="body"/>
+            <p:ph type="body" idx="1"/>
           </p:nvPr>
         </p:nvSpPr>
         <p:spPr>
@@ -1371,12 +1431,12 @@
           </a:prstGeom>
         </p:spPr>
         <p:txBody>
-          <a:bodyPr anchorCtr="0" anchor="t" bIns="91425" lIns="91425" spcFirstLastPara="1" rIns="91425" wrap="square" tIns="91425">
+          <a:bodyPr spcFirstLastPara="1" wrap="square" lIns="91425" tIns="91425" rIns="91425" bIns="91425" anchor="t" anchorCtr="0">
             <a:noAutofit/>
           </a:bodyPr>
           <a:lstStyle/>
           <a:p>
-            <a:pPr indent="0" lvl="0" marL="0" rtl="0" algn="l">
+            <a:pPr marL="0" lvl="0" indent="0" algn="l" rtl="0">
               <a:spcBef>
                 <a:spcPts val="0"/>
               </a:spcBef>
@@ -1385,9 +1445,6 @@
               </a:spcAft>
               <a:buNone/>
             </a:pPr>
-            <a:r>
-              <a:t/>
-            </a:r>
             <a:endParaRPr/>
           </a:p>
         </p:txBody>
@@ -1401,11 +1458,11 @@
 </file>
 
 <file path=ppt/notesSlides/notesSlide4.xml><?xml version="1.0" encoding="utf-8"?>
-<p:notes xmlns:a="http://schemas.openxmlformats.org/drawingml/2006/main" xmlns:r="http://schemas.openxmlformats.org/officeDocument/2006/relationships" xmlns:mc="http://schemas.openxmlformats.org/markup-compatibility/2006" xmlns:mv="urn:schemas-microsoft-com:mac:vml" xmlns:p="http://schemas.openxmlformats.org/presentationml/2006/main" xmlns:c="http://schemas.openxmlformats.org/drawingml/2006/chart" xmlns:dgm="http://schemas.openxmlformats.org/drawingml/2006/diagram" xmlns:o="urn:schemas-microsoft-com:office:office" xmlns:v="urn:schemas-microsoft-com:vml" xmlns:pvml="urn:schemas-microsoft-com:office:powerpoint" xmlns:com="http://schemas.openxmlformats.org/drawingml/2006/compatibility" xmlns:p14="http://schemas.microsoft.com/office/powerpoint/2010/main" xmlns:p15="http://schemas.microsoft.com/office/powerpoint/2012/main" xmlns:ahyp="http://schemas.microsoft.com/office/drawing/2018/hyperlinkcolor" showMasterPhAnim="0" showMasterSp="0">
+<p:notes xmlns:a="http://schemas.openxmlformats.org/drawingml/2006/main" xmlns:r="http://schemas.openxmlformats.org/officeDocument/2006/relationships" xmlns:p="http://schemas.openxmlformats.org/presentationml/2006/main" showMasterSp="0" showMasterPhAnim="0">
   <p:cSld>
     <p:spTree>
       <p:nvGrpSpPr>
-        <p:cNvPr id="148" name="Shape 148"/>
+        <p:cNvPr id="1" name="Shape 148"/>
         <p:cNvGrpSpPr/>
         <p:nvPr/>
       </p:nvGrpSpPr>
@@ -1420,9 +1477,11 @@
       <p:sp>
         <p:nvSpPr>
           <p:cNvPr id="149" name="Google Shape;149;g10b68c84fa6_2_963:notes"/>
-          <p:cNvSpPr/>
+          <p:cNvSpPr>
+            <a:spLocks noGrp="1" noRot="1" noChangeAspect="1"/>
+          </p:cNvSpPr>
           <p:nvPr>
-            <p:ph idx="2" type="sldImg"/>
+            <p:ph type="sldImg" idx="2"/>
           </p:nvPr>
         </p:nvSpPr>
         <p:spPr>
@@ -1431,9 +1490,13 @@
             <a:ext cx="6096000" cy="3429000"/>
           </a:xfrm>
           <a:custGeom>
-            <a:rect b="b" l="l" r="r" t="t"/>
+            <a:avLst/>
+            <a:gdLst/>
+            <a:ahLst/>
+            <a:cxnLst/>
+            <a:rect l="l" t="t" r="r" b="b"/>
             <a:pathLst>
-              <a:path extrusionOk="0" h="120000" w="120000">
+              <a:path w="120000" h="120000" extrusionOk="0">
                 <a:moveTo>
                   <a:pt x="0" y="0"/>
                 </a:moveTo>
@@ -1455,9 +1518,11 @@
       <p:sp>
         <p:nvSpPr>
           <p:cNvPr id="150" name="Google Shape;150;g10b68c84fa6_2_963:notes"/>
-          <p:cNvSpPr txBox="1"/>
+          <p:cNvSpPr txBox="1">
+            <a:spLocks noGrp="1"/>
+          </p:cNvSpPr>
           <p:nvPr>
-            <p:ph idx="1" type="body"/>
+            <p:ph type="body" idx="1"/>
           </p:nvPr>
         </p:nvSpPr>
         <p:spPr>
@@ -1470,12 +1535,12 @@
           </a:prstGeom>
         </p:spPr>
         <p:txBody>
-          <a:bodyPr anchorCtr="0" anchor="t" bIns="91425" lIns="91425" spcFirstLastPara="1" rIns="91425" wrap="square" tIns="91425">
+          <a:bodyPr spcFirstLastPara="1" wrap="square" lIns="91425" tIns="91425" rIns="91425" bIns="91425" anchor="t" anchorCtr="0">
             <a:noAutofit/>
           </a:bodyPr>
           <a:lstStyle/>
           <a:p>
-            <a:pPr indent="0" lvl="0" marL="0" rtl="0" algn="l">
+            <a:pPr marL="0" lvl="0" indent="0" algn="l" rtl="0">
               <a:spcBef>
                 <a:spcPts val="0"/>
               </a:spcBef>
@@ -1484,9 +1549,6 @@
               </a:spcAft>
               <a:buNone/>
             </a:pPr>
-            <a:r>
-              <a:t/>
-            </a:r>
             <a:endParaRPr/>
           </a:p>
         </p:txBody>
@@ -1500,11 +1562,11 @@
 </file>
 
 <file path=ppt/notesSlides/notesSlide5.xml><?xml version="1.0" encoding="utf-8"?>
-<p:notes xmlns:a="http://schemas.openxmlformats.org/drawingml/2006/main" xmlns:r="http://schemas.openxmlformats.org/officeDocument/2006/relationships" xmlns:mc="http://schemas.openxmlformats.org/markup-compatibility/2006" xmlns:mv="urn:schemas-microsoft-com:mac:vml" xmlns:p="http://schemas.openxmlformats.org/presentationml/2006/main" xmlns:c="http://schemas.openxmlformats.org/drawingml/2006/chart" xmlns:dgm="http://schemas.openxmlformats.org/drawingml/2006/diagram" xmlns:o="urn:schemas-microsoft-com:office:office" xmlns:v="urn:schemas-microsoft-com:vml" xmlns:pvml="urn:schemas-microsoft-com:office:powerpoint" xmlns:com="http://schemas.openxmlformats.org/drawingml/2006/compatibility" xmlns:p14="http://schemas.microsoft.com/office/powerpoint/2010/main" xmlns:p15="http://schemas.microsoft.com/office/powerpoint/2012/main" xmlns:ahyp="http://schemas.microsoft.com/office/drawing/2018/hyperlinkcolor" showMasterPhAnim="0" showMasterSp="0">
+<p:notes xmlns:a="http://schemas.openxmlformats.org/drawingml/2006/main" xmlns:r="http://schemas.openxmlformats.org/officeDocument/2006/relationships" xmlns:p="http://schemas.openxmlformats.org/presentationml/2006/main" showMasterSp="0" showMasterPhAnim="0">
   <p:cSld>
     <p:spTree>
       <p:nvGrpSpPr>
-        <p:cNvPr id="159" name="Shape 159"/>
+        <p:cNvPr id="1" name="Shape 159"/>
         <p:cNvGrpSpPr/>
         <p:nvPr/>
       </p:nvGrpSpPr>
@@ -1519,9 +1581,11 @@
       <p:sp>
         <p:nvSpPr>
           <p:cNvPr id="160" name="Google Shape;160;g10b68c84fa6_2_974:notes"/>
-          <p:cNvSpPr/>
+          <p:cNvSpPr>
+            <a:spLocks noGrp="1" noRot="1" noChangeAspect="1"/>
+          </p:cNvSpPr>
           <p:nvPr>
-            <p:ph idx="2" type="sldImg"/>
+            <p:ph type="sldImg" idx="2"/>
           </p:nvPr>
         </p:nvSpPr>
         <p:spPr>
@@ -1530,9 +1594,13 @@
             <a:ext cx="6096000" cy="3429000"/>
           </a:xfrm>
           <a:custGeom>
-            <a:rect b="b" l="l" r="r" t="t"/>
+            <a:avLst/>
+            <a:gdLst/>
+            <a:ahLst/>
+            <a:cxnLst/>
+            <a:rect l="l" t="t" r="r" b="b"/>
             <a:pathLst>
-              <a:path extrusionOk="0" h="120000" w="120000">
+              <a:path w="120000" h="120000" extrusionOk="0">
                 <a:moveTo>
                   <a:pt x="0" y="0"/>
                 </a:moveTo>
@@ -1554,9 +1622,11 @@
       <p:sp>
         <p:nvSpPr>
           <p:cNvPr id="161" name="Google Shape;161;g10b68c84fa6_2_974:notes"/>
-          <p:cNvSpPr txBox="1"/>
+          <p:cNvSpPr txBox="1">
+            <a:spLocks noGrp="1"/>
+          </p:cNvSpPr>
           <p:nvPr>
-            <p:ph idx="1" type="body"/>
+            <p:ph type="body" idx="1"/>
           </p:nvPr>
         </p:nvSpPr>
         <p:spPr>
@@ -1569,12 +1639,12 @@
           </a:prstGeom>
         </p:spPr>
         <p:txBody>
-          <a:bodyPr anchorCtr="0" anchor="t" bIns="91425" lIns="91425" spcFirstLastPara="1" rIns="91425" wrap="square" tIns="91425">
+          <a:bodyPr spcFirstLastPara="1" wrap="square" lIns="91425" tIns="91425" rIns="91425" bIns="91425" anchor="t" anchorCtr="0">
             <a:noAutofit/>
           </a:bodyPr>
           <a:lstStyle/>
           <a:p>
-            <a:pPr indent="0" lvl="0" marL="0" rtl="0" algn="l">
+            <a:pPr marL="0" lvl="0" indent="0" algn="l" rtl="0">
               <a:spcBef>
                 <a:spcPts val="0"/>
               </a:spcBef>
@@ -1583,9 +1653,6 @@
               </a:spcAft>
               <a:buNone/>
             </a:pPr>
-            <a:r>
-              <a:t/>
-            </a:r>
             <a:endParaRPr/>
           </a:p>
         </p:txBody>
@@ -1599,11 +1666,11 @@
 </file>
 
 <file path=ppt/notesSlides/notesSlide6.xml><?xml version="1.0" encoding="utf-8"?>
-<p:notes xmlns:a="http://schemas.openxmlformats.org/drawingml/2006/main" xmlns:r="http://schemas.openxmlformats.org/officeDocument/2006/relationships" xmlns:mc="http://schemas.openxmlformats.org/markup-compatibility/2006" xmlns:mv="urn:schemas-microsoft-com:mac:vml" xmlns:p="http://schemas.openxmlformats.org/presentationml/2006/main" xmlns:c="http://schemas.openxmlformats.org/drawingml/2006/chart" xmlns:dgm="http://schemas.openxmlformats.org/drawingml/2006/diagram" xmlns:o="urn:schemas-microsoft-com:office:office" xmlns:v="urn:schemas-microsoft-com:vml" xmlns:pvml="urn:schemas-microsoft-com:office:powerpoint" xmlns:com="http://schemas.openxmlformats.org/drawingml/2006/compatibility" xmlns:p14="http://schemas.microsoft.com/office/powerpoint/2010/main" xmlns:p15="http://schemas.microsoft.com/office/powerpoint/2012/main" xmlns:ahyp="http://schemas.microsoft.com/office/drawing/2018/hyperlinkcolor" showMasterPhAnim="0" showMasterSp="0">
+<p:notes xmlns:a="http://schemas.openxmlformats.org/drawingml/2006/main" xmlns:r="http://schemas.openxmlformats.org/officeDocument/2006/relationships" xmlns:p="http://schemas.openxmlformats.org/presentationml/2006/main" showMasterSp="0" showMasterPhAnim="0">
   <p:cSld>
     <p:spTree>
       <p:nvGrpSpPr>
-        <p:cNvPr id="170" name="Shape 170"/>
+        <p:cNvPr id="1" name="Shape 170"/>
         <p:cNvGrpSpPr/>
         <p:nvPr/>
       </p:nvGrpSpPr>
@@ -1618,9 +1685,11 @@
       <p:sp>
         <p:nvSpPr>
           <p:cNvPr id="171" name="Google Shape;171;g10b663f7150_6_8:notes"/>
-          <p:cNvSpPr/>
+          <p:cNvSpPr>
+            <a:spLocks noGrp="1" noRot="1" noChangeAspect="1"/>
+          </p:cNvSpPr>
           <p:nvPr>
-            <p:ph idx="2" type="sldImg"/>
+            <p:ph type="sldImg" idx="2"/>
           </p:nvPr>
         </p:nvSpPr>
         <p:spPr>
@@ -1629,9 +1698,13 @@
             <a:ext cx="6096000" cy="3429000"/>
           </a:xfrm>
           <a:custGeom>
-            <a:rect b="b" l="l" r="r" t="t"/>
+            <a:avLst/>
+            <a:gdLst/>
+            <a:ahLst/>
+            <a:cxnLst/>
+            <a:rect l="l" t="t" r="r" b="b"/>
             <a:pathLst>
-              <a:path extrusionOk="0" h="120000" w="120000">
+              <a:path w="120000" h="120000" extrusionOk="0">
                 <a:moveTo>
                   <a:pt x="0" y="0"/>
                 </a:moveTo>
@@ -1653,9 +1726,11 @@
       <p:sp>
         <p:nvSpPr>
           <p:cNvPr id="172" name="Google Shape;172;g10b663f7150_6_8:notes"/>
-          <p:cNvSpPr txBox="1"/>
+          <p:cNvSpPr txBox="1">
+            <a:spLocks noGrp="1"/>
+          </p:cNvSpPr>
           <p:nvPr>
-            <p:ph idx="1" type="body"/>
+            <p:ph type="body" idx="1"/>
           </p:nvPr>
         </p:nvSpPr>
         <p:spPr>
@@ -1668,12 +1743,12 @@
           </a:prstGeom>
         </p:spPr>
         <p:txBody>
-          <a:bodyPr anchorCtr="0" anchor="t" bIns="91425" lIns="91425" spcFirstLastPara="1" rIns="91425" wrap="square" tIns="91425">
+          <a:bodyPr spcFirstLastPara="1" wrap="square" lIns="91425" tIns="91425" rIns="91425" bIns="91425" anchor="t" anchorCtr="0">
             <a:noAutofit/>
           </a:bodyPr>
           <a:lstStyle/>
           <a:p>
-            <a:pPr indent="0" lvl="0" marL="0" rtl="0" algn="l">
+            <a:pPr marL="0" lvl="0" indent="0" algn="l" rtl="0">
               <a:spcBef>
                 <a:spcPts val="0"/>
               </a:spcBef>
@@ -1682,9 +1757,6 @@
               </a:spcAft>
               <a:buNone/>
             </a:pPr>
-            <a:r>
-              <a:t/>
-            </a:r>
             <a:endParaRPr/>
           </a:p>
         </p:txBody>
@@ -1698,11 +1770,11 @@
 </file>
 
 <file path=ppt/notesSlides/notesSlide7.xml><?xml version="1.0" encoding="utf-8"?>
-<p:notes xmlns:a="http://schemas.openxmlformats.org/drawingml/2006/main" xmlns:r="http://schemas.openxmlformats.org/officeDocument/2006/relationships" xmlns:mc="http://schemas.openxmlformats.org/markup-compatibility/2006" xmlns:mv="urn:schemas-microsoft-com:mac:vml" xmlns:p="http://schemas.openxmlformats.org/presentationml/2006/main" xmlns:c="http://schemas.openxmlformats.org/drawingml/2006/chart" xmlns:dgm="http://schemas.openxmlformats.org/drawingml/2006/diagram" xmlns:o="urn:schemas-microsoft-com:office:office" xmlns:v="urn:schemas-microsoft-com:vml" xmlns:pvml="urn:schemas-microsoft-com:office:powerpoint" xmlns:com="http://schemas.openxmlformats.org/drawingml/2006/compatibility" xmlns:p14="http://schemas.microsoft.com/office/powerpoint/2010/main" xmlns:p15="http://schemas.microsoft.com/office/powerpoint/2012/main" xmlns:ahyp="http://schemas.microsoft.com/office/drawing/2018/hyperlinkcolor" showMasterPhAnim="0" showMasterSp="0">
+<p:notes xmlns:a="http://schemas.openxmlformats.org/drawingml/2006/main" xmlns:r="http://schemas.openxmlformats.org/officeDocument/2006/relationships" xmlns:p="http://schemas.openxmlformats.org/presentationml/2006/main" showMasterSp="0" showMasterPhAnim="0">
   <p:cSld>
     <p:spTree>
       <p:nvGrpSpPr>
-        <p:cNvPr id="176" name="Shape 176"/>
+        <p:cNvPr id="1" name="Shape 176"/>
         <p:cNvGrpSpPr/>
         <p:nvPr/>
       </p:nvGrpSpPr>
@@ -1717,20 +1789,26 @@
       <p:sp>
         <p:nvSpPr>
           <p:cNvPr id="177" name="Google Shape;177;g10b663f7150_3_1:notes"/>
-          <p:cNvSpPr/>
+          <p:cNvSpPr>
+            <a:spLocks noGrp="1" noRot="1" noChangeAspect="1"/>
+          </p:cNvSpPr>
           <p:nvPr>
-            <p:ph idx="2" type="sldImg"/>
+            <p:ph type="sldImg" idx="2"/>
           </p:nvPr>
         </p:nvSpPr>
         <p:spPr>
           <a:xfrm>
-            <a:off x="381300" y="685800"/>
+            <a:off x="381000" y="685800"/>
             <a:ext cx="6096000" cy="3429000"/>
           </a:xfrm>
           <a:custGeom>
-            <a:rect b="b" l="l" r="r" t="t"/>
+            <a:avLst/>
+            <a:gdLst/>
+            <a:ahLst/>
+            <a:cxnLst/>
+            <a:rect l="l" t="t" r="r" b="b"/>
             <a:pathLst>
-              <a:path extrusionOk="0" h="120000" w="120000">
+              <a:path w="120000" h="120000" extrusionOk="0">
                 <a:moveTo>
                   <a:pt x="0" y="0"/>
                 </a:moveTo>
@@ -1752,9 +1830,11 @@
       <p:sp>
         <p:nvSpPr>
           <p:cNvPr id="178" name="Google Shape;178;g10b663f7150_3_1:notes"/>
-          <p:cNvSpPr txBox="1"/>
+          <p:cNvSpPr txBox="1">
+            <a:spLocks noGrp="1"/>
+          </p:cNvSpPr>
           <p:nvPr>
-            <p:ph idx="1" type="body"/>
+            <p:ph type="body" idx="1"/>
           </p:nvPr>
         </p:nvSpPr>
         <p:spPr>
@@ -1767,12 +1847,12 @@
           </a:prstGeom>
         </p:spPr>
         <p:txBody>
-          <a:bodyPr anchorCtr="0" anchor="t" bIns="91425" lIns="91425" spcFirstLastPara="1" rIns="91425" wrap="square" tIns="91425">
+          <a:bodyPr spcFirstLastPara="1" wrap="square" lIns="91425" tIns="91425" rIns="91425" bIns="91425" anchor="t" anchorCtr="0">
             <a:noAutofit/>
           </a:bodyPr>
           <a:lstStyle/>
           <a:p>
-            <a:pPr indent="0" lvl="0" marL="0" rtl="0" algn="l">
+            <a:pPr marL="0" lvl="0" indent="0" algn="l" rtl="0">
               <a:spcBef>
                 <a:spcPts val="0"/>
               </a:spcBef>
@@ -1781,9 +1861,6 @@
               </a:spcAft>
               <a:buNone/>
             </a:pPr>
-            <a:r>
-              <a:t/>
-            </a:r>
             <a:endParaRPr/>
           </a:p>
         </p:txBody>
@@ -1797,11 +1874,11 @@
 </file>
 
 <file path=ppt/notesSlides/notesSlide8.xml><?xml version="1.0" encoding="utf-8"?>
-<p:notes xmlns:a="http://schemas.openxmlformats.org/drawingml/2006/main" xmlns:r="http://schemas.openxmlformats.org/officeDocument/2006/relationships" xmlns:mc="http://schemas.openxmlformats.org/markup-compatibility/2006" xmlns:mv="urn:schemas-microsoft-com:mac:vml" xmlns:p="http://schemas.openxmlformats.org/presentationml/2006/main" xmlns:c="http://schemas.openxmlformats.org/drawingml/2006/chart" xmlns:dgm="http://schemas.openxmlformats.org/drawingml/2006/diagram" xmlns:o="urn:schemas-microsoft-com:office:office" xmlns:v="urn:schemas-microsoft-com:vml" xmlns:pvml="urn:schemas-microsoft-com:office:powerpoint" xmlns:com="http://schemas.openxmlformats.org/drawingml/2006/compatibility" xmlns:p14="http://schemas.microsoft.com/office/powerpoint/2010/main" xmlns:p15="http://schemas.microsoft.com/office/powerpoint/2012/main" xmlns:ahyp="http://schemas.microsoft.com/office/drawing/2018/hyperlinkcolor" showMasterPhAnim="0" showMasterSp="0">
+<p:notes xmlns:a="http://schemas.openxmlformats.org/drawingml/2006/main" xmlns:r="http://schemas.openxmlformats.org/officeDocument/2006/relationships" xmlns:p="http://schemas.openxmlformats.org/presentationml/2006/main" showMasterSp="0" showMasterPhAnim="0">
   <p:cSld>
     <p:spTree>
       <p:nvGrpSpPr>
-        <p:cNvPr id="183" name="Shape 183"/>
+        <p:cNvPr id="1" name="Shape 183"/>
         <p:cNvGrpSpPr/>
         <p:nvPr/>
       </p:nvGrpSpPr>
@@ -1816,9 +1893,11 @@
       <p:sp>
         <p:nvSpPr>
           <p:cNvPr id="184" name="Google Shape;184;g10b6b81049c_0_2:notes"/>
-          <p:cNvSpPr/>
+          <p:cNvSpPr>
+            <a:spLocks noGrp="1" noRot="1" noChangeAspect="1"/>
+          </p:cNvSpPr>
           <p:nvPr>
-            <p:ph idx="2" type="sldImg"/>
+            <p:ph type="sldImg" idx="2"/>
           </p:nvPr>
         </p:nvSpPr>
         <p:spPr>
@@ -1827,9 +1906,13 @@
             <a:ext cx="6096000" cy="3429000"/>
           </a:xfrm>
           <a:custGeom>
-            <a:rect b="b" l="l" r="r" t="t"/>
+            <a:avLst/>
+            <a:gdLst/>
+            <a:ahLst/>
+            <a:cxnLst/>
+            <a:rect l="l" t="t" r="r" b="b"/>
             <a:pathLst>
-              <a:path extrusionOk="0" h="120000" w="120000">
+              <a:path w="120000" h="120000" extrusionOk="0">
                 <a:moveTo>
                   <a:pt x="0" y="0"/>
                 </a:moveTo>
@@ -1851,9 +1934,11 @@
       <p:sp>
         <p:nvSpPr>
           <p:cNvPr id="185" name="Google Shape;185;g10b6b81049c_0_2:notes"/>
-          <p:cNvSpPr txBox="1"/>
+          <p:cNvSpPr txBox="1">
+            <a:spLocks noGrp="1"/>
+          </p:cNvSpPr>
           <p:nvPr>
-            <p:ph idx="1" type="body"/>
+            <p:ph type="body" idx="1"/>
           </p:nvPr>
         </p:nvSpPr>
         <p:spPr>
@@ -1866,12 +1951,12 @@
           </a:prstGeom>
         </p:spPr>
         <p:txBody>
-          <a:bodyPr anchorCtr="0" anchor="t" bIns="91425" lIns="91425" spcFirstLastPara="1" rIns="91425" wrap="square" tIns="91425">
+          <a:bodyPr spcFirstLastPara="1" wrap="square" lIns="91425" tIns="91425" rIns="91425" bIns="91425" anchor="t" anchorCtr="0">
             <a:noAutofit/>
           </a:bodyPr>
           <a:lstStyle/>
           <a:p>
-            <a:pPr indent="0" lvl="0" marL="0" rtl="0" algn="l">
+            <a:pPr marL="0" lvl="0" indent="0" algn="l" rtl="0">
               <a:spcBef>
                 <a:spcPts val="0"/>
               </a:spcBef>
@@ -1880,9 +1965,6 @@
               </a:spcAft>
               <a:buNone/>
             </a:pPr>
-            <a:r>
-              <a:t/>
-            </a:r>
             <a:endParaRPr/>
           </a:p>
         </p:txBody>
@@ -1896,11 +1978,11 @@
 </file>
 
 <file path=ppt/notesSlides/notesSlide9.xml><?xml version="1.0" encoding="utf-8"?>
-<p:notes xmlns:a="http://schemas.openxmlformats.org/drawingml/2006/main" xmlns:r="http://schemas.openxmlformats.org/officeDocument/2006/relationships" xmlns:mc="http://schemas.openxmlformats.org/markup-compatibility/2006" xmlns:mv="urn:schemas-microsoft-com:mac:vml" xmlns:p="http://schemas.openxmlformats.org/presentationml/2006/main" xmlns:c="http://schemas.openxmlformats.org/drawingml/2006/chart" xmlns:dgm="http://schemas.openxmlformats.org/drawingml/2006/diagram" xmlns:o="urn:schemas-microsoft-com:office:office" xmlns:v="urn:schemas-microsoft-com:vml" xmlns:pvml="urn:schemas-microsoft-com:office:powerpoint" xmlns:com="http://schemas.openxmlformats.org/drawingml/2006/compatibility" xmlns:p14="http://schemas.microsoft.com/office/powerpoint/2010/main" xmlns:p15="http://schemas.microsoft.com/office/powerpoint/2012/main" xmlns:ahyp="http://schemas.microsoft.com/office/drawing/2018/hyperlinkcolor" showMasterPhAnim="0" showMasterSp="0">
+<p:notes xmlns:a="http://schemas.openxmlformats.org/drawingml/2006/main" xmlns:r="http://schemas.openxmlformats.org/officeDocument/2006/relationships" xmlns:p="http://schemas.openxmlformats.org/presentationml/2006/main" showMasterSp="0" showMasterPhAnim="0">
   <p:cSld>
     <p:spTree>
       <p:nvGrpSpPr>
-        <p:cNvPr id="191" name="Shape 191"/>
+        <p:cNvPr id="1" name="Shape 191"/>
         <p:cNvGrpSpPr/>
         <p:nvPr/>
       </p:nvGrpSpPr>
@@ -1915,9 +1997,11 @@
       <p:sp>
         <p:nvSpPr>
           <p:cNvPr id="192" name="Google Shape;192;g10b68c84fa6_2_993:notes"/>
-          <p:cNvSpPr/>
+          <p:cNvSpPr>
+            <a:spLocks noGrp="1" noRot="1" noChangeAspect="1"/>
+          </p:cNvSpPr>
           <p:nvPr>
-            <p:ph idx="2" type="sldImg"/>
+            <p:ph type="sldImg" idx="2"/>
           </p:nvPr>
         </p:nvSpPr>
         <p:spPr>
@@ -1926,9 +2010,13 @@
             <a:ext cx="6096000" cy="3429000"/>
           </a:xfrm>
           <a:custGeom>
-            <a:rect b="b" l="l" r="r" t="t"/>
+            <a:avLst/>
+            <a:gdLst/>
+            <a:ahLst/>
+            <a:cxnLst/>
+            <a:rect l="l" t="t" r="r" b="b"/>
             <a:pathLst>
-              <a:path extrusionOk="0" h="120000" w="120000">
+              <a:path w="120000" h="120000" extrusionOk="0">
                 <a:moveTo>
                   <a:pt x="0" y="0"/>
                 </a:moveTo>
@@ -1950,9 +2038,11 @@
       <p:sp>
         <p:nvSpPr>
           <p:cNvPr id="193" name="Google Shape;193;g10b68c84fa6_2_993:notes"/>
-          <p:cNvSpPr txBox="1"/>
+          <p:cNvSpPr txBox="1">
+            <a:spLocks noGrp="1"/>
+          </p:cNvSpPr>
           <p:nvPr>
-            <p:ph idx="1" type="body"/>
+            <p:ph type="body" idx="1"/>
           </p:nvPr>
         </p:nvSpPr>
         <p:spPr>
@@ -1965,12 +2055,12 @@
           </a:prstGeom>
         </p:spPr>
         <p:txBody>
-          <a:bodyPr anchorCtr="0" anchor="t" bIns="91425" lIns="91425" spcFirstLastPara="1" rIns="91425" wrap="square" tIns="91425">
+          <a:bodyPr spcFirstLastPara="1" wrap="square" lIns="91425" tIns="91425" rIns="91425" bIns="91425" anchor="t" anchorCtr="0">
             <a:noAutofit/>
           </a:bodyPr>
           <a:lstStyle/>
           <a:p>
-            <a:pPr indent="0" lvl="0" marL="0" rtl="0" algn="l">
+            <a:pPr marL="0" lvl="0" indent="0" algn="l" rtl="0">
               <a:spcBef>
                 <a:spcPts val="0"/>
               </a:spcBef>
@@ -1979,9 +2069,6 @@
               </a:spcAft>
               <a:buNone/>
             </a:pPr>
-            <a:r>
-              <a:t/>
-            </a:r>
             <a:endParaRPr/>
           </a:p>
         </p:txBody>
@@ -1995,18 +2082,19 @@
 </file>
 
 <file path=ppt/slideLayouts/slideLayout1.xml><?xml version="1.0" encoding="utf-8"?>
-<p:sldLayout xmlns:a="http://schemas.openxmlformats.org/drawingml/2006/main" xmlns:r="http://schemas.openxmlformats.org/officeDocument/2006/relationships" xmlns:mc="http://schemas.openxmlformats.org/markup-compatibility/2006" xmlns:mv="urn:schemas-microsoft-com:mac:vml" xmlns:p="http://schemas.openxmlformats.org/presentationml/2006/main" xmlns:c="http://schemas.openxmlformats.org/drawingml/2006/chart" xmlns:dgm="http://schemas.openxmlformats.org/drawingml/2006/diagram" xmlns:o="urn:schemas-microsoft-com:office:office" xmlns:v="urn:schemas-microsoft-com:vml" xmlns:pvml="urn:schemas-microsoft-com:office:powerpoint" xmlns:com="http://schemas.openxmlformats.org/drawingml/2006/compatibility" xmlns:p14="http://schemas.microsoft.com/office/powerpoint/2010/main" xmlns:p15="http://schemas.microsoft.com/office/powerpoint/2012/main" xmlns:ahyp="http://schemas.microsoft.com/office/drawing/2018/hyperlinkcolor" matchingName="Title slide" type="title">
+<p:sldLayout xmlns:a="http://schemas.openxmlformats.org/drawingml/2006/main" xmlns:r="http://schemas.openxmlformats.org/officeDocument/2006/relationships" xmlns:p="http://schemas.openxmlformats.org/presentationml/2006/main" matchingName="Title slide" type="title">
   <p:cSld name="TITLE">
     <p:bg>
       <p:bgPr>
         <a:solidFill>
           <a:schemeClr val="accent6"/>
         </a:solidFill>
+        <a:effectLst/>
       </p:bgPr>
     </p:bg>
     <p:spTree>
       <p:nvGrpSpPr>
-        <p:cNvPr id="9" name="Shape 9"/>
+        <p:cNvPr id="1" name="Shape 9"/>
         <p:cNvGrpSpPr/>
         <p:nvPr/>
       </p:nvGrpSpPr>
@@ -2040,12 +2128,12 @@
           </a:ln>
         </p:spPr>
         <p:txBody>
-          <a:bodyPr anchorCtr="0" anchor="ctr" bIns="91425" lIns="91425" spcFirstLastPara="1" rIns="91425" wrap="square" tIns="91425">
+          <a:bodyPr spcFirstLastPara="1" wrap="square" lIns="91425" tIns="91425" rIns="91425" bIns="91425" anchor="ctr" anchorCtr="0">
             <a:noAutofit/>
           </a:bodyPr>
           <a:lstStyle/>
           <a:p>
-            <a:pPr indent="0" lvl="0" marL="0" rtl="0" algn="l">
+            <a:pPr marL="0" lvl="0" indent="0" algn="l" rtl="0">
               <a:spcBef>
                 <a:spcPts val="0"/>
               </a:spcBef>
@@ -2054,9 +2142,6 @@
               </a:spcAft>
               <a:buNone/>
             </a:pPr>
-            <a:r>
-              <a:t/>
-            </a:r>
             <a:endParaRPr/>
           </a:p>
         </p:txBody>
@@ -2083,12 +2168,12 @@
           </a:ln>
         </p:spPr>
         <p:txBody>
-          <a:bodyPr anchorCtr="0" anchor="ctr" bIns="91425" lIns="91425" spcFirstLastPara="1" rIns="91425" wrap="square" tIns="91425">
+          <a:bodyPr spcFirstLastPara="1" wrap="square" lIns="91425" tIns="91425" rIns="91425" bIns="91425" anchor="ctr" anchorCtr="0">
             <a:noAutofit/>
           </a:bodyPr>
           <a:lstStyle/>
           <a:p>
-            <a:pPr indent="0" lvl="0" marL="0" rtl="0" algn="l">
+            <a:pPr marL="0" lvl="0" indent="0" algn="l" rtl="0">
               <a:spcBef>
                 <a:spcPts val="0"/>
               </a:spcBef>
@@ -2097,9 +2182,6 @@
               </a:spcAft>
               <a:buNone/>
             </a:pPr>
-            <a:r>
-              <a:t/>
-            </a:r>
             <a:endParaRPr/>
           </a:p>
         </p:txBody>
@@ -2126,12 +2208,12 @@
           </a:ln>
         </p:spPr>
         <p:txBody>
-          <a:bodyPr anchorCtr="0" anchor="ctr" bIns="91425" lIns="91425" spcFirstLastPara="1" rIns="91425" wrap="square" tIns="91425">
+          <a:bodyPr spcFirstLastPara="1" wrap="square" lIns="91425" tIns="91425" rIns="91425" bIns="91425" anchor="ctr" anchorCtr="0">
             <a:noAutofit/>
           </a:bodyPr>
           <a:lstStyle/>
           <a:p>
-            <a:pPr indent="0" lvl="0" marL="0" rtl="0" algn="l">
+            <a:pPr marL="0" lvl="0" indent="0" algn="l" rtl="0">
               <a:spcBef>
                 <a:spcPts val="0"/>
               </a:spcBef>
@@ -2140,9 +2222,6 @@
               </a:spcAft>
               <a:buNone/>
             </a:pPr>
-            <a:r>
-              <a:t/>
-            </a:r>
             <a:endParaRPr/>
           </a:p>
         </p:txBody>
@@ -2168,7 +2247,7 @@
             <a:noFill/>
           </a:ln>
           <a:effectLst>
-            <a:outerShdw blurRad="228600" sx="101000" rotWithShape="0" algn="ctr" sy="101000">
+            <a:outerShdw blurRad="228600" sx="101000" sy="101000" algn="ctr" rotWithShape="0">
               <a:srgbClr val="000000">
                 <a:alpha val="40000"/>
               </a:srgbClr>
@@ -2176,12 +2255,12 @@
           </a:effectLst>
         </p:spPr>
         <p:txBody>
-          <a:bodyPr anchorCtr="0" anchor="ctr" bIns="91425" lIns="91425" spcFirstLastPara="1" rIns="91425" wrap="square" tIns="91425">
+          <a:bodyPr spcFirstLastPara="1" wrap="square" lIns="91425" tIns="91425" rIns="91425" bIns="91425" anchor="ctr" anchorCtr="0">
             <a:noAutofit/>
           </a:bodyPr>
           <a:lstStyle/>
           <a:p>
-            <a:pPr indent="0" lvl="0" marL="0" rtl="0" algn="l">
+            <a:pPr marL="0" lvl="0" indent="0" algn="l" rtl="0">
               <a:spcBef>
                 <a:spcPts val="0"/>
               </a:spcBef>
@@ -2190,9 +2269,6 @@
               </a:spcAft>
               <a:buNone/>
             </a:pPr>
-            <a:r>
-              <a:t/>
-            </a:r>
             <a:endParaRPr/>
           </a:p>
         </p:txBody>
@@ -2224,7 +2300,7 @@
             </a:xfrm>
             <a:prstGeom prst="parallelogram">
               <a:avLst>
-                <a:gd fmla="val 153193" name="adj"/>
+                <a:gd name="adj" fmla="val 153193"/>
               </a:avLst>
             </a:prstGeom>
             <a:solidFill>
@@ -2235,12 +2311,12 @@
             </a:ln>
           </p:spPr>
           <p:txBody>
-            <a:bodyPr anchorCtr="0" anchor="ctr" bIns="91425" lIns="91425" spcFirstLastPara="1" rIns="91425" wrap="square" tIns="91425">
+            <a:bodyPr spcFirstLastPara="1" wrap="square" lIns="91425" tIns="91425" rIns="91425" bIns="91425" anchor="ctr" anchorCtr="0">
               <a:noAutofit/>
             </a:bodyPr>
             <a:lstStyle/>
             <a:p>
-              <a:pPr indent="0" lvl="0" marL="0" rtl="0" algn="l">
+              <a:pPr marL="0" lvl="0" indent="0" algn="l" rtl="0">
                 <a:spcBef>
                   <a:spcPts val="0"/>
                 </a:spcBef>
@@ -2249,9 +2325,6 @@
                 </a:spcAft>
                 <a:buNone/>
               </a:pPr>
-              <a:r>
-                <a:t/>
-              </a:r>
               <a:endParaRPr/>
             </a:p>
           </p:txBody>
@@ -2269,7 +2342,7 @@
             </a:xfrm>
             <a:prstGeom prst="parallelogram">
               <a:avLst>
-                <a:gd fmla="val 153193" name="adj"/>
+                <a:gd name="adj" fmla="val 153193"/>
               </a:avLst>
             </a:prstGeom>
             <a:solidFill>
@@ -2280,12 +2353,12 @@
             </a:ln>
           </p:spPr>
           <p:txBody>
-            <a:bodyPr anchorCtr="0" anchor="ctr" bIns="91425" lIns="91425" spcFirstLastPara="1" rIns="91425" wrap="square" tIns="91425">
+            <a:bodyPr spcFirstLastPara="1" wrap="square" lIns="91425" tIns="91425" rIns="91425" bIns="91425" anchor="ctr" anchorCtr="0">
               <a:noAutofit/>
             </a:bodyPr>
             <a:lstStyle/>
             <a:p>
-              <a:pPr indent="0" lvl="0" marL="0" rtl="0" algn="l">
+              <a:pPr marL="0" lvl="0" indent="0" algn="l" rtl="0">
                 <a:spcBef>
                   <a:spcPts val="0"/>
                 </a:spcBef>
@@ -2294,9 +2367,6 @@
                 </a:spcAft>
                 <a:buNone/>
               </a:pPr>
-              <a:r>
-                <a:t/>
-              </a:r>
               <a:endParaRPr/>
             </a:p>
           </p:txBody>
@@ -2314,7 +2384,7 @@
             </a:xfrm>
             <a:prstGeom prst="parallelogram">
               <a:avLst>
-                <a:gd fmla="val 153193" name="adj"/>
+                <a:gd name="adj" fmla="val 153193"/>
               </a:avLst>
             </a:prstGeom>
             <a:solidFill>
@@ -2325,12 +2395,12 @@
             </a:ln>
           </p:spPr>
           <p:txBody>
-            <a:bodyPr anchorCtr="0" anchor="ctr" bIns="91425" lIns="91425" spcFirstLastPara="1" rIns="91425" wrap="square" tIns="91425">
+            <a:bodyPr spcFirstLastPara="1" wrap="square" lIns="91425" tIns="91425" rIns="91425" bIns="91425" anchor="ctr" anchorCtr="0">
               <a:noAutofit/>
             </a:bodyPr>
             <a:lstStyle/>
             <a:p>
-              <a:pPr indent="0" lvl="0" marL="0" rtl="0" algn="l">
+              <a:pPr marL="0" lvl="0" indent="0" algn="l" rtl="0">
                 <a:spcBef>
                   <a:spcPts val="0"/>
                 </a:spcBef>
@@ -2339,9 +2409,6 @@
                 </a:spcAft>
                 <a:buNone/>
               </a:pPr>
-              <a:r>
-                <a:t/>
-              </a:r>
               <a:endParaRPr/>
             </a:p>
           </p:txBody>
@@ -2374,7 +2441,7 @@
             </a:xfrm>
             <a:prstGeom prst="parallelogram">
               <a:avLst>
-                <a:gd fmla="val 153193" name="adj"/>
+                <a:gd name="adj" fmla="val 153193"/>
               </a:avLst>
             </a:prstGeom>
             <a:solidFill>
@@ -2385,12 +2452,12 @@
             </a:ln>
           </p:spPr>
           <p:txBody>
-            <a:bodyPr anchorCtr="0" anchor="ctr" bIns="91425" lIns="91425" spcFirstLastPara="1" rIns="91425" wrap="square" tIns="91425">
+            <a:bodyPr spcFirstLastPara="1" wrap="square" lIns="91425" tIns="91425" rIns="91425" bIns="91425" anchor="ctr" anchorCtr="0">
               <a:noAutofit/>
             </a:bodyPr>
             <a:lstStyle/>
             <a:p>
-              <a:pPr indent="0" lvl="0" marL="0" rtl="0" algn="l">
+              <a:pPr marL="0" lvl="0" indent="0" algn="l" rtl="0">
                 <a:spcBef>
                   <a:spcPts val="0"/>
                 </a:spcBef>
@@ -2399,9 +2466,6 @@
                 </a:spcAft>
                 <a:buNone/>
               </a:pPr>
-              <a:r>
-                <a:t/>
-              </a:r>
               <a:endParaRPr/>
             </a:p>
           </p:txBody>
@@ -2419,7 +2483,7 @@
             </a:xfrm>
             <a:prstGeom prst="parallelogram">
               <a:avLst>
-                <a:gd fmla="val 153193" name="adj"/>
+                <a:gd name="adj" fmla="val 153193"/>
               </a:avLst>
             </a:prstGeom>
             <a:solidFill>
@@ -2430,12 +2494,12 @@
             </a:ln>
           </p:spPr>
           <p:txBody>
-            <a:bodyPr anchorCtr="0" anchor="ctr" bIns="91425" lIns="91425" spcFirstLastPara="1" rIns="91425" wrap="square" tIns="91425">
+            <a:bodyPr spcFirstLastPara="1" wrap="square" lIns="91425" tIns="91425" rIns="91425" bIns="91425" anchor="ctr" anchorCtr="0">
               <a:noAutofit/>
             </a:bodyPr>
             <a:lstStyle/>
             <a:p>
-              <a:pPr indent="0" lvl="0" marL="0" rtl="0" algn="l">
+              <a:pPr marL="0" lvl="0" indent="0" algn="l" rtl="0">
                 <a:spcBef>
                   <a:spcPts val="0"/>
                 </a:spcBef>
@@ -2444,9 +2508,6 @@
                 </a:spcAft>
                 <a:buNone/>
               </a:pPr>
-              <a:r>
-                <a:t/>
-              </a:r>
               <a:endParaRPr/>
             </a:p>
           </p:txBody>
@@ -2464,7 +2525,7 @@
             </a:xfrm>
             <a:prstGeom prst="parallelogram">
               <a:avLst>
-                <a:gd fmla="val 153193" name="adj"/>
+                <a:gd name="adj" fmla="val 153193"/>
               </a:avLst>
             </a:prstGeom>
             <a:solidFill>
@@ -2475,12 +2536,12 @@
             </a:ln>
           </p:spPr>
           <p:txBody>
-            <a:bodyPr anchorCtr="0" anchor="ctr" bIns="91425" lIns="91425" spcFirstLastPara="1" rIns="91425" wrap="square" tIns="91425">
+            <a:bodyPr spcFirstLastPara="1" wrap="square" lIns="91425" tIns="91425" rIns="91425" bIns="91425" anchor="ctr" anchorCtr="0">
               <a:noAutofit/>
             </a:bodyPr>
             <a:lstStyle/>
             <a:p>
-              <a:pPr indent="0" lvl="0" marL="0" rtl="0" algn="l">
+              <a:pPr marL="0" lvl="0" indent="0" algn="l" rtl="0">
                 <a:spcBef>
                   <a:spcPts val="0"/>
                 </a:spcBef>
@@ -2489,9 +2550,6 @@
                 </a:spcAft>
                 <a:buNone/>
               </a:pPr>
-              <a:r>
-                <a:t/>
-              </a:r>
               <a:endParaRPr/>
             </a:p>
           </p:txBody>
@@ -2524,7 +2582,7 @@
             </a:xfrm>
             <a:prstGeom prst="parallelogram">
               <a:avLst>
-                <a:gd fmla="val 158024" name="adj"/>
+                <a:gd name="adj" fmla="val 158024"/>
               </a:avLst>
             </a:prstGeom>
             <a:solidFill>
@@ -2535,12 +2593,12 @@
             </a:ln>
           </p:spPr>
           <p:txBody>
-            <a:bodyPr anchorCtr="0" anchor="ctr" bIns="91425" lIns="91425" spcFirstLastPara="1" rIns="91425" wrap="square" tIns="91425">
+            <a:bodyPr spcFirstLastPara="1" wrap="square" lIns="91425" tIns="91425" rIns="91425" bIns="91425" anchor="ctr" anchorCtr="0">
               <a:noAutofit/>
             </a:bodyPr>
             <a:lstStyle/>
             <a:p>
-              <a:pPr indent="0" lvl="0" marL="0" rtl="0" algn="l">
+              <a:pPr marL="0" lvl="0" indent="0" algn="l" rtl="0">
                 <a:spcBef>
                   <a:spcPts val="0"/>
                 </a:spcBef>
@@ -2549,9 +2607,6 @@
                 </a:spcAft>
                 <a:buNone/>
               </a:pPr>
-              <a:r>
-                <a:t/>
-              </a:r>
               <a:endParaRPr/>
             </a:p>
           </p:txBody>
@@ -2569,7 +2624,7 @@
             </a:xfrm>
             <a:prstGeom prst="parallelogram">
               <a:avLst>
-                <a:gd fmla="val 158024" name="adj"/>
+                <a:gd name="adj" fmla="val 158024"/>
               </a:avLst>
             </a:prstGeom>
             <a:solidFill>
@@ -2580,12 +2635,12 @@
             </a:ln>
           </p:spPr>
           <p:txBody>
-            <a:bodyPr anchorCtr="0" anchor="ctr" bIns="91425" lIns="91425" spcFirstLastPara="1" rIns="91425" wrap="square" tIns="91425">
+            <a:bodyPr spcFirstLastPara="1" wrap="square" lIns="91425" tIns="91425" rIns="91425" bIns="91425" anchor="ctr" anchorCtr="0">
               <a:noAutofit/>
             </a:bodyPr>
             <a:lstStyle/>
             <a:p>
-              <a:pPr indent="0" lvl="0" marL="0" rtl="0" algn="l">
+              <a:pPr marL="0" lvl="0" indent="0" algn="l" rtl="0">
                 <a:spcBef>
                   <a:spcPts val="0"/>
                 </a:spcBef>
@@ -2594,9 +2649,6 @@
                 </a:spcAft>
                 <a:buNone/>
               </a:pPr>
-              <a:r>
-                <a:t/>
-              </a:r>
               <a:endParaRPr/>
             </a:p>
           </p:txBody>
@@ -2614,7 +2666,7 @@
             </a:xfrm>
             <a:prstGeom prst="parallelogram">
               <a:avLst>
-                <a:gd fmla="val 158024" name="adj"/>
+                <a:gd name="adj" fmla="val 158024"/>
               </a:avLst>
             </a:prstGeom>
             <a:solidFill>
@@ -2625,12 +2677,12 @@
             </a:ln>
           </p:spPr>
           <p:txBody>
-            <a:bodyPr anchorCtr="0" anchor="ctr" bIns="91425" lIns="91425" spcFirstLastPara="1" rIns="91425" wrap="square" tIns="91425">
+            <a:bodyPr spcFirstLastPara="1" wrap="square" lIns="91425" tIns="91425" rIns="91425" bIns="91425" anchor="ctr" anchorCtr="0">
               <a:noAutofit/>
             </a:bodyPr>
             <a:lstStyle/>
             <a:p>
-              <a:pPr indent="0" lvl="0" marL="0" rtl="0" algn="l">
+              <a:pPr marL="0" lvl="0" indent="0" algn="l" rtl="0">
                 <a:spcBef>
                   <a:spcPts val="0"/>
                 </a:spcBef>
@@ -2639,9 +2691,6 @@
                 </a:spcAft>
                 <a:buNone/>
               </a:pPr>
-              <a:r>
-                <a:t/>
-              </a:r>
               <a:endParaRPr/>
             </a:p>
           </p:txBody>
@@ -2674,7 +2723,7 @@
             </a:xfrm>
             <a:prstGeom prst="parallelogram">
               <a:avLst>
-                <a:gd fmla="val 158024" name="adj"/>
+                <a:gd name="adj" fmla="val 158024"/>
               </a:avLst>
             </a:prstGeom>
             <a:solidFill>
@@ -2685,12 +2734,12 @@
             </a:ln>
           </p:spPr>
           <p:txBody>
-            <a:bodyPr anchorCtr="0" anchor="ctr" bIns="91425" lIns="91425" spcFirstLastPara="1" rIns="91425" wrap="square" tIns="91425">
+            <a:bodyPr spcFirstLastPara="1" wrap="square" lIns="91425" tIns="91425" rIns="91425" bIns="91425" anchor="ctr" anchorCtr="0">
               <a:noAutofit/>
             </a:bodyPr>
             <a:lstStyle/>
             <a:p>
-              <a:pPr indent="0" lvl="0" marL="0" rtl="0" algn="l">
+              <a:pPr marL="0" lvl="0" indent="0" algn="l" rtl="0">
                 <a:spcBef>
                   <a:spcPts val="0"/>
                 </a:spcBef>
@@ -2699,9 +2748,6 @@
                 </a:spcAft>
                 <a:buNone/>
               </a:pPr>
-              <a:r>
-                <a:t/>
-              </a:r>
               <a:endParaRPr/>
             </a:p>
           </p:txBody>
@@ -2719,7 +2765,7 @@
             </a:xfrm>
             <a:prstGeom prst="parallelogram">
               <a:avLst>
-                <a:gd fmla="val 158024" name="adj"/>
+                <a:gd name="adj" fmla="val 158024"/>
               </a:avLst>
             </a:prstGeom>
             <a:solidFill>
@@ -2730,12 +2776,12 @@
             </a:ln>
           </p:spPr>
           <p:txBody>
-            <a:bodyPr anchorCtr="0" anchor="ctr" bIns="91425" lIns="91425" spcFirstLastPara="1" rIns="91425" wrap="square" tIns="91425">
+            <a:bodyPr spcFirstLastPara="1" wrap="square" lIns="91425" tIns="91425" rIns="91425" bIns="91425" anchor="ctr" anchorCtr="0">
               <a:noAutofit/>
             </a:bodyPr>
             <a:lstStyle/>
             <a:p>
-              <a:pPr indent="0" lvl="0" marL="0" rtl="0" algn="l">
+              <a:pPr marL="0" lvl="0" indent="0" algn="l" rtl="0">
                 <a:spcBef>
                   <a:spcPts val="0"/>
                 </a:spcBef>
@@ -2744,9 +2790,6 @@
                 </a:spcAft>
                 <a:buNone/>
               </a:pPr>
-              <a:r>
-                <a:t/>
-              </a:r>
               <a:endParaRPr/>
             </a:p>
           </p:txBody>
@@ -2764,7 +2807,7 @@
             </a:xfrm>
             <a:prstGeom prst="parallelogram">
               <a:avLst>
-                <a:gd fmla="val 158024" name="adj"/>
+                <a:gd name="adj" fmla="val 158024"/>
               </a:avLst>
             </a:prstGeom>
             <a:solidFill>
@@ -2775,12 +2818,12 @@
             </a:ln>
           </p:spPr>
           <p:txBody>
-            <a:bodyPr anchorCtr="0" anchor="ctr" bIns="91425" lIns="91425" spcFirstLastPara="1" rIns="91425" wrap="square" tIns="91425">
+            <a:bodyPr spcFirstLastPara="1" wrap="square" lIns="91425" tIns="91425" rIns="91425" bIns="91425" anchor="ctr" anchorCtr="0">
               <a:noAutofit/>
             </a:bodyPr>
             <a:lstStyle/>
             <a:p>
-              <a:pPr indent="0" lvl="0" marL="0" rtl="0" algn="l">
+              <a:pPr marL="0" lvl="0" indent="0" algn="l" rtl="0">
                 <a:spcBef>
                   <a:spcPts val="0"/>
                 </a:spcBef>
@@ -2789,9 +2832,6 @@
                 </a:spcAft>
                 <a:buNone/>
               </a:pPr>
-              <a:r>
-                <a:t/>
-              </a:r>
               <a:endParaRPr/>
             </a:p>
           </p:txBody>
@@ -2824,7 +2864,7 @@
             </a:xfrm>
             <a:prstGeom prst="parallelogram">
               <a:avLst>
-                <a:gd fmla="val 158024" name="adj"/>
+                <a:gd name="adj" fmla="val 158024"/>
               </a:avLst>
             </a:prstGeom>
             <a:solidFill>
@@ -2835,12 +2875,12 @@
             </a:ln>
           </p:spPr>
           <p:txBody>
-            <a:bodyPr anchorCtr="0" anchor="ctr" bIns="91425" lIns="91425" spcFirstLastPara="1" rIns="91425" wrap="square" tIns="91425">
+            <a:bodyPr spcFirstLastPara="1" wrap="square" lIns="91425" tIns="91425" rIns="91425" bIns="91425" anchor="ctr" anchorCtr="0">
               <a:noAutofit/>
             </a:bodyPr>
             <a:lstStyle/>
             <a:p>
-              <a:pPr indent="0" lvl="0" marL="0" rtl="0" algn="l">
+              <a:pPr marL="0" lvl="0" indent="0" algn="l" rtl="0">
                 <a:spcBef>
                   <a:spcPts val="0"/>
                 </a:spcBef>
@@ -2849,9 +2889,6 @@
                 </a:spcAft>
                 <a:buNone/>
               </a:pPr>
-              <a:r>
-                <a:t/>
-              </a:r>
               <a:endParaRPr/>
             </a:p>
           </p:txBody>
@@ -2869,7 +2906,7 @@
             </a:xfrm>
             <a:prstGeom prst="parallelogram">
               <a:avLst>
-                <a:gd fmla="val 158024" name="adj"/>
+                <a:gd name="adj" fmla="val 158024"/>
               </a:avLst>
             </a:prstGeom>
             <a:solidFill>
@@ -2880,12 +2917,12 @@
             </a:ln>
           </p:spPr>
           <p:txBody>
-            <a:bodyPr anchorCtr="0" anchor="ctr" bIns="91425" lIns="91425" spcFirstLastPara="1" rIns="91425" wrap="square" tIns="91425">
+            <a:bodyPr spcFirstLastPara="1" wrap="square" lIns="91425" tIns="91425" rIns="91425" bIns="91425" anchor="ctr" anchorCtr="0">
               <a:noAutofit/>
             </a:bodyPr>
             <a:lstStyle/>
             <a:p>
-              <a:pPr indent="0" lvl="0" marL="0" rtl="0" algn="l">
+              <a:pPr marL="0" lvl="0" indent="0" algn="l" rtl="0">
                 <a:spcBef>
                   <a:spcPts val="0"/>
                 </a:spcBef>
@@ -2894,9 +2931,6 @@
                 </a:spcAft>
                 <a:buNone/>
               </a:pPr>
-              <a:r>
-                <a:t/>
-              </a:r>
               <a:endParaRPr/>
             </a:p>
           </p:txBody>
@@ -2914,7 +2948,7 @@
             </a:xfrm>
             <a:prstGeom prst="parallelogram">
               <a:avLst>
-                <a:gd fmla="val 158024" name="adj"/>
+                <a:gd name="adj" fmla="val 158024"/>
               </a:avLst>
             </a:prstGeom>
             <a:solidFill>
@@ -2925,12 +2959,12 @@
             </a:ln>
           </p:spPr>
           <p:txBody>
-            <a:bodyPr anchorCtr="0" anchor="ctr" bIns="91425" lIns="91425" spcFirstLastPara="1" rIns="91425" wrap="square" tIns="91425">
+            <a:bodyPr spcFirstLastPara="1" wrap="square" lIns="91425" tIns="91425" rIns="91425" bIns="91425" anchor="ctr" anchorCtr="0">
               <a:noAutofit/>
             </a:bodyPr>
             <a:lstStyle/>
             <a:p>
-              <a:pPr indent="0" lvl="0" marL="0" rtl="0" algn="l">
+              <a:pPr marL="0" lvl="0" indent="0" algn="l" rtl="0">
                 <a:spcBef>
                   <a:spcPts val="0"/>
                 </a:spcBef>
@@ -2939,9 +2973,6 @@
                 </a:spcAft>
                 <a:buNone/>
               </a:pPr>
-              <a:r>
-                <a:t/>
-              </a:r>
               <a:endParaRPr/>
             </a:p>
           </p:txBody>
@@ -2950,7 +2981,9 @@
       <p:sp>
         <p:nvSpPr>
           <p:cNvPr id="34" name="Google Shape;34;p2"/>
-          <p:cNvSpPr txBox="1"/>
+          <p:cNvSpPr txBox="1">
+            <a:spLocks noGrp="1"/>
+          </p:cNvSpPr>
           <p:nvPr>
             <p:ph type="ctrTitle"/>
           </p:nvPr>
@@ -2965,7 +2998,7 @@
           </a:prstGeom>
         </p:spPr>
         <p:txBody>
-          <a:bodyPr anchorCtr="0" anchor="ctr" bIns="91425" lIns="91425" spcFirstLastPara="1" rIns="91425" wrap="square" tIns="91425">
+          <a:bodyPr spcFirstLastPara="1" wrap="square" lIns="91425" tIns="91425" rIns="91425" bIns="91425" anchor="ctr" anchorCtr="0">
             <a:normAutofit/>
           </a:bodyPr>
           <a:lstStyle>
@@ -3069,15 +3102,19 @@
               <a:defRPr sz="3800"/>
             </a:lvl9pPr>
           </a:lstStyle>
-          <a:p/>
+          <a:p>
+            <a:endParaRPr/>
+          </a:p>
         </p:txBody>
       </p:sp>
       <p:sp>
         <p:nvSpPr>
           <p:cNvPr id="35" name="Google Shape;35;p2"/>
-          <p:cNvSpPr txBox="1"/>
+          <p:cNvSpPr txBox="1">
+            <a:spLocks noGrp="1"/>
+          </p:cNvSpPr>
           <p:nvPr>
-            <p:ph idx="1" type="subTitle"/>
+            <p:ph type="subTitle" idx="1"/>
           </p:nvPr>
         </p:nvSpPr>
         <p:spPr>
@@ -3090,7 +3127,7 @@
           </a:prstGeom>
         </p:spPr>
         <p:txBody>
-          <a:bodyPr anchorCtr="0" anchor="t" bIns="91425" lIns="91425" spcFirstLastPara="1" rIns="91425" wrap="square" tIns="91425">
+          <a:bodyPr spcFirstLastPara="1" wrap="square" lIns="91425" tIns="91425" rIns="91425" bIns="91425" anchor="t" anchorCtr="0">
             <a:normAutofit/>
           </a:bodyPr>
           <a:lstStyle>
@@ -3284,15 +3321,19 @@
               </a:defRPr>
             </a:lvl9pPr>
           </a:lstStyle>
-          <a:p/>
+          <a:p>
+            <a:endParaRPr/>
+          </a:p>
         </p:txBody>
       </p:sp>
       <p:sp>
         <p:nvSpPr>
           <p:cNvPr id="36" name="Google Shape;36;p2"/>
-          <p:cNvSpPr txBox="1"/>
+          <p:cNvSpPr txBox="1">
+            <a:spLocks noGrp="1"/>
+          </p:cNvSpPr>
           <p:nvPr>
-            <p:ph idx="12" type="sldNum"/>
+            <p:ph type="sldNum" idx="12"/>
           </p:nvPr>
         </p:nvSpPr>
         <p:spPr>
@@ -3305,7 +3346,7 @@
           </a:prstGeom>
         </p:spPr>
         <p:txBody>
-          <a:bodyPr anchorCtr="0" anchor="ctr" bIns="91425" lIns="91425" spcFirstLastPara="1" rIns="91425" wrap="square" tIns="91425">
+          <a:bodyPr spcFirstLastPara="1" wrap="square" lIns="91425" tIns="91425" rIns="91425" bIns="91425" anchor="ctr" anchorCtr="0">
             <a:normAutofit/>
           </a:bodyPr>
           <a:lstStyle>
@@ -3347,7 +3388,7 @@
             </a:lvl9pPr>
           </a:lstStyle>
           <a:p>
-            <a:pPr indent="0" lvl="0" marL="0" rtl="0" algn="r">
+            <a:pPr marL="0" lvl="0" indent="0" algn="r" rtl="0">
               <a:spcBef>
                 <a:spcPts val="0"/>
               </a:spcBef>
@@ -3373,18 +3414,19 @@
 </file>
 
 <file path=ppt/slideLayouts/slideLayout10.xml><?xml version="1.0" encoding="utf-8"?>
-<p:sldLayout xmlns:a="http://schemas.openxmlformats.org/drawingml/2006/main" xmlns:r="http://schemas.openxmlformats.org/officeDocument/2006/relationships" xmlns:mc="http://schemas.openxmlformats.org/markup-compatibility/2006" xmlns:mv="urn:schemas-microsoft-com:mac:vml" xmlns:p="http://schemas.openxmlformats.org/presentationml/2006/main" xmlns:c="http://schemas.openxmlformats.org/drawingml/2006/chart" xmlns:dgm="http://schemas.openxmlformats.org/drawingml/2006/diagram" xmlns:o="urn:schemas-microsoft-com:office:office" xmlns:v="urn:schemas-microsoft-com:vml" xmlns:pvml="urn:schemas-microsoft-com:office:powerpoint" xmlns:com="http://schemas.openxmlformats.org/drawingml/2006/compatibility" xmlns:p14="http://schemas.microsoft.com/office/powerpoint/2010/main" xmlns:p15="http://schemas.microsoft.com/office/powerpoint/2012/main" xmlns:ahyp="http://schemas.microsoft.com/office/drawing/2018/hyperlinkcolor" matchingName="Big number">
+<p:sldLayout xmlns:a="http://schemas.openxmlformats.org/drawingml/2006/main" xmlns:r="http://schemas.openxmlformats.org/officeDocument/2006/relationships" xmlns:p="http://schemas.openxmlformats.org/presentationml/2006/main" matchingName="Big number">
   <p:cSld name="BIG_NUMBER">
     <p:bg>
       <p:bgPr>
         <a:solidFill>
           <a:schemeClr val="accent3"/>
         </a:solidFill>
+        <a:effectLst/>
       </p:bgPr>
     </p:bg>
     <p:spTree>
       <p:nvGrpSpPr>
-        <p:cNvPr id="109" name="Shape 109"/>
+        <p:cNvPr id="1" name="Shape 109"/>
         <p:cNvGrpSpPr/>
         <p:nvPr/>
       </p:nvGrpSpPr>
@@ -3418,12 +3460,12 @@
           </a:ln>
         </p:spPr>
         <p:txBody>
-          <a:bodyPr anchorCtr="0" anchor="ctr" bIns="91425" lIns="91425" spcFirstLastPara="1" rIns="91425" wrap="square" tIns="91425">
+          <a:bodyPr spcFirstLastPara="1" wrap="square" lIns="91425" tIns="91425" rIns="91425" bIns="91425" anchor="ctr" anchorCtr="0">
             <a:noAutofit/>
           </a:bodyPr>
           <a:lstStyle/>
           <a:p>
-            <a:pPr indent="0" lvl="0" marL="0" rtl="0" algn="l">
+            <a:pPr marL="0" lvl="0" indent="0" algn="l" rtl="0">
               <a:spcBef>
                 <a:spcPts val="0"/>
               </a:spcBef>
@@ -3432,9 +3474,6 @@
               </a:spcAft>
               <a:buNone/>
             </a:pPr>
-            <a:r>
-              <a:t/>
-            </a:r>
             <a:endParaRPr/>
           </a:p>
         </p:txBody>
@@ -3466,7 +3505,7 @@
             </a:xfrm>
             <a:prstGeom prst="parallelogram">
               <a:avLst>
-                <a:gd fmla="val 158024" name="adj"/>
+                <a:gd name="adj" fmla="val 158024"/>
               </a:avLst>
             </a:prstGeom>
             <a:solidFill>
@@ -3477,12 +3516,12 @@
             </a:ln>
           </p:spPr>
           <p:txBody>
-            <a:bodyPr anchorCtr="0" anchor="ctr" bIns="91425" lIns="91425" spcFirstLastPara="1" rIns="91425" wrap="square" tIns="91425">
+            <a:bodyPr spcFirstLastPara="1" wrap="square" lIns="91425" tIns="91425" rIns="91425" bIns="91425" anchor="ctr" anchorCtr="0">
               <a:noAutofit/>
             </a:bodyPr>
             <a:lstStyle/>
             <a:p>
-              <a:pPr indent="0" lvl="0" marL="0" rtl="0" algn="l">
+              <a:pPr marL="0" lvl="0" indent="0" algn="l" rtl="0">
                 <a:spcBef>
                   <a:spcPts val="0"/>
                 </a:spcBef>
@@ -3491,9 +3530,6 @@
                 </a:spcAft>
                 <a:buNone/>
               </a:pPr>
-              <a:r>
-                <a:t/>
-              </a:r>
               <a:endParaRPr/>
             </a:p>
           </p:txBody>
@@ -3511,7 +3547,7 @@
             </a:xfrm>
             <a:prstGeom prst="parallelogram">
               <a:avLst>
-                <a:gd fmla="val 158024" name="adj"/>
+                <a:gd name="adj" fmla="val 158024"/>
               </a:avLst>
             </a:prstGeom>
             <a:solidFill>
@@ -3522,12 +3558,12 @@
             </a:ln>
           </p:spPr>
           <p:txBody>
-            <a:bodyPr anchorCtr="0" anchor="ctr" bIns="91425" lIns="91425" spcFirstLastPara="1" rIns="91425" wrap="square" tIns="91425">
+            <a:bodyPr spcFirstLastPara="1" wrap="square" lIns="91425" tIns="91425" rIns="91425" bIns="91425" anchor="ctr" anchorCtr="0">
               <a:noAutofit/>
             </a:bodyPr>
             <a:lstStyle/>
             <a:p>
-              <a:pPr indent="0" lvl="0" marL="0" rtl="0" algn="l">
+              <a:pPr marL="0" lvl="0" indent="0" algn="l" rtl="0">
                 <a:spcBef>
                   <a:spcPts val="0"/>
                 </a:spcBef>
@@ -3536,9 +3572,6 @@
                 </a:spcAft>
                 <a:buNone/>
               </a:pPr>
-              <a:r>
-                <a:t/>
-              </a:r>
               <a:endParaRPr/>
             </a:p>
           </p:txBody>
@@ -3556,7 +3589,7 @@
             </a:xfrm>
             <a:prstGeom prst="parallelogram">
               <a:avLst>
-                <a:gd fmla="val 158024" name="adj"/>
+                <a:gd name="adj" fmla="val 158024"/>
               </a:avLst>
             </a:prstGeom>
             <a:solidFill>
@@ -3567,12 +3600,12 @@
             </a:ln>
           </p:spPr>
           <p:txBody>
-            <a:bodyPr anchorCtr="0" anchor="ctr" bIns="91425" lIns="91425" spcFirstLastPara="1" rIns="91425" wrap="square" tIns="91425">
+            <a:bodyPr spcFirstLastPara="1" wrap="square" lIns="91425" tIns="91425" rIns="91425" bIns="91425" anchor="ctr" anchorCtr="0">
               <a:noAutofit/>
             </a:bodyPr>
             <a:lstStyle/>
             <a:p>
-              <a:pPr indent="0" lvl="0" marL="0" rtl="0" algn="l">
+              <a:pPr marL="0" lvl="0" indent="0" algn="l" rtl="0">
                 <a:spcBef>
                   <a:spcPts val="0"/>
                 </a:spcBef>
@@ -3581,9 +3614,6 @@
                 </a:spcAft>
                 <a:buNone/>
               </a:pPr>
-              <a:r>
-                <a:t/>
-              </a:r>
               <a:endParaRPr/>
             </a:p>
           </p:txBody>
@@ -3616,7 +3646,7 @@
             </a:xfrm>
             <a:prstGeom prst="parallelogram">
               <a:avLst>
-                <a:gd fmla="val 158024" name="adj"/>
+                <a:gd name="adj" fmla="val 158024"/>
               </a:avLst>
             </a:prstGeom>
             <a:solidFill>
@@ -3627,12 +3657,12 @@
             </a:ln>
           </p:spPr>
           <p:txBody>
-            <a:bodyPr anchorCtr="0" anchor="ctr" bIns="91425" lIns="91425" spcFirstLastPara="1" rIns="91425" wrap="square" tIns="91425">
+            <a:bodyPr spcFirstLastPara="1" wrap="square" lIns="91425" tIns="91425" rIns="91425" bIns="91425" anchor="ctr" anchorCtr="0">
               <a:noAutofit/>
             </a:bodyPr>
             <a:lstStyle/>
             <a:p>
-              <a:pPr indent="0" lvl="0" marL="0" rtl="0" algn="l">
+              <a:pPr marL="0" lvl="0" indent="0" algn="l" rtl="0">
                 <a:spcBef>
                   <a:spcPts val="0"/>
                 </a:spcBef>
@@ -3641,9 +3671,6 @@
                 </a:spcAft>
                 <a:buNone/>
               </a:pPr>
-              <a:r>
-                <a:t/>
-              </a:r>
               <a:endParaRPr/>
             </a:p>
           </p:txBody>
@@ -3661,7 +3688,7 @@
             </a:xfrm>
             <a:prstGeom prst="parallelogram">
               <a:avLst>
-                <a:gd fmla="val 158024" name="adj"/>
+                <a:gd name="adj" fmla="val 158024"/>
               </a:avLst>
             </a:prstGeom>
             <a:solidFill>
@@ -3672,12 +3699,12 @@
             </a:ln>
           </p:spPr>
           <p:txBody>
-            <a:bodyPr anchorCtr="0" anchor="ctr" bIns="91425" lIns="91425" spcFirstLastPara="1" rIns="91425" wrap="square" tIns="91425">
+            <a:bodyPr spcFirstLastPara="1" wrap="square" lIns="91425" tIns="91425" rIns="91425" bIns="91425" anchor="ctr" anchorCtr="0">
               <a:noAutofit/>
             </a:bodyPr>
             <a:lstStyle/>
             <a:p>
-              <a:pPr indent="0" lvl="0" marL="0" rtl="0" algn="l">
+              <a:pPr marL="0" lvl="0" indent="0" algn="l" rtl="0">
                 <a:spcBef>
                   <a:spcPts val="0"/>
                 </a:spcBef>
@@ -3686,9 +3713,6 @@
                 </a:spcAft>
                 <a:buNone/>
               </a:pPr>
-              <a:r>
-                <a:t/>
-              </a:r>
               <a:endParaRPr/>
             </a:p>
           </p:txBody>
@@ -3706,7 +3730,7 @@
             </a:xfrm>
             <a:prstGeom prst="parallelogram">
               <a:avLst>
-                <a:gd fmla="val 158024" name="adj"/>
+                <a:gd name="adj" fmla="val 158024"/>
               </a:avLst>
             </a:prstGeom>
             <a:solidFill>
@@ -3717,12 +3741,12 @@
             </a:ln>
           </p:spPr>
           <p:txBody>
-            <a:bodyPr anchorCtr="0" anchor="ctr" bIns="91425" lIns="91425" spcFirstLastPara="1" rIns="91425" wrap="square" tIns="91425">
+            <a:bodyPr spcFirstLastPara="1" wrap="square" lIns="91425" tIns="91425" rIns="91425" bIns="91425" anchor="ctr" anchorCtr="0">
               <a:noAutofit/>
             </a:bodyPr>
             <a:lstStyle/>
             <a:p>
-              <a:pPr indent="0" lvl="0" marL="0" rtl="0" algn="l">
+              <a:pPr marL="0" lvl="0" indent="0" algn="l" rtl="0">
                 <a:spcBef>
                   <a:spcPts val="0"/>
                 </a:spcBef>
@@ -3731,9 +3755,6 @@
                 </a:spcAft>
                 <a:buNone/>
               </a:pPr>
-              <a:r>
-                <a:t/>
-              </a:r>
               <a:endParaRPr/>
             </a:p>
           </p:txBody>
@@ -3742,9 +3763,11 @@
       <p:sp>
         <p:nvSpPr>
           <p:cNvPr id="119" name="Google Shape;119;p11"/>
-          <p:cNvSpPr txBox="1"/>
+          <p:cNvSpPr txBox="1">
+            <a:spLocks noGrp="1"/>
+          </p:cNvSpPr>
           <p:nvPr>
-            <p:ph hasCustomPrompt="1" type="title"/>
+            <p:ph type="title" hasCustomPrompt="1"/>
           </p:nvPr>
         </p:nvSpPr>
         <p:spPr>
@@ -3757,7 +3780,7 @@
           </a:prstGeom>
         </p:spPr>
         <p:txBody>
-          <a:bodyPr anchorCtr="0" anchor="ctr" bIns="91425" lIns="91425" spcFirstLastPara="1" rIns="91425" wrap="square" tIns="91425">
+          <a:bodyPr spcFirstLastPara="1" wrap="square" lIns="91425" tIns="91425" rIns="91425" bIns="91425" anchor="ctr" anchorCtr="0">
             <a:normAutofit/>
           </a:bodyPr>
           <a:lstStyle>
@@ -3934,9 +3957,11 @@
       <p:sp>
         <p:nvSpPr>
           <p:cNvPr id="120" name="Google Shape;120;p11"/>
-          <p:cNvSpPr txBox="1"/>
+          <p:cNvSpPr txBox="1">
+            <a:spLocks noGrp="1"/>
+          </p:cNvSpPr>
           <p:nvPr>
-            <p:ph idx="1" type="body"/>
+            <p:ph type="body" idx="1"/>
           </p:nvPr>
         </p:nvSpPr>
         <p:spPr>
@@ -3949,11 +3974,11 @@
           </a:prstGeom>
         </p:spPr>
         <p:txBody>
-          <a:bodyPr anchorCtr="0" anchor="t" bIns="91425" lIns="91425" spcFirstLastPara="1" rIns="91425" wrap="square" tIns="91425">
+          <a:bodyPr spcFirstLastPara="1" wrap="square" lIns="91425" tIns="91425" rIns="91425" bIns="91425" anchor="t" anchorCtr="0">
             <a:normAutofit/>
           </a:bodyPr>
           <a:lstStyle>
-            <a:lvl1pPr indent="-311150" lvl="0" marL="457200" algn="ctr">
+            <a:lvl1pPr marL="457200" lvl="0" indent="-311150" algn="ctr">
               <a:spcBef>
                 <a:spcPts val="0"/>
               </a:spcBef>
@@ -3964,7 +3989,7 @@
               <a:buChar char="●"/>
               <a:defRPr/>
             </a:lvl1pPr>
-            <a:lvl2pPr indent="-298450" lvl="1" marL="914400" algn="ctr">
+            <a:lvl2pPr marL="914400" lvl="1" indent="-298450" algn="ctr">
               <a:spcBef>
                 <a:spcPts val="0"/>
               </a:spcBef>
@@ -3975,7 +4000,7 @@
               <a:buChar char="○"/>
               <a:defRPr/>
             </a:lvl2pPr>
-            <a:lvl3pPr indent="-298450" lvl="2" marL="1371600" algn="ctr">
+            <a:lvl3pPr marL="1371600" lvl="2" indent="-298450" algn="ctr">
               <a:spcBef>
                 <a:spcPts val="0"/>
               </a:spcBef>
@@ -3986,7 +4011,7 @@
               <a:buChar char="■"/>
               <a:defRPr/>
             </a:lvl3pPr>
-            <a:lvl4pPr indent="-298450" lvl="3" marL="1828800" algn="ctr">
+            <a:lvl4pPr marL="1828800" lvl="3" indent="-298450" algn="ctr">
               <a:spcBef>
                 <a:spcPts val="0"/>
               </a:spcBef>
@@ -3997,7 +4022,7 @@
               <a:buChar char="●"/>
               <a:defRPr/>
             </a:lvl4pPr>
-            <a:lvl5pPr indent="-298450" lvl="4" marL="2286000" algn="ctr">
+            <a:lvl5pPr marL="2286000" lvl="4" indent="-298450" algn="ctr">
               <a:spcBef>
                 <a:spcPts val="0"/>
               </a:spcBef>
@@ -4008,7 +4033,7 @@
               <a:buChar char="○"/>
               <a:defRPr/>
             </a:lvl5pPr>
-            <a:lvl6pPr indent="-298450" lvl="5" marL="2743200" algn="ctr">
+            <a:lvl6pPr marL="2743200" lvl="5" indent="-298450" algn="ctr">
               <a:spcBef>
                 <a:spcPts val="0"/>
               </a:spcBef>
@@ -4019,7 +4044,7 @@
               <a:buChar char="■"/>
               <a:defRPr/>
             </a:lvl6pPr>
-            <a:lvl7pPr indent="-298450" lvl="6" marL="3200400" algn="ctr">
+            <a:lvl7pPr marL="3200400" lvl="6" indent="-298450" algn="ctr">
               <a:spcBef>
                 <a:spcPts val="0"/>
               </a:spcBef>
@@ -4030,7 +4055,7 @@
               <a:buChar char="●"/>
               <a:defRPr/>
             </a:lvl7pPr>
-            <a:lvl8pPr indent="-298450" lvl="7" marL="3657600" algn="ctr">
+            <a:lvl8pPr marL="3657600" lvl="7" indent="-298450" algn="ctr">
               <a:spcBef>
                 <a:spcPts val="0"/>
               </a:spcBef>
@@ -4041,7 +4066,7 @@
               <a:buChar char="○"/>
               <a:defRPr/>
             </a:lvl8pPr>
-            <a:lvl9pPr indent="-298450" lvl="8" marL="4114800" algn="ctr">
+            <a:lvl9pPr marL="4114800" lvl="8" indent="-298450" algn="ctr">
               <a:spcBef>
                 <a:spcPts val="0"/>
               </a:spcBef>
@@ -4053,15 +4078,19 @@
               <a:defRPr/>
             </a:lvl9pPr>
           </a:lstStyle>
-          <a:p/>
+          <a:p>
+            <a:endParaRPr/>
+          </a:p>
         </p:txBody>
       </p:sp>
       <p:sp>
         <p:nvSpPr>
           <p:cNvPr id="121" name="Google Shape;121;p11"/>
-          <p:cNvSpPr txBox="1"/>
+          <p:cNvSpPr txBox="1">
+            <a:spLocks noGrp="1"/>
+          </p:cNvSpPr>
           <p:nvPr>
-            <p:ph idx="12" type="sldNum"/>
+            <p:ph type="sldNum" idx="12"/>
           </p:nvPr>
         </p:nvSpPr>
         <p:spPr>
@@ -4074,7 +4103,7 @@
           </a:prstGeom>
         </p:spPr>
         <p:txBody>
-          <a:bodyPr anchorCtr="0" anchor="ctr" bIns="91425" lIns="91425" spcFirstLastPara="1" rIns="91425" wrap="square" tIns="91425">
+          <a:bodyPr spcFirstLastPara="1" wrap="square" lIns="91425" tIns="91425" rIns="91425" bIns="91425" anchor="ctr" anchorCtr="0">
             <a:normAutofit/>
           </a:bodyPr>
           <a:lstStyle>
@@ -4116,7 +4145,7 @@
             </a:lvl9pPr>
           </a:lstStyle>
           <a:p>
-            <a:pPr indent="0" lvl="0" marL="0" rtl="0" algn="r">
+            <a:pPr marL="0" lvl="0" indent="0" algn="r" rtl="0">
               <a:spcBef>
                 <a:spcPts val="0"/>
               </a:spcBef>
@@ -4142,11 +4171,11 @@
 </file>
 
 <file path=ppt/slideLayouts/slideLayout11.xml><?xml version="1.0" encoding="utf-8"?>
-<p:sldLayout xmlns:a="http://schemas.openxmlformats.org/drawingml/2006/main" xmlns:r="http://schemas.openxmlformats.org/officeDocument/2006/relationships" xmlns:mc="http://schemas.openxmlformats.org/markup-compatibility/2006" xmlns:mv="urn:schemas-microsoft-com:mac:vml" xmlns:p="http://schemas.openxmlformats.org/presentationml/2006/main" xmlns:c="http://schemas.openxmlformats.org/drawingml/2006/chart" xmlns:dgm="http://schemas.openxmlformats.org/drawingml/2006/diagram" xmlns:o="urn:schemas-microsoft-com:office:office" xmlns:v="urn:schemas-microsoft-com:vml" xmlns:pvml="urn:schemas-microsoft-com:office:powerpoint" xmlns:com="http://schemas.openxmlformats.org/drawingml/2006/compatibility" xmlns:p14="http://schemas.microsoft.com/office/powerpoint/2010/main" xmlns:p15="http://schemas.microsoft.com/office/powerpoint/2012/main" xmlns:ahyp="http://schemas.microsoft.com/office/drawing/2018/hyperlinkcolor" matchingName="Blank" type="blank">
+<p:sldLayout xmlns:a="http://schemas.openxmlformats.org/drawingml/2006/main" xmlns:r="http://schemas.openxmlformats.org/officeDocument/2006/relationships" xmlns:p="http://schemas.openxmlformats.org/presentationml/2006/main" matchingName="Blank" type="blank">
   <p:cSld name="BLANK">
     <p:spTree>
       <p:nvGrpSpPr>
-        <p:cNvPr id="122" name="Shape 122"/>
+        <p:cNvPr id="1" name="Shape 122"/>
         <p:cNvGrpSpPr/>
         <p:nvPr/>
       </p:nvGrpSpPr>
@@ -4161,9 +4190,11 @@
       <p:sp>
         <p:nvSpPr>
           <p:cNvPr id="123" name="Google Shape;123;p12"/>
-          <p:cNvSpPr txBox="1"/>
+          <p:cNvSpPr txBox="1">
+            <a:spLocks noGrp="1"/>
+          </p:cNvSpPr>
           <p:nvPr>
-            <p:ph idx="12" type="sldNum"/>
+            <p:ph type="sldNum" idx="12"/>
           </p:nvPr>
         </p:nvSpPr>
         <p:spPr>
@@ -4176,7 +4207,7 @@
           </a:prstGeom>
         </p:spPr>
         <p:txBody>
-          <a:bodyPr anchorCtr="0" anchor="ctr" bIns="91425" lIns="91425" spcFirstLastPara="1" rIns="91425" wrap="square" tIns="91425">
+          <a:bodyPr spcFirstLastPara="1" wrap="square" lIns="91425" tIns="91425" rIns="91425" bIns="91425" anchor="ctr" anchorCtr="0">
             <a:normAutofit/>
           </a:bodyPr>
           <a:lstStyle>
@@ -4218,7 +4249,7 @@
             </a:lvl9pPr>
           </a:lstStyle>
           <a:p>
-            <a:pPr indent="0" lvl="0" marL="0" rtl="0" algn="r">
+            <a:pPr marL="0" lvl="0" indent="0" algn="r" rtl="0">
               <a:spcBef>
                 <a:spcPts val="0"/>
               </a:spcBef>
@@ -4244,18 +4275,19 @@
 </file>
 
 <file path=ppt/slideLayouts/slideLayout2.xml><?xml version="1.0" encoding="utf-8"?>
-<p:sldLayout xmlns:a="http://schemas.openxmlformats.org/drawingml/2006/main" xmlns:r="http://schemas.openxmlformats.org/officeDocument/2006/relationships" xmlns:mc="http://schemas.openxmlformats.org/markup-compatibility/2006" xmlns:mv="urn:schemas-microsoft-com:mac:vml" xmlns:p="http://schemas.openxmlformats.org/presentationml/2006/main" xmlns:c="http://schemas.openxmlformats.org/drawingml/2006/chart" xmlns:dgm="http://schemas.openxmlformats.org/drawingml/2006/diagram" xmlns:o="urn:schemas-microsoft-com:office:office" xmlns:v="urn:schemas-microsoft-com:vml" xmlns:pvml="urn:schemas-microsoft-com:office:powerpoint" xmlns:com="http://schemas.openxmlformats.org/drawingml/2006/compatibility" xmlns:p14="http://schemas.microsoft.com/office/powerpoint/2010/main" xmlns:p15="http://schemas.microsoft.com/office/powerpoint/2012/main" xmlns:ahyp="http://schemas.microsoft.com/office/drawing/2018/hyperlinkcolor" matchingName="Section header" type="secHead">
+<p:sldLayout xmlns:a="http://schemas.openxmlformats.org/drawingml/2006/main" xmlns:r="http://schemas.openxmlformats.org/officeDocument/2006/relationships" xmlns:p="http://schemas.openxmlformats.org/presentationml/2006/main" matchingName="Section header" type="secHead">
   <p:cSld name="SECTION_HEADER">
     <p:bg>
       <p:bgPr>
         <a:solidFill>
           <a:schemeClr val="accent3"/>
         </a:solidFill>
+        <a:effectLst/>
       </p:bgPr>
     </p:bg>
     <p:spTree>
       <p:nvGrpSpPr>
-        <p:cNvPr id="37" name="Shape 37"/>
+        <p:cNvPr id="1" name="Shape 37"/>
         <p:cNvGrpSpPr/>
         <p:nvPr/>
       </p:nvGrpSpPr>
@@ -4289,12 +4321,12 @@
           </a:ln>
         </p:spPr>
         <p:txBody>
-          <a:bodyPr anchorCtr="0" anchor="ctr" bIns="91425" lIns="91425" spcFirstLastPara="1" rIns="91425" wrap="square" tIns="91425">
+          <a:bodyPr spcFirstLastPara="1" wrap="square" lIns="91425" tIns="91425" rIns="91425" bIns="91425" anchor="ctr" anchorCtr="0">
             <a:noAutofit/>
           </a:bodyPr>
           <a:lstStyle/>
           <a:p>
-            <a:pPr indent="0" lvl="0" marL="0" rtl="0" algn="l">
+            <a:pPr marL="0" lvl="0" indent="0" algn="l" rtl="0">
               <a:spcBef>
                 <a:spcPts val="0"/>
               </a:spcBef>
@@ -4303,9 +4335,6 @@
               </a:spcAft>
               <a:buNone/>
             </a:pPr>
-            <a:r>
-              <a:t/>
-            </a:r>
             <a:endParaRPr/>
           </a:p>
         </p:txBody>
@@ -4337,7 +4366,7 @@
             </a:xfrm>
             <a:prstGeom prst="parallelogram">
               <a:avLst>
-                <a:gd fmla="val 158024" name="adj"/>
+                <a:gd name="adj" fmla="val 158024"/>
               </a:avLst>
             </a:prstGeom>
             <a:solidFill>
@@ -4348,12 +4377,12 @@
             </a:ln>
           </p:spPr>
           <p:txBody>
-            <a:bodyPr anchorCtr="0" anchor="ctr" bIns="91425" lIns="91425" spcFirstLastPara="1" rIns="91425" wrap="square" tIns="91425">
+            <a:bodyPr spcFirstLastPara="1" wrap="square" lIns="91425" tIns="91425" rIns="91425" bIns="91425" anchor="ctr" anchorCtr="0">
               <a:noAutofit/>
             </a:bodyPr>
             <a:lstStyle/>
             <a:p>
-              <a:pPr indent="0" lvl="0" marL="0" rtl="0" algn="l">
+              <a:pPr marL="0" lvl="0" indent="0" algn="l" rtl="0">
                 <a:spcBef>
                   <a:spcPts val="0"/>
                 </a:spcBef>
@@ -4362,9 +4391,6 @@
                 </a:spcAft>
                 <a:buNone/>
               </a:pPr>
-              <a:r>
-                <a:t/>
-              </a:r>
               <a:endParaRPr/>
             </a:p>
           </p:txBody>
@@ -4382,7 +4408,7 @@
             </a:xfrm>
             <a:prstGeom prst="parallelogram">
               <a:avLst>
-                <a:gd fmla="val 158024" name="adj"/>
+                <a:gd name="adj" fmla="val 158024"/>
               </a:avLst>
             </a:prstGeom>
             <a:solidFill>
@@ -4393,12 +4419,12 @@
             </a:ln>
           </p:spPr>
           <p:txBody>
-            <a:bodyPr anchorCtr="0" anchor="ctr" bIns="91425" lIns="91425" spcFirstLastPara="1" rIns="91425" wrap="square" tIns="91425">
+            <a:bodyPr spcFirstLastPara="1" wrap="square" lIns="91425" tIns="91425" rIns="91425" bIns="91425" anchor="ctr" anchorCtr="0">
               <a:noAutofit/>
             </a:bodyPr>
             <a:lstStyle/>
             <a:p>
-              <a:pPr indent="0" lvl="0" marL="0" rtl="0" algn="l">
+              <a:pPr marL="0" lvl="0" indent="0" algn="l" rtl="0">
                 <a:spcBef>
                   <a:spcPts val="0"/>
                 </a:spcBef>
@@ -4407,9 +4433,6 @@
                 </a:spcAft>
                 <a:buNone/>
               </a:pPr>
-              <a:r>
-                <a:t/>
-              </a:r>
               <a:endParaRPr/>
             </a:p>
           </p:txBody>
@@ -4427,7 +4450,7 @@
             </a:xfrm>
             <a:prstGeom prst="parallelogram">
               <a:avLst>
-                <a:gd fmla="val 158024" name="adj"/>
+                <a:gd name="adj" fmla="val 158024"/>
               </a:avLst>
             </a:prstGeom>
             <a:solidFill>
@@ -4438,12 +4461,12 @@
             </a:ln>
           </p:spPr>
           <p:txBody>
-            <a:bodyPr anchorCtr="0" anchor="ctr" bIns="91425" lIns="91425" spcFirstLastPara="1" rIns="91425" wrap="square" tIns="91425">
+            <a:bodyPr spcFirstLastPara="1" wrap="square" lIns="91425" tIns="91425" rIns="91425" bIns="91425" anchor="ctr" anchorCtr="0">
               <a:noAutofit/>
             </a:bodyPr>
             <a:lstStyle/>
             <a:p>
-              <a:pPr indent="0" lvl="0" marL="0" rtl="0" algn="l">
+              <a:pPr marL="0" lvl="0" indent="0" algn="l" rtl="0">
                 <a:spcBef>
                   <a:spcPts val="0"/>
                 </a:spcBef>
@@ -4452,9 +4475,6 @@
                 </a:spcAft>
                 <a:buNone/>
               </a:pPr>
-              <a:r>
-                <a:t/>
-              </a:r>
               <a:endParaRPr/>
             </a:p>
           </p:txBody>
@@ -4487,7 +4507,7 @@
             </a:xfrm>
             <a:prstGeom prst="parallelogram">
               <a:avLst>
-                <a:gd fmla="val 158024" name="adj"/>
+                <a:gd name="adj" fmla="val 158024"/>
               </a:avLst>
             </a:prstGeom>
             <a:solidFill>
@@ -4498,12 +4518,12 @@
             </a:ln>
           </p:spPr>
           <p:txBody>
-            <a:bodyPr anchorCtr="0" anchor="ctr" bIns="91425" lIns="91425" spcFirstLastPara="1" rIns="91425" wrap="square" tIns="91425">
+            <a:bodyPr spcFirstLastPara="1" wrap="square" lIns="91425" tIns="91425" rIns="91425" bIns="91425" anchor="ctr" anchorCtr="0">
               <a:noAutofit/>
             </a:bodyPr>
             <a:lstStyle/>
             <a:p>
-              <a:pPr indent="0" lvl="0" marL="0" rtl="0" algn="l">
+              <a:pPr marL="0" lvl="0" indent="0" algn="l" rtl="0">
                 <a:spcBef>
                   <a:spcPts val="0"/>
                 </a:spcBef>
@@ -4512,9 +4532,6 @@
                 </a:spcAft>
                 <a:buNone/>
               </a:pPr>
-              <a:r>
-                <a:t/>
-              </a:r>
               <a:endParaRPr/>
             </a:p>
           </p:txBody>
@@ -4532,7 +4549,7 @@
             </a:xfrm>
             <a:prstGeom prst="parallelogram">
               <a:avLst>
-                <a:gd fmla="val 158024" name="adj"/>
+                <a:gd name="adj" fmla="val 158024"/>
               </a:avLst>
             </a:prstGeom>
             <a:solidFill>
@@ -4543,12 +4560,12 @@
             </a:ln>
           </p:spPr>
           <p:txBody>
-            <a:bodyPr anchorCtr="0" anchor="ctr" bIns="91425" lIns="91425" spcFirstLastPara="1" rIns="91425" wrap="square" tIns="91425">
+            <a:bodyPr spcFirstLastPara="1" wrap="square" lIns="91425" tIns="91425" rIns="91425" bIns="91425" anchor="ctr" anchorCtr="0">
               <a:noAutofit/>
             </a:bodyPr>
             <a:lstStyle/>
             <a:p>
-              <a:pPr indent="0" lvl="0" marL="0" rtl="0" algn="l">
+              <a:pPr marL="0" lvl="0" indent="0" algn="l" rtl="0">
                 <a:spcBef>
                   <a:spcPts val="0"/>
                 </a:spcBef>
@@ -4557,9 +4574,6 @@
                 </a:spcAft>
                 <a:buNone/>
               </a:pPr>
-              <a:r>
-                <a:t/>
-              </a:r>
               <a:endParaRPr/>
             </a:p>
           </p:txBody>
@@ -4577,7 +4591,7 @@
             </a:xfrm>
             <a:prstGeom prst="parallelogram">
               <a:avLst>
-                <a:gd fmla="val 158024" name="adj"/>
+                <a:gd name="adj" fmla="val 158024"/>
               </a:avLst>
             </a:prstGeom>
             <a:solidFill>
@@ -4588,12 +4602,12 @@
             </a:ln>
           </p:spPr>
           <p:txBody>
-            <a:bodyPr anchorCtr="0" anchor="ctr" bIns="91425" lIns="91425" spcFirstLastPara="1" rIns="91425" wrap="square" tIns="91425">
+            <a:bodyPr spcFirstLastPara="1" wrap="square" lIns="91425" tIns="91425" rIns="91425" bIns="91425" anchor="ctr" anchorCtr="0">
               <a:noAutofit/>
             </a:bodyPr>
             <a:lstStyle/>
             <a:p>
-              <a:pPr indent="0" lvl="0" marL="0" rtl="0" algn="l">
+              <a:pPr marL="0" lvl="0" indent="0" algn="l" rtl="0">
                 <a:spcBef>
                   <a:spcPts val="0"/>
                 </a:spcBef>
@@ -4602,9 +4616,6 @@
                 </a:spcAft>
                 <a:buNone/>
               </a:pPr>
-              <a:r>
-                <a:t/>
-              </a:r>
               <a:endParaRPr/>
             </a:p>
           </p:txBody>
@@ -4613,7 +4624,9 @@
       <p:sp>
         <p:nvSpPr>
           <p:cNvPr id="47" name="Google Shape;47;p3"/>
-          <p:cNvSpPr txBox="1"/>
+          <p:cNvSpPr txBox="1">
+            <a:spLocks noGrp="1"/>
+          </p:cNvSpPr>
           <p:nvPr>
             <p:ph type="title"/>
           </p:nvPr>
@@ -4628,7 +4641,7 @@
           </a:prstGeom>
         </p:spPr>
         <p:txBody>
-          <a:bodyPr anchorCtr="0" anchor="ctr" bIns="91425" lIns="91425" spcFirstLastPara="1" rIns="91425" wrap="square" tIns="91425">
+          <a:bodyPr spcFirstLastPara="1" wrap="square" lIns="91425" tIns="91425" rIns="91425" bIns="91425" anchor="ctr" anchorCtr="0">
             <a:normAutofit/>
           </a:bodyPr>
           <a:lstStyle>
@@ -4795,15 +4808,19 @@
               </a:defRPr>
             </a:lvl9pPr>
           </a:lstStyle>
-          <a:p/>
+          <a:p>
+            <a:endParaRPr/>
+          </a:p>
         </p:txBody>
       </p:sp>
       <p:sp>
         <p:nvSpPr>
           <p:cNvPr id="48" name="Google Shape;48;p3"/>
-          <p:cNvSpPr txBox="1"/>
+          <p:cNvSpPr txBox="1">
+            <a:spLocks noGrp="1"/>
+          </p:cNvSpPr>
           <p:nvPr>
-            <p:ph idx="12" type="sldNum"/>
+            <p:ph type="sldNum" idx="12"/>
           </p:nvPr>
         </p:nvSpPr>
         <p:spPr>
@@ -4816,7 +4833,7 @@
           </a:prstGeom>
         </p:spPr>
         <p:txBody>
-          <a:bodyPr anchorCtr="0" anchor="ctr" bIns="91425" lIns="91425" spcFirstLastPara="1" rIns="91425" wrap="square" tIns="91425">
+          <a:bodyPr spcFirstLastPara="1" wrap="square" lIns="91425" tIns="91425" rIns="91425" bIns="91425" anchor="ctr" anchorCtr="0">
             <a:normAutofit/>
           </a:bodyPr>
           <a:lstStyle>
@@ -4858,7 +4875,7 @@
             </a:lvl9pPr>
           </a:lstStyle>
           <a:p>
-            <a:pPr indent="0" lvl="0" marL="0" rtl="0" algn="r">
+            <a:pPr marL="0" lvl="0" indent="0" algn="r" rtl="0">
               <a:spcBef>
                 <a:spcPts val="0"/>
               </a:spcBef>
@@ -4884,18 +4901,19 @@
 </file>
 
 <file path=ppt/slideLayouts/slideLayout3.xml><?xml version="1.0" encoding="utf-8"?>
-<p:sldLayout xmlns:a="http://schemas.openxmlformats.org/drawingml/2006/main" xmlns:r="http://schemas.openxmlformats.org/officeDocument/2006/relationships" xmlns:mc="http://schemas.openxmlformats.org/markup-compatibility/2006" xmlns:mv="urn:schemas-microsoft-com:mac:vml" xmlns:p="http://schemas.openxmlformats.org/presentationml/2006/main" xmlns:c="http://schemas.openxmlformats.org/drawingml/2006/chart" xmlns:dgm="http://schemas.openxmlformats.org/drawingml/2006/diagram" xmlns:o="urn:schemas-microsoft-com:office:office" xmlns:v="urn:schemas-microsoft-com:vml" xmlns:pvml="urn:schemas-microsoft-com:office:powerpoint" xmlns:com="http://schemas.openxmlformats.org/drawingml/2006/compatibility" xmlns:p14="http://schemas.microsoft.com/office/powerpoint/2010/main" xmlns:p15="http://schemas.microsoft.com/office/powerpoint/2012/main" xmlns:ahyp="http://schemas.microsoft.com/office/drawing/2018/hyperlinkcolor" matchingName="Title and body" type="tx">
+<p:sldLayout xmlns:a="http://schemas.openxmlformats.org/drawingml/2006/main" xmlns:r="http://schemas.openxmlformats.org/officeDocument/2006/relationships" xmlns:p="http://schemas.openxmlformats.org/presentationml/2006/main" matchingName="Title and body" type="tx">
   <p:cSld name="TITLE_AND_BODY">
     <p:bg>
       <p:bgPr>
         <a:solidFill>
           <a:schemeClr val="dk2"/>
         </a:solidFill>
+        <a:effectLst/>
       </p:bgPr>
     </p:bg>
     <p:spTree>
       <p:nvGrpSpPr>
-        <p:cNvPr id="49" name="Shape 49"/>
+        <p:cNvPr id="1" name="Shape 49"/>
         <p:cNvGrpSpPr/>
         <p:nvPr/>
       </p:nvGrpSpPr>
@@ -4929,12 +4947,12 @@
           </a:ln>
         </p:spPr>
         <p:txBody>
-          <a:bodyPr anchorCtr="0" anchor="ctr" bIns="91425" lIns="91425" spcFirstLastPara="1" rIns="91425" wrap="square" tIns="91425">
+          <a:bodyPr spcFirstLastPara="1" wrap="square" lIns="91425" tIns="91425" rIns="91425" bIns="91425" anchor="ctr" anchorCtr="0">
             <a:noAutofit/>
           </a:bodyPr>
           <a:lstStyle/>
           <a:p>
-            <a:pPr indent="0" lvl="0" marL="0" rtl="0" algn="l">
+            <a:pPr marL="0" lvl="0" indent="0" algn="l" rtl="0">
               <a:spcBef>
                 <a:spcPts val="0"/>
               </a:spcBef>
@@ -4943,9 +4961,6 @@
               </a:spcAft>
               <a:buNone/>
             </a:pPr>
-            <a:r>
-              <a:t/>
-            </a:r>
             <a:endParaRPr/>
           </a:p>
         </p:txBody>
@@ -4972,12 +4987,12 @@
           </a:ln>
         </p:spPr>
         <p:txBody>
-          <a:bodyPr anchorCtr="0" anchor="ctr" bIns="91425" lIns="91425" spcFirstLastPara="1" rIns="91425" wrap="square" tIns="91425">
+          <a:bodyPr spcFirstLastPara="1" wrap="square" lIns="91425" tIns="91425" rIns="91425" bIns="91425" anchor="ctr" anchorCtr="0">
             <a:noAutofit/>
           </a:bodyPr>
           <a:lstStyle/>
           <a:p>
-            <a:pPr indent="0" lvl="0" marL="0" rtl="0" algn="l">
+            <a:pPr marL="0" lvl="0" indent="0" algn="l" rtl="0">
               <a:spcBef>
                 <a:spcPts val="0"/>
               </a:spcBef>
@@ -4986,9 +5001,6 @@
               </a:spcAft>
               <a:buNone/>
             </a:pPr>
-            <a:r>
-              <a:t/>
-            </a:r>
             <a:endParaRPr/>
           </a:p>
         </p:txBody>
@@ -5014,7 +5026,7 @@
             <a:noFill/>
           </a:ln>
           <a:effectLst>
-            <a:outerShdw blurRad="228600" sx="101000" rotWithShape="0" algn="ctr" sy="101000">
+            <a:outerShdw blurRad="228600" sx="101000" sy="101000" algn="ctr" rotWithShape="0">
               <a:srgbClr val="000000">
                 <a:alpha val="40000"/>
               </a:srgbClr>
@@ -5022,12 +5034,12 @@
           </a:effectLst>
         </p:spPr>
         <p:txBody>
-          <a:bodyPr anchorCtr="0" anchor="ctr" bIns="91425" lIns="91425" spcFirstLastPara="1" rIns="91425" wrap="square" tIns="91425">
+          <a:bodyPr spcFirstLastPara="1" wrap="square" lIns="91425" tIns="91425" rIns="91425" bIns="91425" anchor="ctr" anchorCtr="0">
             <a:noAutofit/>
           </a:bodyPr>
           <a:lstStyle/>
           <a:p>
-            <a:pPr indent="0" lvl="0" marL="0" rtl="0" algn="l">
+            <a:pPr marL="0" lvl="0" indent="0" algn="l" rtl="0">
               <a:spcBef>
                 <a:spcPts val="0"/>
               </a:spcBef>
@@ -5036,9 +5048,6 @@
               </a:spcAft>
               <a:buNone/>
             </a:pPr>
-            <a:r>
-              <a:t/>
-            </a:r>
             <a:endParaRPr/>
           </a:p>
         </p:txBody>
@@ -5046,7 +5055,9 @@
       <p:sp>
         <p:nvSpPr>
           <p:cNvPr id="53" name="Google Shape;53;p4"/>
-          <p:cNvSpPr txBox="1"/>
+          <p:cNvSpPr txBox="1">
+            <a:spLocks noGrp="1"/>
+          </p:cNvSpPr>
           <p:nvPr>
             <p:ph type="title"/>
           </p:nvPr>
@@ -5061,7 +5072,7 @@
           </a:prstGeom>
         </p:spPr>
         <p:txBody>
-          <a:bodyPr anchorCtr="0" anchor="t" bIns="91425" lIns="91425" spcFirstLastPara="1" rIns="91425" wrap="square" tIns="91425">
+          <a:bodyPr spcFirstLastPara="1" wrap="square" lIns="91425" tIns="91425" rIns="91425" bIns="91425" anchor="t" anchorCtr="0">
             <a:normAutofit/>
           </a:bodyPr>
           <a:lstStyle>
@@ -5165,15 +5176,19 @@
               <a:defRPr sz="3000"/>
             </a:lvl9pPr>
           </a:lstStyle>
-          <a:p/>
+          <a:p>
+            <a:endParaRPr/>
+          </a:p>
         </p:txBody>
       </p:sp>
       <p:sp>
         <p:nvSpPr>
           <p:cNvPr id="54" name="Google Shape;54;p4"/>
-          <p:cNvSpPr txBox="1"/>
+          <p:cNvSpPr txBox="1">
+            <a:spLocks noGrp="1"/>
+          </p:cNvSpPr>
           <p:nvPr>
-            <p:ph idx="1" type="body"/>
+            <p:ph type="body" idx="1"/>
           </p:nvPr>
         </p:nvSpPr>
         <p:spPr>
@@ -5186,11 +5201,11 @@
           </a:prstGeom>
         </p:spPr>
         <p:txBody>
-          <a:bodyPr anchorCtr="0" anchor="t" bIns="91425" lIns="91425" spcFirstLastPara="1" rIns="91425" wrap="square" tIns="91425">
+          <a:bodyPr spcFirstLastPara="1" wrap="square" lIns="91425" tIns="91425" rIns="91425" bIns="91425" anchor="t" anchorCtr="0">
             <a:normAutofit/>
           </a:bodyPr>
           <a:lstStyle>
-            <a:lvl1pPr indent="-311150" lvl="0" marL="457200">
+            <a:lvl1pPr marL="457200" lvl="0" indent="-311150">
               <a:spcBef>
                 <a:spcPts val="0"/>
               </a:spcBef>
@@ -5201,7 +5216,7 @@
               <a:buChar char="●"/>
               <a:defRPr/>
             </a:lvl1pPr>
-            <a:lvl2pPr indent="-298450" lvl="1" marL="914400">
+            <a:lvl2pPr marL="914400" lvl="1" indent="-298450">
               <a:spcBef>
                 <a:spcPts val="0"/>
               </a:spcBef>
@@ -5212,7 +5227,7 @@
               <a:buChar char="○"/>
               <a:defRPr/>
             </a:lvl2pPr>
-            <a:lvl3pPr indent="-298450" lvl="2" marL="1371600">
+            <a:lvl3pPr marL="1371600" lvl="2" indent="-298450">
               <a:spcBef>
                 <a:spcPts val="0"/>
               </a:spcBef>
@@ -5223,7 +5238,7 @@
               <a:buChar char="■"/>
               <a:defRPr/>
             </a:lvl3pPr>
-            <a:lvl4pPr indent="-298450" lvl="3" marL="1828800">
+            <a:lvl4pPr marL="1828800" lvl="3" indent="-298450">
               <a:spcBef>
                 <a:spcPts val="0"/>
               </a:spcBef>
@@ -5234,7 +5249,7 @@
               <a:buChar char="●"/>
               <a:defRPr/>
             </a:lvl4pPr>
-            <a:lvl5pPr indent="-298450" lvl="4" marL="2286000">
+            <a:lvl5pPr marL="2286000" lvl="4" indent="-298450">
               <a:spcBef>
                 <a:spcPts val="0"/>
               </a:spcBef>
@@ -5245,7 +5260,7 @@
               <a:buChar char="○"/>
               <a:defRPr/>
             </a:lvl5pPr>
-            <a:lvl6pPr indent="-298450" lvl="5" marL="2743200">
+            <a:lvl6pPr marL="2743200" lvl="5" indent="-298450">
               <a:spcBef>
                 <a:spcPts val="0"/>
               </a:spcBef>
@@ -5256,7 +5271,7 @@
               <a:buChar char="■"/>
               <a:defRPr/>
             </a:lvl6pPr>
-            <a:lvl7pPr indent="-298450" lvl="6" marL="3200400">
+            <a:lvl7pPr marL="3200400" lvl="6" indent="-298450">
               <a:spcBef>
                 <a:spcPts val="0"/>
               </a:spcBef>
@@ -5267,7 +5282,7 @@
               <a:buChar char="●"/>
               <a:defRPr/>
             </a:lvl7pPr>
-            <a:lvl8pPr indent="-298450" lvl="7" marL="3657600">
+            <a:lvl8pPr marL="3657600" lvl="7" indent="-298450">
               <a:spcBef>
                 <a:spcPts val="0"/>
               </a:spcBef>
@@ -5278,7 +5293,7 @@
               <a:buChar char="○"/>
               <a:defRPr/>
             </a:lvl8pPr>
-            <a:lvl9pPr indent="-298450" lvl="8" marL="4114800">
+            <a:lvl9pPr marL="4114800" lvl="8" indent="-298450">
               <a:spcBef>
                 <a:spcPts val="0"/>
               </a:spcBef>
@@ -5290,15 +5305,19 @@
               <a:defRPr/>
             </a:lvl9pPr>
           </a:lstStyle>
-          <a:p/>
+          <a:p>
+            <a:endParaRPr/>
+          </a:p>
         </p:txBody>
       </p:sp>
       <p:sp>
         <p:nvSpPr>
           <p:cNvPr id="55" name="Google Shape;55;p4"/>
-          <p:cNvSpPr txBox="1"/>
+          <p:cNvSpPr txBox="1">
+            <a:spLocks noGrp="1"/>
+          </p:cNvSpPr>
           <p:nvPr>
-            <p:ph idx="12" type="sldNum"/>
+            <p:ph type="sldNum" idx="12"/>
           </p:nvPr>
         </p:nvSpPr>
         <p:spPr>
@@ -5311,7 +5330,7 @@
           </a:prstGeom>
         </p:spPr>
         <p:txBody>
-          <a:bodyPr anchorCtr="0" anchor="ctr" bIns="91425" lIns="91425" spcFirstLastPara="1" rIns="91425" wrap="square" tIns="91425">
+          <a:bodyPr spcFirstLastPara="1" wrap="square" lIns="91425" tIns="91425" rIns="91425" bIns="91425" anchor="ctr" anchorCtr="0">
             <a:normAutofit/>
           </a:bodyPr>
           <a:lstStyle>
@@ -5353,7 +5372,7 @@
             </a:lvl9pPr>
           </a:lstStyle>
           <a:p>
-            <a:pPr indent="0" lvl="0" marL="0" rtl="0" algn="r">
+            <a:pPr marL="0" lvl="0" indent="0" algn="r" rtl="0">
               <a:spcBef>
                 <a:spcPts val="0"/>
               </a:spcBef>
@@ -5379,18 +5398,19 @@
 </file>
 
 <file path=ppt/slideLayouts/slideLayout4.xml><?xml version="1.0" encoding="utf-8"?>
-<p:sldLayout xmlns:a="http://schemas.openxmlformats.org/drawingml/2006/main" xmlns:r="http://schemas.openxmlformats.org/officeDocument/2006/relationships" xmlns:mc="http://schemas.openxmlformats.org/markup-compatibility/2006" xmlns:mv="urn:schemas-microsoft-com:mac:vml" xmlns:p="http://schemas.openxmlformats.org/presentationml/2006/main" xmlns:c="http://schemas.openxmlformats.org/drawingml/2006/chart" xmlns:dgm="http://schemas.openxmlformats.org/drawingml/2006/diagram" xmlns:o="urn:schemas-microsoft-com:office:office" xmlns:v="urn:schemas-microsoft-com:vml" xmlns:pvml="urn:schemas-microsoft-com:office:powerpoint" xmlns:com="http://schemas.openxmlformats.org/drawingml/2006/compatibility" xmlns:p14="http://schemas.microsoft.com/office/powerpoint/2010/main" xmlns:p15="http://schemas.microsoft.com/office/powerpoint/2012/main" xmlns:ahyp="http://schemas.microsoft.com/office/drawing/2018/hyperlinkcolor" matchingName="Title and two columns" type="twoColTx">
+<p:sldLayout xmlns:a="http://schemas.openxmlformats.org/drawingml/2006/main" xmlns:r="http://schemas.openxmlformats.org/officeDocument/2006/relationships" xmlns:p="http://schemas.openxmlformats.org/presentationml/2006/main" matchingName="Title and two columns" type="twoColTx">
   <p:cSld name="TITLE_AND_TWO_COLUMNS">
     <p:bg>
       <p:bgPr>
         <a:solidFill>
           <a:schemeClr val="dk2"/>
         </a:solidFill>
+        <a:effectLst/>
       </p:bgPr>
     </p:bg>
     <p:spTree>
       <p:nvGrpSpPr>
-        <p:cNvPr id="56" name="Shape 56"/>
+        <p:cNvPr id="1" name="Shape 56"/>
         <p:cNvGrpSpPr/>
         <p:nvPr/>
       </p:nvGrpSpPr>
@@ -5424,12 +5444,12 @@
           </a:ln>
         </p:spPr>
         <p:txBody>
-          <a:bodyPr anchorCtr="0" anchor="ctr" bIns="91425" lIns="91425" spcFirstLastPara="1" rIns="91425" wrap="square" tIns="91425">
+          <a:bodyPr spcFirstLastPara="1" wrap="square" lIns="91425" tIns="91425" rIns="91425" bIns="91425" anchor="ctr" anchorCtr="0">
             <a:noAutofit/>
           </a:bodyPr>
           <a:lstStyle/>
           <a:p>
-            <a:pPr indent="0" lvl="0" marL="0" rtl="0" algn="l">
+            <a:pPr marL="0" lvl="0" indent="0" algn="l" rtl="0">
               <a:spcBef>
                 <a:spcPts val="0"/>
               </a:spcBef>
@@ -5438,9 +5458,6 @@
               </a:spcAft>
               <a:buNone/>
             </a:pPr>
-            <a:r>
-              <a:t/>
-            </a:r>
             <a:endParaRPr/>
           </a:p>
         </p:txBody>
@@ -5467,12 +5484,12 @@
           </a:ln>
         </p:spPr>
         <p:txBody>
-          <a:bodyPr anchorCtr="0" anchor="ctr" bIns="91425" lIns="91425" spcFirstLastPara="1" rIns="91425" wrap="square" tIns="91425">
+          <a:bodyPr spcFirstLastPara="1" wrap="square" lIns="91425" tIns="91425" rIns="91425" bIns="91425" anchor="ctr" anchorCtr="0">
             <a:noAutofit/>
           </a:bodyPr>
           <a:lstStyle/>
           <a:p>
-            <a:pPr indent="0" lvl="0" marL="0" rtl="0" algn="l">
+            <a:pPr marL="0" lvl="0" indent="0" algn="l" rtl="0">
               <a:spcBef>
                 <a:spcPts val="0"/>
               </a:spcBef>
@@ -5481,9 +5498,6 @@
               </a:spcAft>
               <a:buNone/>
             </a:pPr>
-            <a:r>
-              <a:t/>
-            </a:r>
             <a:endParaRPr/>
           </a:p>
         </p:txBody>
@@ -5509,7 +5523,7 @@
             <a:noFill/>
           </a:ln>
           <a:effectLst>
-            <a:outerShdw blurRad="228600" sx="101000" rotWithShape="0" algn="ctr" sy="101000">
+            <a:outerShdw blurRad="228600" sx="101000" sy="101000" algn="ctr" rotWithShape="0">
               <a:srgbClr val="000000">
                 <a:alpha val="40000"/>
               </a:srgbClr>
@@ -5517,12 +5531,12 @@
           </a:effectLst>
         </p:spPr>
         <p:txBody>
-          <a:bodyPr anchorCtr="0" anchor="ctr" bIns="91425" lIns="91425" spcFirstLastPara="1" rIns="91425" wrap="square" tIns="91425">
+          <a:bodyPr spcFirstLastPara="1" wrap="square" lIns="91425" tIns="91425" rIns="91425" bIns="91425" anchor="ctr" anchorCtr="0">
             <a:noAutofit/>
           </a:bodyPr>
           <a:lstStyle/>
           <a:p>
-            <a:pPr indent="0" lvl="0" marL="0" rtl="0" algn="l">
+            <a:pPr marL="0" lvl="0" indent="0" algn="l" rtl="0">
               <a:spcBef>
                 <a:spcPts val="0"/>
               </a:spcBef>
@@ -5531,9 +5545,6 @@
               </a:spcAft>
               <a:buNone/>
             </a:pPr>
-            <a:r>
-              <a:t/>
-            </a:r>
             <a:endParaRPr/>
           </a:p>
         </p:txBody>
@@ -5541,7 +5552,9 @@
       <p:sp>
         <p:nvSpPr>
           <p:cNvPr id="60" name="Google Shape;60;p5"/>
-          <p:cNvSpPr txBox="1"/>
+          <p:cNvSpPr txBox="1">
+            <a:spLocks noGrp="1"/>
+          </p:cNvSpPr>
           <p:nvPr>
             <p:ph type="title"/>
           </p:nvPr>
@@ -5556,7 +5569,7 @@
           </a:prstGeom>
         </p:spPr>
         <p:txBody>
-          <a:bodyPr anchorCtr="0" anchor="t" bIns="91425" lIns="91425" spcFirstLastPara="1" rIns="91425" wrap="square" tIns="91425">
+          <a:bodyPr spcFirstLastPara="1" wrap="square" lIns="91425" tIns="91425" rIns="91425" bIns="91425" anchor="t" anchorCtr="0">
             <a:normAutofit/>
           </a:bodyPr>
           <a:lstStyle>
@@ -5660,15 +5673,19 @@
               <a:defRPr sz="3000"/>
             </a:lvl9pPr>
           </a:lstStyle>
-          <a:p/>
+          <a:p>
+            <a:endParaRPr/>
+          </a:p>
         </p:txBody>
       </p:sp>
       <p:sp>
         <p:nvSpPr>
           <p:cNvPr id="61" name="Google Shape;61;p5"/>
-          <p:cNvSpPr txBox="1"/>
+          <p:cNvSpPr txBox="1">
+            <a:spLocks noGrp="1"/>
+          </p:cNvSpPr>
           <p:nvPr>
-            <p:ph idx="1" type="body"/>
+            <p:ph type="body" idx="1"/>
           </p:nvPr>
         </p:nvSpPr>
         <p:spPr>
@@ -5681,11 +5698,11 @@
           </a:prstGeom>
         </p:spPr>
         <p:txBody>
-          <a:bodyPr anchorCtr="0" anchor="t" bIns="91425" lIns="91425" spcFirstLastPara="1" rIns="91425" wrap="square" tIns="91425">
+          <a:bodyPr spcFirstLastPara="1" wrap="square" lIns="91425" tIns="91425" rIns="91425" bIns="91425" anchor="t" anchorCtr="0">
             <a:normAutofit/>
           </a:bodyPr>
           <a:lstStyle>
-            <a:lvl1pPr indent="-311150" lvl="0" marL="457200">
+            <a:lvl1pPr marL="457200" lvl="0" indent="-311150">
               <a:spcBef>
                 <a:spcPts val="0"/>
               </a:spcBef>
@@ -5696,7 +5713,7 @@
               <a:buChar char="●"/>
               <a:defRPr/>
             </a:lvl1pPr>
-            <a:lvl2pPr indent="-298450" lvl="1" marL="914400">
+            <a:lvl2pPr marL="914400" lvl="1" indent="-298450">
               <a:spcBef>
                 <a:spcPts val="0"/>
               </a:spcBef>
@@ -5707,7 +5724,7 @@
               <a:buChar char="○"/>
               <a:defRPr/>
             </a:lvl2pPr>
-            <a:lvl3pPr indent="-298450" lvl="2" marL="1371600">
+            <a:lvl3pPr marL="1371600" lvl="2" indent="-298450">
               <a:spcBef>
                 <a:spcPts val="0"/>
               </a:spcBef>
@@ -5718,7 +5735,7 @@
               <a:buChar char="■"/>
               <a:defRPr/>
             </a:lvl3pPr>
-            <a:lvl4pPr indent="-298450" lvl="3" marL="1828800">
+            <a:lvl4pPr marL="1828800" lvl="3" indent="-298450">
               <a:spcBef>
                 <a:spcPts val="0"/>
               </a:spcBef>
@@ -5729,7 +5746,7 @@
               <a:buChar char="●"/>
               <a:defRPr/>
             </a:lvl4pPr>
-            <a:lvl5pPr indent="-298450" lvl="4" marL="2286000">
+            <a:lvl5pPr marL="2286000" lvl="4" indent="-298450">
               <a:spcBef>
                 <a:spcPts val="0"/>
               </a:spcBef>
@@ -5740,7 +5757,7 @@
               <a:buChar char="○"/>
               <a:defRPr/>
             </a:lvl5pPr>
-            <a:lvl6pPr indent="-298450" lvl="5" marL="2743200">
+            <a:lvl6pPr marL="2743200" lvl="5" indent="-298450">
               <a:spcBef>
                 <a:spcPts val="0"/>
               </a:spcBef>
@@ -5751,7 +5768,7 @@
               <a:buChar char="■"/>
               <a:defRPr/>
             </a:lvl6pPr>
-            <a:lvl7pPr indent="-298450" lvl="6" marL="3200400">
+            <a:lvl7pPr marL="3200400" lvl="6" indent="-298450">
               <a:spcBef>
                 <a:spcPts val="0"/>
               </a:spcBef>
@@ -5762,7 +5779,7 @@
               <a:buChar char="●"/>
               <a:defRPr/>
             </a:lvl7pPr>
-            <a:lvl8pPr indent="-298450" lvl="7" marL="3657600">
+            <a:lvl8pPr marL="3657600" lvl="7" indent="-298450">
               <a:spcBef>
                 <a:spcPts val="0"/>
               </a:spcBef>
@@ -5773,7 +5790,7 @@
               <a:buChar char="○"/>
               <a:defRPr/>
             </a:lvl8pPr>
-            <a:lvl9pPr indent="-298450" lvl="8" marL="4114800">
+            <a:lvl9pPr marL="4114800" lvl="8" indent="-298450">
               <a:spcBef>
                 <a:spcPts val="0"/>
               </a:spcBef>
@@ -5785,15 +5802,19 @@
               <a:defRPr/>
             </a:lvl9pPr>
           </a:lstStyle>
-          <a:p/>
+          <a:p>
+            <a:endParaRPr/>
+          </a:p>
         </p:txBody>
       </p:sp>
       <p:sp>
         <p:nvSpPr>
           <p:cNvPr id="62" name="Google Shape;62;p5"/>
-          <p:cNvSpPr txBox="1"/>
+          <p:cNvSpPr txBox="1">
+            <a:spLocks noGrp="1"/>
+          </p:cNvSpPr>
           <p:nvPr>
-            <p:ph idx="2" type="body"/>
+            <p:ph type="body" idx="2"/>
           </p:nvPr>
         </p:nvSpPr>
         <p:spPr>
@@ -5806,11 +5827,11 @@
           </a:prstGeom>
         </p:spPr>
         <p:txBody>
-          <a:bodyPr anchorCtr="0" anchor="t" bIns="91425" lIns="91425" spcFirstLastPara="1" rIns="91425" wrap="square" tIns="91425">
+          <a:bodyPr spcFirstLastPara="1" wrap="square" lIns="91425" tIns="91425" rIns="91425" bIns="91425" anchor="t" anchorCtr="0">
             <a:normAutofit/>
           </a:bodyPr>
           <a:lstStyle>
-            <a:lvl1pPr indent="-311150" lvl="0" marL="457200">
+            <a:lvl1pPr marL="457200" lvl="0" indent="-311150">
               <a:spcBef>
                 <a:spcPts val="0"/>
               </a:spcBef>
@@ -5821,7 +5842,7 @@
               <a:buChar char="●"/>
               <a:defRPr/>
             </a:lvl1pPr>
-            <a:lvl2pPr indent="-298450" lvl="1" marL="914400">
+            <a:lvl2pPr marL="914400" lvl="1" indent="-298450">
               <a:spcBef>
                 <a:spcPts val="0"/>
               </a:spcBef>
@@ -5832,7 +5853,7 @@
               <a:buChar char="○"/>
               <a:defRPr/>
             </a:lvl2pPr>
-            <a:lvl3pPr indent="-298450" lvl="2" marL="1371600">
+            <a:lvl3pPr marL="1371600" lvl="2" indent="-298450">
               <a:spcBef>
                 <a:spcPts val="0"/>
               </a:spcBef>
@@ -5843,7 +5864,7 @@
               <a:buChar char="■"/>
               <a:defRPr/>
             </a:lvl3pPr>
-            <a:lvl4pPr indent="-298450" lvl="3" marL="1828800">
+            <a:lvl4pPr marL="1828800" lvl="3" indent="-298450">
               <a:spcBef>
                 <a:spcPts val="0"/>
               </a:spcBef>
@@ -5854,7 +5875,7 @@
               <a:buChar char="●"/>
               <a:defRPr/>
             </a:lvl4pPr>
-            <a:lvl5pPr indent="-298450" lvl="4" marL="2286000">
+            <a:lvl5pPr marL="2286000" lvl="4" indent="-298450">
               <a:spcBef>
                 <a:spcPts val="0"/>
               </a:spcBef>
@@ -5865,7 +5886,7 @@
               <a:buChar char="○"/>
               <a:defRPr/>
             </a:lvl5pPr>
-            <a:lvl6pPr indent="-298450" lvl="5" marL="2743200">
+            <a:lvl6pPr marL="2743200" lvl="5" indent="-298450">
               <a:spcBef>
                 <a:spcPts val="0"/>
               </a:spcBef>
@@ -5876,7 +5897,7 @@
               <a:buChar char="■"/>
               <a:defRPr/>
             </a:lvl6pPr>
-            <a:lvl7pPr indent="-298450" lvl="6" marL="3200400">
+            <a:lvl7pPr marL="3200400" lvl="6" indent="-298450">
               <a:spcBef>
                 <a:spcPts val="0"/>
               </a:spcBef>
@@ -5887,7 +5908,7 @@
               <a:buChar char="●"/>
               <a:defRPr/>
             </a:lvl7pPr>
-            <a:lvl8pPr indent="-298450" lvl="7" marL="3657600">
+            <a:lvl8pPr marL="3657600" lvl="7" indent="-298450">
               <a:spcBef>
                 <a:spcPts val="0"/>
               </a:spcBef>
@@ -5898,7 +5919,7 @@
               <a:buChar char="○"/>
               <a:defRPr/>
             </a:lvl8pPr>
-            <a:lvl9pPr indent="-298450" lvl="8" marL="4114800">
+            <a:lvl9pPr marL="4114800" lvl="8" indent="-298450">
               <a:spcBef>
                 <a:spcPts val="0"/>
               </a:spcBef>
@@ -5910,15 +5931,19 @@
               <a:defRPr/>
             </a:lvl9pPr>
           </a:lstStyle>
-          <a:p/>
+          <a:p>
+            <a:endParaRPr/>
+          </a:p>
         </p:txBody>
       </p:sp>
       <p:sp>
         <p:nvSpPr>
           <p:cNvPr id="63" name="Google Shape;63;p5"/>
-          <p:cNvSpPr txBox="1"/>
+          <p:cNvSpPr txBox="1">
+            <a:spLocks noGrp="1"/>
+          </p:cNvSpPr>
           <p:nvPr>
-            <p:ph idx="12" type="sldNum"/>
+            <p:ph type="sldNum" idx="12"/>
           </p:nvPr>
         </p:nvSpPr>
         <p:spPr>
@@ -5931,7 +5956,7 @@
           </a:prstGeom>
         </p:spPr>
         <p:txBody>
-          <a:bodyPr anchorCtr="0" anchor="ctr" bIns="91425" lIns="91425" spcFirstLastPara="1" rIns="91425" wrap="square" tIns="91425">
+          <a:bodyPr spcFirstLastPara="1" wrap="square" lIns="91425" tIns="91425" rIns="91425" bIns="91425" anchor="ctr" anchorCtr="0">
             <a:normAutofit/>
           </a:bodyPr>
           <a:lstStyle>
@@ -5973,7 +5998,7 @@
             </a:lvl9pPr>
           </a:lstStyle>
           <a:p>
-            <a:pPr indent="0" lvl="0" marL="0" rtl="0" algn="r">
+            <a:pPr marL="0" lvl="0" indent="0" algn="r" rtl="0">
               <a:spcBef>
                 <a:spcPts val="0"/>
               </a:spcBef>
@@ -5999,18 +6024,19 @@
 </file>
 
 <file path=ppt/slideLayouts/slideLayout5.xml><?xml version="1.0" encoding="utf-8"?>
-<p:sldLayout xmlns:a="http://schemas.openxmlformats.org/drawingml/2006/main" xmlns:r="http://schemas.openxmlformats.org/officeDocument/2006/relationships" xmlns:mc="http://schemas.openxmlformats.org/markup-compatibility/2006" xmlns:mv="urn:schemas-microsoft-com:mac:vml" xmlns:p="http://schemas.openxmlformats.org/presentationml/2006/main" xmlns:c="http://schemas.openxmlformats.org/drawingml/2006/chart" xmlns:dgm="http://schemas.openxmlformats.org/drawingml/2006/diagram" xmlns:o="urn:schemas-microsoft-com:office:office" xmlns:v="urn:schemas-microsoft-com:vml" xmlns:pvml="urn:schemas-microsoft-com:office:powerpoint" xmlns:com="http://schemas.openxmlformats.org/drawingml/2006/compatibility" xmlns:p14="http://schemas.microsoft.com/office/powerpoint/2010/main" xmlns:p15="http://schemas.microsoft.com/office/powerpoint/2012/main" xmlns:ahyp="http://schemas.microsoft.com/office/drawing/2018/hyperlinkcolor" matchingName="Title only" type="titleOnly">
+<p:sldLayout xmlns:a="http://schemas.openxmlformats.org/drawingml/2006/main" xmlns:r="http://schemas.openxmlformats.org/officeDocument/2006/relationships" xmlns:p="http://schemas.openxmlformats.org/presentationml/2006/main" matchingName="Title only" type="titleOnly">
   <p:cSld name="TITLE_ONLY">
     <p:bg>
       <p:bgPr>
         <a:solidFill>
           <a:schemeClr val="dk2"/>
         </a:solidFill>
+        <a:effectLst/>
       </p:bgPr>
     </p:bg>
     <p:spTree>
       <p:nvGrpSpPr>
-        <p:cNvPr id="64" name="Shape 64"/>
+        <p:cNvPr id="1" name="Shape 64"/>
         <p:cNvGrpSpPr/>
         <p:nvPr/>
       </p:nvGrpSpPr>
@@ -6044,12 +6070,12 @@
           </a:ln>
         </p:spPr>
         <p:txBody>
-          <a:bodyPr anchorCtr="0" anchor="ctr" bIns="91425" lIns="91425" spcFirstLastPara="1" rIns="91425" wrap="square" tIns="91425">
+          <a:bodyPr spcFirstLastPara="1" wrap="square" lIns="91425" tIns="91425" rIns="91425" bIns="91425" anchor="ctr" anchorCtr="0">
             <a:noAutofit/>
           </a:bodyPr>
           <a:lstStyle/>
           <a:p>
-            <a:pPr indent="0" lvl="0" marL="0" rtl="0" algn="l">
+            <a:pPr marL="0" lvl="0" indent="0" algn="l" rtl="0">
               <a:spcBef>
                 <a:spcPts val="0"/>
               </a:spcBef>
@@ -6058,9 +6084,6 @@
               </a:spcAft>
               <a:buNone/>
             </a:pPr>
-            <a:r>
-              <a:t/>
-            </a:r>
             <a:endParaRPr/>
           </a:p>
         </p:txBody>
@@ -6087,12 +6110,12 @@
           </a:ln>
         </p:spPr>
         <p:txBody>
-          <a:bodyPr anchorCtr="0" anchor="ctr" bIns="91425" lIns="91425" spcFirstLastPara="1" rIns="91425" wrap="square" tIns="91425">
+          <a:bodyPr spcFirstLastPara="1" wrap="square" lIns="91425" tIns="91425" rIns="91425" bIns="91425" anchor="ctr" anchorCtr="0">
             <a:noAutofit/>
           </a:bodyPr>
           <a:lstStyle/>
           <a:p>
-            <a:pPr indent="0" lvl="0" marL="0" rtl="0" algn="l">
+            <a:pPr marL="0" lvl="0" indent="0" algn="l" rtl="0">
               <a:spcBef>
                 <a:spcPts val="0"/>
               </a:spcBef>
@@ -6101,9 +6124,6 @@
               </a:spcAft>
               <a:buNone/>
             </a:pPr>
-            <a:r>
-              <a:t/>
-            </a:r>
             <a:endParaRPr/>
           </a:p>
         </p:txBody>
@@ -6129,7 +6149,7 @@
             <a:noFill/>
           </a:ln>
           <a:effectLst>
-            <a:outerShdw blurRad="228600" sx="101000" rotWithShape="0" algn="ctr" sy="101000">
+            <a:outerShdw blurRad="228600" sx="101000" sy="101000" algn="ctr" rotWithShape="0">
               <a:srgbClr val="000000">
                 <a:alpha val="40000"/>
               </a:srgbClr>
@@ -6137,12 +6157,12 @@
           </a:effectLst>
         </p:spPr>
         <p:txBody>
-          <a:bodyPr anchorCtr="0" anchor="ctr" bIns="91425" lIns="91425" spcFirstLastPara="1" rIns="91425" wrap="square" tIns="91425">
+          <a:bodyPr spcFirstLastPara="1" wrap="square" lIns="91425" tIns="91425" rIns="91425" bIns="91425" anchor="ctr" anchorCtr="0">
             <a:noAutofit/>
           </a:bodyPr>
           <a:lstStyle/>
           <a:p>
-            <a:pPr indent="0" lvl="0" marL="0" rtl="0" algn="l">
+            <a:pPr marL="0" lvl="0" indent="0" algn="l" rtl="0">
               <a:spcBef>
                 <a:spcPts val="0"/>
               </a:spcBef>
@@ -6151,9 +6171,6 @@
               </a:spcAft>
               <a:buNone/>
             </a:pPr>
-            <a:r>
-              <a:t/>
-            </a:r>
             <a:endParaRPr/>
           </a:p>
         </p:txBody>
@@ -6161,7 +6178,9 @@
       <p:sp>
         <p:nvSpPr>
           <p:cNvPr id="68" name="Google Shape;68;p6"/>
-          <p:cNvSpPr txBox="1"/>
+          <p:cNvSpPr txBox="1">
+            <a:spLocks noGrp="1"/>
+          </p:cNvSpPr>
           <p:nvPr>
             <p:ph type="title"/>
           </p:nvPr>
@@ -6176,7 +6195,7 @@
           </a:prstGeom>
         </p:spPr>
         <p:txBody>
-          <a:bodyPr anchorCtr="0" anchor="t" bIns="91425" lIns="91425" spcFirstLastPara="1" rIns="91425" wrap="square" tIns="91425">
+          <a:bodyPr spcFirstLastPara="1" wrap="square" lIns="91425" tIns="91425" rIns="91425" bIns="91425" anchor="t" anchorCtr="0">
             <a:normAutofit/>
           </a:bodyPr>
           <a:lstStyle>
@@ -6280,15 +6299,19 @@
               <a:defRPr sz="3000"/>
             </a:lvl9pPr>
           </a:lstStyle>
-          <a:p/>
+          <a:p>
+            <a:endParaRPr/>
+          </a:p>
         </p:txBody>
       </p:sp>
       <p:sp>
         <p:nvSpPr>
           <p:cNvPr id="69" name="Google Shape;69;p6"/>
-          <p:cNvSpPr txBox="1"/>
+          <p:cNvSpPr txBox="1">
+            <a:spLocks noGrp="1"/>
+          </p:cNvSpPr>
           <p:nvPr>
-            <p:ph idx="12" type="sldNum"/>
+            <p:ph type="sldNum" idx="12"/>
           </p:nvPr>
         </p:nvSpPr>
         <p:spPr>
@@ -6301,7 +6324,7 @@
           </a:prstGeom>
         </p:spPr>
         <p:txBody>
-          <a:bodyPr anchorCtr="0" anchor="ctr" bIns="91425" lIns="91425" spcFirstLastPara="1" rIns="91425" wrap="square" tIns="91425">
+          <a:bodyPr spcFirstLastPara="1" wrap="square" lIns="91425" tIns="91425" rIns="91425" bIns="91425" anchor="ctr" anchorCtr="0">
             <a:normAutofit/>
           </a:bodyPr>
           <a:lstStyle>
@@ -6343,7 +6366,7 @@
             </a:lvl9pPr>
           </a:lstStyle>
           <a:p>
-            <a:pPr indent="0" lvl="0" marL="0" rtl="0" algn="r">
+            <a:pPr marL="0" lvl="0" indent="0" algn="r" rtl="0">
               <a:spcBef>
                 <a:spcPts val="0"/>
               </a:spcBef>
@@ -6369,18 +6392,19 @@
 </file>
 
 <file path=ppt/slideLayouts/slideLayout6.xml><?xml version="1.0" encoding="utf-8"?>
-<p:sldLayout xmlns:a="http://schemas.openxmlformats.org/drawingml/2006/main" xmlns:r="http://schemas.openxmlformats.org/officeDocument/2006/relationships" xmlns:mc="http://schemas.openxmlformats.org/markup-compatibility/2006" xmlns:mv="urn:schemas-microsoft-com:mac:vml" xmlns:p="http://schemas.openxmlformats.org/presentationml/2006/main" xmlns:c="http://schemas.openxmlformats.org/drawingml/2006/chart" xmlns:dgm="http://schemas.openxmlformats.org/drawingml/2006/diagram" xmlns:o="urn:schemas-microsoft-com:office:office" xmlns:v="urn:schemas-microsoft-com:vml" xmlns:pvml="urn:schemas-microsoft-com:office:powerpoint" xmlns:com="http://schemas.openxmlformats.org/drawingml/2006/compatibility" xmlns:p14="http://schemas.microsoft.com/office/powerpoint/2010/main" xmlns:p15="http://schemas.microsoft.com/office/powerpoint/2012/main" xmlns:ahyp="http://schemas.microsoft.com/office/drawing/2018/hyperlinkcolor" matchingName="One column text">
+<p:sldLayout xmlns:a="http://schemas.openxmlformats.org/drawingml/2006/main" xmlns:r="http://schemas.openxmlformats.org/officeDocument/2006/relationships" xmlns:p="http://schemas.openxmlformats.org/presentationml/2006/main" matchingName="One column text">
   <p:cSld name="ONE_COLUMN_TEXT">
     <p:bg>
       <p:bgPr>
         <a:solidFill>
           <a:schemeClr val="accent3"/>
         </a:solidFill>
+        <a:effectLst/>
       </p:bgPr>
     </p:bg>
     <p:spTree>
       <p:nvGrpSpPr>
-        <p:cNvPr id="70" name="Shape 70"/>
+        <p:cNvPr id="1" name="Shape 70"/>
         <p:cNvGrpSpPr/>
         <p:nvPr/>
       </p:nvGrpSpPr>
@@ -6414,12 +6438,12 @@
           </a:ln>
         </p:spPr>
         <p:txBody>
-          <a:bodyPr anchorCtr="0" anchor="ctr" bIns="91425" lIns="91425" spcFirstLastPara="1" rIns="91425" wrap="square" tIns="91425">
+          <a:bodyPr spcFirstLastPara="1" wrap="square" lIns="91425" tIns="91425" rIns="91425" bIns="91425" anchor="ctr" anchorCtr="0">
             <a:noAutofit/>
           </a:bodyPr>
           <a:lstStyle/>
           <a:p>
-            <a:pPr indent="0" lvl="0" marL="0" rtl="0" algn="l">
+            <a:pPr marL="0" lvl="0" indent="0" algn="l" rtl="0">
               <a:spcBef>
                 <a:spcPts val="0"/>
               </a:spcBef>
@@ -6428,9 +6452,6 @@
               </a:spcAft>
               <a:buNone/>
             </a:pPr>
-            <a:r>
-              <a:t/>
-            </a:r>
             <a:endParaRPr/>
           </a:p>
         </p:txBody>
@@ -6457,12 +6478,12 @@
           </a:ln>
         </p:spPr>
         <p:txBody>
-          <a:bodyPr anchorCtr="0" anchor="ctr" bIns="91425" lIns="91425" spcFirstLastPara="1" rIns="91425" wrap="square" tIns="91425">
+          <a:bodyPr spcFirstLastPara="1" wrap="square" lIns="91425" tIns="91425" rIns="91425" bIns="91425" anchor="ctr" anchorCtr="0">
             <a:noAutofit/>
           </a:bodyPr>
           <a:lstStyle/>
           <a:p>
-            <a:pPr indent="0" lvl="0" marL="0" rtl="0" algn="l">
+            <a:pPr marL="0" lvl="0" indent="0" algn="l" rtl="0">
               <a:spcBef>
                 <a:spcPts val="0"/>
               </a:spcBef>
@@ -6471,9 +6492,6 @@
               </a:spcAft>
               <a:buNone/>
             </a:pPr>
-            <a:r>
-              <a:t/>
-            </a:r>
             <a:endParaRPr/>
           </a:p>
         </p:txBody>
@@ -6499,7 +6517,7 @@
             <a:noFill/>
           </a:ln>
           <a:effectLst>
-            <a:outerShdw blurRad="228600" sx="101000" rotWithShape="0" algn="ctr" sy="101000">
+            <a:outerShdw blurRad="228600" sx="101000" sy="101000" algn="ctr" rotWithShape="0">
               <a:srgbClr val="000000">
                 <a:alpha val="40000"/>
               </a:srgbClr>
@@ -6507,12 +6525,12 @@
           </a:effectLst>
         </p:spPr>
         <p:txBody>
-          <a:bodyPr anchorCtr="0" anchor="ctr" bIns="91425" lIns="91425" spcFirstLastPara="1" rIns="91425" wrap="square" tIns="91425">
+          <a:bodyPr spcFirstLastPara="1" wrap="square" lIns="91425" tIns="91425" rIns="91425" bIns="91425" anchor="ctr" anchorCtr="0">
             <a:noAutofit/>
           </a:bodyPr>
           <a:lstStyle/>
           <a:p>
-            <a:pPr indent="0" lvl="0" marL="0" rtl="0" algn="l">
+            <a:pPr marL="0" lvl="0" indent="0" algn="l" rtl="0">
               <a:spcBef>
                 <a:spcPts val="0"/>
               </a:spcBef>
@@ -6521,9 +6539,6 @@
               </a:spcAft>
               <a:buNone/>
             </a:pPr>
-            <a:r>
-              <a:t/>
-            </a:r>
             <a:endParaRPr/>
           </a:p>
         </p:txBody>
@@ -6531,7 +6546,9 @@
       <p:sp>
         <p:nvSpPr>
           <p:cNvPr id="74" name="Google Shape;74;p7"/>
-          <p:cNvSpPr txBox="1"/>
+          <p:cNvSpPr txBox="1">
+            <a:spLocks noGrp="1"/>
+          </p:cNvSpPr>
           <p:nvPr>
             <p:ph type="title"/>
           </p:nvPr>
@@ -6546,7 +6563,7 @@
           </a:prstGeom>
         </p:spPr>
         <p:txBody>
-          <a:bodyPr anchorCtr="0" anchor="t" bIns="91425" lIns="91425" spcFirstLastPara="1" rIns="91425" wrap="square" tIns="91425">
+          <a:bodyPr spcFirstLastPara="1" wrap="square" lIns="91425" tIns="91425" rIns="91425" bIns="91425" anchor="t" anchorCtr="0">
             <a:normAutofit/>
           </a:bodyPr>
           <a:lstStyle>
@@ -6650,15 +6667,19 @@
               <a:defRPr sz="3000"/>
             </a:lvl9pPr>
           </a:lstStyle>
-          <a:p/>
+          <a:p>
+            <a:endParaRPr/>
+          </a:p>
         </p:txBody>
       </p:sp>
       <p:sp>
         <p:nvSpPr>
           <p:cNvPr id="75" name="Google Shape;75;p7"/>
-          <p:cNvSpPr txBox="1"/>
+          <p:cNvSpPr txBox="1">
+            <a:spLocks noGrp="1"/>
+          </p:cNvSpPr>
           <p:nvPr>
-            <p:ph idx="1" type="body"/>
+            <p:ph type="body" idx="1"/>
           </p:nvPr>
         </p:nvSpPr>
         <p:spPr>
@@ -6671,11 +6692,11 @@
           </a:prstGeom>
         </p:spPr>
         <p:txBody>
-          <a:bodyPr anchorCtr="0" anchor="t" bIns="91425" lIns="91425" spcFirstLastPara="1" rIns="91425" wrap="square" tIns="91425">
+          <a:bodyPr spcFirstLastPara="1" wrap="square" lIns="91425" tIns="91425" rIns="91425" bIns="91425" anchor="t" anchorCtr="0">
             <a:normAutofit/>
           </a:bodyPr>
           <a:lstStyle>
-            <a:lvl1pPr indent="-311150" lvl="0" marL="457200">
+            <a:lvl1pPr marL="457200" lvl="0" indent="-311150">
               <a:spcBef>
                 <a:spcPts val="0"/>
               </a:spcBef>
@@ -6686,7 +6707,7 @@
               <a:buChar char="●"/>
               <a:defRPr/>
             </a:lvl1pPr>
-            <a:lvl2pPr indent="-298450" lvl="1" marL="914400">
+            <a:lvl2pPr marL="914400" lvl="1" indent="-298450">
               <a:spcBef>
                 <a:spcPts val="0"/>
               </a:spcBef>
@@ -6697,7 +6718,7 @@
               <a:buChar char="○"/>
               <a:defRPr/>
             </a:lvl2pPr>
-            <a:lvl3pPr indent="-298450" lvl="2" marL="1371600">
+            <a:lvl3pPr marL="1371600" lvl="2" indent="-298450">
               <a:spcBef>
                 <a:spcPts val="0"/>
               </a:spcBef>
@@ -6708,7 +6729,7 @@
               <a:buChar char="■"/>
               <a:defRPr/>
             </a:lvl3pPr>
-            <a:lvl4pPr indent="-298450" lvl="3" marL="1828800">
+            <a:lvl4pPr marL="1828800" lvl="3" indent="-298450">
               <a:spcBef>
                 <a:spcPts val="0"/>
               </a:spcBef>
@@ -6719,7 +6740,7 @@
               <a:buChar char="●"/>
               <a:defRPr/>
             </a:lvl4pPr>
-            <a:lvl5pPr indent="-298450" lvl="4" marL="2286000">
+            <a:lvl5pPr marL="2286000" lvl="4" indent="-298450">
               <a:spcBef>
                 <a:spcPts val="0"/>
               </a:spcBef>
@@ -6730,7 +6751,7 @@
               <a:buChar char="○"/>
               <a:defRPr/>
             </a:lvl5pPr>
-            <a:lvl6pPr indent="-298450" lvl="5" marL="2743200">
+            <a:lvl6pPr marL="2743200" lvl="5" indent="-298450">
               <a:spcBef>
                 <a:spcPts val="0"/>
               </a:spcBef>
@@ -6741,7 +6762,7 @@
               <a:buChar char="■"/>
               <a:defRPr/>
             </a:lvl6pPr>
-            <a:lvl7pPr indent="-298450" lvl="6" marL="3200400">
+            <a:lvl7pPr marL="3200400" lvl="6" indent="-298450">
               <a:spcBef>
                 <a:spcPts val="0"/>
               </a:spcBef>
@@ -6752,7 +6773,7 @@
               <a:buChar char="●"/>
               <a:defRPr/>
             </a:lvl7pPr>
-            <a:lvl8pPr indent="-298450" lvl="7" marL="3657600">
+            <a:lvl8pPr marL="3657600" lvl="7" indent="-298450">
               <a:spcBef>
                 <a:spcPts val="0"/>
               </a:spcBef>
@@ -6763,7 +6784,7 @@
               <a:buChar char="○"/>
               <a:defRPr/>
             </a:lvl8pPr>
-            <a:lvl9pPr indent="-298450" lvl="8" marL="4114800">
+            <a:lvl9pPr marL="4114800" lvl="8" indent="-298450">
               <a:spcBef>
                 <a:spcPts val="0"/>
               </a:spcBef>
@@ -6775,15 +6796,19 @@
               <a:defRPr/>
             </a:lvl9pPr>
           </a:lstStyle>
-          <a:p/>
+          <a:p>
+            <a:endParaRPr/>
+          </a:p>
         </p:txBody>
       </p:sp>
       <p:sp>
         <p:nvSpPr>
           <p:cNvPr id="76" name="Google Shape;76;p7"/>
-          <p:cNvSpPr txBox="1"/>
+          <p:cNvSpPr txBox="1">
+            <a:spLocks noGrp="1"/>
+          </p:cNvSpPr>
           <p:nvPr>
-            <p:ph idx="12" type="sldNum"/>
+            <p:ph type="sldNum" idx="12"/>
           </p:nvPr>
         </p:nvSpPr>
         <p:spPr>
@@ -6796,7 +6821,7 @@
           </a:prstGeom>
         </p:spPr>
         <p:txBody>
-          <a:bodyPr anchorCtr="0" anchor="ctr" bIns="91425" lIns="91425" spcFirstLastPara="1" rIns="91425" wrap="square" tIns="91425">
+          <a:bodyPr spcFirstLastPara="1" wrap="square" lIns="91425" tIns="91425" rIns="91425" bIns="91425" anchor="ctr" anchorCtr="0">
             <a:normAutofit/>
           </a:bodyPr>
           <a:lstStyle>
@@ -6838,7 +6863,7 @@
             </a:lvl9pPr>
           </a:lstStyle>
           <a:p>
-            <a:pPr indent="0" lvl="0" marL="0" rtl="0" algn="r">
+            <a:pPr marL="0" lvl="0" indent="0" algn="r" rtl="0">
               <a:spcBef>
                 <a:spcPts val="0"/>
               </a:spcBef>
@@ -6864,18 +6889,19 @@
 </file>
 
 <file path=ppt/slideLayouts/slideLayout7.xml><?xml version="1.0" encoding="utf-8"?>
-<p:sldLayout xmlns:a="http://schemas.openxmlformats.org/drawingml/2006/main" xmlns:r="http://schemas.openxmlformats.org/officeDocument/2006/relationships" xmlns:mc="http://schemas.openxmlformats.org/markup-compatibility/2006" xmlns:mv="urn:schemas-microsoft-com:mac:vml" xmlns:p="http://schemas.openxmlformats.org/presentationml/2006/main" xmlns:c="http://schemas.openxmlformats.org/drawingml/2006/chart" xmlns:dgm="http://schemas.openxmlformats.org/drawingml/2006/diagram" xmlns:o="urn:schemas-microsoft-com:office:office" xmlns:v="urn:schemas-microsoft-com:vml" xmlns:pvml="urn:schemas-microsoft-com:office:powerpoint" xmlns:com="http://schemas.openxmlformats.org/drawingml/2006/compatibility" xmlns:p14="http://schemas.microsoft.com/office/powerpoint/2010/main" xmlns:p15="http://schemas.microsoft.com/office/powerpoint/2012/main" xmlns:ahyp="http://schemas.microsoft.com/office/drawing/2018/hyperlinkcolor" matchingName="Main point">
+<p:sldLayout xmlns:a="http://schemas.openxmlformats.org/drawingml/2006/main" xmlns:r="http://schemas.openxmlformats.org/officeDocument/2006/relationships" xmlns:p="http://schemas.openxmlformats.org/presentationml/2006/main" matchingName="Main point">
   <p:cSld name="MAIN_POINT">
     <p:bg>
       <p:bgPr>
         <a:solidFill>
           <a:schemeClr val="accent1"/>
         </a:solidFill>
+        <a:effectLst/>
       </p:bgPr>
     </p:bg>
     <p:spTree>
       <p:nvGrpSpPr>
-        <p:cNvPr id="77" name="Shape 77"/>
+        <p:cNvPr id="1" name="Shape 77"/>
         <p:cNvGrpSpPr/>
         <p:nvPr/>
       </p:nvGrpSpPr>
@@ -6909,12 +6935,12 @@
           </a:ln>
         </p:spPr>
         <p:txBody>
-          <a:bodyPr anchorCtr="0" anchor="ctr" bIns="91425" lIns="91425" spcFirstLastPara="1" rIns="91425" wrap="square" tIns="91425">
+          <a:bodyPr spcFirstLastPara="1" wrap="square" lIns="91425" tIns="91425" rIns="91425" bIns="91425" anchor="ctr" anchorCtr="0">
             <a:noAutofit/>
           </a:bodyPr>
           <a:lstStyle/>
           <a:p>
-            <a:pPr indent="0" lvl="0" marL="0" rtl="0" algn="l">
+            <a:pPr marL="0" lvl="0" indent="0" algn="l" rtl="0">
               <a:spcBef>
                 <a:spcPts val="0"/>
               </a:spcBef>
@@ -6923,9 +6949,6 @@
               </a:spcAft>
               <a:buNone/>
             </a:pPr>
-            <a:r>
-              <a:t/>
-            </a:r>
             <a:endParaRPr/>
           </a:p>
         </p:txBody>
@@ -6952,12 +6975,12 @@
           </a:ln>
         </p:spPr>
         <p:txBody>
-          <a:bodyPr anchorCtr="0" anchor="ctr" bIns="91425" lIns="91425" spcFirstLastPara="1" rIns="91425" wrap="square" tIns="91425">
+          <a:bodyPr spcFirstLastPara="1" wrap="square" lIns="91425" tIns="91425" rIns="91425" bIns="91425" anchor="ctr" anchorCtr="0">
             <a:noAutofit/>
           </a:bodyPr>
           <a:lstStyle/>
           <a:p>
-            <a:pPr indent="0" lvl="0" marL="0" rtl="0" algn="l">
+            <a:pPr marL="0" lvl="0" indent="0" algn="l" rtl="0">
               <a:spcBef>
                 <a:spcPts val="0"/>
               </a:spcBef>
@@ -6966,9 +6989,6 @@
               </a:spcAft>
               <a:buNone/>
             </a:pPr>
-            <a:r>
-              <a:t/>
-            </a:r>
             <a:endParaRPr/>
           </a:p>
         </p:txBody>
@@ -7000,7 +7020,7 @@
             </a:xfrm>
             <a:prstGeom prst="parallelogram">
               <a:avLst>
-                <a:gd fmla="val 153193" name="adj"/>
+                <a:gd name="adj" fmla="val 153193"/>
               </a:avLst>
             </a:prstGeom>
             <a:solidFill>
@@ -7011,12 +7031,12 @@
             </a:ln>
           </p:spPr>
           <p:txBody>
-            <a:bodyPr anchorCtr="0" anchor="ctr" bIns="91425" lIns="91425" spcFirstLastPara="1" rIns="91425" wrap="square" tIns="91425">
+            <a:bodyPr spcFirstLastPara="1" wrap="square" lIns="91425" tIns="91425" rIns="91425" bIns="91425" anchor="ctr" anchorCtr="0">
               <a:noAutofit/>
             </a:bodyPr>
             <a:lstStyle/>
             <a:p>
-              <a:pPr indent="0" lvl="0" marL="0" rtl="0" algn="l">
+              <a:pPr marL="0" lvl="0" indent="0" algn="l" rtl="0">
                 <a:spcBef>
                   <a:spcPts val="0"/>
                 </a:spcBef>
@@ -7025,9 +7045,6 @@
                 </a:spcAft>
                 <a:buNone/>
               </a:pPr>
-              <a:r>
-                <a:t/>
-              </a:r>
               <a:endParaRPr/>
             </a:p>
           </p:txBody>
@@ -7045,7 +7062,7 @@
             </a:xfrm>
             <a:prstGeom prst="parallelogram">
               <a:avLst>
-                <a:gd fmla="val 153193" name="adj"/>
+                <a:gd name="adj" fmla="val 153193"/>
               </a:avLst>
             </a:prstGeom>
             <a:solidFill>
@@ -7056,12 +7073,12 @@
             </a:ln>
           </p:spPr>
           <p:txBody>
-            <a:bodyPr anchorCtr="0" anchor="ctr" bIns="91425" lIns="91425" spcFirstLastPara="1" rIns="91425" wrap="square" tIns="91425">
+            <a:bodyPr spcFirstLastPara="1" wrap="square" lIns="91425" tIns="91425" rIns="91425" bIns="91425" anchor="ctr" anchorCtr="0">
               <a:noAutofit/>
             </a:bodyPr>
             <a:lstStyle/>
             <a:p>
-              <a:pPr indent="0" lvl="0" marL="0" rtl="0" algn="l">
+              <a:pPr marL="0" lvl="0" indent="0" algn="l" rtl="0">
                 <a:spcBef>
                   <a:spcPts val="0"/>
                 </a:spcBef>
@@ -7070,9 +7087,6 @@
                 </a:spcAft>
                 <a:buNone/>
               </a:pPr>
-              <a:r>
-                <a:t/>
-              </a:r>
               <a:endParaRPr/>
             </a:p>
           </p:txBody>
@@ -7090,7 +7104,7 @@
             </a:xfrm>
             <a:prstGeom prst="parallelogram">
               <a:avLst>
-                <a:gd fmla="val 153193" name="adj"/>
+                <a:gd name="adj" fmla="val 153193"/>
               </a:avLst>
             </a:prstGeom>
             <a:solidFill>
@@ -7101,12 +7115,12 @@
             </a:ln>
           </p:spPr>
           <p:txBody>
-            <a:bodyPr anchorCtr="0" anchor="ctr" bIns="91425" lIns="91425" spcFirstLastPara="1" rIns="91425" wrap="square" tIns="91425">
+            <a:bodyPr spcFirstLastPara="1" wrap="square" lIns="91425" tIns="91425" rIns="91425" bIns="91425" anchor="ctr" anchorCtr="0">
               <a:noAutofit/>
             </a:bodyPr>
             <a:lstStyle/>
             <a:p>
-              <a:pPr indent="0" lvl="0" marL="0" rtl="0" algn="l">
+              <a:pPr marL="0" lvl="0" indent="0" algn="l" rtl="0">
                 <a:spcBef>
                   <a:spcPts val="0"/>
                 </a:spcBef>
@@ -7115,9 +7129,6 @@
                 </a:spcAft>
                 <a:buNone/>
               </a:pPr>
-              <a:r>
-                <a:t/>
-              </a:r>
               <a:endParaRPr/>
             </a:p>
           </p:txBody>
@@ -7144,7 +7155,7 @@
             <a:noFill/>
           </a:ln>
           <a:effectLst>
-            <a:outerShdw blurRad="228600" sx="101000" rotWithShape="0" algn="ctr" sy="101000">
+            <a:outerShdw blurRad="228600" sx="101000" sy="101000" algn="ctr" rotWithShape="0">
               <a:srgbClr val="000000">
                 <a:alpha val="40000"/>
               </a:srgbClr>
@@ -7152,12 +7163,12 @@
           </a:effectLst>
         </p:spPr>
         <p:txBody>
-          <a:bodyPr anchorCtr="0" anchor="ctr" bIns="91425" lIns="91425" spcFirstLastPara="1" rIns="91425" wrap="square" tIns="91425">
+          <a:bodyPr spcFirstLastPara="1" wrap="square" lIns="91425" tIns="91425" rIns="91425" bIns="91425" anchor="ctr" anchorCtr="0">
             <a:noAutofit/>
           </a:bodyPr>
           <a:lstStyle/>
           <a:p>
-            <a:pPr indent="0" lvl="0" marL="0" rtl="0" algn="l">
+            <a:pPr marL="0" lvl="0" indent="0" algn="l" rtl="0">
               <a:spcBef>
                 <a:spcPts val="0"/>
               </a:spcBef>
@@ -7166,9 +7177,6 @@
               </a:spcAft>
               <a:buNone/>
             </a:pPr>
-            <a:r>
-              <a:t/>
-            </a:r>
             <a:endParaRPr/>
           </a:p>
         </p:txBody>
@@ -7200,7 +7208,7 @@
             </a:xfrm>
             <a:prstGeom prst="parallelogram">
               <a:avLst>
-                <a:gd fmla="val 158024" name="adj"/>
+                <a:gd name="adj" fmla="val 158024"/>
               </a:avLst>
             </a:prstGeom>
             <a:solidFill>
@@ -7211,12 +7219,12 @@
             </a:ln>
           </p:spPr>
           <p:txBody>
-            <a:bodyPr anchorCtr="0" anchor="ctr" bIns="91425" lIns="91425" spcFirstLastPara="1" rIns="91425" wrap="square" tIns="91425">
+            <a:bodyPr spcFirstLastPara="1" wrap="square" lIns="91425" tIns="91425" rIns="91425" bIns="91425" anchor="ctr" anchorCtr="0">
               <a:noAutofit/>
             </a:bodyPr>
             <a:lstStyle/>
             <a:p>
-              <a:pPr indent="0" lvl="0" marL="0" rtl="0" algn="l">
+              <a:pPr marL="0" lvl="0" indent="0" algn="l" rtl="0">
                 <a:spcBef>
                   <a:spcPts val="0"/>
                 </a:spcBef>
@@ -7225,9 +7233,6 @@
                 </a:spcAft>
                 <a:buNone/>
               </a:pPr>
-              <a:r>
-                <a:t/>
-              </a:r>
               <a:endParaRPr/>
             </a:p>
           </p:txBody>
@@ -7245,7 +7250,7 @@
             </a:xfrm>
             <a:prstGeom prst="parallelogram">
               <a:avLst>
-                <a:gd fmla="val 158024" name="adj"/>
+                <a:gd name="adj" fmla="val 158024"/>
               </a:avLst>
             </a:prstGeom>
             <a:solidFill>
@@ -7256,12 +7261,12 @@
             </a:ln>
           </p:spPr>
           <p:txBody>
-            <a:bodyPr anchorCtr="0" anchor="ctr" bIns="91425" lIns="91425" spcFirstLastPara="1" rIns="91425" wrap="square" tIns="91425">
+            <a:bodyPr spcFirstLastPara="1" wrap="square" lIns="91425" tIns="91425" rIns="91425" bIns="91425" anchor="ctr" anchorCtr="0">
               <a:noAutofit/>
             </a:bodyPr>
             <a:lstStyle/>
             <a:p>
-              <a:pPr indent="0" lvl="0" marL="0" rtl="0" algn="l">
+              <a:pPr marL="0" lvl="0" indent="0" algn="l" rtl="0">
                 <a:spcBef>
                   <a:spcPts val="0"/>
                 </a:spcBef>
@@ -7270,9 +7275,6 @@
                 </a:spcAft>
                 <a:buNone/>
               </a:pPr>
-              <a:r>
-                <a:t/>
-              </a:r>
               <a:endParaRPr/>
             </a:p>
           </p:txBody>
@@ -7290,7 +7292,7 @@
             </a:xfrm>
             <a:prstGeom prst="parallelogram">
               <a:avLst>
-                <a:gd fmla="val 158024" name="adj"/>
+                <a:gd name="adj" fmla="val 158024"/>
               </a:avLst>
             </a:prstGeom>
             <a:solidFill>
@@ -7301,12 +7303,12 @@
             </a:ln>
           </p:spPr>
           <p:txBody>
-            <a:bodyPr anchorCtr="0" anchor="ctr" bIns="91425" lIns="91425" spcFirstLastPara="1" rIns="91425" wrap="square" tIns="91425">
+            <a:bodyPr spcFirstLastPara="1" wrap="square" lIns="91425" tIns="91425" rIns="91425" bIns="91425" anchor="ctr" anchorCtr="0">
               <a:noAutofit/>
             </a:bodyPr>
             <a:lstStyle/>
             <a:p>
-              <a:pPr indent="0" lvl="0" marL="0" rtl="0" algn="l">
+              <a:pPr marL="0" lvl="0" indent="0" algn="l" rtl="0">
                 <a:spcBef>
                   <a:spcPts val="0"/>
                 </a:spcBef>
@@ -7315,9 +7317,6 @@
                 </a:spcAft>
                 <a:buNone/>
               </a:pPr>
-              <a:r>
-                <a:t/>
-              </a:r>
               <a:endParaRPr/>
             </a:p>
           </p:txBody>
@@ -7350,7 +7349,7 @@
             </a:xfrm>
             <a:prstGeom prst="parallelogram">
               <a:avLst>
-                <a:gd fmla="val 158024" name="adj"/>
+                <a:gd name="adj" fmla="val 158024"/>
               </a:avLst>
             </a:prstGeom>
             <a:solidFill>
@@ -7361,12 +7360,12 @@
             </a:ln>
           </p:spPr>
           <p:txBody>
-            <a:bodyPr anchorCtr="0" anchor="ctr" bIns="91425" lIns="91425" spcFirstLastPara="1" rIns="91425" wrap="square" tIns="91425">
+            <a:bodyPr spcFirstLastPara="1" wrap="square" lIns="91425" tIns="91425" rIns="91425" bIns="91425" anchor="ctr" anchorCtr="0">
               <a:noAutofit/>
             </a:bodyPr>
             <a:lstStyle/>
             <a:p>
-              <a:pPr indent="0" lvl="0" marL="0" rtl="0" algn="l">
+              <a:pPr marL="0" lvl="0" indent="0" algn="l" rtl="0">
                 <a:spcBef>
                   <a:spcPts val="0"/>
                 </a:spcBef>
@@ -7375,9 +7374,6 @@
                 </a:spcAft>
                 <a:buNone/>
               </a:pPr>
-              <a:r>
-                <a:t/>
-              </a:r>
               <a:endParaRPr/>
             </a:p>
           </p:txBody>
@@ -7395,7 +7391,7 @@
             </a:xfrm>
             <a:prstGeom prst="parallelogram">
               <a:avLst>
-                <a:gd fmla="val 158024" name="adj"/>
+                <a:gd name="adj" fmla="val 158024"/>
               </a:avLst>
             </a:prstGeom>
             <a:solidFill>
@@ -7406,12 +7402,12 @@
             </a:ln>
           </p:spPr>
           <p:txBody>
-            <a:bodyPr anchorCtr="0" anchor="ctr" bIns="91425" lIns="91425" spcFirstLastPara="1" rIns="91425" wrap="square" tIns="91425">
+            <a:bodyPr spcFirstLastPara="1" wrap="square" lIns="91425" tIns="91425" rIns="91425" bIns="91425" anchor="ctr" anchorCtr="0">
               <a:noAutofit/>
             </a:bodyPr>
             <a:lstStyle/>
             <a:p>
-              <a:pPr indent="0" lvl="0" marL="0" rtl="0" algn="l">
+              <a:pPr marL="0" lvl="0" indent="0" algn="l" rtl="0">
                 <a:spcBef>
                   <a:spcPts val="0"/>
                 </a:spcBef>
@@ -7420,9 +7416,6 @@
                 </a:spcAft>
                 <a:buNone/>
               </a:pPr>
-              <a:r>
-                <a:t/>
-              </a:r>
               <a:endParaRPr/>
             </a:p>
           </p:txBody>
@@ -7440,7 +7433,7 @@
             </a:xfrm>
             <a:prstGeom prst="parallelogram">
               <a:avLst>
-                <a:gd fmla="val 158024" name="adj"/>
+                <a:gd name="adj" fmla="val 158024"/>
               </a:avLst>
             </a:prstGeom>
             <a:solidFill>
@@ -7451,12 +7444,12 @@
             </a:ln>
           </p:spPr>
           <p:txBody>
-            <a:bodyPr anchorCtr="0" anchor="ctr" bIns="91425" lIns="91425" spcFirstLastPara="1" rIns="91425" wrap="square" tIns="91425">
+            <a:bodyPr spcFirstLastPara="1" wrap="square" lIns="91425" tIns="91425" rIns="91425" bIns="91425" anchor="ctr" anchorCtr="0">
               <a:noAutofit/>
             </a:bodyPr>
             <a:lstStyle/>
             <a:p>
-              <a:pPr indent="0" lvl="0" marL="0" rtl="0" algn="l">
+              <a:pPr marL="0" lvl="0" indent="0" algn="l" rtl="0">
                 <a:spcBef>
                   <a:spcPts val="0"/>
                 </a:spcBef>
@@ -7465,9 +7458,6 @@
                 </a:spcAft>
                 <a:buNone/>
               </a:pPr>
-              <a:r>
-                <a:t/>
-              </a:r>
               <a:endParaRPr/>
             </a:p>
           </p:txBody>
@@ -7476,7 +7466,9 @@
       <p:sp>
         <p:nvSpPr>
           <p:cNvPr id="93" name="Google Shape;93;p8"/>
-          <p:cNvSpPr txBox="1"/>
+          <p:cNvSpPr txBox="1">
+            <a:spLocks noGrp="1"/>
+          </p:cNvSpPr>
           <p:nvPr>
             <p:ph type="title"/>
           </p:nvPr>
@@ -7491,7 +7483,7 @@
           </a:prstGeom>
         </p:spPr>
         <p:txBody>
-          <a:bodyPr anchorCtr="0" anchor="ctr" bIns="91425" lIns="91425" spcFirstLastPara="1" rIns="91425" wrap="square" tIns="91425">
+          <a:bodyPr spcFirstLastPara="1" wrap="square" lIns="91425" tIns="91425" rIns="91425" bIns="91425" anchor="ctr" anchorCtr="0">
             <a:normAutofit/>
           </a:bodyPr>
           <a:lstStyle>
@@ -7595,15 +7587,19 @@
               <a:defRPr sz="3200"/>
             </a:lvl9pPr>
           </a:lstStyle>
-          <a:p/>
+          <a:p>
+            <a:endParaRPr/>
+          </a:p>
         </p:txBody>
       </p:sp>
       <p:sp>
         <p:nvSpPr>
           <p:cNvPr id="94" name="Google Shape;94;p8"/>
-          <p:cNvSpPr txBox="1"/>
+          <p:cNvSpPr txBox="1">
+            <a:spLocks noGrp="1"/>
+          </p:cNvSpPr>
           <p:nvPr>
-            <p:ph idx="12" type="sldNum"/>
+            <p:ph type="sldNum" idx="12"/>
           </p:nvPr>
         </p:nvSpPr>
         <p:spPr>
@@ -7616,7 +7612,7 @@
           </a:prstGeom>
         </p:spPr>
         <p:txBody>
-          <a:bodyPr anchorCtr="0" anchor="ctr" bIns="91425" lIns="91425" spcFirstLastPara="1" rIns="91425" wrap="square" tIns="91425">
+          <a:bodyPr spcFirstLastPara="1" wrap="square" lIns="91425" tIns="91425" rIns="91425" bIns="91425" anchor="ctr" anchorCtr="0">
             <a:normAutofit/>
           </a:bodyPr>
           <a:lstStyle>
@@ -7658,7 +7654,7 @@
             </a:lvl9pPr>
           </a:lstStyle>
           <a:p>
-            <a:pPr indent="0" lvl="0" marL="0" rtl="0" algn="r">
+            <a:pPr marL="0" lvl="0" indent="0" algn="r" rtl="0">
               <a:spcBef>
                 <a:spcPts val="0"/>
               </a:spcBef>
@@ -7684,18 +7680,19 @@
 </file>
 
 <file path=ppt/slideLayouts/slideLayout8.xml><?xml version="1.0" encoding="utf-8"?>
-<p:sldLayout xmlns:a="http://schemas.openxmlformats.org/drawingml/2006/main" xmlns:r="http://schemas.openxmlformats.org/officeDocument/2006/relationships" xmlns:mc="http://schemas.openxmlformats.org/markup-compatibility/2006" xmlns:mv="urn:schemas-microsoft-com:mac:vml" xmlns:p="http://schemas.openxmlformats.org/presentationml/2006/main" xmlns:c="http://schemas.openxmlformats.org/drawingml/2006/chart" xmlns:dgm="http://schemas.openxmlformats.org/drawingml/2006/diagram" xmlns:o="urn:schemas-microsoft-com:office:office" xmlns:v="urn:schemas-microsoft-com:vml" xmlns:pvml="urn:schemas-microsoft-com:office:powerpoint" xmlns:com="http://schemas.openxmlformats.org/drawingml/2006/compatibility" xmlns:p14="http://schemas.microsoft.com/office/powerpoint/2010/main" xmlns:p15="http://schemas.microsoft.com/office/powerpoint/2012/main" xmlns:ahyp="http://schemas.microsoft.com/office/drawing/2018/hyperlinkcolor" matchingName="Section title and description">
+<p:sldLayout xmlns:a="http://schemas.openxmlformats.org/drawingml/2006/main" xmlns:r="http://schemas.openxmlformats.org/officeDocument/2006/relationships" xmlns:p="http://schemas.openxmlformats.org/presentationml/2006/main" matchingName="Section title and description">
   <p:cSld name="SECTION_TITLE_AND_DESCRIPTION">
     <p:bg>
       <p:bgPr>
         <a:solidFill>
           <a:schemeClr val="dk2"/>
         </a:solidFill>
+        <a:effectLst/>
       </p:bgPr>
     </p:bg>
     <p:spTree>
       <p:nvGrpSpPr>
-        <p:cNvPr id="95" name="Shape 95"/>
+        <p:cNvPr id="1" name="Shape 95"/>
         <p:cNvGrpSpPr/>
         <p:nvPr/>
       </p:nvGrpSpPr>
@@ -7729,12 +7726,12 @@
           </a:ln>
         </p:spPr>
         <p:txBody>
-          <a:bodyPr anchorCtr="0" anchor="ctr" bIns="91425" lIns="91425" spcFirstLastPara="1" rIns="91425" wrap="square" tIns="91425">
+          <a:bodyPr spcFirstLastPara="1" wrap="square" lIns="91425" tIns="91425" rIns="91425" bIns="91425" anchor="ctr" anchorCtr="0">
             <a:noAutofit/>
           </a:bodyPr>
           <a:lstStyle/>
           <a:p>
-            <a:pPr indent="0" lvl="0" marL="0" rtl="0" algn="l">
+            <a:pPr marL="0" lvl="0" indent="0" algn="l" rtl="0">
               <a:spcBef>
                 <a:spcPts val="0"/>
               </a:spcBef>
@@ -7743,9 +7740,6 @@
               </a:spcAft>
               <a:buNone/>
             </a:pPr>
-            <a:r>
-              <a:t/>
-            </a:r>
             <a:endParaRPr/>
           </a:p>
         </p:txBody>
@@ -7772,12 +7766,12 @@
           </a:ln>
         </p:spPr>
         <p:txBody>
-          <a:bodyPr anchorCtr="0" anchor="ctr" bIns="91425" lIns="91425" spcFirstLastPara="1" rIns="91425" wrap="square" tIns="91425">
+          <a:bodyPr spcFirstLastPara="1" wrap="square" lIns="91425" tIns="91425" rIns="91425" bIns="91425" anchor="ctr" anchorCtr="0">
             <a:noAutofit/>
           </a:bodyPr>
           <a:lstStyle/>
           <a:p>
-            <a:pPr indent="0" lvl="0" marL="0" rtl="0" algn="l">
+            <a:pPr marL="0" lvl="0" indent="0" algn="l" rtl="0">
               <a:spcBef>
                 <a:spcPts val="0"/>
               </a:spcBef>
@@ -7786,9 +7780,6 @@
               </a:spcAft>
               <a:buNone/>
             </a:pPr>
-            <a:r>
-              <a:t/>
-            </a:r>
             <a:endParaRPr/>
           </a:p>
         </p:txBody>
@@ -7814,7 +7805,7 @@
             <a:noFill/>
           </a:ln>
           <a:effectLst>
-            <a:outerShdw blurRad="228600" sx="101000" rotWithShape="0" algn="ctr" sy="101000">
+            <a:outerShdw blurRad="228600" sx="101000" sy="101000" algn="ctr" rotWithShape="0">
               <a:srgbClr val="000000">
                 <a:alpha val="40000"/>
               </a:srgbClr>
@@ -7822,12 +7813,12 @@
           </a:effectLst>
         </p:spPr>
         <p:txBody>
-          <a:bodyPr anchorCtr="0" anchor="ctr" bIns="91425" lIns="91425" spcFirstLastPara="1" rIns="91425" wrap="square" tIns="91425">
+          <a:bodyPr spcFirstLastPara="1" wrap="square" lIns="91425" tIns="91425" rIns="91425" bIns="91425" anchor="ctr" anchorCtr="0">
             <a:noAutofit/>
           </a:bodyPr>
           <a:lstStyle/>
           <a:p>
-            <a:pPr indent="0" lvl="0" marL="0" rtl="0" algn="l">
+            <a:pPr marL="0" lvl="0" indent="0" algn="l" rtl="0">
               <a:spcBef>
                 <a:spcPts val="0"/>
               </a:spcBef>
@@ -7836,9 +7827,6 @@
               </a:spcAft>
               <a:buNone/>
             </a:pPr>
-            <a:r>
-              <a:t/>
-            </a:r>
             <a:endParaRPr/>
           </a:p>
         </p:txBody>
@@ -7846,7 +7834,9 @@
       <p:sp>
         <p:nvSpPr>
           <p:cNvPr id="99" name="Google Shape;99;p9"/>
-          <p:cNvSpPr txBox="1"/>
+          <p:cNvSpPr txBox="1">
+            <a:spLocks noGrp="1"/>
+          </p:cNvSpPr>
           <p:nvPr>
             <p:ph type="title"/>
           </p:nvPr>
@@ -7861,7 +7851,7 @@
           </a:prstGeom>
         </p:spPr>
         <p:txBody>
-          <a:bodyPr anchorCtr="0" anchor="t" bIns="91425" lIns="91425" spcFirstLastPara="1" rIns="91425" wrap="square" tIns="91425">
+          <a:bodyPr spcFirstLastPara="1" wrap="square" lIns="91425" tIns="91425" rIns="91425" bIns="91425" anchor="t" anchorCtr="0">
             <a:normAutofit/>
           </a:bodyPr>
           <a:lstStyle>
@@ -7965,15 +7955,19 @@
               <a:defRPr sz="3000"/>
             </a:lvl9pPr>
           </a:lstStyle>
-          <a:p/>
+          <a:p>
+            <a:endParaRPr/>
+          </a:p>
         </p:txBody>
       </p:sp>
       <p:sp>
         <p:nvSpPr>
           <p:cNvPr id="100" name="Google Shape;100;p9"/>
-          <p:cNvSpPr txBox="1"/>
+          <p:cNvSpPr txBox="1">
+            <a:spLocks noGrp="1"/>
+          </p:cNvSpPr>
           <p:nvPr>
-            <p:ph idx="1" type="subTitle"/>
+            <p:ph type="subTitle" idx="1"/>
           </p:nvPr>
         </p:nvSpPr>
         <p:spPr>
@@ -7986,7 +7980,7 @@
           </a:prstGeom>
         </p:spPr>
         <p:txBody>
-          <a:bodyPr anchorCtr="0" anchor="t" bIns="91425" lIns="91425" spcFirstLastPara="1" rIns="91425" wrap="square" tIns="91425">
+          <a:bodyPr spcFirstLastPara="1" wrap="square" lIns="91425" tIns="91425" rIns="91425" bIns="91425" anchor="t" anchorCtr="0">
             <a:normAutofit/>
           </a:bodyPr>
           <a:lstStyle>
@@ -8180,15 +8174,19 @@
               </a:defRPr>
             </a:lvl9pPr>
           </a:lstStyle>
-          <a:p/>
+          <a:p>
+            <a:endParaRPr/>
+          </a:p>
         </p:txBody>
       </p:sp>
       <p:sp>
         <p:nvSpPr>
           <p:cNvPr id="101" name="Google Shape;101;p9"/>
-          <p:cNvSpPr txBox="1"/>
+          <p:cNvSpPr txBox="1">
+            <a:spLocks noGrp="1"/>
+          </p:cNvSpPr>
           <p:nvPr>
-            <p:ph idx="2" type="body"/>
+            <p:ph type="body" idx="2"/>
           </p:nvPr>
         </p:nvSpPr>
         <p:spPr>
@@ -8201,11 +8199,11 @@
           </a:prstGeom>
         </p:spPr>
         <p:txBody>
-          <a:bodyPr anchorCtr="0" anchor="t" bIns="91425" lIns="91425" spcFirstLastPara="1" rIns="91425" wrap="square" tIns="91425">
+          <a:bodyPr spcFirstLastPara="1" wrap="square" lIns="91425" tIns="91425" rIns="91425" bIns="91425" anchor="t" anchorCtr="0">
             <a:normAutofit/>
           </a:bodyPr>
           <a:lstStyle>
-            <a:lvl1pPr indent="-311150" lvl="0" marL="457200">
+            <a:lvl1pPr marL="457200" lvl="0" indent="-311150">
               <a:spcBef>
                 <a:spcPts val="0"/>
               </a:spcBef>
@@ -8216,7 +8214,7 @@
               <a:buChar char="●"/>
               <a:defRPr/>
             </a:lvl1pPr>
-            <a:lvl2pPr indent="-298450" lvl="1" marL="914400">
+            <a:lvl2pPr marL="914400" lvl="1" indent="-298450">
               <a:spcBef>
                 <a:spcPts val="0"/>
               </a:spcBef>
@@ -8227,7 +8225,7 @@
               <a:buChar char="○"/>
               <a:defRPr/>
             </a:lvl2pPr>
-            <a:lvl3pPr indent="-298450" lvl="2" marL="1371600">
+            <a:lvl3pPr marL="1371600" lvl="2" indent="-298450">
               <a:spcBef>
                 <a:spcPts val="0"/>
               </a:spcBef>
@@ -8238,7 +8236,7 @@
               <a:buChar char="■"/>
               <a:defRPr/>
             </a:lvl3pPr>
-            <a:lvl4pPr indent="-298450" lvl="3" marL="1828800">
+            <a:lvl4pPr marL="1828800" lvl="3" indent="-298450">
               <a:spcBef>
                 <a:spcPts val="0"/>
               </a:spcBef>
@@ -8249,7 +8247,7 @@
               <a:buChar char="●"/>
               <a:defRPr/>
             </a:lvl4pPr>
-            <a:lvl5pPr indent="-298450" lvl="4" marL="2286000">
+            <a:lvl5pPr marL="2286000" lvl="4" indent="-298450">
               <a:spcBef>
                 <a:spcPts val="0"/>
               </a:spcBef>
@@ -8260,7 +8258,7 @@
               <a:buChar char="○"/>
               <a:defRPr/>
             </a:lvl5pPr>
-            <a:lvl6pPr indent="-298450" lvl="5" marL="2743200">
+            <a:lvl6pPr marL="2743200" lvl="5" indent="-298450">
               <a:spcBef>
                 <a:spcPts val="0"/>
               </a:spcBef>
@@ -8271,7 +8269,7 @@
               <a:buChar char="■"/>
               <a:defRPr/>
             </a:lvl6pPr>
-            <a:lvl7pPr indent="-298450" lvl="6" marL="3200400">
+            <a:lvl7pPr marL="3200400" lvl="6" indent="-298450">
               <a:spcBef>
                 <a:spcPts val="0"/>
               </a:spcBef>
@@ -8282,7 +8280,7 @@
               <a:buChar char="●"/>
               <a:defRPr/>
             </a:lvl7pPr>
-            <a:lvl8pPr indent="-298450" lvl="7" marL="3657600">
+            <a:lvl8pPr marL="3657600" lvl="7" indent="-298450">
               <a:spcBef>
                 <a:spcPts val="0"/>
               </a:spcBef>
@@ -8293,7 +8291,7 @@
               <a:buChar char="○"/>
               <a:defRPr/>
             </a:lvl8pPr>
-            <a:lvl9pPr indent="-298450" lvl="8" marL="4114800">
+            <a:lvl9pPr marL="4114800" lvl="8" indent="-298450">
               <a:spcBef>
                 <a:spcPts val="0"/>
               </a:spcBef>
@@ -8305,15 +8303,19 @@
               <a:defRPr/>
             </a:lvl9pPr>
           </a:lstStyle>
-          <a:p/>
+          <a:p>
+            <a:endParaRPr/>
+          </a:p>
         </p:txBody>
       </p:sp>
       <p:sp>
         <p:nvSpPr>
           <p:cNvPr id="102" name="Google Shape;102;p9"/>
-          <p:cNvSpPr txBox="1"/>
+          <p:cNvSpPr txBox="1">
+            <a:spLocks noGrp="1"/>
+          </p:cNvSpPr>
           <p:nvPr>
-            <p:ph idx="12" type="sldNum"/>
+            <p:ph type="sldNum" idx="12"/>
           </p:nvPr>
         </p:nvSpPr>
         <p:spPr>
@@ -8326,7 +8328,7 @@
           </a:prstGeom>
         </p:spPr>
         <p:txBody>
-          <a:bodyPr anchorCtr="0" anchor="ctr" bIns="91425" lIns="91425" spcFirstLastPara="1" rIns="91425" wrap="square" tIns="91425">
+          <a:bodyPr spcFirstLastPara="1" wrap="square" lIns="91425" tIns="91425" rIns="91425" bIns="91425" anchor="ctr" anchorCtr="0">
             <a:normAutofit/>
           </a:bodyPr>
           <a:lstStyle>
@@ -8368,7 +8370,7 @@
             </a:lvl9pPr>
           </a:lstStyle>
           <a:p>
-            <a:pPr indent="0" lvl="0" marL="0" rtl="0" algn="r">
+            <a:pPr marL="0" lvl="0" indent="0" algn="r" rtl="0">
               <a:spcBef>
                 <a:spcPts val="0"/>
               </a:spcBef>
@@ -8394,18 +8396,19 @@
 </file>
 
 <file path=ppt/slideLayouts/slideLayout9.xml><?xml version="1.0" encoding="utf-8"?>
-<p:sldLayout xmlns:a="http://schemas.openxmlformats.org/drawingml/2006/main" xmlns:r="http://schemas.openxmlformats.org/officeDocument/2006/relationships" xmlns:mc="http://schemas.openxmlformats.org/markup-compatibility/2006" xmlns:mv="urn:schemas-microsoft-com:mac:vml" xmlns:p="http://schemas.openxmlformats.org/presentationml/2006/main" xmlns:c="http://schemas.openxmlformats.org/drawingml/2006/chart" xmlns:dgm="http://schemas.openxmlformats.org/drawingml/2006/diagram" xmlns:o="urn:schemas-microsoft-com:office:office" xmlns:v="urn:schemas-microsoft-com:vml" xmlns:pvml="urn:schemas-microsoft-com:office:powerpoint" xmlns:com="http://schemas.openxmlformats.org/drawingml/2006/compatibility" xmlns:p14="http://schemas.microsoft.com/office/powerpoint/2010/main" xmlns:p15="http://schemas.microsoft.com/office/powerpoint/2012/main" xmlns:ahyp="http://schemas.microsoft.com/office/drawing/2018/hyperlinkcolor" matchingName="Caption">
+<p:sldLayout xmlns:a="http://schemas.openxmlformats.org/drawingml/2006/main" xmlns:r="http://schemas.openxmlformats.org/officeDocument/2006/relationships" xmlns:p="http://schemas.openxmlformats.org/presentationml/2006/main" matchingName="Caption">
   <p:cSld name="CAPTION_ONLY">
     <p:bg>
       <p:bgPr>
         <a:solidFill>
           <a:schemeClr val="accent1"/>
         </a:solidFill>
+        <a:effectLst/>
       </p:bgPr>
     </p:bg>
     <p:spTree>
       <p:nvGrpSpPr>
-        <p:cNvPr id="103" name="Shape 103"/>
+        <p:cNvPr id="1" name="Shape 103"/>
         <p:cNvGrpSpPr/>
         <p:nvPr/>
       </p:nvGrpSpPr>
@@ -8439,12 +8442,12 @@
           </a:ln>
         </p:spPr>
         <p:txBody>
-          <a:bodyPr anchorCtr="0" anchor="ctr" bIns="91425" lIns="91425" spcFirstLastPara="1" rIns="91425" wrap="square" tIns="91425">
+          <a:bodyPr spcFirstLastPara="1" wrap="square" lIns="91425" tIns="91425" rIns="91425" bIns="91425" anchor="ctr" anchorCtr="0">
             <a:noAutofit/>
           </a:bodyPr>
           <a:lstStyle/>
           <a:p>
-            <a:pPr indent="0" lvl="0" marL="0" rtl="0" algn="l">
+            <a:pPr marL="0" lvl="0" indent="0" algn="l" rtl="0">
               <a:spcBef>
                 <a:spcPts val="0"/>
               </a:spcBef>
@@ -8453,9 +8456,6 @@
               </a:spcAft>
               <a:buNone/>
             </a:pPr>
-            <a:r>
-              <a:t/>
-            </a:r>
             <a:endParaRPr/>
           </a:p>
         </p:txBody>
@@ -8482,12 +8482,12 @@
           </a:ln>
         </p:spPr>
         <p:txBody>
-          <a:bodyPr anchorCtr="0" anchor="ctr" bIns="91425" lIns="91425" spcFirstLastPara="1" rIns="91425" wrap="square" tIns="91425">
+          <a:bodyPr spcFirstLastPara="1" wrap="square" lIns="91425" tIns="91425" rIns="91425" bIns="91425" anchor="ctr" anchorCtr="0">
             <a:noAutofit/>
           </a:bodyPr>
           <a:lstStyle/>
           <a:p>
-            <a:pPr indent="0" lvl="0" marL="0" rtl="0" algn="l">
+            <a:pPr marL="0" lvl="0" indent="0" algn="l" rtl="0">
               <a:spcBef>
                 <a:spcPts val="0"/>
               </a:spcBef>
@@ -8496,9 +8496,6 @@
               </a:spcAft>
               <a:buNone/>
             </a:pPr>
-            <a:r>
-              <a:t/>
-            </a:r>
             <a:endParaRPr/>
           </a:p>
         </p:txBody>
@@ -8524,7 +8521,7 @@
             <a:noFill/>
           </a:ln>
           <a:effectLst>
-            <a:outerShdw blurRad="228600" sx="101000" rotWithShape="0" algn="ctr" sy="101000">
+            <a:outerShdw blurRad="228600" sx="101000" sy="101000" algn="ctr" rotWithShape="0">
               <a:srgbClr val="000000">
                 <a:alpha val="40000"/>
               </a:srgbClr>
@@ -8532,12 +8529,12 @@
           </a:effectLst>
         </p:spPr>
         <p:txBody>
-          <a:bodyPr anchorCtr="0" anchor="ctr" bIns="91425" lIns="91425" spcFirstLastPara="1" rIns="91425" wrap="square" tIns="91425">
+          <a:bodyPr spcFirstLastPara="1" wrap="square" lIns="91425" tIns="91425" rIns="91425" bIns="91425" anchor="ctr" anchorCtr="0">
             <a:noAutofit/>
           </a:bodyPr>
           <a:lstStyle/>
           <a:p>
-            <a:pPr indent="0" lvl="0" marL="0" rtl="0" algn="l">
+            <a:pPr marL="0" lvl="0" indent="0" algn="l" rtl="0">
               <a:spcBef>
                 <a:spcPts val="0"/>
               </a:spcBef>
@@ -8546,9 +8543,6 @@
               </a:spcAft>
               <a:buNone/>
             </a:pPr>
-            <a:r>
-              <a:t/>
-            </a:r>
             <a:endParaRPr/>
           </a:p>
         </p:txBody>
@@ -8556,9 +8550,11 @@
       <p:sp>
         <p:nvSpPr>
           <p:cNvPr id="107" name="Google Shape;107;p10"/>
-          <p:cNvSpPr txBox="1"/>
+          <p:cNvSpPr txBox="1">
+            <a:spLocks noGrp="1"/>
+          </p:cNvSpPr>
           <p:nvPr>
-            <p:ph idx="1" type="body"/>
+            <p:ph type="body" idx="1"/>
           </p:nvPr>
         </p:nvSpPr>
         <p:spPr>
@@ -8571,11 +8567,11 @@
           </a:prstGeom>
         </p:spPr>
         <p:txBody>
-          <a:bodyPr anchorCtr="0" anchor="b" bIns="91425" lIns="91425" spcFirstLastPara="1" rIns="91425" wrap="square" tIns="91425">
+          <a:bodyPr spcFirstLastPara="1" wrap="square" lIns="91425" tIns="91425" rIns="91425" bIns="91425" anchor="b" anchorCtr="0">
             <a:normAutofit/>
           </a:bodyPr>
           <a:lstStyle>
-            <a:lvl1pPr indent="-228600" lvl="0" marL="457200">
+            <a:lvl1pPr marL="457200" lvl="0" indent="-228600">
               <a:lnSpc>
                 <a:spcPct val="100000"/>
               </a:lnSpc>
@@ -8590,15 +8586,19 @@
               <a:defRPr/>
             </a:lvl1pPr>
           </a:lstStyle>
-          <a:p/>
+          <a:p>
+            <a:endParaRPr/>
+          </a:p>
         </p:txBody>
       </p:sp>
       <p:sp>
         <p:nvSpPr>
           <p:cNvPr id="108" name="Google Shape;108;p10"/>
-          <p:cNvSpPr txBox="1"/>
+          <p:cNvSpPr txBox="1">
+            <a:spLocks noGrp="1"/>
+          </p:cNvSpPr>
           <p:nvPr>
-            <p:ph idx="12" type="sldNum"/>
+            <p:ph type="sldNum" idx="12"/>
           </p:nvPr>
         </p:nvSpPr>
         <p:spPr>
@@ -8611,7 +8611,7 @@
           </a:prstGeom>
         </p:spPr>
         <p:txBody>
-          <a:bodyPr anchorCtr="0" anchor="ctr" bIns="91425" lIns="91425" spcFirstLastPara="1" rIns="91425" wrap="square" tIns="91425">
+          <a:bodyPr spcFirstLastPara="1" wrap="square" lIns="91425" tIns="91425" rIns="91425" bIns="91425" anchor="ctr" anchorCtr="0">
             <a:normAutofit/>
           </a:bodyPr>
           <a:lstStyle>
@@ -8653,7 +8653,7 @@
             </a:lvl9pPr>
           </a:lstStyle>
           <a:p>
-            <a:pPr indent="0" lvl="0" marL="0" rtl="0" algn="r">
+            <a:pPr marL="0" lvl="0" indent="0" algn="r" rtl="0">
               <a:spcBef>
                 <a:spcPts val="0"/>
               </a:spcBef>
@@ -8679,18 +8679,19 @@
 </file>
 
 <file path=ppt/slideMasters/slideMaster1.xml><?xml version="1.0" encoding="utf-8"?>
-<p:sldMaster xmlns:a="http://schemas.openxmlformats.org/drawingml/2006/main" xmlns:r="http://schemas.openxmlformats.org/officeDocument/2006/relationships" xmlns:mc="http://schemas.openxmlformats.org/markup-compatibility/2006" xmlns:mv="urn:schemas-microsoft-com:mac:vml" xmlns:p="http://schemas.openxmlformats.org/presentationml/2006/main" xmlns:c="http://schemas.openxmlformats.org/drawingml/2006/chart" xmlns:dgm="http://schemas.openxmlformats.org/drawingml/2006/diagram" xmlns:o="urn:schemas-microsoft-com:office:office" xmlns:v="urn:schemas-microsoft-com:vml" xmlns:pvml="urn:schemas-microsoft-com:office:powerpoint" xmlns:com="http://schemas.openxmlformats.org/drawingml/2006/compatibility" xmlns:p14="http://schemas.microsoft.com/office/powerpoint/2010/main" xmlns:p15="http://schemas.microsoft.com/office/powerpoint/2012/main" xmlns:ahyp="http://schemas.microsoft.com/office/drawing/2018/hyperlinkcolor">
+<p:sldMaster xmlns:a="http://schemas.openxmlformats.org/drawingml/2006/main" xmlns:r="http://schemas.openxmlformats.org/officeDocument/2006/relationships" xmlns:p="http://schemas.openxmlformats.org/presentationml/2006/main">
   <p:cSld name="shift">
     <p:bg>
       <p:bgPr>
         <a:solidFill>
           <a:schemeClr val="dk1"/>
         </a:solidFill>
+        <a:effectLst/>
       </p:bgPr>
     </p:bg>
     <p:spTree>
       <p:nvGrpSpPr>
-        <p:cNvPr id="5" name="Shape 5"/>
+        <p:cNvPr id="1" name="Shape 5"/>
         <p:cNvGrpSpPr/>
         <p:nvPr/>
       </p:nvGrpSpPr>
@@ -8705,7 +8706,9 @@
       <p:sp>
         <p:nvSpPr>
           <p:cNvPr id="6" name="Google Shape;6;p1"/>
-          <p:cNvSpPr txBox="1"/>
+          <p:cNvSpPr txBox="1">
+            <a:spLocks noGrp="1"/>
+          </p:cNvSpPr>
           <p:nvPr>
             <p:ph type="title"/>
           </p:nvPr>
@@ -8724,7 +8727,7 @@
           </a:ln>
         </p:spPr>
         <p:txBody>
-          <a:bodyPr anchorCtr="0" anchor="t" bIns="91425" lIns="91425" spcFirstLastPara="1" rIns="91425" wrap="square" tIns="91425">
+          <a:bodyPr spcFirstLastPara="1" wrap="square" lIns="91425" tIns="91425" rIns="91425" bIns="91425" anchor="t" anchorCtr="0">
             <a:normAutofit/>
           </a:bodyPr>
           <a:lstStyle>
@@ -8936,15 +8939,19 @@
               </a:defRPr>
             </a:lvl9pPr>
           </a:lstStyle>
-          <a:p/>
+          <a:p>
+            <a:endParaRPr/>
+          </a:p>
         </p:txBody>
       </p:sp>
       <p:sp>
         <p:nvSpPr>
           <p:cNvPr id="7" name="Google Shape;7;p1"/>
-          <p:cNvSpPr txBox="1"/>
+          <p:cNvSpPr txBox="1">
+            <a:spLocks noGrp="1"/>
+          </p:cNvSpPr>
           <p:nvPr>
-            <p:ph idx="1" type="body"/>
+            <p:ph type="body" idx="1"/>
           </p:nvPr>
         </p:nvSpPr>
         <p:spPr>
@@ -8961,11 +8968,11 @@
           </a:ln>
         </p:spPr>
         <p:txBody>
-          <a:bodyPr anchorCtr="0" anchor="t" bIns="91425" lIns="91425" spcFirstLastPara="1" rIns="91425" wrap="square" tIns="91425">
+          <a:bodyPr spcFirstLastPara="1" wrap="square" lIns="91425" tIns="91425" rIns="91425" bIns="91425" anchor="t" anchorCtr="0">
             <a:normAutofit/>
           </a:bodyPr>
           <a:lstStyle>
-            <a:lvl1pPr indent="-311150" lvl="0" marL="457200">
+            <a:lvl1pPr marL="457200" lvl="0" indent="-311150">
               <a:lnSpc>
                 <a:spcPct val="115000"/>
               </a:lnSpc>
@@ -8991,7 +8998,7 @@
                 <a:sym typeface="Calibri"/>
               </a:defRPr>
             </a:lvl1pPr>
-            <a:lvl2pPr indent="-298450" lvl="1" marL="914400">
+            <a:lvl2pPr marL="914400" lvl="1" indent="-298450">
               <a:lnSpc>
                 <a:spcPct val="115000"/>
               </a:lnSpc>
@@ -9017,7 +9024,7 @@
                 <a:sym typeface="Calibri"/>
               </a:defRPr>
             </a:lvl2pPr>
-            <a:lvl3pPr indent="-298450" lvl="2" marL="1371600">
+            <a:lvl3pPr marL="1371600" lvl="2" indent="-298450">
               <a:lnSpc>
                 <a:spcPct val="115000"/>
               </a:lnSpc>
@@ -9043,7 +9050,7 @@
                 <a:sym typeface="Calibri"/>
               </a:defRPr>
             </a:lvl3pPr>
-            <a:lvl4pPr indent="-298450" lvl="3" marL="1828800">
+            <a:lvl4pPr marL="1828800" lvl="3" indent="-298450">
               <a:lnSpc>
                 <a:spcPct val="115000"/>
               </a:lnSpc>
@@ -9069,7 +9076,7 @@
                 <a:sym typeface="Calibri"/>
               </a:defRPr>
             </a:lvl4pPr>
-            <a:lvl5pPr indent="-298450" lvl="4" marL="2286000">
+            <a:lvl5pPr marL="2286000" lvl="4" indent="-298450">
               <a:lnSpc>
                 <a:spcPct val="115000"/>
               </a:lnSpc>
@@ -9095,7 +9102,7 @@
                 <a:sym typeface="Calibri"/>
               </a:defRPr>
             </a:lvl5pPr>
-            <a:lvl6pPr indent="-298450" lvl="5" marL="2743200">
+            <a:lvl6pPr marL="2743200" lvl="5" indent="-298450">
               <a:lnSpc>
                 <a:spcPct val="115000"/>
               </a:lnSpc>
@@ -9121,7 +9128,7 @@
                 <a:sym typeface="Calibri"/>
               </a:defRPr>
             </a:lvl6pPr>
-            <a:lvl7pPr indent="-298450" lvl="6" marL="3200400">
+            <a:lvl7pPr marL="3200400" lvl="6" indent="-298450">
               <a:lnSpc>
                 <a:spcPct val="115000"/>
               </a:lnSpc>
@@ -9147,7 +9154,7 @@
                 <a:sym typeface="Calibri"/>
               </a:defRPr>
             </a:lvl7pPr>
-            <a:lvl8pPr indent="-298450" lvl="7" marL="3657600">
+            <a:lvl8pPr marL="3657600" lvl="7" indent="-298450">
               <a:lnSpc>
                 <a:spcPct val="115000"/>
               </a:lnSpc>
@@ -9173,7 +9180,7 @@
                 <a:sym typeface="Calibri"/>
               </a:defRPr>
             </a:lvl8pPr>
-            <a:lvl9pPr indent="-298450" lvl="8" marL="4114800">
+            <a:lvl9pPr marL="4114800" lvl="8" indent="-298450">
               <a:lnSpc>
                 <a:spcPct val="115000"/>
               </a:lnSpc>
@@ -9200,15 +9207,19 @@
               </a:defRPr>
             </a:lvl9pPr>
           </a:lstStyle>
-          <a:p/>
+          <a:p>
+            <a:endParaRPr/>
+          </a:p>
         </p:txBody>
       </p:sp>
       <p:sp>
         <p:nvSpPr>
           <p:cNvPr id="8" name="Google Shape;8;p1"/>
-          <p:cNvSpPr txBox="1"/>
+          <p:cNvSpPr txBox="1">
+            <a:spLocks noGrp="1"/>
+          </p:cNvSpPr>
           <p:nvPr>
-            <p:ph idx="12" type="sldNum"/>
+            <p:ph type="sldNum" idx="12"/>
           </p:nvPr>
         </p:nvSpPr>
         <p:spPr>
@@ -9225,7 +9236,7 @@
           </a:ln>
         </p:spPr>
         <p:txBody>
-          <a:bodyPr anchorCtr="0" anchor="ctr" bIns="91425" lIns="91425" spcFirstLastPara="1" rIns="91425" wrap="square" tIns="91425">
+          <a:bodyPr spcFirstLastPara="1" wrap="square" lIns="91425" tIns="91425" rIns="91425" bIns="91425" anchor="ctr" anchorCtr="0">
             <a:normAutofit/>
           </a:bodyPr>
           <a:lstStyle>
@@ -9339,7 +9350,7 @@
             </a:lvl9pPr>
           </a:lstStyle>
           <a:p>
-            <a:pPr indent="0" lvl="0" marL="0" rtl="0" algn="r">
+            <a:pPr marL="0" lvl="0" indent="0" algn="r" rtl="0">
               <a:spcBef>
                 <a:spcPts val="0"/>
               </a:spcBef>
@@ -9358,7 +9369,7 @@
       </p:sp>
     </p:spTree>
   </p:cSld>
-  <p:clrMap accent1="accent1" accent2="accent2" accent3="accent3" accent4="accent4" accent5="accent5" accent6="accent6" bg1="lt1" bg2="dk2" tx1="dk1" tx2="lt2" folHlink="folHlink" hlink="hlink"/>
+  <p:clrMap bg1="lt1" tx1="dk1" bg2="dk2" tx2="lt2" accent1="accent1" accent2="accent2" accent3="accent3" accent4="accent4" accent5="accent5" accent6="accent6" hlink="hlink" folHlink="folHlink"/>
   <p:sldLayoutIdLst>
     <p:sldLayoutId id="2147483648" r:id="rId1"/>
     <p:sldLayoutId id="2147483649" r:id="rId2"/>
@@ -9372,10 +9383,10 @@
     <p:sldLayoutId id="2147483657" r:id="rId10"/>
     <p:sldLayoutId id="2147483658" r:id="rId11"/>
   </p:sldLayoutIdLst>
-  <p:hf dt="0" ftr="0" hdr="0" sldNum="0"/>
+  <p:hf sldNum="0" hdr="0" ftr="0" dt="0"/>
   <p:txStyles>
     <p:titleStyle>
-      <a:defPPr lvl="0" marR="0" rtl="0" algn="l">
+      <a:defPPr marR="0" lvl="0" algn="l" rtl="0">
         <a:lnSpc>
           <a:spcPct val="100000"/>
         </a:lnSpc>
@@ -9386,7 +9397,7 @@
           <a:spcPts val="0"/>
         </a:spcAft>
       </a:defPPr>
-      <a:lvl1pPr lvl="0" marR="0" rtl="0" algn="l">
+      <a:lvl1pPr marR="0" lvl="0" algn="l" rtl="0">
         <a:lnSpc>
           <a:spcPct val="100000"/>
         </a:lnSpc>
@@ -9400,7 +9411,7 @@
           <a:srgbClr val="000000"/>
         </a:buClr>
         <a:buFont typeface="Arial"/>
-        <a:defRPr b="0" i="0" sz="1400" u="none" cap="none" strike="noStrike">
+        <a:defRPr sz="1400" b="0" i="0" u="none" strike="noStrike" cap="none">
           <a:solidFill>
             <a:srgbClr val="000000"/>
           </a:solidFill>
@@ -9410,7 +9421,7 @@
           <a:sym typeface="Arial"/>
         </a:defRPr>
       </a:lvl1pPr>
-      <a:lvl2pPr lvl="1" marR="0" rtl="0" algn="l">
+      <a:lvl2pPr marR="0" lvl="1" algn="l" rtl="0">
         <a:lnSpc>
           <a:spcPct val="100000"/>
         </a:lnSpc>
@@ -9424,7 +9435,7 @@
           <a:srgbClr val="000000"/>
         </a:buClr>
         <a:buFont typeface="Arial"/>
-        <a:defRPr b="0" i="0" sz="1400" u="none" cap="none" strike="noStrike">
+        <a:defRPr sz="1400" b="0" i="0" u="none" strike="noStrike" cap="none">
           <a:solidFill>
             <a:srgbClr val="000000"/>
           </a:solidFill>
@@ -9434,7 +9445,7 @@
           <a:sym typeface="Arial"/>
         </a:defRPr>
       </a:lvl2pPr>
-      <a:lvl3pPr lvl="2" marR="0" rtl="0" algn="l">
+      <a:lvl3pPr marR="0" lvl="2" algn="l" rtl="0">
         <a:lnSpc>
           <a:spcPct val="100000"/>
         </a:lnSpc>
@@ -9448,7 +9459,7 @@
           <a:srgbClr val="000000"/>
         </a:buClr>
         <a:buFont typeface="Arial"/>
-        <a:defRPr b="0" i="0" sz="1400" u="none" cap="none" strike="noStrike">
+        <a:defRPr sz="1400" b="0" i="0" u="none" strike="noStrike" cap="none">
           <a:solidFill>
             <a:srgbClr val="000000"/>
           </a:solidFill>
@@ -9458,7 +9469,7 @@
           <a:sym typeface="Arial"/>
         </a:defRPr>
       </a:lvl3pPr>
-      <a:lvl4pPr lvl="3" marR="0" rtl="0" algn="l">
+      <a:lvl4pPr marR="0" lvl="3" algn="l" rtl="0">
         <a:lnSpc>
           <a:spcPct val="100000"/>
         </a:lnSpc>
@@ -9472,7 +9483,7 @@
           <a:srgbClr val="000000"/>
         </a:buClr>
         <a:buFont typeface="Arial"/>
-        <a:defRPr b="0" i="0" sz="1400" u="none" cap="none" strike="noStrike">
+        <a:defRPr sz="1400" b="0" i="0" u="none" strike="noStrike" cap="none">
           <a:solidFill>
             <a:srgbClr val="000000"/>
           </a:solidFill>
@@ -9482,7 +9493,7 @@
           <a:sym typeface="Arial"/>
         </a:defRPr>
       </a:lvl4pPr>
-      <a:lvl5pPr lvl="4" marR="0" rtl="0" algn="l">
+      <a:lvl5pPr marR="0" lvl="4" algn="l" rtl="0">
         <a:lnSpc>
           <a:spcPct val="100000"/>
         </a:lnSpc>
@@ -9496,7 +9507,7 @@
           <a:srgbClr val="000000"/>
         </a:buClr>
         <a:buFont typeface="Arial"/>
-        <a:defRPr b="0" i="0" sz="1400" u="none" cap="none" strike="noStrike">
+        <a:defRPr sz="1400" b="0" i="0" u="none" strike="noStrike" cap="none">
           <a:solidFill>
             <a:srgbClr val="000000"/>
           </a:solidFill>
@@ -9506,7 +9517,7 @@
           <a:sym typeface="Arial"/>
         </a:defRPr>
       </a:lvl5pPr>
-      <a:lvl6pPr lvl="5" marR="0" rtl="0" algn="l">
+      <a:lvl6pPr marR="0" lvl="5" algn="l" rtl="0">
         <a:lnSpc>
           <a:spcPct val="100000"/>
         </a:lnSpc>
@@ -9520,7 +9531,7 @@
           <a:srgbClr val="000000"/>
         </a:buClr>
         <a:buFont typeface="Arial"/>
-        <a:defRPr b="0" i="0" sz="1400" u="none" cap="none" strike="noStrike">
+        <a:defRPr sz="1400" b="0" i="0" u="none" strike="noStrike" cap="none">
           <a:solidFill>
             <a:srgbClr val="000000"/>
           </a:solidFill>
@@ -9530,7 +9541,7 @@
           <a:sym typeface="Arial"/>
         </a:defRPr>
       </a:lvl6pPr>
-      <a:lvl7pPr lvl="6" marR="0" rtl="0" algn="l">
+      <a:lvl7pPr marR="0" lvl="6" algn="l" rtl="0">
         <a:lnSpc>
           <a:spcPct val="100000"/>
         </a:lnSpc>
@@ -9544,7 +9555,7 @@
           <a:srgbClr val="000000"/>
         </a:buClr>
         <a:buFont typeface="Arial"/>
-        <a:defRPr b="0" i="0" sz="1400" u="none" cap="none" strike="noStrike">
+        <a:defRPr sz="1400" b="0" i="0" u="none" strike="noStrike" cap="none">
           <a:solidFill>
             <a:srgbClr val="000000"/>
           </a:solidFill>
@@ -9554,7 +9565,7 @@
           <a:sym typeface="Arial"/>
         </a:defRPr>
       </a:lvl7pPr>
-      <a:lvl8pPr lvl="7" marR="0" rtl="0" algn="l">
+      <a:lvl8pPr marR="0" lvl="7" algn="l" rtl="0">
         <a:lnSpc>
           <a:spcPct val="100000"/>
         </a:lnSpc>
@@ -9568,7 +9579,7 @@
           <a:srgbClr val="000000"/>
         </a:buClr>
         <a:buFont typeface="Arial"/>
-        <a:defRPr b="0" i="0" sz="1400" u="none" cap="none" strike="noStrike">
+        <a:defRPr sz="1400" b="0" i="0" u="none" strike="noStrike" cap="none">
           <a:solidFill>
             <a:srgbClr val="000000"/>
           </a:solidFill>
@@ -9578,7 +9589,7 @@
           <a:sym typeface="Arial"/>
         </a:defRPr>
       </a:lvl8pPr>
-      <a:lvl9pPr lvl="8" marR="0" rtl="0" algn="l">
+      <a:lvl9pPr marR="0" lvl="8" algn="l" rtl="0">
         <a:lnSpc>
           <a:spcPct val="100000"/>
         </a:lnSpc>
@@ -9592,7 +9603,7 @@
           <a:srgbClr val="000000"/>
         </a:buClr>
         <a:buFont typeface="Arial"/>
-        <a:defRPr b="0" i="0" sz="1400" u="none" cap="none" strike="noStrike">
+        <a:defRPr sz="1400" b="0" i="0" u="none" strike="noStrike" cap="none">
           <a:solidFill>
             <a:srgbClr val="000000"/>
           </a:solidFill>
@@ -9604,7 +9615,7 @@
       </a:lvl9pPr>
     </p:titleStyle>
     <p:bodyStyle>
-      <a:defPPr lvl="0" marR="0" rtl="0" algn="l">
+      <a:defPPr marR="0" lvl="0" algn="l" rtl="0">
         <a:lnSpc>
           <a:spcPct val="100000"/>
         </a:lnSpc>
@@ -9615,7 +9626,7 @@
           <a:spcPts val="0"/>
         </a:spcAft>
       </a:defPPr>
-      <a:lvl1pPr lvl="0" marR="0" rtl="0" algn="l">
+      <a:lvl1pPr marR="0" lvl="0" algn="l" rtl="0">
         <a:lnSpc>
           <a:spcPct val="100000"/>
         </a:lnSpc>
@@ -9629,7 +9640,7 @@
           <a:srgbClr val="000000"/>
         </a:buClr>
         <a:buFont typeface="Arial"/>
-        <a:defRPr b="0" i="0" sz="1400" u="none" cap="none" strike="noStrike">
+        <a:defRPr sz="1400" b="0" i="0" u="none" strike="noStrike" cap="none">
           <a:solidFill>
             <a:srgbClr val="000000"/>
           </a:solidFill>
@@ -9639,7 +9650,7 @@
           <a:sym typeface="Arial"/>
         </a:defRPr>
       </a:lvl1pPr>
-      <a:lvl2pPr lvl="1" marR="0" rtl="0" algn="l">
+      <a:lvl2pPr marR="0" lvl="1" algn="l" rtl="0">
         <a:lnSpc>
           <a:spcPct val="100000"/>
         </a:lnSpc>
@@ -9653,7 +9664,7 @@
           <a:srgbClr val="000000"/>
         </a:buClr>
         <a:buFont typeface="Arial"/>
-        <a:defRPr b="0" i="0" sz="1400" u="none" cap="none" strike="noStrike">
+        <a:defRPr sz="1400" b="0" i="0" u="none" strike="noStrike" cap="none">
           <a:solidFill>
             <a:srgbClr val="000000"/>
           </a:solidFill>
@@ -9663,7 +9674,7 @@
           <a:sym typeface="Arial"/>
         </a:defRPr>
       </a:lvl2pPr>
-      <a:lvl3pPr lvl="2" marR="0" rtl="0" algn="l">
+      <a:lvl3pPr marR="0" lvl="2" algn="l" rtl="0">
         <a:lnSpc>
           <a:spcPct val="100000"/>
         </a:lnSpc>
@@ -9677,7 +9688,7 @@
           <a:srgbClr val="000000"/>
         </a:buClr>
         <a:buFont typeface="Arial"/>
-        <a:defRPr b="0" i="0" sz="1400" u="none" cap="none" strike="noStrike">
+        <a:defRPr sz="1400" b="0" i="0" u="none" strike="noStrike" cap="none">
           <a:solidFill>
             <a:srgbClr val="000000"/>
           </a:solidFill>
@@ -9687,7 +9698,7 @@
           <a:sym typeface="Arial"/>
         </a:defRPr>
       </a:lvl3pPr>
-      <a:lvl4pPr lvl="3" marR="0" rtl="0" algn="l">
+      <a:lvl4pPr marR="0" lvl="3" algn="l" rtl="0">
         <a:lnSpc>
           <a:spcPct val="100000"/>
         </a:lnSpc>
@@ -9701,7 +9712,7 @@
           <a:srgbClr val="000000"/>
         </a:buClr>
         <a:buFont typeface="Arial"/>
-        <a:defRPr b="0" i="0" sz="1400" u="none" cap="none" strike="noStrike">
+        <a:defRPr sz="1400" b="0" i="0" u="none" strike="noStrike" cap="none">
           <a:solidFill>
             <a:srgbClr val="000000"/>
           </a:solidFill>
@@ -9711,7 +9722,7 @@
           <a:sym typeface="Arial"/>
         </a:defRPr>
       </a:lvl4pPr>
-      <a:lvl5pPr lvl="4" marR="0" rtl="0" algn="l">
+      <a:lvl5pPr marR="0" lvl="4" algn="l" rtl="0">
         <a:lnSpc>
           <a:spcPct val="100000"/>
         </a:lnSpc>
@@ -9725,7 +9736,7 @@
           <a:srgbClr val="000000"/>
         </a:buClr>
         <a:buFont typeface="Arial"/>
-        <a:defRPr b="0" i="0" sz="1400" u="none" cap="none" strike="noStrike">
+        <a:defRPr sz="1400" b="0" i="0" u="none" strike="noStrike" cap="none">
           <a:solidFill>
             <a:srgbClr val="000000"/>
           </a:solidFill>
@@ -9735,7 +9746,7 @@
           <a:sym typeface="Arial"/>
         </a:defRPr>
       </a:lvl5pPr>
-      <a:lvl6pPr lvl="5" marR="0" rtl="0" algn="l">
+      <a:lvl6pPr marR="0" lvl="5" algn="l" rtl="0">
         <a:lnSpc>
           <a:spcPct val="100000"/>
         </a:lnSpc>
@@ -9749,7 +9760,7 @@
           <a:srgbClr val="000000"/>
         </a:buClr>
         <a:buFont typeface="Arial"/>
-        <a:defRPr b="0" i="0" sz="1400" u="none" cap="none" strike="noStrike">
+        <a:defRPr sz="1400" b="0" i="0" u="none" strike="noStrike" cap="none">
           <a:solidFill>
             <a:srgbClr val="000000"/>
           </a:solidFill>
@@ -9759,7 +9770,7 @@
           <a:sym typeface="Arial"/>
         </a:defRPr>
       </a:lvl6pPr>
-      <a:lvl7pPr lvl="6" marR="0" rtl="0" algn="l">
+      <a:lvl7pPr marR="0" lvl="6" algn="l" rtl="0">
         <a:lnSpc>
           <a:spcPct val="100000"/>
         </a:lnSpc>
@@ -9773,7 +9784,7 @@
           <a:srgbClr val="000000"/>
         </a:buClr>
         <a:buFont typeface="Arial"/>
-        <a:defRPr b="0" i="0" sz="1400" u="none" cap="none" strike="noStrike">
+        <a:defRPr sz="1400" b="0" i="0" u="none" strike="noStrike" cap="none">
           <a:solidFill>
             <a:srgbClr val="000000"/>
           </a:solidFill>
@@ -9783,7 +9794,7 @@
           <a:sym typeface="Arial"/>
         </a:defRPr>
       </a:lvl7pPr>
-      <a:lvl8pPr lvl="7" marR="0" rtl="0" algn="l">
+      <a:lvl8pPr marR="0" lvl="7" algn="l" rtl="0">
         <a:lnSpc>
           <a:spcPct val="100000"/>
         </a:lnSpc>
@@ -9797,7 +9808,7 @@
           <a:srgbClr val="000000"/>
         </a:buClr>
         <a:buFont typeface="Arial"/>
-        <a:defRPr b="0" i="0" sz="1400" u="none" cap="none" strike="noStrike">
+        <a:defRPr sz="1400" b="0" i="0" u="none" strike="noStrike" cap="none">
           <a:solidFill>
             <a:srgbClr val="000000"/>
           </a:solidFill>
@@ -9807,7 +9818,7 @@
           <a:sym typeface="Arial"/>
         </a:defRPr>
       </a:lvl8pPr>
-      <a:lvl9pPr lvl="8" marR="0" rtl="0" algn="l">
+      <a:lvl9pPr marR="0" lvl="8" algn="l" rtl="0">
         <a:lnSpc>
           <a:spcPct val="100000"/>
         </a:lnSpc>
@@ -9821,7 +9832,7 @@
           <a:srgbClr val="000000"/>
         </a:buClr>
         <a:buFont typeface="Arial"/>
-        <a:defRPr b="0" i="0" sz="1400" u="none" cap="none" strike="noStrike">
+        <a:defRPr sz="1400" b="0" i="0" u="none" strike="noStrike" cap="none">
           <a:solidFill>
             <a:srgbClr val="000000"/>
           </a:solidFill>
@@ -9833,7 +9844,7 @@
       </a:lvl9pPr>
     </p:bodyStyle>
     <p:otherStyle>
-      <a:defPPr lvl="0" marR="0" rtl="0" algn="l">
+      <a:defPPr marR="0" lvl="0" algn="l" rtl="0">
         <a:lnSpc>
           <a:spcPct val="100000"/>
         </a:lnSpc>
@@ -9844,7 +9855,7 @@
           <a:spcPts val="0"/>
         </a:spcAft>
       </a:defPPr>
-      <a:lvl1pPr lvl="0" marR="0" rtl="0" algn="l">
+      <a:lvl1pPr marR="0" lvl="0" algn="l" rtl="0">
         <a:lnSpc>
           <a:spcPct val="100000"/>
         </a:lnSpc>
@@ -9858,7 +9869,7 @@
           <a:srgbClr val="000000"/>
         </a:buClr>
         <a:buFont typeface="Arial"/>
-        <a:defRPr b="0" i="0" sz="1400" u="none" cap="none" strike="noStrike">
+        <a:defRPr sz="1400" b="0" i="0" u="none" strike="noStrike" cap="none">
           <a:solidFill>
             <a:srgbClr val="000000"/>
           </a:solidFill>
@@ -9868,7 +9879,7 @@
           <a:sym typeface="Arial"/>
         </a:defRPr>
       </a:lvl1pPr>
-      <a:lvl2pPr lvl="1" marR="0" rtl="0" algn="l">
+      <a:lvl2pPr marR="0" lvl="1" algn="l" rtl="0">
         <a:lnSpc>
           <a:spcPct val="100000"/>
         </a:lnSpc>
@@ -9882,7 +9893,7 @@
           <a:srgbClr val="000000"/>
         </a:buClr>
         <a:buFont typeface="Arial"/>
-        <a:defRPr b="0" i="0" sz="1400" u="none" cap="none" strike="noStrike">
+        <a:defRPr sz="1400" b="0" i="0" u="none" strike="noStrike" cap="none">
           <a:solidFill>
             <a:srgbClr val="000000"/>
           </a:solidFill>
@@ -9892,7 +9903,7 @@
           <a:sym typeface="Arial"/>
         </a:defRPr>
       </a:lvl2pPr>
-      <a:lvl3pPr lvl="2" marR="0" rtl="0" algn="l">
+      <a:lvl3pPr marR="0" lvl="2" algn="l" rtl="0">
         <a:lnSpc>
           <a:spcPct val="100000"/>
         </a:lnSpc>
@@ -9906,7 +9917,7 @@
           <a:srgbClr val="000000"/>
         </a:buClr>
         <a:buFont typeface="Arial"/>
-        <a:defRPr b="0" i="0" sz="1400" u="none" cap="none" strike="noStrike">
+        <a:defRPr sz="1400" b="0" i="0" u="none" strike="noStrike" cap="none">
           <a:solidFill>
             <a:srgbClr val="000000"/>
           </a:solidFill>
@@ -9916,7 +9927,7 @@
           <a:sym typeface="Arial"/>
         </a:defRPr>
       </a:lvl3pPr>
-      <a:lvl4pPr lvl="3" marR="0" rtl="0" algn="l">
+      <a:lvl4pPr marR="0" lvl="3" algn="l" rtl="0">
         <a:lnSpc>
           <a:spcPct val="100000"/>
         </a:lnSpc>
@@ -9930,7 +9941,7 @@
           <a:srgbClr val="000000"/>
         </a:buClr>
         <a:buFont typeface="Arial"/>
-        <a:defRPr b="0" i="0" sz="1400" u="none" cap="none" strike="noStrike">
+        <a:defRPr sz="1400" b="0" i="0" u="none" strike="noStrike" cap="none">
           <a:solidFill>
             <a:srgbClr val="000000"/>
           </a:solidFill>
@@ -9940,7 +9951,7 @@
           <a:sym typeface="Arial"/>
         </a:defRPr>
       </a:lvl4pPr>
-      <a:lvl5pPr lvl="4" marR="0" rtl="0" algn="l">
+      <a:lvl5pPr marR="0" lvl="4" algn="l" rtl="0">
         <a:lnSpc>
           <a:spcPct val="100000"/>
         </a:lnSpc>
@@ -9954,7 +9965,7 @@
           <a:srgbClr val="000000"/>
         </a:buClr>
         <a:buFont typeface="Arial"/>
-        <a:defRPr b="0" i="0" sz="1400" u="none" cap="none" strike="noStrike">
+        <a:defRPr sz="1400" b="0" i="0" u="none" strike="noStrike" cap="none">
           <a:solidFill>
             <a:srgbClr val="000000"/>
           </a:solidFill>
@@ -9964,7 +9975,7 @@
           <a:sym typeface="Arial"/>
         </a:defRPr>
       </a:lvl5pPr>
-      <a:lvl6pPr lvl="5" marR="0" rtl="0" algn="l">
+      <a:lvl6pPr marR="0" lvl="5" algn="l" rtl="0">
         <a:lnSpc>
           <a:spcPct val="100000"/>
         </a:lnSpc>
@@ -9978,7 +9989,7 @@
           <a:srgbClr val="000000"/>
         </a:buClr>
         <a:buFont typeface="Arial"/>
-        <a:defRPr b="0" i="0" sz="1400" u="none" cap="none" strike="noStrike">
+        <a:defRPr sz="1400" b="0" i="0" u="none" strike="noStrike" cap="none">
           <a:solidFill>
             <a:srgbClr val="000000"/>
           </a:solidFill>
@@ -9988,7 +9999,7 @@
           <a:sym typeface="Arial"/>
         </a:defRPr>
       </a:lvl6pPr>
-      <a:lvl7pPr lvl="6" marR="0" rtl="0" algn="l">
+      <a:lvl7pPr marR="0" lvl="6" algn="l" rtl="0">
         <a:lnSpc>
           <a:spcPct val="100000"/>
         </a:lnSpc>
@@ -10002,7 +10013,7 @@
           <a:srgbClr val="000000"/>
         </a:buClr>
         <a:buFont typeface="Arial"/>
-        <a:defRPr b="0" i="0" sz="1400" u="none" cap="none" strike="noStrike">
+        <a:defRPr sz="1400" b="0" i="0" u="none" strike="noStrike" cap="none">
           <a:solidFill>
             <a:srgbClr val="000000"/>
           </a:solidFill>
@@ -10012,7 +10023,7 @@
           <a:sym typeface="Arial"/>
         </a:defRPr>
       </a:lvl7pPr>
-      <a:lvl8pPr lvl="7" marR="0" rtl="0" algn="l">
+      <a:lvl8pPr marR="0" lvl="7" algn="l" rtl="0">
         <a:lnSpc>
           <a:spcPct val="100000"/>
         </a:lnSpc>
@@ -10026,7 +10037,7 @@
           <a:srgbClr val="000000"/>
         </a:buClr>
         <a:buFont typeface="Arial"/>
-        <a:defRPr b="0" i="0" sz="1400" u="none" cap="none" strike="noStrike">
+        <a:defRPr sz="1400" b="0" i="0" u="none" strike="noStrike" cap="none">
           <a:solidFill>
             <a:srgbClr val="000000"/>
           </a:solidFill>
@@ -10036,7 +10047,7 @@
           <a:sym typeface="Arial"/>
         </a:defRPr>
       </a:lvl8pPr>
-      <a:lvl9pPr lvl="8" marR="0" rtl="0" algn="l">
+      <a:lvl9pPr marR="0" lvl="8" algn="l" rtl="0">
         <a:lnSpc>
           <a:spcPct val="100000"/>
         </a:lnSpc>
@@ -10050,7 +10061,7 @@
           <a:srgbClr val="000000"/>
         </a:buClr>
         <a:buFont typeface="Arial"/>
-        <a:defRPr b="0" i="0" sz="1400" u="none" cap="none" strike="noStrike">
+        <a:defRPr sz="1400" b="0" i="0" u="none" strike="noStrike" cap="none">
           <a:solidFill>
             <a:srgbClr val="000000"/>
           </a:solidFill>
@@ -10066,11 +10077,11 @@
 </file>
 
 <file path=ppt/slides/slide1.xml><?xml version="1.0" encoding="utf-8"?>
-<p:sld xmlns:a="http://schemas.openxmlformats.org/drawingml/2006/main" xmlns:r="http://schemas.openxmlformats.org/officeDocument/2006/relationships" xmlns:mc="http://schemas.openxmlformats.org/markup-compatibility/2006" xmlns:mv="urn:schemas-microsoft-com:mac:vml" xmlns:p="http://schemas.openxmlformats.org/presentationml/2006/main" xmlns:c="http://schemas.openxmlformats.org/drawingml/2006/chart" xmlns:dgm="http://schemas.openxmlformats.org/drawingml/2006/diagram" xmlns:o="urn:schemas-microsoft-com:office:office" xmlns:v="urn:schemas-microsoft-com:vml" xmlns:pvml="urn:schemas-microsoft-com:office:powerpoint" xmlns:com="http://schemas.openxmlformats.org/drawingml/2006/compatibility" xmlns:p14="http://schemas.microsoft.com/office/powerpoint/2010/main" xmlns:p15="http://schemas.microsoft.com/office/powerpoint/2012/main" xmlns:ahyp="http://schemas.microsoft.com/office/drawing/2018/hyperlinkcolor">
+<p:sld xmlns:a="http://schemas.openxmlformats.org/drawingml/2006/main" xmlns:r="http://schemas.openxmlformats.org/officeDocument/2006/relationships" xmlns:p="http://schemas.openxmlformats.org/presentationml/2006/main">
   <p:cSld>
     <p:spTree>
       <p:nvGrpSpPr>
-        <p:cNvPr id="127" name="Shape 127"/>
+        <p:cNvPr id="1" name="Shape 127"/>
         <p:cNvGrpSpPr/>
         <p:nvPr/>
       </p:nvGrpSpPr>
@@ -10085,7 +10096,9 @@
       <p:sp>
         <p:nvSpPr>
           <p:cNvPr id="128" name="Google Shape;128;p13"/>
-          <p:cNvSpPr txBox="1"/>
+          <p:cNvSpPr txBox="1">
+            <a:spLocks noGrp="1"/>
+          </p:cNvSpPr>
           <p:nvPr>
             <p:ph type="ctrTitle"/>
           </p:nvPr>
@@ -10100,12 +10113,12 @@
           </a:prstGeom>
         </p:spPr>
         <p:txBody>
-          <a:bodyPr anchorCtr="0" anchor="ctr" bIns="91425" lIns="91425" spcFirstLastPara="1" rIns="91425" wrap="square" tIns="91425">
-            <a:normAutofit fontScale="90000"/>
+          <a:bodyPr spcFirstLastPara="1" wrap="square" lIns="91425" tIns="91425" rIns="91425" bIns="91425" anchor="ctr" anchorCtr="0">
+            <a:normAutofit/>
           </a:bodyPr>
           <a:lstStyle/>
           <a:p>
-            <a:pPr indent="0" lvl="0" marL="0" rtl="0" algn="ctr">
+            <a:pPr marL="0" lvl="0" indent="0" algn="ctr" rtl="0">
               <a:spcBef>
                 <a:spcPts val="0"/>
               </a:spcBef>
@@ -10121,7 +10134,7 @@
             <a:endParaRPr/>
           </a:p>
           <a:p>
-            <a:pPr indent="0" lvl="0" marL="0" rtl="0" algn="l">
+            <a:pPr marL="0" lvl="0" indent="0" algn="l" rtl="0">
               <a:spcBef>
                 <a:spcPts val="0"/>
               </a:spcBef>
@@ -10130,9 +10143,6 @@
               </a:spcAft>
               <a:buNone/>
             </a:pPr>
-            <a:r>
-              <a:t/>
-            </a:r>
             <a:endParaRPr/>
           </a:p>
         </p:txBody>
@@ -10140,9 +10150,11 @@
       <p:sp>
         <p:nvSpPr>
           <p:cNvPr id="129" name="Google Shape;129;p13"/>
-          <p:cNvSpPr txBox="1"/>
+          <p:cNvSpPr txBox="1">
+            <a:spLocks noGrp="1"/>
+          </p:cNvSpPr>
           <p:nvPr>
-            <p:ph idx="1" type="subTitle"/>
+            <p:ph type="subTitle" idx="1"/>
           </p:nvPr>
         </p:nvSpPr>
         <p:spPr>
@@ -10155,12 +10167,12 @@
           </a:prstGeom>
         </p:spPr>
         <p:txBody>
-          <a:bodyPr anchorCtr="0" anchor="t" bIns="91425" lIns="91425" spcFirstLastPara="1" rIns="91425" wrap="square" tIns="91425">
+          <a:bodyPr spcFirstLastPara="1" wrap="square" lIns="91425" tIns="91425" rIns="91425" bIns="91425" anchor="t" anchorCtr="0">
             <a:normAutofit/>
           </a:bodyPr>
           <a:lstStyle/>
           <a:p>
-            <a:pPr indent="0" lvl="0" marL="0" rtl="0" algn="ctr">
+            <a:pPr marL="0" lvl="0" indent="0" algn="ctr" rtl="0">
               <a:spcBef>
                 <a:spcPts val="0"/>
               </a:spcBef>
@@ -10170,17 +10182,13 @@
               <a:buNone/>
             </a:pPr>
             <a:r>
-              <a:rPr lang="en" sz="1700"/>
-              <a:t>Group M</a:t>
+              <a:rPr lang="en" sz="1700" dirty="0"/>
+              <a:t>Group Members</a:t>
             </a:r>
-            <a:r>
-              <a:rPr lang="en" sz="1700"/>
-              <a:t>embers</a:t>
-            </a:r>
-            <a:endParaRPr sz="1700"/>
-          </a:p>
-          <a:p>
-            <a:pPr indent="0" lvl="0" marL="0" rtl="0" algn="ctr">
+            <a:endParaRPr sz="1700" dirty="0"/>
+          </a:p>
+          <a:p>
+            <a:pPr marL="0" lvl="0" indent="0" algn="ctr" rtl="0">
               <a:lnSpc>
                 <a:spcPct val="115000"/>
               </a:lnSpc>
@@ -10198,14 +10206,38 @@
               <a:buNone/>
             </a:pPr>
             <a:r>
-              <a:rPr lang="en" sz="1300">
+              <a:rPr lang="en" sz="1300" dirty="0">
                 <a:solidFill>
                   <a:schemeClr val="dk2"/>
                 </a:solidFill>
               </a:rPr>
-              <a:t>Ali Asghir, Hayley Win, Srivasthan Krishna, Megan Greenhill, Kaumudi Mendis</a:t>
+              <a:t>Hayley Win, Megan Greenhill, </a:t>
             </a:r>
-            <a:endParaRPr sz="1800">
+            <a:r>
+              <a:rPr lang="en" sz="1300" dirty="0" err="1">
+                <a:solidFill>
+                  <a:schemeClr val="dk2"/>
+                </a:solidFill>
+              </a:rPr>
+              <a:t>Kaumudi</a:t>
+            </a:r>
+            <a:r>
+              <a:rPr lang="en" sz="1300" dirty="0">
+                <a:solidFill>
+                  <a:schemeClr val="dk2"/>
+                </a:solidFill>
+              </a:rPr>
+              <a:t> </a:t>
+            </a:r>
+            <a:r>
+              <a:rPr lang="en" sz="1300" dirty="0" err="1">
+                <a:solidFill>
+                  <a:schemeClr val="dk2"/>
+                </a:solidFill>
+              </a:rPr>
+              <a:t>Mendis</a:t>
+            </a:r>
+            <a:endParaRPr sz="1800" dirty="0">
               <a:solidFill>
                 <a:schemeClr val="dk2"/>
               </a:solidFill>
@@ -10222,11 +10254,11 @@
 </file>
 
 <file path=ppt/slides/slide10.xml><?xml version="1.0" encoding="utf-8"?>
-<p:sld xmlns:a="http://schemas.openxmlformats.org/drawingml/2006/main" xmlns:r="http://schemas.openxmlformats.org/officeDocument/2006/relationships" xmlns:mc="http://schemas.openxmlformats.org/markup-compatibility/2006" xmlns:mv="urn:schemas-microsoft-com:mac:vml" xmlns:p="http://schemas.openxmlformats.org/presentationml/2006/main" xmlns:c="http://schemas.openxmlformats.org/drawingml/2006/chart" xmlns:dgm="http://schemas.openxmlformats.org/drawingml/2006/diagram" xmlns:o="urn:schemas-microsoft-com:office:office" xmlns:v="urn:schemas-microsoft-com:vml" xmlns:pvml="urn:schemas-microsoft-com:office:powerpoint" xmlns:com="http://schemas.openxmlformats.org/drawingml/2006/compatibility" xmlns:p14="http://schemas.microsoft.com/office/powerpoint/2010/main" xmlns:p15="http://schemas.microsoft.com/office/powerpoint/2012/main" xmlns:ahyp="http://schemas.microsoft.com/office/drawing/2018/hyperlinkcolor">
+<p:sld xmlns:a="http://schemas.openxmlformats.org/drawingml/2006/main" xmlns:r="http://schemas.openxmlformats.org/officeDocument/2006/relationships" xmlns:p="http://schemas.openxmlformats.org/presentationml/2006/main">
   <p:cSld>
     <p:spTree>
       <p:nvGrpSpPr>
-        <p:cNvPr id="202" name="Shape 202"/>
+        <p:cNvPr id="1" name="Shape 202"/>
         <p:cNvGrpSpPr/>
         <p:nvPr/>
       </p:nvGrpSpPr>
@@ -10241,7 +10273,9 @@
       <p:sp>
         <p:nvSpPr>
           <p:cNvPr id="203" name="Google Shape;203;p22"/>
-          <p:cNvSpPr txBox="1"/>
+          <p:cNvSpPr txBox="1">
+            <a:spLocks noGrp="1"/>
+          </p:cNvSpPr>
           <p:nvPr>
             <p:ph type="title"/>
           </p:nvPr>
@@ -10256,12 +10290,12 @@
           </a:prstGeom>
         </p:spPr>
         <p:txBody>
-          <a:bodyPr anchorCtr="0" anchor="t" bIns="91425" lIns="91425" spcFirstLastPara="1" rIns="91425" wrap="square" tIns="91425">
-            <a:normAutofit fontScale="90000"/>
+          <a:bodyPr spcFirstLastPara="1" wrap="square" lIns="91425" tIns="91425" rIns="91425" bIns="91425" anchor="t" anchorCtr="0">
+            <a:normAutofit/>
           </a:bodyPr>
           <a:lstStyle/>
           <a:p>
-            <a:pPr indent="0" lvl="0" marL="0" rtl="0" algn="l">
+            <a:pPr marL="0" lvl="0" indent="0" algn="l" rtl="0">
               <a:spcBef>
                 <a:spcPts val="0"/>
               </a:spcBef>
@@ -10277,7 +10311,7 @@
             <a:endParaRPr/>
           </a:p>
           <a:p>
-            <a:pPr indent="0" lvl="0" marL="0" rtl="0" algn="l">
+            <a:pPr marL="0" lvl="0" indent="0" algn="l" rtl="0">
               <a:spcBef>
                 <a:spcPts val="600"/>
               </a:spcBef>
@@ -10286,13 +10320,10 @@
               </a:spcAft>
               <a:buNone/>
             </a:pPr>
-            <a:r>
-              <a:t/>
-            </a:r>
             <a:endParaRPr/>
           </a:p>
           <a:p>
-            <a:pPr indent="0" lvl="0" marL="0" rtl="0" algn="l">
+            <a:pPr marL="0" lvl="0" indent="0" algn="l" rtl="0">
               <a:spcBef>
                 <a:spcPts val="600"/>
               </a:spcBef>
@@ -10301,9 +10332,6 @@
               </a:spcAft>
               <a:buNone/>
             </a:pPr>
-            <a:r>
-              <a:t/>
-            </a:r>
             <a:endParaRPr/>
           </a:p>
         </p:txBody>
@@ -10339,94 +10367,71 @@
       <p:sp>
         <p:nvSpPr>
           <p:cNvPr id="205" name="Google Shape;205;p22"/>
-          <p:cNvSpPr txBox="1"/>
+          <p:cNvSpPr txBox="1">
+            <a:spLocks noGrp="1"/>
+          </p:cNvSpPr>
           <p:nvPr>
-            <p:ph idx="1" type="body"/>
+            <p:ph type="body" idx="1"/>
           </p:nvPr>
         </p:nvSpPr>
         <p:spPr>
           <a:xfrm>
-            <a:off x="4258550" y="1574050"/>
-            <a:ext cx="4221000" cy="3117600"/>
+            <a:off x="4258550" y="1406782"/>
+            <a:ext cx="4221000" cy="3650969"/>
           </a:xfrm>
           <a:prstGeom prst="rect">
             <a:avLst/>
           </a:prstGeom>
         </p:spPr>
         <p:txBody>
-          <a:bodyPr anchorCtr="0" anchor="t" bIns="91425" lIns="91425" spcFirstLastPara="1" rIns="91425" wrap="square" tIns="91425">
+          <a:bodyPr spcFirstLastPara="1" wrap="square" lIns="91425" tIns="91425" rIns="91425" bIns="91425" anchor="t" anchorCtr="0">
             <a:spAutoFit/>
           </a:bodyPr>
           <a:lstStyle/>
           <a:p>
-            <a:pPr indent="0" lvl="0" marL="0" rtl="0" algn="l">
+            <a:pPr marL="0" lvl="0" indent="0">
               <a:lnSpc>
                 <a:spcPct val="95000"/>
               </a:lnSpc>
-              <a:spcBef>
-                <a:spcPts val="0"/>
-              </a:spcBef>
-              <a:spcAft>
-                <a:spcPts val="0"/>
-              </a:spcAft>
               <a:buNone/>
             </a:pPr>
             <a:r>
-              <a:rPr lang="en"/>
-              <a:t>In Washington, t</a:t>
+              <a:rPr lang="en" dirty="0"/>
+              <a:t>In Washington, there are 61,335 (73.9%) battery electric vehicles and 21,719 (26.1%) plug-in hybrid electric vehicles. This shows there is a preference for battery electric vehicles.</a:t>
             </a:r>
-            <a:r>
-              <a:rPr lang="en"/>
-              <a:t>here are 61,335 (73.9%) plug-in hybrid electric vehicles and 21,719 (26.1%) battery electric vehicles. This shows there is a preference for </a:t>
-            </a:r>
-            <a:r>
-              <a:rPr lang="en"/>
-              <a:t>plug-in hybrid vehicles.</a:t>
-            </a:r>
-            <a:endParaRPr/>
-          </a:p>
-          <a:p>
-            <a:pPr indent="0" lvl="0" marL="0" rtl="0" algn="l">
+            <a:endParaRPr dirty="0"/>
+          </a:p>
+          <a:p>
+            <a:pPr marL="0" lvl="0" indent="0">
               <a:lnSpc>
                 <a:spcPct val="95000"/>
               </a:lnSpc>
               <a:spcBef>
                 <a:spcPts val="1200"/>
               </a:spcBef>
-              <a:spcAft>
-                <a:spcPts val="0"/>
-              </a:spcAft>
               <a:buNone/>
             </a:pPr>
             <a:r>
-              <a:rPr lang="en"/>
-              <a:t>We predict that this is likely because many drivers prefer the dual options of both an electric battery and a gasoline tank that are </a:t>
+              <a:rPr lang="en" dirty="0"/>
+              <a:t>We predict that </a:t>
             </a:r>
             <a:r>
-              <a:rPr lang="en"/>
-              <a:t>available in a hybrid vehicle</a:t>
+              <a:rPr lang="en-AU" dirty="0"/>
+              <a:t>this is because Tesla is the most popular electric vehicle brand in Washington, and all but one of Tesla’s vehicle models are battery electric vehicles. Additionally, electric vehicle customers may want to use more environmentally-friendly fuel sources, and thus may avoid vehicles that use gasoline (including hybrid vehicles.) </a:t>
             </a:r>
-            <a:r>
-              <a:rPr lang="en"/>
-              <a:t>, rather than solely relying on an electric battery.</a:t>
-            </a:r>
-            <a:endParaRPr/>
-          </a:p>
-          <a:p>
-            <a:pPr indent="0" lvl="0" marL="0" rtl="0" algn="l">
+          </a:p>
+          <a:p>
+            <a:pPr marL="0" lvl="0" indent="0">
               <a:lnSpc>
                 <a:spcPct val="95000"/>
               </a:lnSpc>
               <a:spcBef>
                 <a:spcPts val="1200"/>
               </a:spcBef>
-              <a:spcAft>
-                <a:spcPts val="0"/>
-              </a:spcAft>
               <a:buNone/>
             </a:pPr>
             <a:r>
-              <a:rPr i="1" lang="en">
+              <a:rPr lang="en" i="1" dirty="0">
                 <a:solidFill>
                   <a:srgbClr val="000000"/>
                 </a:solidFill>
@@ -10436,7 +10441,7 @@
               </a:rPr>
               <a:t>How is this data useful? </a:t>
             </a:r>
-            <a:endParaRPr i="1">
+            <a:endParaRPr i="1" dirty="0">
               <a:solidFill>
                 <a:srgbClr val="000000"/>
               </a:solidFill>
@@ -10446,7 +10451,7 @@
             </a:endParaRPr>
           </a:p>
           <a:p>
-            <a:pPr indent="0" lvl="0" marL="0" rtl="0" algn="l">
+            <a:pPr marL="0" lvl="0" indent="0" algn="l" rtl="0">
               <a:lnSpc>
                 <a:spcPct val="95000"/>
               </a:lnSpc>
@@ -10459,7 +10464,7 @@
               <a:buNone/>
             </a:pPr>
             <a:r>
-              <a:rPr i="1" lang="en">
+              <a:rPr lang="en" i="1" dirty="0">
                 <a:solidFill>
                   <a:srgbClr val="000000"/>
                 </a:solidFill>
@@ -10467,20 +10472,9 @@
                   <a:srgbClr val="FFFFFF"/>
                 </a:highlight>
               </a:rPr>
-              <a:t>This information could be utilised by </a:t>
+              <a:t>This information could be utilised by automotive brands to understand what type of electric vehicle is most in demand, which could influence what type of electric vehicle they choose to engineer.</a:t>
             </a:r>
-            <a:r>
-              <a:rPr i="1" lang="en">
-                <a:solidFill>
-                  <a:srgbClr val="000000"/>
-                </a:solidFill>
-                <a:highlight>
-                  <a:srgbClr val="FFFFFF"/>
-                </a:highlight>
-              </a:rPr>
-              <a:t>automotive brands to understand what type of electric vehicle is most in demand, which could influence what type of electric vehicle they choose to engineer.</a:t>
-            </a:r>
-            <a:endParaRPr i="1">
+            <a:endParaRPr i="1" dirty="0">
               <a:solidFill>
                 <a:srgbClr val="000000"/>
               </a:solidFill>
@@ -10500,11 +10494,11 @@
 </file>
 
 <file path=ppt/slides/slide11.xml><?xml version="1.0" encoding="utf-8"?>
-<p:sld xmlns:a="http://schemas.openxmlformats.org/drawingml/2006/main" xmlns:r="http://schemas.openxmlformats.org/officeDocument/2006/relationships" xmlns:mc="http://schemas.openxmlformats.org/markup-compatibility/2006" xmlns:mv="urn:schemas-microsoft-com:mac:vml" xmlns:p="http://schemas.openxmlformats.org/presentationml/2006/main" xmlns:c="http://schemas.openxmlformats.org/drawingml/2006/chart" xmlns:dgm="http://schemas.openxmlformats.org/drawingml/2006/diagram" xmlns:o="urn:schemas-microsoft-com:office:office" xmlns:v="urn:schemas-microsoft-com:vml" xmlns:pvml="urn:schemas-microsoft-com:office:powerpoint" xmlns:com="http://schemas.openxmlformats.org/drawingml/2006/compatibility" xmlns:p14="http://schemas.microsoft.com/office/powerpoint/2010/main" xmlns:p15="http://schemas.microsoft.com/office/powerpoint/2012/main" xmlns:ahyp="http://schemas.microsoft.com/office/drawing/2018/hyperlinkcolor">
+<p:sld xmlns:a="http://schemas.openxmlformats.org/drawingml/2006/main" xmlns:r="http://schemas.openxmlformats.org/officeDocument/2006/relationships" xmlns:p="http://schemas.openxmlformats.org/presentationml/2006/main">
   <p:cSld>
     <p:spTree>
       <p:nvGrpSpPr>
-        <p:cNvPr id="209" name="Shape 209"/>
+        <p:cNvPr id="1" name="Shape 209"/>
         <p:cNvGrpSpPr/>
         <p:nvPr/>
       </p:nvGrpSpPr>
@@ -10519,7 +10513,9 @@
       <p:sp>
         <p:nvSpPr>
           <p:cNvPr id="210" name="Google Shape;210;p23"/>
-          <p:cNvSpPr txBox="1"/>
+          <p:cNvSpPr txBox="1">
+            <a:spLocks noGrp="1"/>
+          </p:cNvSpPr>
           <p:nvPr>
             <p:ph type="title"/>
           </p:nvPr>
@@ -10534,12 +10530,12 @@
           </a:prstGeom>
         </p:spPr>
         <p:txBody>
-          <a:bodyPr anchorCtr="0" anchor="t" bIns="91425" lIns="91425" spcFirstLastPara="1" rIns="91425" wrap="square" tIns="91425">
-            <a:normAutofit fontScale="90000"/>
+          <a:bodyPr spcFirstLastPara="1" wrap="square" lIns="91425" tIns="91425" rIns="91425" bIns="91425" anchor="t" anchorCtr="0">
+            <a:normAutofit/>
           </a:bodyPr>
           <a:lstStyle/>
           <a:p>
-            <a:pPr indent="0" lvl="0" marL="0" rtl="0" algn="l">
+            <a:pPr marL="0" lvl="0" indent="0" algn="l" rtl="0">
               <a:spcBef>
                 <a:spcPts val="0"/>
               </a:spcBef>
@@ -10555,7 +10551,7 @@
             <a:endParaRPr/>
           </a:p>
           <a:p>
-            <a:pPr indent="0" lvl="0" marL="0" rtl="0" algn="l">
+            <a:pPr marL="0" lvl="0" indent="0" algn="l" rtl="0">
               <a:spcBef>
                 <a:spcPts val="600"/>
               </a:spcBef>
@@ -10564,9 +10560,6 @@
               </a:spcAft>
               <a:buNone/>
             </a:pPr>
-            <a:r>
-              <a:t/>
-            </a:r>
             <a:endParaRPr/>
           </a:p>
         </p:txBody>
@@ -10602,9 +10595,11 @@
       <p:sp>
         <p:nvSpPr>
           <p:cNvPr id="212" name="Google Shape;212;p23"/>
-          <p:cNvSpPr txBox="1"/>
+          <p:cNvSpPr txBox="1">
+            <a:spLocks noGrp="1"/>
+          </p:cNvSpPr>
           <p:nvPr>
-            <p:ph idx="1" type="body"/>
+            <p:ph type="body" idx="1"/>
           </p:nvPr>
         </p:nvSpPr>
         <p:spPr>
@@ -10617,12 +10612,12 @@
           </a:prstGeom>
         </p:spPr>
         <p:txBody>
-          <a:bodyPr anchorCtr="0" anchor="ctr" bIns="91425" lIns="91425" spcFirstLastPara="1" rIns="91425" wrap="square" tIns="91425">
+          <a:bodyPr spcFirstLastPara="1" wrap="square" lIns="91425" tIns="91425" rIns="91425" bIns="91425" anchor="ctr" anchorCtr="0">
             <a:normAutofit/>
           </a:bodyPr>
           <a:lstStyle/>
           <a:p>
-            <a:pPr indent="0" lvl="0" marL="0" rtl="0" algn="l">
+            <a:pPr marL="0" lvl="0" indent="0" algn="l" rtl="0">
               <a:spcBef>
                 <a:spcPts val="0"/>
               </a:spcBef>
@@ -10638,7 +10633,7 @@
             <a:endParaRPr sz="1350"/>
           </a:p>
           <a:p>
-            <a:pPr indent="0" lvl="0" marL="0" rtl="0" algn="l">
+            <a:pPr marL="0" lvl="0" indent="0" algn="l" rtl="0">
               <a:spcBef>
                 <a:spcPts val="1200"/>
               </a:spcBef>
@@ -10649,13 +10644,9 @@
             </a:pPr>
             <a:r>
               <a:rPr lang="en" sz="1350"/>
-              <a:t>From the line graphs created, we can see that both the population and percentage of electric vehicles has consistently increased over the time recorded in the dataset</a:t>
+              <a:t>From the line graphs created, we can see that both the population and percentage of electric vehicles has consistently increased over the time recorded in the dataset.</a:t>
             </a:r>
-            <a:r>
-              <a:rPr lang="en" sz="1350"/>
-              <a:t>.</a:t>
-            </a:r>
-            <a:endParaRPr i="1" sz="1150">
+            <a:endParaRPr sz="1150" i="1">
               <a:solidFill>
                 <a:srgbClr val="000000"/>
               </a:solidFill>
@@ -10679,11 +10670,11 @@
 </file>
 
 <file path=ppt/slides/slide12.xml><?xml version="1.0" encoding="utf-8"?>
-<p:sld xmlns:a="http://schemas.openxmlformats.org/drawingml/2006/main" xmlns:r="http://schemas.openxmlformats.org/officeDocument/2006/relationships" xmlns:mc="http://schemas.openxmlformats.org/markup-compatibility/2006" xmlns:mv="urn:schemas-microsoft-com:mac:vml" xmlns:p="http://schemas.openxmlformats.org/presentationml/2006/main" xmlns:c="http://schemas.openxmlformats.org/drawingml/2006/chart" xmlns:dgm="http://schemas.openxmlformats.org/drawingml/2006/diagram" xmlns:o="urn:schemas-microsoft-com:office:office" xmlns:v="urn:schemas-microsoft-com:vml" xmlns:pvml="urn:schemas-microsoft-com:office:powerpoint" xmlns:com="http://schemas.openxmlformats.org/drawingml/2006/compatibility" xmlns:p14="http://schemas.microsoft.com/office/powerpoint/2010/main" xmlns:p15="http://schemas.microsoft.com/office/powerpoint/2012/main" xmlns:ahyp="http://schemas.microsoft.com/office/drawing/2018/hyperlinkcolor">
+<p:sld xmlns:a="http://schemas.openxmlformats.org/drawingml/2006/main" xmlns:r="http://schemas.openxmlformats.org/officeDocument/2006/relationships" xmlns:p="http://schemas.openxmlformats.org/presentationml/2006/main">
   <p:cSld>
     <p:spTree>
       <p:nvGrpSpPr>
-        <p:cNvPr id="216" name="Shape 216"/>
+        <p:cNvPr id="1" name="Shape 216"/>
         <p:cNvGrpSpPr/>
         <p:nvPr/>
       </p:nvGrpSpPr>
@@ -10698,7 +10689,9 @@
       <p:sp>
         <p:nvSpPr>
           <p:cNvPr id="217" name="Google Shape;217;p24"/>
-          <p:cNvSpPr txBox="1"/>
+          <p:cNvSpPr txBox="1">
+            <a:spLocks noGrp="1"/>
+          </p:cNvSpPr>
           <p:nvPr>
             <p:ph type="title"/>
           </p:nvPr>
@@ -10713,12 +10706,12 @@
           </a:prstGeom>
         </p:spPr>
         <p:txBody>
-          <a:bodyPr anchorCtr="0" anchor="t" bIns="91425" lIns="91425" spcFirstLastPara="1" rIns="91425" wrap="square" tIns="91425">
-            <a:normAutofit fontScale="90000"/>
+          <a:bodyPr spcFirstLastPara="1" wrap="square" lIns="91425" tIns="91425" rIns="91425" bIns="91425" anchor="t" anchorCtr="0">
+            <a:normAutofit/>
           </a:bodyPr>
           <a:lstStyle/>
           <a:p>
-            <a:pPr indent="0" lvl="0" marL="0" rtl="0" algn="l">
+            <a:pPr marL="0" lvl="0" indent="0" algn="l" rtl="0">
               <a:spcBef>
                 <a:spcPts val="0"/>
               </a:spcBef>
@@ -10734,7 +10727,7 @@
             <a:endParaRPr/>
           </a:p>
           <a:p>
-            <a:pPr indent="0" lvl="0" marL="0" rtl="0" algn="l">
+            <a:pPr marL="0" lvl="0" indent="0" algn="l" rtl="0">
               <a:spcBef>
                 <a:spcPts val="600"/>
               </a:spcBef>
@@ -10743,9 +10736,6 @@
               </a:spcAft>
               <a:buNone/>
             </a:pPr>
-            <a:r>
-              <a:t/>
-            </a:r>
             <a:endParaRPr/>
           </a:p>
         </p:txBody>
@@ -10781,9 +10771,11 @@
       <p:sp>
         <p:nvSpPr>
           <p:cNvPr id="219" name="Google Shape;219;p24"/>
-          <p:cNvSpPr txBox="1"/>
+          <p:cNvSpPr txBox="1">
+            <a:spLocks noGrp="1"/>
+          </p:cNvSpPr>
           <p:nvPr>
-            <p:ph idx="1" type="body"/>
+            <p:ph type="body" idx="1"/>
           </p:nvPr>
         </p:nvSpPr>
         <p:spPr>
@@ -10796,12 +10788,12 @@
           </a:prstGeom>
         </p:spPr>
         <p:txBody>
-          <a:bodyPr anchorCtr="0" anchor="ctr" bIns="91425" lIns="91425" spcFirstLastPara="1" rIns="91425" wrap="square" tIns="91425">
+          <a:bodyPr spcFirstLastPara="1" wrap="square" lIns="91425" tIns="91425" rIns="91425" bIns="91425" anchor="ctr" anchorCtr="0">
             <a:normAutofit/>
           </a:bodyPr>
           <a:lstStyle/>
           <a:p>
-            <a:pPr indent="0" lvl="0" marL="0" rtl="0" algn="l">
+            <a:pPr marL="0" lvl="0" indent="0" algn="l" rtl="0">
               <a:spcBef>
                 <a:spcPts val="0"/>
               </a:spcBef>
@@ -10817,7 +10809,7 @@
             <a:endParaRPr sz="1350"/>
           </a:p>
           <a:p>
-            <a:pPr indent="0" lvl="0" marL="0" rtl="0" algn="l">
+            <a:pPr marL="0" lvl="0" indent="0" algn="l" rtl="0">
               <a:spcBef>
                 <a:spcPts val="1200"/>
               </a:spcBef>
@@ -10827,21 +10819,21 @@
               <a:buNone/>
             </a:pPr>
             <a:r>
-              <a:rPr i="1" lang="en" sz="1350">
+              <a:rPr lang="en" sz="1350" i="1">
                 <a:highlight>
                   <a:srgbClr val="FFFFFF"/>
                 </a:highlight>
               </a:rPr>
               <a:t>How is this data useful? </a:t>
             </a:r>
-            <a:endParaRPr i="1" sz="1350">
+            <a:endParaRPr sz="1350" i="1">
               <a:highlight>
                 <a:srgbClr val="FFFFFF"/>
               </a:highlight>
             </a:endParaRPr>
           </a:p>
           <a:p>
-            <a:pPr indent="0" lvl="0" marL="0" rtl="0" algn="l">
+            <a:pPr marL="0" lvl="0" indent="0" algn="l" rtl="0">
               <a:spcBef>
                 <a:spcPts val="1200"/>
               </a:spcBef>
@@ -10851,30 +10843,14 @@
               <a:buNone/>
             </a:pPr>
             <a:r>
-              <a:rPr i="1" lang="en" sz="1350">
+              <a:rPr lang="en" sz="1350" i="1">
                 <a:highlight>
                   <a:srgbClr val="FFFFFF"/>
                 </a:highlight>
               </a:rPr>
-              <a:t>This data may be </a:t>
+              <a:t>This data may be useful to automotive brands, their shareholders, and other stakeholders to indicate that there is consistently increasing demand for electric vehicles in Washington.</a:t>
             </a:r>
-            <a:r>
-              <a:rPr i="1" lang="en" sz="1350">
-                <a:highlight>
-                  <a:srgbClr val="FFFFFF"/>
-                </a:highlight>
-              </a:rPr>
-              <a:t>useful</a:t>
-            </a:r>
-            <a:r>
-              <a:rPr i="1" lang="en" sz="1350">
-                <a:highlight>
-                  <a:srgbClr val="FFFFFF"/>
-                </a:highlight>
-              </a:rPr>
-              <a:t> to automotive brands, their shareholders, and other stakeholders to indicate that there is consistently increasing demand for electric vehicles in Washington.</a:t>
-            </a:r>
-            <a:endParaRPr i="1" sz="1350">
+            <a:endParaRPr sz="1350" i="1">
               <a:highlight>
                 <a:srgbClr val="FFFFFF"/>
               </a:highlight>
@@ -10891,11 +10867,11 @@
 </file>
 
 <file path=ppt/slides/slide13.xml><?xml version="1.0" encoding="utf-8"?>
-<p:sld xmlns:a="http://schemas.openxmlformats.org/drawingml/2006/main" xmlns:r="http://schemas.openxmlformats.org/officeDocument/2006/relationships" xmlns:mc="http://schemas.openxmlformats.org/markup-compatibility/2006" xmlns:mv="urn:schemas-microsoft-com:mac:vml" xmlns:p="http://schemas.openxmlformats.org/presentationml/2006/main" xmlns:c="http://schemas.openxmlformats.org/drawingml/2006/chart" xmlns:dgm="http://schemas.openxmlformats.org/drawingml/2006/diagram" xmlns:o="urn:schemas-microsoft-com:office:office" xmlns:v="urn:schemas-microsoft-com:vml" xmlns:pvml="urn:schemas-microsoft-com:office:powerpoint" xmlns:com="http://schemas.openxmlformats.org/drawingml/2006/compatibility" xmlns:p14="http://schemas.microsoft.com/office/powerpoint/2010/main" xmlns:p15="http://schemas.microsoft.com/office/powerpoint/2012/main" xmlns:ahyp="http://schemas.microsoft.com/office/drawing/2018/hyperlinkcolor">
+<p:sld xmlns:a="http://schemas.openxmlformats.org/drawingml/2006/main" xmlns:r="http://schemas.openxmlformats.org/officeDocument/2006/relationships" xmlns:p="http://schemas.openxmlformats.org/presentationml/2006/main">
   <p:cSld>
     <p:spTree>
       <p:nvGrpSpPr>
-        <p:cNvPr id="223" name="Shape 223"/>
+        <p:cNvPr id="1" name="Shape 223"/>
         <p:cNvGrpSpPr/>
         <p:nvPr/>
       </p:nvGrpSpPr>
@@ -10910,7 +10886,9 @@
       <p:sp>
         <p:nvSpPr>
           <p:cNvPr id="224" name="Google Shape;224;p25"/>
-          <p:cNvSpPr txBox="1"/>
+          <p:cNvSpPr txBox="1">
+            <a:spLocks noGrp="1"/>
+          </p:cNvSpPr>
           <p:nvPr>
             <p:ph type="title"/>
           </p:nvPr>
@@ -10925,12 +10903,12 @@
           </a:prstGeom>
         </p:spPr>
         <p:txBody>
-          <a:bodyPr anchorCtr="0" anchor="t" bIns="91425" lIns="91425" spcFirstLastPara="1" rIns="91425" wrap="square" tIns="91425">
+          <a:bodyPr spcFirstLastPara="1" wrap="square" lIns="91425" tIns="91425" rIns="91425" bIns="91425" anchor="t" anchorCtr="0">
             <a:normAutofit/>
           </a:bodyPr>
           <a:lstStyle/>
           <a:p>
-            <a:pPr indent="0" lvl="0" marL="0" rtl="0" algn="l">
+            <a:pPr marL="0" lvl="0" indent="0" algn="l" rtl="0">
               <a:spcBef>
                 <a:spcPts val="0"/>
               </a:spcBef>
@@ -10950,9 +10928,11 @@
       <p:sp>
         <p:nvSpPr>
           <p:cNvPr id="225" name="Google Shape;225;p25"/>
-          <p:cNvSpPr txBox="1"/>
+          <p:cNvSpPr txBox="1">
+            <a:spLocks noGrp="1"/>
+          </p:cNvSpPr>
           <p:nvPr>
-            <p:ph idx="1" type="body"/>
+            <p:ph type="body" idx="1"/>
           </p:nvPr>
         </p:nvSpPr>
         <p:spPr>
@@ -10965,12 +10945,12 @@
           </a:prstGeom>
         </p:spPr>
         <p:txBody>
-          <a:bodyPr anchorCtr="0" anchor="t" bIns="91425" lIns="91425" spcFirstLastPara="1" rIns="91425" wrap="square" tIns="91425">
+          <a:bodyPr spcFirstLastPara="1" wrap="square" lIns="91425" tIns="91425" rIns="91425" bIns="91425" anchor="t" anchorCtr="0">
             <a:normAutofit/>
           </a:bodyPr>
           <a:lstStyle/>
           <a:p>
-            <a:pPr indent="0" lvl="0" marL="0" rtl="0" algn="l">
+            <a:pPr marL="0" lvl="0" indent="0" algn="l" rtl="0">
               <a:spcBef>
                 <a:spcPts val="0"/>
               </a:spcBef>
@@ -10994,7 +10974,7 @@
             </a:endParaRPr>
           </a:p>
           <a:p>
-            <a:pPr indent="0" lvl="0" marL="0" rtl="0" algn="l">
+            <a:pPr marL="0" lvl="0" indent="0" algn="l" rtl="0">
               <a:spcBef>
                 <a:spcPts val="0"/>
               </a:spcBef>
@@ -11003,9 +10983,6 @@
               </a:spcAft>
               <a:buNone/>
             </a:pPr>
-            <a:r>
-              <a:t/>
-            </a:r>
             <a:endParaRPr>
               <a:solidFill>
                 <a:srgbClr val="24292F"/>
@@ -11013,7 +10990,7 @@
             </a:endParaRPr>
           </a:p>
           <a:p>
-            <a:pPr indent="0" lvl="0" marL="0" rtl="0" algn="l">
+            <a:pPr marL="0" lvl="0" indent="0" algn="l" rtl="0">
               <a:spcBef>
                 <a:spcPts val="0"/>
               </a:spcBef>
@@ -11050,11 +11027,11 @@
 </file>
 
 <file path=ppt/slides/slide2.xml><?xml version="1.0" encoding="utf-8"?>
-<p:sld xmlns:a="http://schemas.openxmlformats.org/drawingml/2006/main" xmlns:r="http://schemas.openxmlformats.org/officeDocument/2006/relationships" xmlns:mc="http://schemas.openxmlformats.org/markup-compatibility/2006" xmlns:mv="urn:schemas-microsoft-com:mac:vml" xmlns:p="http://schemas.openxmlformats.org/presentationml/2006/main" xmlns:c="http://schemas.openxmlformats.org/drawingml/2006/chart" xmlns:dgm="http://schemas.openxmlformats.org/drawingml/2006/diagram" xmlns:o="urn:schemas-microsoft-com:office:office" xmlns:v="urn:schemas-microsoft-com:vml" xmlns:pvml="urn:schemas-microsoft-com:office:powerpoint" xmlns:com="http://schemas.openxmlformats.org/drawingml/2006/compatibility" xmlns:p14="http://schemas.microsoft.com/office/powerpoint/2010/main" xmlns:p15="http://schemas.microsoft.com/office/powerpoint/2012/main" xmlns:ahyp="http://schemas.microsoft.com/office/drawing/2018/hyperlinkcolor">
+<p:sld xmlns:a="http://schemas.openxmlformats.org/drawingml/2006/main" xmlns:r="http://schemas.openxmlformats.org/officeDocument/2006/relationships" xmlns:p="http://schemas.openxmlformats.org/presentationml/2006/main">
   <p:cSld>
     <p:spTree>
       <p:nvGrpSpPr>
-        <p:cNvPr id="133" name="Shape 133"/>
+        <p:cNvPr id="1" name="Shape 133"/>
         <p:cNvGrpSpPr/>
         <p:nvPr/>
       </p:nvGrpSpPr>
@@ -11069,7 +11046,9 @@
       <p:sp>
         <p:nvSpPr>
           <p:cNvPr id="134" name="Google Shape;134;p14"/>
-          <p:cNvSpPr txBox="1"/>
+          <p:cNvSpPr txBox="1">
+            <a:spLocks noGrp="1"/>
+          </p:cNvSpPr>
           <p:nvPr>
             <p:ph type="title"/>
           </p:nvPr>
@@ -11084,12 +11063,12 @@
           </a:prstGeom>
         </p:spPr>
         <p:txBody>
-          <a:bodyPr anchorCtr="0" anchor="t" bIns="91425" lIns="91425" spcFirstLastPara="1" rIns="91425" wrap="square" tIns="91425">
+          <a:bodyPr spcFirstLastPara="1" wrap="square" lIns="91425" tIns="91425" rIns="91425" bIns="91425" anchor="t" anchorCtr="0">
             <a:normAutofit/>
           </a:bodyPr>
           <a:lstStyle/>
           <a:p>
-            <a:pPr indent="0" lvl="0" marL="0" rtl="0" algn="l">
+            <a:pPr marL="0" lvl="0" indent="0" algn="l" rtl="0">
               <a:spcBef>
                 <a:spcPts val="0"/>
               </a:spcBef>
@@ -11100,11 +11079,7 @@
             </a:pPr>
             <a:r>
               <a:rPr lang="en"/>
-              <a:t>Project </a:t>
-            </a:r>
-            <a:r>
-              <a:rPr lang="en"/>
-              <a:t>Scope and Objectives</a:t>
+              <a:t>Project Scope and Objectives</a:t>
             </a:r>
             <a:endParaRPr/>
           </a:p>
@@ -11113,9 +11088,11 @@
       <p:sp>
         <p:nvSpPr>
           <p:cNvPr id="135" name="Google Shape;135;p14"/>
-          <p:cNvSpPr txBox="1"/>
+          <p:cNvSpPr txBox="1">
+            <a:spLocks noGrp="1"/>
+          </p:cNvSpPr>
           <p:nvPr>
-            <p:ph idx="1" type="body"/>
+            <p:ph type="body" idx="1"/>
           </p:nvPr>
         </p:nvSpPr>
         <p:spPr>
@@ -11128,12 +11105,12 @@
           </a:prstGeom>
         </p:spPr>
         <p:txBody>
-          <a:bodyPr anchorCtr="0" anchor="t" bIns="91425" lIns="91425" spcFirstLastPara="1" rIns="91425" wrap="square" tIns="91425">
+          <a:bodyPr spcFirstLastPara="1" wrap="square" lIns="91425" tIns="91425" rIns="91425" bIns="91425" anchor="t" anchorCtr="0">
             <a:noAutofit/>
           </a:bodyPr>
           <a:lstStyle/>
           <a:p>
-            <a:pPr indent="0" lvl="0" marL="0" rtl="0" algn="l">
+            <a:pPr marL="0" lvl="0" indent="0" algn="l" rtl="0">
               <a:lnSpc>
                 <a:spcPct val="100000"/>
               </a:lnSpc>
@@ -11146,21 +11123,21 @@
               <a:buNone/>
             </a:pPr>
             <a:r>
-              <a:rPr b="1" i="1" lang="en" sz="1400">
+              <a:rPr lang="en" sz="1400" b="1" i="1">
                 <a:solidFill>
                   <a:schemeClr val="lt1"/>
                 </a:solidFill>
               </a:rPr>
               <a:t>Project Aim</a:t>
             </a:r>
-            <a:endParaRPr b="1" i="1" sz="1400">
+            <a:endParaRPr sz="1400" b="1" i="1">
               <a:solidFill>
                 <a:schemeClr val="lt1"/>
               </a:solidFill>
             </a:endParaRPr>
           </a:p>
           <a:p>
-            <a:pPr indent="0" lvl="0" marL="0" rtl="0" algn="l">
+            <a:pPr marL="0" lvl="0" indent="0" algn="l" rtl="0">
               <a:lnSpc>
                 <a:spcPct val="100000"/>
               </a:lnSpc>
@@ -11187,7 +11164,7 @@
             </a:endParaRPr>
           </a:p>
           <a:p>
-            <a:pPr indent="0" lvl="0" marL="0" rtl="0" algn="l">
+            <a:pPr marL="0" lvl="0" indent="0" algn="l" rtl="0">
               <a:lnSpc>
                 <a:spcPct val="100000"/>
               </a:lnSpc>
@@ -11199,9 +11176,6 @@
               </a:spcAft>
               <a:buNone/>
             </a:pPr>
-            <a:r>
-              <a:t/>
-            </a:r>
             <a:endParaRPr>
               <a:solidFill>
                 <a:srgbClr val="000000"/>
@@ -11209,7 +11183,7 @@
             </a:endParaRPr>
           </a:p>
           <a:p>
-            <a:pPr indent="0" lvl="0" marL="0" rtl="0" algn="l">
+            <a:pPr marL="0" lvl="0" indent="0" algn="l" rtl="0">
               <a:lnSpc>
                 <a:spcPct val="100000"/>
               </a:lnSpc>
@@ -11222,21 +11196,21 @@
               <a:buNone/>
             </a:pPr>
             <a:r>
-              <a:rPr b="1" i="1" lang="en" sz="1400">
+              <a:rPr lang="en" sz="1400" b="1" i="1">
                 <a:solidFill>
                   <a:schemeClr val="lt1"/>
                 </a:solidFill>
               </a:rPr>
               <a:t>Research Questions</a:t>
             </a:r>
-            <a:endParaRPr b="1" i="1" sz="1400">
+            <a:endParaRPr sz="1400" b="1" i="1">
               <a:solidFill>
                 <a:schemeClr val="lt1"/>
               </a:solidFill>
             </a:endParaRPr>
           </a:p>
           <a:p>
-            <a:pPr indent="-311150" lvl="0" marL="457200" rtl="0" algn="l">
+            <a:pPr marL="457200" lvl="0" indent="-311150" algn="l" rtl="0">
               <a:lnSpc>
                 <a:spcPct val="100000"/>
               </a:lnSpc>
@@ -11267,7 +11241,7 @@
             </a:endParaRPr>
           </a:p>
           <a:p>
-            <a:pPr indent="-311150" lvl="0" marL="457200" rtl="0" algn="l">
+            <a:pPr marL="457200" lvl="0" indent="-311150" algn="l" rtl="0">
               <a:lnSpc>
                 <a:spcPct val="100000"/>
               </a:lnSpc>
@@ -11298,7 +11272,7 @@
             </a:endParaRPr>
           </a:p>
           <a:p>
-            <a:pPr indent="-311150" lvl="0" marL="457200" rtl="0" algn="l">
+            <a:pPr marL="457200" lvl="0" indent="-311150" algn="l" rtl="0">
               <a:lnSpc>
                 <a:spcPct val="100000"/>
               </a:lnSpc>
@@ -11329,7 +11303,7 @@
             </a:endParaRPr>
           </a:p>
           <a:p>
-            <a:pPr indent="-311150" lvl="0" marL="457200" rtl="0" algn="l">
+            <a:pPr marL="457200" lvl="0" indent="-311150" algn="l" rtl="0">
               <a:lnSpc>
                 <a:spcPct val="100000"/>
               </a:lnSpc>
@@ -11360,7 +11334,7 @@
             </a:endParaRPr>
           </a:p>
           <a:p>
-            <a:pPr indent="0" lvl="0" marL="0" rtl="0" algn="l">
+            <a:pPr marL="0" lvl="0" indent="0" algn="l" rtl="0">
               <a:lnSpc>
                 <a:spcPct val="100000"/>
               </a:lnSpc>
@@ -11372,9 +11346,6 @@
               </a:spcAft>
               <a:buNone/>
             </a:pPr>
-            <a:r>
-              <a:t/>
-            </a:r>
             <a:endParaRPr>
               <a:solidFill>
                 <a:srgbClr val="000000"/>
@@ -11382,7 +11353,7 @@
             </a:endParaRPr>
           </a:p>
           <a:p>
-            <a:pPr indent="0" lvl="0" marL="0" rtl="0" algn="l">
+            <a:pPr marL="0" lvl="0" indent="0" algn="l" rtl="0">
               <a:lnSpc>
                 <a:spcPct val="100000"/>
               </a:lnSpc>
@@ -11395,7 +11366,7 @@
               <a:buNone/>
             </a:pPr>
             <a:r>
-              <a:rPr b="1" i="1" lang="en" sz="1400">
+              <a:rPr lang="en" sz="1400" b="1" i="1">
                 <a:solidFill>
                   <a:schemeClr val="lt1"/>
                 </a:solidFill>
@@ -11409,7 +11380,7 @@
             </a:endParaRPr>
           </a:p>
           <a:p>
-            <a:pPr indent="0" lvl="0" marL="0" rtl="0" algn="l">
+            <a:pPr marL="0" lvl="0" indent="0" algn="l" rtl="0">
               <a:lnSpc>
                 <a:spcPct val="100000"/>
               </a:lnSpc>
@@ -11421,9 +11392,6 @@
               </a:spcAft>
               <a:buNone/>
             </a:pPr>
-            <a:r>
-              <a:t/>
-            </a:r>
             <a:endParaRPr sz="1400">
               <a:solidFill>
                 <a:srgbClr val="000000"/>
@@ -11440,26 +11408,38 @@
         </p:nvGraphicFramePr>
         <p:xfrm>
           <a:off x="796575" y="3973950"/>
-          <a:ext cx="3000000" cy="3000000"/>
+          <a:ext cx="5725175" cy="502920"/>
         </p:xfrm>
         <a:graphic>
           <a:graphicData uri="http://schemas.openxmlformats.org/drawingml/2006/table">
             <a:tbl>
-              <a:tblPr bandRow="1" firstCol="1" firstRow="1">
+              <a:tblPr firstRow="1" firstCol="1" bandRow="1">
                 <a:noFill/>
                 <a:tableStyleId>{4F922DB8-71D9-4E1C-93D5-A13537BC6CF5}</a:tableStyleId>
               </a:tblPr>
               <a:tblGrid>
-                <a:gridCol w="3510925"/>
-                <a:gridCol w="2214250"/>
+                <a:gridCol w="3510925">
+                  <a:extLst>
+                    <a:ext uri="{9D8B030D-6E8A-4147-A177-3AD203B41FA5}">
+                      <a16:colId xmlns:a16="http://schemas.microsoft.com/office/drawing/2014/main" val="20000"/>
+                    </a:ext>
+                  </a:extLst>
+                </a:gridCol>
+                <a:gridCol w="2214250">
+                  <a:extLst>
+                    <a:ext uri="{9D8B030D-6E8A-4147-A177-3AD203B41FA5}">
+                      <a16:colId xmlns:a16="http://schemas.microsoft.com/office/drawing/2014/main" val="20001"/>
+                    </a:ext>
+                  </a:extLst>
+                </a:gridCol>
               </a:tblGrid>
-              <a:tr h="12700">
+              <a:tr h="0">
                 <a:tc>
                   <a:txBody>
                     <a:bodyPr/>
                     <a:lstStyle/>
                     <a:p>
-                      <a:pPr indent="0" lvl="0" marL="0" rtl="0" algn="l">
+                      <a:pPr marL="0" lvl="0" indent="0" algn="l" rtl="0">
                         <a:spcBef>
                           <a:spcPts val="300"/>
                         </a:spcBef>
@@ -11469,13 +11449,13 @@
                         <a:buNone/>
                       </a:pPr>
                       <a:r>
-                        <a:rPr b="1" lang="en" sz="1100"/>
+                        <a:rPr lang="en" sz="1100" b="1"/>
                         <a:t>Dataset Title</a:t>
                       </a:r>
-                      <a:endParaRPr b="1" sz="1100"/>
+                      <a:endParaRPr sz="1100" b="1"/>
                     </a:p>
                   </a:txBody>
-                  <a:tcPr marT="0" marB="0" marR="68575" marL="68575">
+                  <a:tcPr marL="68575" marR="68575" marT="0" marB="0">
                     <a:solidFill>
                       <a:srgbClr val="EAC986"/>
                     </a:solidFill>
@@ -11486,7 +11466,7 @@
                     <a:bodyPr/>
                     <a:lstStyle/>
                     <a:p>
-                      <a:pPr indent="0" lvl="0" marL="0" rtl="0" algn="l">
+                      <a:pPr marL="0" lvl="0" indent="0" algn="l" rtl="0">
                         <a:spcBef>
                           <a:spcPts val="300"/>
                         </a:spcBef>
@@ -11496,26 +11476,31 @@
                         <a:buNone/>
                       </a:pPr>
                       <a:r>
-                        <a:rPr b="1" lang="en" sz="1100"/>
+                        <a:rPr lang="en" sz="1100" b="1"/>
                         <a:t>Source</a:t>
                       </a:r>
-                      <a:endParaRPr b="1" sz="1100"/>
+                      <a:endParaRPr sz="1100" b="1"/>
                     </a:p>
                   </a:txBody>
-                  <a:tcPr marT="0" marB="0" marR="68575" marL="68575">
+                  <a:tcPr marL="68575" marR="68575" marT="0" marB="0">
                     <a:solidFill>
                       <a:srgbClr val="EAC986"/>
                     </a:solidFill>
                   </a:tcPr>
                 </a:tc>
+                <a:extLst>
+                  <a:ext uri="{0D108BD9-81ED-4DB2-BD59-A6C34878D82A}">
+                    <a16:rowId xmlns:a16="http://schemas.microsoft.com/office/drawing/2014/main" val="10000"/>
+                  </a:ext>
+                </a:extLst>
               </a:tr>
-              <a:tr h="12700">
+              <a:tr h="0">
                 <a:tc>
                   <a:txBody>
                     <a:bodyPr/>
                     <a:lstStyle/>
                     <a:p>
-                      <a:pPr indent="0" lvl="0" marL="0" rtl="0" algn="l">
+                      <a:pPr marL="0" lvl="0" indent="0" algn="l" rtl="0">
                         <a:spcBef>
                           <a:spcPts val="300"/>
                         </a:spcBef>
@@ -11525,20 +11510,20 @@
                         <a:buNone/>
                       </a:pPr>
                       <a:r>
-                        <a:rPr b="0" lang="en" sz="1100"/>
+                        <a:rPr lang="en" sz="1100" b="0"/>
                         <a:t>Electric Vehicle Population Data</a:t>
                       </a:r>
-                      <a:endParaRPr b="0" sz="1100"/>
+                      <a:endParaRPr sz="1100" b="0"/>
                     </a:p>
                   </a:txBody>
-                  <a:tcPr marT="0" marB="0" marR="68575" marL="68575"/>
+                  <a:tcPr marL="68575" marR="68575" marT="0" marB="0"/>
                 </a:tc>
                 <a:tc>
                   <a:txBody>
                     <a:bodyPr/>
                     <a:lstStyle/>
                     <a:p>
-                      <a:pPr indent="0" lvl="0" marL="0" rtl="0" algn="l">
+                      <a:pPr marL="0" lvl="0" indent="0" algn="l" rtl="0">
                         <a:spcBef>
                           <a:spcPts val="300"/>
                         </a:spcBef>
@@ -11554,16 +11539,21 @@
                       <a:endParaRPr sz="1100"/>
                     </a:p>
                   </a:txBody>
-                  <a:tcPr marT="0" marB="0" marR="68575" marL="68575"/>
+                  <a:tcPr marL="68575" marR="68575" marT="0" marB="0"/>
                 </a:tc>
+                <a:extLst>
+                  <a:ext uri="{0D108BD9-81ED-4DB2-BD59-A6C34878D82A}">
+                    <a16:rowId xmlns:a16="http://schemas.microsoft.com/office/drawing/2014/main" val="10001"/>
+                  </a:ext>
+                </a:extLst>
               </a:tr>
-              <a:tr h="12700">
+              <a:tr h="0">
                 <a:tc>
                   <a:txBody>
                     <a:bodyPr/>
                     <a:lstStyle/>
                     <a:p>
-                      <a:pPr indent="0" lvl="0" marL="0" rtl="0" algn="l">
+                      <a:pPr marL="0" lvl="0" indent="0" algn="l" rtl="0">
                         <a:spcBef>
                           <a:spcPts val="300"/>
                         </a:spcBef>
@@ -11573,20 +11563,20 @@
                         <a:buNone/>
                       </a:pPr>
                       <a:r>
-                        <a:rPr b="0" lang="en" sz="1100"/>
+                        <a:rPr lang="en" sz="1100" b="0"/>
                         <a:t>Electric Vehicle Population Size History by County</a:t>
                       </a:r>
-                      <a:endParaRPr b="0" sz="1100"/>
+                      <a:endParaRPr sz="1100" b="0"/>
                     </a:p>
                   </a:txBody>
-                  <a:tcPr marT="0" marB="0" marR="68575" marL="68575"/>
+                  <a:tcPr marL="68575" marR="68575" marT="0" marB="0"/>
                 </a:tc>
                 <a:tc>
                   <a:txBody>
                     <a:bodyPr/>
                     <a:lstStyle/>
                     <a:p>
-                      <a:pPr indent="0" lvl="0" marL="0" rtl="0" algn="l">
+                      <a:pPr marL="0" lvl="0" indent="0" algn="l" rtl="0">
                         <a:spcBef>
                           <a:spcPts val="300"/>
                         </a:spcBef>
@@ -11602,8 +11592,13 @@
                       <a:endParaRPr sz="1100"/>
                     </a:p>
                   </a:txBody>
-                  <a:tcPr marT="0" marB="0" marR="68575" marL="68575"/>
+                  <a:tcPr marL="68575" marR="68575" marT="0" marB="0"/>
                 </a:tc>
+                <a:extLst>
+                  <a:ext uri="{0D108BD9-81ED-4DB2-BD59-A6C34878D82A}">
+                    <a16:rowId xmlns:a16="http://schemas.microsoft.com/office/drawing/2014/main" val="10002"/>
+                  </a:ext>
+                </a:extLst>
               </a:tr>
             </a:tbl>
           </a:graphicData>
@@ -11618,11 +11613,11 @@
 </file>
 
 <file path=ppt/slides/slide3.xml><?xml version="1.0" encoding="utf-8"?>
-<p:sld xmlns:a="http://schemas.openxmlformats.org/drawingml/2006/main" xmlns:r="http://schemas.openxmlformats.org/officeDocument/2006/relationships" xmlns:mc="http://schemas.openxmlformats.org/markup-compatibility/2006" xmlns:mv="urn:schemas-microsoft-com:mac:vml" xmlns:p="http://schemas.openxmlformats.org/presentationml/2006/main" xmlns:c="http://schemas.openxmlformats.org/drawingml/2006/chart" xmlns:dgm="http://schemas.openxmlformats.org/drawingml/2006/diagram" xmlns:o="urn:schemas-microsoft-com:office:office" xmlns:v="urn:schemas-microsoft-com:vml" xmlns:pvml="urn:schemas-microsoft-com:office:powerpoint" xmlns:com="http://schemas.openxmlformats.org/drawingml/2006/compatibility" xmlns:p14="http://schemas.microsoft.com/office/powerpoint/2010/main" xmlns:p15="http://schemas.microsoft.com/office/powerpoint/2012/main" xmlns:ahyp="http://schemas.microsoft.com/office/drawing/2018/hyperlinkcolor">
+<p:sld xmlns:a="http://schemas.openxmlformats.org/drawingml/2006/main" xmlns:r="http://schemas.openxmlformats.org/officeDocument/2006/relationships" xmlns:p="http://schemas.openxmlformats.org/presentationml/2006/main">
   <p:cSld>
     <p:spTree>
       <p:nvGrpSpPr>
-        <p:cNvPr id="140" name="Shape 140"/>
+        <p:cNvPr id="1" name="Shape 140"/>
         <p:cNvGrpSpPr/>
         <p:nvPr/>
       </p:nvGrpSpPr>
@@ -11637,7 +11632,9 @@
       <p:sp>
         <p:nvSpPr>
           <p:cNvPr id="141" name="Google Shape;141;p15"/>
-          <p:cNvSpPr txBox="1"/>
+          <p:cNvSpPr txBox="1">
+            <a:spLocks noGrp="1"/>
+          </p:cNvSpPr>
           <p:nvPr>
             <p:ph type="title"/>
           </p:nvPr>
@@ -11652,12 +11649,12 @@
           </a:prstGeom>
         </p:spPr>
         <p:txBody>
-          <a:bodyPr anchorCtr="0" anchor="t" bIns="91425" lIns="91425" spcFirstLastPara="1" rIns="91425" wrap="square" tIns="91425">
+          <a:bodyPr spcFirstLastPara="1" wrap="square" lIns="91425" tIns="91425" rIns="91425" bIns="91425" anchor="t" anchorCtr="0">
             <a:normAutofit/>
           </a:bodyPr>
           <a:lstStyle/>
           <a:p>
-            <a:pPr indent="0" lvl="0" marL="0" rtl="0" algn="l">
+            <a:pPr marL="0" lvl="0" indent="0" algn="l" rtl="0">
               <a:spcBef>
                 <a:spcPts val="0"/>
               </a:spcBef>
@@ -11691,23 +11688,23 @@
           <a:solidFill>
             <a:schemeClr val="accent3"/>
           </a:solidFill>
-          <a:ln cap="flat" cmpd="sng" w="9525">
+          <a:ln w="9525" cap="flat" cmpd="sng">
             <a:solidFill>
               <a:schemeClr val="dk1"/>
             </a:solidFill>
             <a:prstDash val="solid"/>
             <a:round/>
-            <a:headEnd len="sm" w="sm" type="none"/>
-            <a:tailEnd len="sm" w="sm" type="none"/>
+            <a:headEnd type="none" w="sm" len="sm"/>
+            <a:tailEnd type="none" w="sm" len="sm"/>
           </a:ln>
         </p:spPr>
         <p:txBody>
-          <a:bodyPr anchorCtr="0" anchor="ctr" bIns="91425" lIns="91425" spcFirstLastPara="1" rIns="91425" wrap="square" tIns="91425">
+          <a:bodyPr spcFirstLastPara="1" wrap="square" lIns="91425" tIns="91425" rIns="91425" bIns="91425" anchor="ctr" anchorCtr="0">
             <a:noAutofit/>
           </a:bodyPr>
           <a:lstStyle/>
           <a:p>
-            <a:pPr indent="0" lvl="0" marL="0" rtl="0" algn="l">
+            <a:pPr marL="0" lvl="0" indent="0" algn="l" rtl="0">
               <a:spcBef>
                 <a:spcPts val="0"/>
               </a:spcBef>
@@ -11757,23 +11754,23 @@
           <a:solidFill>
             <a:schemeClr val="accent3"/>
           </a:solidFill>
-          <a:ln cap="flat" cmpd="sng" w="9525">
+          <a:ln w="9525" cap="flat" cmpd="sng">
             <a:solidFill>
               <a:schemeClr val="dk1"/>
             </a:solidFill>
             <a:prstDash val="solid"/>
             <a:round/>
-            <a:headEnd len="sm" w="sm" type="none"/>
-            <a:tailEnd len="sm" w="sm" type="none"/>
+            <a:headEnd type="none" w="sm" len="sm"/>
+            <a:tailEnd type="none" w="sm" len="sm"/>
           </a:ln>
         </p:spPr>
         <p:txBody>
-          <a:bodyPr anchorCtr="0" anchor="ctr" bIns="91425" lIns="91425" spcFirstLastPara="1" rIns="91425" wrap="square" tIns="91425">
+          <a:bodyPr spcFirstLastPara="1" wrap="square" lIns="91425" tIns="91425" rIns="91425" bIns="91425" anchor="ctr" anchorCtr="0">
             <a:noAutofit/>
           </a:bodyPr>
           <a:lstStyle/>
           <a:p>
-            <a:pPr indent="0" lvl="0" marL="0" rtl="0" algn="l">
+            <a:pPr marL="0" lvl="0" indent="0" algn="l" rtl="0">
               <a:spcBef>
                 <a:spcPts val="0"/>
               </a:spcBef>
@@ -11823,23 +11820,23 @@
           <a:solidFill>
             <a:schemeClr val="accent3"/>
           </a:solidFill>
-          <a:ln cap="flat" cmpd="sng" w="9525">
+          <a:ln w="9525" cap="flat" cmpd="sng">
             <a:solidFill>
               <a:schemeClr val="dk1"/>
             </a:solidFill>
             <a:prstDash val="solid"/>
             <a:round/>
-            <a:headEnd len="sm" w="sm" type="none"/>
-            <a:tailEnd len="sm" w="sm" type="none"/>
+            <a:headEnd type="none" w="sm" len="sm"/>
+            <a:tailEnd type="none" w="sm" len="sm"/>
           </a:ln>
         </p:spPr>
         <p:txBody>
-          <a:bodyPr anchorCtr="0" anchor="ctr" bIns="91425" lIns="91425" spcFirstLastPara="1" rIns="91425" wrap="square" tIns="91425">
+          <a:bodyPr spcFirstLastPara="1" wrap="square" lIns="91425" tIns="91425" rIns="91425" bIns="91425" anchor="ctr" anchorCtr="0">
             <a:noAutofit/>
           </a:bodyPr>
           <a:lstStyle/>
           <a:p>
-            <a:pPr indent="0" lvl="0" marL="0" rtl="0" algn="l">
+            <a:pPr marL="0" lvl="0" indent="0" algn="l" rtl="0">
               <a:spcBef>
                 <a:spcPts val="0"/>
               </a:spcBef>
@@ -11889,23 +11886,23 @@
           <a:solidFill>
             <a:schemeClr val="accent3"/>
           </a:solidFill>
-          <a:ln cap="flat" cmpd="sng" w="9525">
+          <a:ln w="9525" cap="flat" cmpd="sng">
             <a:solidFill>
               <a:schemeClr val="dk1"/>
             </a:solidFill>
             <a:prstDash val="solid"/>
             <a:round/>
-            <a:headEnd len="sm" w="sm" type="none"/>
-            <a:tailEnd len="sm" w="sm" type="none"/>
+            <a:headEnd type="none" w="sm" len="sm"/>
+            <a:tailEnd type="none" w="sm" len="sm"/>
           </a:ln>
         </p:spPr>
         <p:txBody>
-          <a:bodyPr anchorCtr="0" anchor="ctr" bIns="91425" lIns="91425" spcFirstLastPara="1" rIns="91425" wrap="square" tIns="91425">
+          <a:bodyPr spcFirstLastPara="1" wrap="square" lIns="91425" tIns="91425" rIns="91425" bIns="91425" anchor="ctr" anchorCtr="0">
             <a:noAutofit/>
           </a:bodyPr>
           <a:lstStyle/>
           <a:p>
-            <a:pPr indent="0" lvl="0" marL="0" rtl="0" algn="l">
+            <a:pPr marL="0" lvl="0" indent="0" algn="l" rtl="0">
               <a:spcBef>
                 <a:spcPts val="0"/>
               </a:spcBef>
@@ -11924,31 +11921,7 @@
                 <a:cs typeface="Calibri"/>
                 <a:sym typeface="Calibri"/>
               </a:rPr>
-              <a:t>Check </a:t>
-            </a:r>
-            <a:r>
-              <a:rPr lang="en" sz="1050">
-                <a:solidFill>
-                  <a:schemeClr val="dk1"/>
-                </a:solidFill>
-                <a:latin typeface="Calibri"/>
-                <a:ea typeface="Calibri"/>
-                <a:cs typeface="Calibri"/>
-                <a:sym typeface="Calibri"/>
-              </a:rPr>
-              <a:t>unique</a:t>
-            </a:r>
-            <a:r>
-              <a:rPr lang="en" sz="1050">
-                <a:solidFill>
-                  <a:schemeClr val="dk1"/>
-                </a:solidFill>
-                <a:latin typeface="Calibri"/>
-                <a:ea typeface="Calibri"/>
-                <a:cs typeface="Calibri"/>
-                <a:sym typeface="Calibri"/>
-              </a:rPr>
-              <a:t> values for column of interest to ensure data is usable </a:t>
+              <a:t>Check unique values for column of interest to ensure data is usable </a:t>
             </a:r>
             <a:endParaRPr sz="1050">
               <a:solidFill>
@@ -11979,23 +11952,23 @@
           <a:solidFill>
             <a:schemeClr val="accent3"/>
           </a:solidFill>
-          <a:ln cap="flat" cmpd="sng" w="9525">
+          <a:ln w="9525" cap="flat" cmpd="sng">
             <a:solidFill>
               <a:schemeClr val="dk1"/>
             </a:solidFill>
             <a:prstDash val="solid"/>
             <a:round/>
-            <a:headEnd len="sm" w="sm" type="none"/>
-            <a:tailEnd len="sm" w="sm" type="none"/>
+            <a:headEnd type="none" w="sm" len="sm"/>
+            <a:tailEnd type="none" w="sm" len="sm"/>
           </a:ln>
         </p:spPr>
         <p:txBody>
-          <a:bodyPr anchorCtr="0" anchor="ctr" bIns="91425" lIns="91425" spcFirstLastPara="1" rIns="91425" wrap="square" tIns="91425">
+          <a:bodyPr spcFirstLastPara="1" wrap="square" lIns="91425" tIns="91425" rIns="91425" bIns="91425" anchor="ctr" anchorCtr="0">
             <a:noAutofit/>
           </a:bodyPr>
           <a:lstStyle/>
           <a:p>
-            <a:pPr indent="0" lvl="0" marL="0" rtl="0" algn="l">
+            <a:pPr marL="0" lvl="0" indent="0" algn="l" rtl="0">
               <a:spcBef>
                 <a:spcPts val="0"/>
               </a:spcBef>
@@ -12065,11 +12038,11 @@
 </file>
 
 <file path=ppt/slides/slide4.xml><?xml version="1.0" encoding="utf-8"?>
-<p:sld xmlns:a="http://schemas.openxmlformats.org/drawingml/2006/main" xmlns:r="http://schemas.openxmlformats.org/officeDocument/2006/relationships" xmlns:mc="http://schemas.openxmlformats.org/markup-compatibility/2006" xmlns:mv="urn:schemas-microsoft-com:mac:vml" xmlns:p="http://schemas.openxmlformats.org/presentationml/2006/main" xmlns:c="http://schemas.openxmlformats.org/drawingml/2006/chart" xmlns:dgm="http://schemas.openxmlformats.org/drawingml/2006/diagram" xmlns:o="urn:schemas-microsoft-com:office:office" xmlns:v="urn:schemas-microsoft-com:vml" xmlns:pvml="urn:schemas-microsoft-com:office:powerpoint" xmlns:com="http://schemas.openxmlformats.org/drawingml/2006/compatibility" xmlns:p14="http://schemas.microsoft.com/office/powerpoint/2010/main" xmlns:p15="http://schemas.microsoft.com/office/powerpoint/2012/main" xmlns:ahyp="http://schemas.microsoft.com/office/drawing/2018/hyperlinkcolor">
+<p:sld xmlns:a="http://schemas.openxmlformats.org/drawingml/2006/main" xmlns:r="http://schemas.openxmlformats.org/officeDocument/2006/relationships" xmlns:p="http://schemas.openxmlformats.org/presentationml/2006/main">
   <p:cSld>
     <p:spTree>
       <p:nvGrpSpPr>
-        <p:cNvPr id="151" name="Shape 151"/>
+        <p:cNvPr id="1" name="Shape 151"/>
         <p:cNvGrpSpPr/>
         <p:nvPr/>
       </p:nvGrpSpPr>
@@ -12084,7 +12057,9 @@
       <p:sp>
         <p:nvSpPr>
           <p:cNvPr id="152" name="Google Shape;152;p16"/>
-          <p:cNvSpPr txBox="1"/>
+          <p:cNvSpPr txBox="1">
+            <a:spLocks noGrp="1"/>
+          </p:cNvSpPr>
           <p:nvPr>
             <p:ph type="title"/>
           </p:nvPr>
@@ -12099,12 +12074,12 @@
           </a:prstGeom>
         </p:spPr>
         <p:txBody>
-          <a:bodyPr anchorCtr="0" anchor="t" bIns="91425" lIns="91425" spcFirstLastPara="1" rIns="91425" wrap="square" tIns="91425">
+          <a:bodyPr spcFirstLastPara="1" wrap="square" lIns="91425" tIns="91425" rIns="91425" bIns="91425" anchor="t" anchorCtr="0">
             <a:normAutofit/>
           </a:bodyPr>
           <a:lstStyle/>
           <a:p>
-            <a:pPr indent="0" lvl="0" marL="0" rtl="0" algn="l">
+            <a:pPr marL="0" lvl="0" indent="0" algn="l" rtl="0">
               <a:spcBef>
                 <a:spcPts val="0"/>
               </a:spcBef>
@@ -12138,23 +12113,23 @@
           <a:solidFill>
             <a:schemeClr val="accent3"/>
           </a:solidFill>
-          <a:ln cap="flat" cmpd="sng" w="9525">
+          <a:ln w="9525" cap="flat" cmpd="sng">
             <a:solidFill>
               <a:schemeClr val="dk1"/>
             </a:solidFill>
             <a:prstDash val="solid"/>
             <a:round/>
-            <a:headEnd len="sm" w="sm" type="none"/>
-            <a:tailEnd len="sm" w="sm" type="none"/>
+            <a:headEnd type="none" w="sm" len="sm"/>
+            <a:tailEnd type="none" w="sm" len="sm"/>
           </a:ln>
         </p:spPr>
         <p:txBody>
-          <a:bodyPr anchorCtr="0" anchor="ctr" bIns="91425" lIns="91425" spcFirstLastPara="1" rIns="91425" wrap="square" tIns="91425">
+          <a:bodyPr spcFirstLastPara="1" wrap="square" lIns="91425" tIns="91425" rIns="91425" bIns="91425" anchor="ctr" anchorCtr="0">
             <a:noAutofit/>
           </a:bodyPr>
           <a:lstStyle/>
           <a:p>
-            <a:pPr indent="0" lvl="0" marL="0" rtl="0" algn="l">
+            <a:pPr marL="0" lvl="0" indent="0" algn="l" rtl="0">
               <a:spcBef>
                 <a:spcPts val="0"/>
               </a:spcBef>
@@ -12204,23 +12179,23 @@
           <a:solidFill>
             <a:schemeClr val="accent3"/>
           </a:solidFill>
-          <a:ln cap="flat" cmpd="sng" w="9525">
+          <a:ln w="9525" cap="flat" cmpd="sng">
             <a:solidFill>
               <a:schemeClr val="dk1"/>
             </a:solidFill>
             <a:prstDash val="solid"/>
             <a:round/>
-            <a:headEnd len="sm" w="sm" type="none"/>
-            <a:tailEnd len="sm" w="sm" type="none"/>
+            <a:headEnd type="none" w="sm" len="sm"/>
+            <a:tailEnd type="none" w="sm" len="sm"/>
           </a:ln>
         </p:spPr>
         <p:txBody>
-          <a:bodyPr anchorCtr="0" anchor="ctr" bIns="91425" lIns="91425" spcFirstLastPara="1" rIns="91425" wrap="square" tIns="91425">
+          <a:bodyPr spcFirstLastPara="1" wrap="square" lIns="91425" tIns="91425" rIns="91425" bIns="91425" anchor="ctr" anchorCtr="0">
             <a:noAutofit/>
           </a:bodyPr>
           <a:lstStyle/>
           <a:p>
-            <a:pPr indent="0" lvl="0" marL="0" rtl="0" algn="l">
+            <a:pPr marL="0" lvl="0" indent="0" algn="l" rtl="0">
               <a:spcBef>
                 <a:spcPts val="0"/>
               </a:spcBef>
@@ -12270,23 +12245,23 @@
           <a:solidFill>
             <a:schemeClr val="accent3"/>
           </a:solidFill>
-          <a:ln cap="flat" cmpd="sng" w="9525">
+          <a:ln w="9525" cap="flat" cmpd="sng">
             <a:solidFill>
               <a:schemeClr val="dk1"/>
             </a:solidFill>
             <a:prstDash val="solid"/>
             <a:round/>
-            <a:headEnd len="sm" w="sm" type="none"/>
-            <a:tailEnd len="sm" w="sm" type="none"/>
+            <a:headEnd type="none" w="sm" len="sm"/>
+            <a:tailEnd type="none" w="sm" len="sm"/>
           </a:ln>
         </p:spPr>
         <p:txBody>
-          <a:bodyPr anchorCtr="0" anchor="ctr" bIns="91425" lIns="91425" spcFirstLastPara="1" rIns="91425" wrap="square" tIns="91425">
+          <a:bodyPr spcFirstLastPara="1" wrap="square" lIns="91425" tIns="91425" rIns="91425" bIns="91425" anchor="ctr" anchorCtr="0">
             <a:noAutofit/>
           </a:bodyPr>
           <a:lstStyle/>
           <a:p>
-            <a:pPr indent="0" lvl="0" marL="0" rtl="0" algn="l">
+            <a:pPr marL="0" lvl="0" indent="0" algn="l" rtl="0">
               <a:spcBef>
                 <a:spcPts val="0"/>
               </a:spcBef>
@@ -12336,23 +12311,23 @@
           <a:solidFill>
             <a:schemeClr val="accent3"/>
           </a:solidFill>
-          <a:ln cap="flat" cmpd="sng" w="9525">
+          <a:ln w="9525" cap="flat" cmpd="sng">
             <a:solidFill>
               <a:schemeClr val="dk1"/>
             </a:solidFill>
             <a:prstDash val="solid"/>
             <a:round/>
-            <a:headEnd len="sm" w="sm" type="none"/>
-            <a:tailEnd len="sm" w="sm" type="none"/>
+            <a:headEnd type="none" w="sm" len="sm"/>
+            <a:tailEnd type="none" w="sm" len="sm"/>
           </a:ln>
         </p:spPr>
         <p:txBody>
-          <a:bodyPr anchorCtr="0" anchor="ctr" bIns="91425" lIns="91425" spcFirstLastPara="1" rIns="91425" wrap="square" tIns="91425">
+          <a:bodyPr spcFirstLastPara="1" wrap="square" lIns="91425" tIns="91425" rIns="91425" bIns="91425" anchor="ctr" anchorCtr="0">
             <a:noAutofit/>
           </a:bodyPr>
           <a:lstStyle/>
           <a:p>
-            <a:pPr indent="0" lvl="0" marL="0" rtl="0" algn="l">
+            <a:pPr marL="0" lvl="0" indent="0" algn="l" rtl="0">
               <a:spcBef>
                 <a:spcPts val="0"/>
               </a:spcBef>
@@ -12402,23 +12377,23 @@
           <a:solidFill>
             <a:schemeClr val="accent3"/>
           </a:solidFill>
-          <a:ln cap="flat" cmpd="sng" w="9525">
+          <a:ln w="9525" cap="flat" cmpd="sng">
             <a:solidFill>
               <a:schemeClr val="dk1"/>
             </a:solidFill>
             <a:prstDash val="solid"/>
             <a:round/>
-            <a:headEnd len="sm" w="sm" type="none"/>
-            <a:tailEnd len="sm" w="sm" type="none"/>
+            <a:headEnd type="none" w="sm" len="sm"/>
+            <a:tailEnd type="none" w="sm" len="sm"/>
           </a:ln>
         </p:spPr>
         <p:txBody>
-          <a:bodyPr anchorCtr="0" anchor="ctr" bIns="91425" lIns="91425" spcFirstLastPara="1" rIns="91425" wrap="square" tIns="91425">
+          <a:bodyPr spcFirstLastPara="1" wrap="square" lIns="91425" tIns="91425" rIns="91425" bIns="91425" anchor="ctr" anchorCtr="0">
             <a:noAutofit/>
           </a:bodyPr>
           <a:lstStyle/>
           <a:p>
-            <a:pPr indent="0" lvl="0" marL="0" rtl="0" algn="l">
+            <a:pPr marL="0" lvl="0" indent="0" algn="l" rtl="0">
               <a:spcBef>
                 <a:spcPts val="0"/>
               </a:spcBef>
@@ -12488,11 +12463,11 @@
 </file>
 
 <file path=ppt/slides/slide5.xml><?xml version="1.0" encoding="utf-8"?>
-<p:sld xmlns:a="http://schemas.openxmlformats.org/drawingml/2006/main" xmlns:r="http://schemas.openxmlformats.org/officeDocument/2006/relationships" xmlns:mc="http://schemas.openxmlformats.org/markup-compatibility/2006" xmlns:mv="urn:schemas-microsoft-com:mac:vml" xmlns:p="http://schemas.openxmlformats.org/presentationml/2006/main" xmlns:c="http://schemas.openxmlformats.org/drawingml/2006/chart" xmlns:dgm="http://schemas.openxmlformats.org/drawingml/2006/diagram" xmlns:o="urn:schemas-microsoft-com:office:office" xmlns:v="urn:schemas-microsoft-com:vml" xmlns:pvml="urn:schemas-microsoft-com:office:powerpoint" xmlns:com="http://schemas.openxmlformats.org/drawingml/2006/compatibility" xmlns:p14="http://schemas.microsoft.com/office/powerpoint/2010/main" xmlns:p15="http://schemas.microsoft.com/office/powerpoint/2012/main" xmlns:ahyp="http://schemas.microsoft.com/office/drawing/2018/hyperlinkcolor">
+<p:sld xmlns:a="http://schemas.openxmlformats.org/drawingml/2006/main" xmlns:r="http://schemas.openxmlformats.org/officeDocument/2006/relationships" xmlns:p="http://schemas.openxmlformats.org/presentationml/2006/main">
   <p:cSld>
     <p:spTree>
       <p:nvGrpSpPr>
-        <p:cNvPr id="162" name="Shape 162"/>
+        <p:cNvPr id="1" name="Shape 162"/>
         <p:cNvGrpSpPr/>
         <p:nvPr/>
       </p:nvGrpSpPr>
@@ -12507,7 +12482,9 @@
       <p:sp>
         <p:nvSpPr>
           <p:cNvPr id="163" name="Google Shape;163;p17"/>
-          <p:cNvSpPr txBox="1"/>
+          <p:cNvSpPr txBox="1">
+            <a:spLocks noGrp="1"/>
+          </p:cNvSpPr>
           <p:nvPr>
             <p:ph type="title"/>
           </p:nvPr>
@@ -12522,12 +12499,12 @@
           </a:prstGeom>
         </p:spPr>
         <p:txBody>
-          <a:bodyPr anchorCtr="0" anchor="t" bIns="91425" lIns="91425" spcFirstLastPara="1" rIns="91425" wrap="square" tIns="91425">
+          <a:bodyPr spcFirstLastPara="1" wrap="square" lIns="91425" tIns="91425" rIns="91425" bIns="91425" anchor="t" anchorCtr="0">
             <a:normAutofit/>
           </a:bodyPr>
           <a:lstStyle/>
           <a:p>
-            <a:pPr indent="0" lvl="0" marL="0" rtl="0" algn="l">
+            <a:pPr marL="0" lvl="0" indent="0" algn="l" rtl="0">
               <a:spcBef>
                 <a:spcPts val="0"/>
               </a:spcBef>
@@ -12561,23 +12538,23 @@
           <a:solidFill>
             <a:schemeClr val="accent3"/>
           </a:solidFill>
-          <a:ln cap="flat" cmpd="sng" w="9525">
+          <a:ln w="9525" cap="flat" cmpd="sng">
             <a:solidFill>
               <a:schemeClr val="dk1"/>
             </a:solidFill>
             <a:prstDash val="solid"/>
             <a:round/>
-            <a:headEnd len="sm" w="sm" type="none"/>
-            <a:tailEnd len="sm" w="sm" type="none"/>
+            <a:headEnd type="none" w="sm" len="sm"/>
+            <a:tailEnd type="none" w="sm" len="sm"/>
           </a:ln>
         </p:spPr>
         <p:txBody>
-          <a:bodyPr anchorCtr="0" anchor="ctr" bIns="91425" lIns="91425" spcFirstLastPara="1" rIns="91425" wrap="square" tIns="91425">
+          <a:bodyPr spcFirstLastPara="1" wrap="square" lIns="91425" tIns="91425" rIns="91425" bIns="91425" anchor="ctr" anchorCtr="0">
             <a:noAutofit/>
           </a:bodyPr>
           <a:lstStyle/>
           <a:p>
-            <a:pPr indent="0" lvl="0" marL="0" rtl="0" algn="l">
+            <a:pPr marL="0" lvl="0" indent="0" algn="l" rtl="0">
               <a:spcBef>
                 <a:spcPts val="0"/>
               </a:spcBef>
@@ -12627,23 +12604,23 @@
           <a:solidFill>
             <a:schemeClr val="accent3"/>
           </a:solidFill>
-          <a:ln cap="flat" cmpd="sng" w="9525">
+          <a:ln w="9525" cap="flat" cmpd="sng">
             <a:solidFill>
               <a:schemeClr val="dk1"/>
             </a:solidFill>
             <a:prstDash val="solid"/>
             <a:round/>
-            <a:headEnd len="sm" w="sm" type="none"/>
-            <a:tailEnd len="sm" w="sm" type="none"/>
+            <a:headEnd type="none" w="sm" len="sm"/>
+            <a:tailEnd type="none" w="sm" len="sm"/>
           </a:ln>
         </p:spPr>
         <p:txBody>
-          <a:bodyPr anchorCtr="0" anchor="ctr" bIns="91425" lIns="91425" spcFirstLastPara="1" rIns="91425" wrap="square" tIns="91425">
+          <a:bodyPr spcFirstLastPara="1" wrap="square" lIns="91425" tIns="91425" rIns="91425" bIns="91425" anchor="ctr" anchorCtr="0">
             <a:noAutofit/>
           </a:bodyPr>
           <a:lstStyle/>
           <a:p>
-            <a:pPr indent="0" lvl="0" marL="0" rtl="0" algn="l">
+            <a:pPr marL="0" lvl="0" indent="0" algn="l" rtl="0">
               <a:spcBef>
                 <a:spcPts val="0"/>
               </a:spcBef>
@@ -12693,23 +12670,23 @@
           <a:solidFill>
             <a:schemeClr val="accent3"/>
           </a:solidFill>
-          <a:ln cap="flat" cmpd="sng" w="9525">
+          <a:ln w="9525" cap="flat" cmpd="sng">
             <a:solidFill>
               <a:schemeClr val="dk1"/>
             </a:solidFill>
             <a:prstDash val="solid"/>
             <a:round/>
-            <a:headEnd len="sm" w="sm" type="none"/>
-            <a:tailEnd len="sm" w="sm" type="none"/>
+            <a:headEnd type="none" w="sm" len="sm"/>
+            <a:tailEnd type="none" w="sm" len="sm"/>
           </a:ln>
         </p:spPr>
         <p:txBody>
-          <a:bodyPr anchorCtr="0" anchor="ctr" bIns="91425" lIns="91425" spcFirstLastPara="1" rIns="91425" wrap="square" tIns="91425">
+          <a:bodyPr spcFirstLastPara="1" wrap="square" lIns="91425" tIns="91425" rIns="91425" bIns="91425" anchor="ctr" anchorCtr="0">
             <a:noAutofit/>
           </a:bodyPr>
           <a:lstStyle/>
           <a:p>
-            <a:pPr indent="0" lvl="0" marL="0" rtl="0" algn="l">
+            <a:pPr marL="0" lvl="0" indent="0" algn="l" rtl="0">
               <a:spcBef>
                 <a:spcPts val="0"/>
               </a:spcBef>
@@ -12759,23 +12736,23 @@
           <a:solidFill>
             <a:schemeClr val="accent3"/>
           </a:solidFill>
-          <a:ln cap="flat" cmpd="sng" w="9525">
+          <a:ln w="9525" cap="flat" cmpd="sng">
             <a:solidFill>
               <a:schemeClr val="dk1"/>
             </a:solidFill>
             <a:prstDash val="solid"/>
             <a:round/>
-            <a:headEnd len="sm" w="sm" type="none"/>
-            <a:tailEnd len="sm" w="sm" type="none"/>
+            <a:headEnd type="none" w="sm" len="sm"/>
+            <a:tailEnd type="none" w="sm" len="sm"/>
           </a:ln>
         </p:spPr>
         <p:txBody>
-          <a:bodyPr anchorCtr="0" anchor="ctr" bIns="91425" lIns="91425" spcFirstLastPara="1" rIns="91425" wrap="square" tIns="91425">
+          <a:bodyPr spcFirstLastPara="1" wrap="square" lIns="91425" tIns="91425" rIns="91425" bIns="91425" anchor="ctr" anchorCtr="0">
             <a:noAutofit/>
           </a:bodyPr>
           <a:lstStyle/>
           <a:p>
-            <a:pPr indent="0" lvl="0" marL="0" rtl="0" algn="l">
+            <a:pPr marL="0" lvl="0" indent="0" algn="l" rtl="0">
               <a:spcBef>
                 <a:spcPts val="0"/>
               </a:spcBef>
@@ -12825,23 +12802,23 @@
           <a:solidFill>
             <a:schemeClr val="accent3"/>
           </a:solidFill>
-          <a:ln cap="flat" cmpd="sng" w="9525">
+          <a:ln w="9525" cap="flat" cmpd="sng">
             <a:solidFill>
               <a:schemeClr val="dk1"/>
             </a:solidFill>
             <a:prstDash val="solid"/>
             <a:round/>
-            <a:headEnd len="sm" w="sm" type="none"/>
-            <a:tailEnd len="sm" w="sm" type="none"/>
+            <a:headEnd type="none" w="sm" len="sm"/>
+            <a:tailEnd type="none" w="sm" len="sm"/>
           </a:ln>
         </p:spPr>
         <p:txBody>
-          <a:bodyPr anchorCtr="0" anchor="ctr" bIns="91425" lIns="91425" spcFirstLastPara="1" rIns="91425" wrap="square" tIns="91425">
+          <a:bodyPr spcFirstLastPara="1" wrap="square" lIns="91425" tIns="91425" rIns="91425" bIns="91425" anchor="ctr" anchorCtr="0">
             <a:noAutofit/>
           </a:bodyPr>
           <a:lstStyle/>
           <a:p>
-            <a:pPr indent="0" lvl="0" marL="0" rtl="0" algn="l">
+            <a:pPr marL="0" lvl="0" indent="0" algn="l" rtl="0">
               <a:spcBef>
                 <a:spcPts val="0"/>
               </a:spcBef>
@@ -12884,7 +12861,7 @@
           <a:blip r:embed="rId3">
             <a:alphaModFix/>
           </a:blip>
-          <a:srcRect b="0" l="1127" r="0" t="0"/>
+          <a:srcRect l="1127"/>
           <a:stretch/>
         </p:blipFill>
         <p:spPr>
@@ -12910,11 +12887,11 @@
 </file>
 
 <file path=ppt/slides/slide6.xml><?xml version="1.0" encoding="utf-8"?>
-<p:sld xmlns:a="http://schemas.openxmlformats.org/drawingml/2006/main" xmlns:r="http://schemas.openxmlformats.org/officeDocument/2006/relationships" xmlns:mc="http://schemas.openxmlformats.org/markup-compatibility/2006" xmlns:mv="urn:schemas-microsoft-com:mac:vml" xmlns:p="http://schemas.openxmlformats.org/presentationml/2006/main" xmlns:c="http://schemas.openxmlformats.org/drawingml/2006/chart" xmlns:dgm="http://schemas.openxmlformats.org/drawingml/2006/diagram" xmlns:o="urn:schemas-microsoft-com:office:office" xmlns:v="urn:schemas-microsoft-com:vml" xmlns:pvml="urn:schemas-microsoft-com:office:powerpoint" xmlns:com="http://schemas.openxmlformats.org/drawingml/2006/compatibility" xmlns:p14="http://schemas.microsoft.com/office/powerpoint/2010/main" xmlns:p15="http://schemas.microsoft.com/office/powerpoint/2012/main" xmlns:ahyp="http://schemas.microsoft.com/office/drawing/2018/hyperlinkcolor">
+<p:sld xmlns:a="http://schemas.openxmlformats.org/drawingml/2006/main" xmlns:r="http://schemas.openxmlformats.org/officeDocument/2006/relationships" xmlns:p="http://schemas.openxmlformats.org/presentationml/2006/main">
   <p:cSld>
     <p:spTree>
       <p:nvGrpSpPr>
-        <p:cNvPr id="173" name="Shape 173"/>
+        <p:cNvPr id="1" name="Shape 173"/>
         <p:cNvGrpSpPr/>
         <p:nvPr/>
       </p:nvGrpSpPr>
@@ -12929,7 +12906,9 @@
       <p:sp>
         <p:nvSpPr>
           <p:cNvPr id="174" name="Google Shape;174;p18"/>
-          <p:cNvSpPr txBox="1"/>
+          <p:cNvSpPr txBox="1">
+            <a:spLocks noGrp="1"/>
+          </p:cNvSpPr>
           <p:nvPr>
             <p:ph type="title"/>
           </p:nvPr>
@@ -12944,12 +12923,12 @@
           </a:prstGeom>
         </p:spPr>
         <p:txBody>
-          <a:bodyPr anchorCtr="0" anchor="t" bIns="91425" lIns="91425" spcFirstLastPara="1" rIns="91425" wrap="square" tIns="91425">
+          <a:bodyPr spcFirstLastPara="1" wrap="square" lIns="91425" tIns="91425" rIns="91425" bIns="91425" anchor="t" anchorCtr="0">
             <a:normAutofit/>
           </a:bodyPr>
           <a:lstStyle/>
           <a:p>
-            <a:pPr indent="0" lvl="0" marL="0" rtl="0" algn="l">
+            <a:pPr marL="0" lvl="0" indent="0" algn="l" rtl="0">
               <a:spcBef>
                 <a:spcPts val="0"/>
               </a:spcBef>
@@ -12969,9 +12948,11 @@
       <p:sp>
         <p:nvSpPr>
           <p:cNvPr id="175" name="Google Shape;175;p18"/>
-          <p:cNvSpPr txBox="1"/>
+          <p:cNvSpPr txBox="1">
+            <a:spLocks noGrp="1"/>
+          </p:cNvSpPr>
           <p:nvPr>
-            <p:ph idx="1" type="body"/>
+            <p:ph type="body" idx="1"/>
           </p:nvPr>
         </p:nvSpPr>
         <p:spPr>
@@ -12984,12 +12965,12 @@
           </a:prstGeom>
         </p:spPr>
         <p:txBody>
-          <a:bodyPr anchorCtr="0" anchor="t" bIns="91425" lIns="91425" spcFirstLastPara="1" rIns="91425" wrap="square" tIns="91425">
+          <a:bodyPr spcFirstLastPara="1" wrap="square" lIns="91425" tIns="91425" rIns="91425" bIns="91425" anchor="t" anchorCtr="0">
             <a:noAutofit/>
           </a:bodyPr>
           <a:lstStyle/>
           <a:p>
-            <a:pPr indent="-317500" lvl="0" marL="457200" rtl="0" algn="l">
+            <a:pPr marL="457200" lvl="0" indent="-317500" algn="l" rtl="0">
               <a:spcBef>
                 <a:spcPts val="0"/>
               </a:spcBef>
@@ -13001,28 +12982,12 @@
             </a:pPr>
             <a:r>
               <a:rPr lang="en" sz="1400"/>
-              <a:t>We originally intended to</a:t>
-            </a:r>
-            <a:r>
-              <a:rPr lang="en" sz="1400"/>
-              <a:t> use the </a:t>
-            </a:r>
-            <a:r>
-              <a:rPr lang="en" sz="1400"/>
-              <a:t>Electric Vehicle Population Data</a:t>
-            </a:r>
-            <a:r>
-              <a:rPr lang="en" sz="1400"/>
-              <a:t> data</a:t>
-            </a:r>
-            <a:r>
-              <a:rPr lang="en" sz="1400"/>
-              <a:t>set to find the population of electric vehicles across all US states.</a:t>
+              <a:t>We originally intended to use the Electric Vehicle Population Data dataset to find the population of electric vehicles across all US states.</a:t>
             </a:r>
             <a:endParaRPr sz="1400"/>
           </a:p>
           <a:p>
-            <a:pPr indent="-317500" lvl="0" marL="457200" rtl="0" algn="l">
+            <a:pPr marL="457200" lvl="0" indent="-317500" algn="l" rtl="0">
               <a:spcBef>
                 <a:spcPts val="0"/>
               </a:spcBef>
@@ -13039,7 +13004,7 @@
             <a:endParaRPr sz="1400"/>
           </a:p>
           <a:p>
-            <a:pPr indent="-317500" lvl="0" marL="457200" rtl="0" algn="l">
+            <a:pPr marL="457200" lvl="0" indent="-317500" algn="l" rtl="0">
               <a:spcBef>
                 <a:spcPts val="0"/>
               </a:spcBef>
@@ -13056,7 +13021,7 @@
             <a:endParaRPr sz="1400"/>
           </a:p>
           <a:p>
-            <a:pPr indent="-317500" lvl="0" marL="457200" rtl="0" algn="l">
+            <a:pPr marL="457200" lvl="0" indent="-317500" algn="l" rtl="0">
               <a:spcBef>
                 <a:spcPts val="0"/>
               </a:spcBef>
@@ -13073,7 +13038,7 @@
             <a:endParaRPr sz="1400"/>
           </a:p>
           <a:p>
-            <a:pPr indent="-317500" lvl="0" marL="457200" rtl="0" algn="l">
+            <a:pPr marL="457200" lvl="0" indent="-317500" algn="l" rtl="0">
               <a:spcBef>
                 <a:spcPts val="0"/>
               </a:spcBef>
@@ -13100,11 +13065,11 @@
 </file>
 
 <file path=ppt/slides/slide7.xml><?xml version="1.0" encoding="utf-8"?>
-<p:sld xmlns:a="http://schemas.openxmlformats.org/drawingml/2006/main" xmlns:r="http://schemas.openxmlformats.org/officeDocument/2006/relationships" xmlns:mc="http://schemas.openxmlformats.org/markup-compatibility/2006" xmlns:mv="urn:schemas-microsoft-com:mac:vml" xmlns:p="http://schemas.openxmlformats.org/presentationml/2006/main" xmlns:c="http://schemas.openxmlformats.org/drawingml/2006/chart" xmlns:dgm="http://schemas.openxmlformats.org/drawingml/2006/diagram" xmlns:o="urn:schemas-microsoft-com:office:office" xmlns:v="urn:schemas-microsoft-com:vml" xmlns:pvml="urn:schemas-microsoft-com:office:powerpoint" xmlns:com="http://schemas.openxmlformats.org/drawingml/2006/compatibility" xmlns:p14="http://schemas.microsoft.com/office/powerpoint/2010/main" xmlns:p15="http://schemas.microsoft.com/office/powerpoint/2012/main" xmlns:ahyp="http://schemas.microsoft.com/office/drawing/2018/hyperlinkcolor">
+<p:sld xmlns:a="http://schemas.openxmlformats.org/drawingml/2006/main" xmlns:r="http://schemas.openxmlformats.org/officeDocument/2006/relationships" xmlns:p="http://schemas.openxmlformats.org/presentationml/2006/main">
   <p:cSld>
     <p:spTree>
       <p:nvGrpSpPr>
-        <p:cNvPr id="179" name="Shape 179"/>
+        <p:cNvPr id="1" name="Shape 179"/>
         <p:cNvGrpSpPr/>
         <p:nvPr/>
       </p:nvGrpSpPr>
@@ -13119,7 +13084,9 @@
       <p:sp>
         <p:nvSpPr>
           <p:cNvPr id="180" name="Google Shape;180;p19"/>
-          <p:cNvSpPr txBox="1"/>
+          <p:cNvSpPr txBox="1">
+            <a:spLocks noGrp="1"/>
+          </p:cNvSpPr>
           <p:nvPr>
             <p:ph type="title"/>
           </p:nvPr>
@@ -13134,12 +13101,12 @@
           </a:prstGeom>
         </p:spPr>
         <p:txBody>
-          <a:bodyPr anchorCtr="0" anchor="t" bIns="91425" lIns="91425" spcFirstLastPara="1" rIns="91425" wrap="square" tIns="91425">
+          <a:bodyPr spcFirstLastPara="1" wrap="square" lIns="91425" tIns="91425" rIns="91425" bIns="91425" anchor="t" anchorCtr="0">
             <a:normAutofit/>
           </a:bodyPr>
           <a:lstStyle/>
           <a:p>
-            <a:pPr indent="0" lvl="0" marL="0" rtl="0" algn="l">
+            <a:pPr marL="0" lvl="0" indent="0" algn="l" rtl="0">
               <a:spcBef>
                 <a:spcPts val="0"/>
               </a:spcBef>
@@ -13159,9 +13126,11 @@
       <p:sp>
         <p:nvSpPr>
           <p:cNvPr id="181" name="Google Shape;181;p19"/>
-          <p:cNvSpPr txBox="1"/>
+          <p:cNvSpPr txBox="1">
+            <a:spLocks noGrp="1"/>
+          </p:cNvSpPr>
           <p:nvPr>
-            <p:ph idx="1" type="body"/>
+            <p:ph type="body" idx="1"/>
           </p:nvPr>
         </p:nvSpPr>
         <p:spPr>
@@ -13174,12 +13143,12 @@
           </a:prstGeom>
         </p:spPr>
         <p:txBody>
-          <a:bodyPr anchorCtr="0" anchor="t" bIns="91425" lIns="91425" spcFirstLastPara="1" rIns="91425" wrap="square" tIns="91425">
-            <a:normAutofit lnSpcReduction="20000"/>
+          <a:bodyPr spcFirstLastPara="1" wrap="square" lIns="91425" tIns="91425" rIns="91425" bIns="91425" anchor="t" anchorCtr="0">
+            <a:normAutofit/>
           </a:bodyPr>
           <a:lstStyle/>
           <a:p>
-            <a:pPr indent="0" lvl="0" marL="0" rtl="0" algn="l">
+            <a:pPr marL="0" lvl="0" indent="0" algn="l" rtl="0">
               <a:spcBef>
                 <a:spcPts val="0"/>
               </a:spcBef>
@@ -13195,7 +13164,7 @@
             <a:endParaRPr sz="1250"/>
           </a:p>
           <a:p>
-            <a:pPr indent="0" lvl="0" marL="0" rtl="0" algn="l">
+            <a:pPr marL="0" lvl="0" indent="0" algn="l" rtl="0">
               <a:spcBef>
                 <a:spcPts val="1200"/>
               </a:spcBef>
@@ -13205,7 +13174,7 @@
               <a:buNone/>
             </a:pPr>
             <a:r>
-              <a:rPr i="1" lang="en" sz="1250">
+              <a:rPr lang="en" sz="1250" i="1">
                 <a:solidFill>
                   <a:srgbClr val="000000"/>
                 </a:solidFill>
@@ -13215,7 +13184,7 @@
               </a:rPr>
               <a:t>How is this data useful? </a:t>
             </a:r>
-            <a:endParaRPr i="1" sz="1250">
+            <a:endParaRPr sz="1250" i="1">
               <a:solidFill>
                 <a:srgbClr val="000000"/>
               </a:solidFill>
@@ -13225,7 +13194,7 @@
             </a:endParaRPr>
           </a:p>
           <a:p>
-            <a:pPr indent="0" lvl="0" marL="0" rtl="0" algn="l">
+            <a:pPr marL="0" lvl="0" indent="0" algn="l" rtl="0">
               <a:spcBef>
                 <a:spcPts val="1200"/>
               </a:spcBef>
@@ -13235,7 +13204,7 @@
               <a:buNone/>
             </a:pPr>
             <a:r>
-              <a:rPr i="1" lang="en" sz="1250">
+              <a:rPr lang="en" sz="1250" i="1">
                 <a:solidFill>
                   <a:srgbClr val="000000"/>
                 </a:solidFill>
@@ -13245,7 +13214,7 @@
               </a:rPr>
               <a:t>Since the market is heavily dominated by the top 3 key players in Washington, other automotive brands may face a large barrier in gaining traction in this region. Considerations can be taken to explore other states or countries. </a:t>
             </a:r>
-            <a:endParaRPr i="1" sz="1250">
+            <a:endParaRPr sz="1250" i="1">
               <a:solidFill>
                 <a:srgbClr val="000000"/>
               </a:solidFill>
@@ -13255,7 +13224,7 @@
             </a:endParaRPr>
           </a:p>
           <a:p>
-            <a:pPr indent="0" lvl="0" marL="0" rtl="0" algn="l">
+            <a:pPr marL="0" lvl="0" indent="0" algn="l" rtl="0">
               <a:spcBef>
                 <a:spcPts val="1200"/>
               </a:spcBef>
@@ -13264,10 +13233,7 @@
               </a:spcAft>
               <a:buNone/>
             </a:pPr>
-            <a:r>
-              <a:t/>
-            </a:r>
-            <a:endParaRPr i="1" sz="1050">
+            <a:endParaRPr sz="1050" i="1">
               <a:solidFill>
                 <a:srgbClr val="000000"/>
               </a:solidFill>
@@ -13288,7 +13254,7 @@
           <a:blip r:embed="rId3">
             <a:alphaModFix/>
           </a:blip>
-          <a:srcRect b="12165" l="13663" r="11754" t="0"/>
+          <a:srcRect l="13663" r="11754" b="12165"/>
           <a:stretch/>
         </p:blipFill>
         <p:spPr>
@@ -13314,11 +13280,11 @@
 </file>
 
 <file path=ppt/slides/slide8.xml><?xml version="1.0" encoding="utf-8"?>
-<p:sld xmlns:a="http://schemas.openxmlformats.org/drawingml/2006/main" xmlns:r="http://schemas.openxmlformats.org/officeDocument/2006/relationships" xmlns:mc="http://schemas.openxmlformats.org/markup-compatibility/2006" xmlns:mv="urn:schemas-microsoft-com:mac:vml" xmlns:p="http://schemas.openxmlformats.org/presentationml/2006/main" xmlns:c="http://schemas.openxmlformats.org/drawingml/2006/chart" xmlns:dgm="http://schemas.openxmlformats.org/drawingml/2006/diagram" xmlns:o="urn:schemas-microsoft-com:office:office" xmlns:v="urn:schemas-microsoft-com:vml" xmlns:pvml="urn:schemas-microsoft-com:office:powerpoint" xmlns:com="http://schemas.openxmlformats.org/drawingml/2006/compatibility" xmlns:p14="http://schemas.microsoft.com/office/powerpoint/2010/main" xmlns:p15="http://schemas.microsoft.com/office/powerpoint/2012/main" xmlns:ahyp="http://schemas.microsoft.com/office/drawing/2018/hyperlinkcolor">
+<p:sld xmlns:a="http://schemas.openxmlformats.org/drawingml/2006/main" xmlns:r="http://schemas.openxmlformats.org/officeDocument/2006/relationships" xmlns:p="http://schemas.openxmlformats.org/presentationml/2006/main">
   <p:cSld>
     <p:spTree>
       <p:nvGrpSpPr>
-        <p:cNvPr id="186" name="Shape 186"/>
+        <p:cNvPr id="1" name="Shape 186"/>
         <p:cNvGrpSpPr/>
         <p:nvPr/>
       </p:nvGrpSpPr>
@@ -13333,7 +13299,9 @@
       <p:sp>
         <p:nvSpPr>
           <p:cNvPr id="187" name="Google Shape;187;p20"/>
-          <p:cNvSpPr txBox="1"/>
+          <p:cNvSpPr txBox="1">
+            <a:spLocks noGrp="1"/>
+          </p:cNvSpPr>
           <p:nvPr>
             <p:ph type="title"/>
           </p:nvPr>
@@ -13348,12 +13316,12 @@
           </a:prstGeom>
         </p:spPr>
         <p:txBody>
-          <a:bodyPr anchorCtr="0" anchor="t" bIns="91425" lIns="91425" spcFirstLastPara="1" rIns="91425" wrap="square" tIns="91425">
+          <a:bodyPr spcFirstLastPara="1" wrap="square" lIns="91425" tIns="91425" rIns="91425" bIns="91425" anchor="t" anchorCtr="0">
             <a:normAutofit fontScale="90000"/>
           </a:bodyPr>
           <a:lstStyle/>
           <a:p>
-            <a:pPr indent="0" lvl="0" marL="0" rtl="0" algn="l">
+            <a:pPr marL="0" lvl="0" indent="0" algn="l" rtl="0">
               <a:spcBef>
                 <a:spcPts val="0"/>
               </a:spcBef>
@@ -13390,12 +13358,12 @@
           </a:ln>
         </p:spPr>
         <p:txBody>
-          <a:bodyPr anchorCtr="0" anchor="t" bIns="91425" lIns="91425" spcFirstLastPara="1" rIns="91425" wrap="square" tIns="91425">
+          <a:bodyPr spcFirstLastPara="1" wrap="square" lIns="91425" tIns="91425" rIns="91425" bIns="91425" anchor="t" anchorCtr="0">
             <a:spAutoFit/>
           </a:bodyPr>
           <a:lstStyle/>
           <a:p>
-            <a:pPr indent="0" lvl="0" marL="0" rtl="0" algn="l">
+            <a:pPr marL="0" lvl="0" indent="0" algn="l" rtl="0">
               <a:spcBef>
                 <a:spcPts val="0"/>
               </a:spcBef>
@@ -13404,9 +13372,6 @@
               </a:spcAft>
               <a:buNone/>
             </a:pPr>
-            <a:r>
-              <a:t/>
-            </a:r>
             <a:endParaRPr>
               <a:latin typeface="Calibri"/>
               <a:ea typeface="Calibri"/>
@@ -13426,7 +13391,7 @@
           <a:blip r:embed="rId3">
             <a:alphaModFix/>
           </a:blip>
-          <a:srcRect b="0" l="3912" r="8560" t="0"/>
+          <a:srcRect l="3912" r="8560"/>
           <a:stretch/>
         </p:blipFill>
         <p:spPr>
@@ -13446,9 +13411,11 @@
       <p:sp>
         <p:nvSpPr>
           <p:cNvPr id="190" name="Google Shape;190;p20"/>
-          <p:cNvSpPr txBox="1"/>
+          <p:cNvSpPr txBox="1">
+            <a:spLocks noGrp="1"/>
+          </p:cNvSpPr>
           <p:nvPr>
-            <p:ph idx="1" type="body"/>
+            <p:ph type="body" idx="1"/>
           </p:nvPr>
         </p:nvSpPr>
         <p:spPr>
@@ -13461,12 +13428,12 @@
           </a:prstGeom>
         </p:spPr>
         <p:txBody>
-          <a:bodyPr anchorCtr="0" anchor="ctr" bIns="91425" lIns="91425" spcFirstLastPara="1" rIns="91425" wrap="square" tIns="91425">
+          <a:bodyPr spcFirstLastPara="1" wrap="square" lIns="91425" tIns="91425" rIns="91425" bIns="91425" anchor="ctr" anchorCtr="0">
             <a:normAutofit/>
           </a:bodyPr>
           <a:lstStyle/>
           <a:p>
-            <a:pPr indent="0" lvl="0" marL="0" rtl="0" algn="l">
+            <a:pPr marL="0" lvl="0" indent="0" algn="l" rtl="0">
               <a:spcBef>
                 <a:spcPts val="0"/>
               </a:spcBef>
@@ -13477,28 +13444,12 @@
             </a:pPr>
             <a:r>
               <a:rPr lang="en" sz="1350"/>
-              <a:t>A</a:t>
-            </a:r>
-            <a:r>
-              <a:rPr lang="en" sz="1350"/>
-              <a:t>s of October 31 2021, </a:t>
-            </a:r>
-            <a:r>
-              <a:rPr lang="en" sz="1350"/>
-              <a:t>Washington ha</a:t>
-            </a:r>
-            <a:r>
-              <a:rPr lang="en" sz="1350"/>
-              <a:t>d</a:t>
-            </a:r>
-            <a:r>
-              <a:rPr lang="en" sz="1350"/>
-              <a:t> 82851 total electric vehicles, making up 1.36% of their total vehicles.</a:t>
+              <a:t>As of October 31 2021, Washington had 82851 total electric vehicles, making up 1.36% of their total vehicles.</a:t>
             </a:r>
             <a:endParaRPr sz="1350"/>
           </a:p>
           <a:p>
-            <a:pPr indent="0" lvl="0" marL="0" rtl="0" algn="l">
+            <a:pPr marL="0" lvl="0" indent="0" algn="l" rtl="0">
               <a:spcBef>
                 <a:spcPts val="1200"/>
               </a:spcBef>
@@ -13514,7 +13465,7 @@
             <a:endParaRPr sz="1350"/>
           </a:p>
           <a:p>
-            <a:pPr indent="0" lvl="0" marL="0" rtl="0" algn="l">
+            <a:pPr marL="0" lvl="0" indent="0" algn="l" rtl="0">
               <a:spcBef>
                 <a:spcPts val="1200"/>
               </a:spcBef>
@@ -13525,13 +13476,9 @@
             </a:pPr>
             <a:r>
               <a:rPr lang="en" sz="1350"/>
-              <a:t>King, Washington has by far the highest count of electric vehicles with 43352 vehicles, making up 2.78% of their total vehicles.</a:t>
+              <a:t>King, Washington has by far the highest count of electric vehicles with 43352 vehicles, making up 2.78% of their total vehicles. </a:t>
             </a:r>
-            <a:r>
-              <a:rPr lang="en" sz="1350"/>
-              <a:t> </a:t>
-            </a:r>
-            <a:endParaRPr i="1" sz="1150">
+            <a:endParaRPr sz="1150" i="1">
               <a:solidFill>
                 <a:srgbClr val="000000"/>
               </a:solidFill>
@@ -13551,11 +13498,11 @@
 </file>
 
 <file path=ppt/slides/slide9.xml><?xml version="1.0" encoding="utf-8"?>
-<p:sld xmlns:a="http://schemas.openxmlformats.org/drawingml/2006/main" xmlns:r="http://schemas.openxmlformats.org/officeDocument/2006/relationships" xmlns:mc="http://schemas.openxmlformats.org/markup-compatibility/2006" xmlns:mv="urn:schemas-microsoft-com:mac:vml" xmlns:p="http://schemas.openxmlformats.org/presentationml/2006/main" xmlns:c="http://schemas.openxmlformats.org/drawingml/2006/chart" xmlns:dgm="http://schemas.openxmlformats.org/drawingml/2006/diagram" xmlns:o="urn:schemas-microsoft-com:office:office" xmlns:v="urn:schemas-microsoft-com:vml" xmlns:pvml="urn:schemas-microsoft-com:office:powerpoint" xmlns:com="http://schemas.openxmlformats.org/drawingml/2006/compatibility" xmlns:p14="http://schemas.microsoft.com/office/powerpoint/2010/main" xmlns:p15="http://schemas.microsoft.com/office/powerpoint/2012/main" xmlns:ahyp="http://schemas.microsoft.com/office/drawing/2018/hyperlinkcolor">
+<p:sld xmlns:a="http://schemas.openxmlformats.org/drawingml/2006/main" xmlns:r="http://schemas.openxmlformats.org/officeDocument/2006/relationships" xmlns:p="http://schemas.openxmlformats.org/presentationml/2006/main">
   <p:cSld>
     <p:spTree>
       <p:nvGrpSpPr>
-        <p:cNvPr id="194" name="Shape 194"/>
+        <p:cNvPr id="1" name="Shape 194"/>
         <p:cNvGrpSpPr/>
         <p:nvPr/>
       </p:nvGrpSpPr>
@@ -13570,7 +13517,9 @@
       <p:sp>
         <p:nvSpPr>
           <p:cNvPr id="195" name="Google Shape;195;p21"/>
-          <p:cNvSpPr txBox="1"/>
+          <p:cNvSpPr txBox="1">
+            <a:spLocks noGrp="1"/>
+          </p:cNvSpPr>
           <p:nvPr>
             <p:ph type="title"/>
           </p:nvPr>
@@ -13585,12 +13534,12 @@
           </a:prstGeom>
         </p:spPr>
         <p:txBody>
-          <a:bodyPr anchorCtr="0" anchor="t" bIns="91425" lIns="91425" spcFirstLastPara="1" rIns="91425" wrap="square" tIns="91425">
+          <a:bodyPr spcFirstLastPara="1" wrap="square" lIns="91425" tIns="91425" rIns="91425" bIns="91425" anchor="t" anchorCtr="0">
             <a:normAutofit fontScale="90000"/>
           </a:bodyPr>
           <a:lstStyle/>
           <a:p>
-            <a:pPr indent="0" lvl="0" marL="0" rtl="0" algn="l">
+            <a:pPr marL="0" lvl="0" indent="0" algn="l" rtl="0">
               <a:spcBef>
                 <a:spcPts val="0"/>
               </a:spcBef>
@@ -13627,12 +13576,12 @@
           </a:ln>
         </p:spPr>
         <p:txBody>
-          <a:bodyPr anchorCtr="0" anchor="t" bIns="91425" lIns="91425" spcFirstLastPara="1" rIns="91425" wrap="square" tIns="91425">
+          <a:bodyPr spcFirstLastPara="1" wrap="square" lIns="91425" tIns="91425" rIns="91425" bIns="91425" anchor="t" anchorCtr="0">
             <a:spAutoFit/>
           </a:bodyPr>
           <a:lstStyle/>
           <a:p>
-            <a:pPr indent="0" lvl="0" marL="0" rtl="0" algn="l">
+            <a:pPr marL="0" lvl="0" indent="0" algn="l" rtl="0">
               <a:spcBef>
                 <a:spcPts val="0"/>
               </a:spcBef>
@@ -13641,9 +13590,6 @@
               </a:spcAft>
               <a:buNone/>
             </a:pPr>
-            <a:r>
-              <a:t/>
-            </a:r>
             <a:endParaRPr>
               <a:latin typeface="Calibri"/>
               <a:ea typeface="Calibri"/>
@@ -13656,9 +13602,11 @@
       <p:sp>
         <p:nvSpPr>
           <p:cNvPr id="197" name="Google Shape;197;p21"/>
-          <p:cNvSpPr txBox="1"/>
+          <p:cNvSpPr txBox="1">
+            <a:spLocks noGrp="1"/>
+          </p:cNvSpPr>
           <p:nvPr>
-            <p:ph idx="1" type="body"/>
+            <p:ph type="body" idx="1"/>
           </p:nvPr>
         </p:nvSpPr>
         <p:spPr>
@@ -13671,12 +13619,12 @@
           </a:prstGeom>
         </p:spPr>
         <p:txBody>
-          <a:bodyPr anchorCtr="0" anchor="ctr" bIns="91425" lIns="91425" spcFirstLastPara="1" rIns="91425" wrap="square" tIns="91425">
+          <a:bodyPr spcFirstLastPara="1" wrap="square" lIns="91425" tIns="91425" rIns="91425" bIns="91425" anchor="ctr" anchorCtr="0">
             <a:noAutofit/>
           </a:bodyPr>
           <a:lstStyle/>
           <a:p>
-            <a:pPr indent="0" lvl="0" marL="0" rtl="0" algn="l">
+            <a:pPr marL="0" lvl="0" indent="0" algn="l" rtl="0">
               <a:spcBef>
                 <a:spcPts val="0"/>
               </a:spcBef>
@@ -13694,29 +13642,7 @@
                   <a:srgbClr val="FFFFFF"/>
                 </a:highlight>
               </a:rPr>
-              <a:t>This heatmap shows a high </a:t>
-            </a:r>
-            <a:r>
-              <a:rPr lang="en" sz="1350">
-                <a:solidFill>
-                  <a:srgbClr val="000000"/>
-                </a:solidFill>
-                <a:highlight>
-                  <a:srgbClr val="FFFFFF"/>
-                </a:highlight>
-              </a:rPr>
-              <a:t>concentration</a:t>
-            </a:r>
-            <a:r>
-              <a:rPr lang="en" sz="1350">
-                <a:solidFill>
-                  <a:srgbClr val="000000"/>
-                </a:solidFill>
-                <a:highlight>
-                  <a:srgbClr val="FFFFFF"/>
-                </a:highlight>
-              </a:rPr>
-              <a:t> of electric vehicles in the west of Washington, centred around Seattle. Seattle is Washington’s largest city and is in the county of King.</a:t>
+              <a:t>This heatmap shows a high concentration of electric vehicles in the west of Washington, centred around Seattle. Seattle is Washington’s largest city and is in the county of King.</a:t>
             </a:r>
             <a:endParaRPr sz="1350">
               <a:solidFill>
@@ -13728,7 +13654,7 @@
             </a:endParaRPr>
           </a:p>
           <a:p>
-            <a:pPr indent="0" lvl="0" marL="0" rtl="0" algn="l">
+            <a:pPr marL="0" lvl="0" indent="0" algn="l" rtl="0">
               <a:spcBef>
                 <a:spcPts val="1200"/>
               </a:spcBef>
@@ -13738,7 +13664,7 @@
               <a:buNone/>
             </a:pPr>
             <a:r>
-              <a:rPr i="1" lang="en" sz="1350">
+              <a:rPr lang="en" sz="1350" i="1">
                 <a:solidFill>
                   <a:srgbClr val="000000"/>
                 </a:solidFill>
@@ -13748,7 +13674,7 @@
               </a:rPr>
               <a:t>How is this data useful? </a:t>
             </a:r>
-            <a:endParaRPr i="1" sz="1350">
+            <a:endParaRPr sz="1350" i="1">
               <a:solidFill>
                 <a:srgbClr val="000000"/>
               </a:solidFill>
@@ -13758,7 +13684,7 @@
             </a:endParaRPr>
           </a:p>
           <a:p>
-            <a:pPr indent="0" lvl="0" marL="0" rtl="0" algn="l">
+            <a:pPr marL="0" lvl="0" indent="0" algn="l" rtl="0">
               <a:spcBef>
                 <a:spcPts val="1200"/>
               </a:spcBef>
@@ -13768,7 +13694,7 @@
               <a:buNone/>
             </a:pPr>
             <a:r>
-              <a:rPr i="1" lang="en" sz="1350">
+              <a:rPr lang="en" sz="1350" i="1">
                 <a:solidFill>
                   <a:srgbClr val="000000"/>
                 </a:solidFill>
@@ -13778,7 +13704,7 @@
               </a:rPr>
               <a:t>Automotive brands may use this data to determine the locations where residents may be more likely to purchase electric vehicles. This information could influence where brands advertise or establish dealerships.</a:t>
             </a:r>
-            <a:endParaRPr i="1" sz="1350">
+            <a:endParaRPr sz="1350" i="1">
               <a:solidFill>
                 <a:srgbClr val="000000"/>
               </a:solidFill>
@@ -13799,7 +13725,7 @@
           <a:blip r:embed="rId3">
             <a:alphaModFix/>
           </a:blip>
-          <a:srcRect b="9183" l="23546" r="29286" t="12255"/>
+          <a:srcRect l="23546" t="12255" r="29286" b="9183"/>
           <a:stretch/>
         </p:blipFill>
         <p:spPr>
@@ -13825,7 +13751,7 @@
 </file>
 
 <file path=ppt/theme/theme1.xml><?xml version="1.0" encoding="utf-8"?>
-<a:theme xmlns:a="http://schemas.openxmlformats.org/drawingml/2006/main" xmlns:r="http://schemas.openxmlformats.org/officeDocument/2006/relationships" name="Shift">
+<a:theme xmlns:a="http://schemas.openxmlformats.org/drawingml/2006/main" name="Shift">
   <a:themeElements>
     <a:clrScheme name="Shift">
       <a:dk1>
@@ -14100,11 +14026,13 @@
       </a:bgFillStyleLst>
     </a:fmtScheme>
   </a:themeElements>
+  <a:objectDefaults/>
+  <a:extraClrSchemeLst/>
 </a:theme>
 </file>
 
 <file path=ppt/theme/theme2.xml><?xml version="1.0" encoding="utf-8"?>
-<a:theme xmlns:a="http://schemas.openxmlformats.org/drawingml/2006/main" xmlns:r="http://schemas.openxmlformats.org/officeDocument/2006/relationships">
+<a:theme xmlns:a="http://schemas.openxmlformats.org/drawingml/2006/main">
   <a:themeElements>
     <a:clrScheme name="Default">
       <a:dk1>
@@ -14379,5 +14307,7 @@
       </a:bgFillStyleLst>
     </a:fmtScheme>
   </a:themeElements>
+  <a:objectDefaults/>
+  <a:extraClrSchemeLst/>
 </a:theme>
 </file>